--- a/slides/COREJ1/COREJ1 - Chapter5.pptx
+++ b/slides/COREJ1/COREJ1 - Chapter5.pptx
@@ -348,7 +348,7 @@
           <a:p>
             <a:fld id="{9DEB306A-FE1C-4996-AB92-3C76DD2CBDB3}" type="datetimeFigureOut">
               <a:rPr lang="es-SV" smtClean="0"/>
-              <a:t>10/10/17</a:t>
+              <a:t>11/10/17</a:t>
             </a:fld>
             <a:endParaRPr lang="es-SV"/>
           </a:p>
@@ -513,7 +513,7 @@
           <a:p>
             <a:fld id="{01993A81-F12D-42C5-A35C-8AABE483B59D}" type="datetimeFigureOut">
               <a:rPr lang="es-MX" smtClean="0"/>
-              <a:t>10/10/17</a:t>
+              <a:t>11/10/17</a:t>
             </a:fld>
             <a:endParaRPr lang="es-MX"/>
           </a:p>
@@ -17108,15 +17108,6 @@
               </a:rPr>
               <a:t>5</a:t>
             </a:r>
-            <a:endParaRPr lang="en-US" sz="6600" dirty="0">
-              <a:solidFill>
-                <a:schemeClr val="accent3">
-                  <a:lumMod val="75000"/>
-                </a:schemeClr>
-              </a:solidFill>
-              <a:ea typeface="Open Sans Semibold" panose="020B0706030804020204" pitchFamily="34" charset="0"/>
-              <a:cs typeface="Open Sans Semibold" panose="020B0706030804020204" pitchFamily="34" charset="0"/>
-            </a:endParaRPr>
           </a:p>
         </p:txBody>
       </p:sp>
@@ -17183,11 +17174,7 @@
             </a:pPr>
             <a:r>
               <a:rPr lang="en-US" sz="3600" dirty="0" smtClean="0"/>
-              <a:t>See </a:t>
-            </a:r>
-            <a:r>
-              <a:rPr lang="en-US" sz="3600" dirty="0" smtClean="0"/>
-              <a:t>COREJ1-Chapter5 </a:t>
+              <a:t>See COREJ1-Chapter5 </a:t>
             </a:r>
             <a:r>
               <a:rPr lang="en-US" sz="3600" dirty="0"/>
@@ -25065,10 +25052,6 @@
               </a:rPr>
               <a:t>SOLID principles</a:t>
             </a:r>
-            <a:endParaRPr lang="en-US" sz="2800" dirty="0">
-              <a:ea typeface="Open Sans" panose="020B0606030504020204" pitchFamily="34" charset="0"/>
-              <a:cs typeface="Open Sans" panose="020B0606030504020204" pitchFamily="34" charset="0"/>
-            </a:endParaRPr>
           </a:p>
         </p:txBody>
       </p:sp>
@@ -26814,7 +26797,7 @@
         <p:spPr>
           <a:xfrm>
             <a:off x="2246688" y="2855786"/>
-            <a:ext cx="19982220" cy="646331"/>
+            <a:ext cx="19982220" cy="1754326"/>
           </a:xfrm>
           <a:prstGeom prst="rect">
             <a:avLst/>
@@ -26832,9 +26815,33 @@
               <a:buChar char="•"/>
             </a:pPr>
             <a:r>
+              <a:rPr lang="en-US" sz="3600" dirty="0"/>
+              <a:t>Static Polymorphism also known as compile time </a:t>
+            </a:r>
+            <a:r>
               <a:rPr lang="en-US" sz="3600" dirty="0" smtClean="0"/>
-              <a:t>Text Here</a:t>
+              <a:t>polymorphism.</a:t>
             </a:r>
+          </a:p>
+          <a:p>
+            <a:pPr marL="571500" indent="-571500">
+              <a:buFont typeface="Arial" panose="020B0604020202020204" pitchFamily="34" charset="0"/>
+              <a:buChar char="•"/>
+            </a:pPr>
+            <a:r>
+              <a:rPr lang="en-US" sz="3600" dirty="0"/>
+              <a:t>Dynamic Polymorphism also known as runtime </a:t>
+            </a:r>
+            <a:r>
+              <a:rPr lang="en-US" sz="3600" smtClean="0"/>
+              <a:t>polymorphism.</a:t>
+            </a:r>
+          </a:p>
+          <a:p>
+            <a:pPr marL="571500" indent="-571500">
+              <a:buFont typeface="Arial" panose="020B0604020202020204" pitchFamily="34" charset="0"/>
+              <a:buChar char="•"/>
+            </a:pPr>
             <a:endParaRPr lang="en-US" sz="3600" dirty="0"/>
           </a:p>
         </p:txBody>
@@ -32608,7 +32615,6 @@
               <a:rPr lang="en-IN" sz="3600" dirty="0" smtClean="0"/>
               <a:t>Text Here</a:t>
             </a:r>
-            <a:endParaRPr lang="en-IN" sz="3600" dirty="0" smtClean="0"/>
           </a:p>
         </p:txBody>
       </p:sp>
@@ -33216,7 +33222,6 @@
               <a:rPr lang="en-IN" sz="3600" dirty="0" smtClean="0"/>
               <a:t>Text here</a:t>
             </a:r>
-            <a:endParaRPr lang="en-IN" sz="3600" dirty="0" smtClean="0"/>
           </a:p>
         </p:txBody>
       </p:sp>
@@ -33744,7 +33749,6 @@
               <a:rPr lang="en-IN" sz="3000" dirty="0" smtClean="0"/>
               <a:t>Text Here</a:t>
             </a:r>
-            <a:endParaRPr lang="en-IN" sz="3000" dirty="0" smtClean="0"/>
           </a:p>
         </p:txBody>
       </p:sp>
@@ -34260,7 +34264,6 @@
               <a:rPr lang="en-IN" sz="3000" dirty="0" smtClean="0"/>
               <a:t>Text Here</a:t>
             </a:r>
-            <a:endParaRPr lang="en-IN" sz="3000" dirty="0" smtClean="0"/>
           </a:p>
         </p:txBody>
       </p:sp>
@@ -34776,7 +34779,6 @@
               <a:rPr lang="en-IN" sz="3000" dirty="0" smtClean="0"/>
               <a:t>Text Here</a:t>
             </a:r>
-            <a:endParaRPr lang="en-IN" sz="3000" dirty="0" smtClean="0"/>
           </a:p>
         </p:txBody>
       </p:sp>
@@ -35292,7 +35294,6 @@
               <a:rPr lang="en-IN" sz="3000" dirty="0" smtClean="0"/>
               <a:t>Text Here</a:t>
             </a:r>
-            <a:endParaRPr lang="en-IN" sz="3000" dirty="0" smtClean="0"/>
           </a:p>
         </p:txBody>
       </p:sp>

--- a/slides/COREJ1/COREJ1 - Chapter5.pptx
+++ b/slides/COREJ1/COREJ1 - Chapter5.pptx
@@ -5,23 +5,22 @@
     <p:sldMasterId id="2147483807" r:id="rId1"/>
   </p:sldMasterIdLst>
   <p:notesMasterIdLst>
-    <p:notesMasterId r:id="rId13"/>
+    <p:notesMasterId r:id="rId12"/>
   </p:notesMasterIdLst>
   <p:handoutMasterIdLst>
-    <p:handoutMasterId r:id="rId14"/>
+    <p:handoutMasterId r:id="rId13"/>
   </p:handoutMasterIdLst>
   <p:sldIdLst>
     <p:sldId id="793" r:id="rId2"/>
     <p:sldId id="804" r:id="rId3"/>
     <p:sldId id="887" r:id="rId4"/>
     <p:sldId id="884" r:id="rId5"/>
-    <p:sldId id="876" r:id="rId6"/>
-    <p:sldId id="877" r:id="rId7"/>
-    <p:sldId id="890" r:id="rId8"/>
-    <p:sldId id="889" r:id="rId9"/>
-    <p:sldId id="888" r:id="rId10"/>
-    <p:sldId id="849" r:id="rId11"/>
-    <p:sldId id="794" r:id="rId12"/>
+    <p:sldId id="877" r:id="rId6"/>
+    <p:sldId id="890" r:id="rId7"/>
+    <p:sldId id="889" r:id="rId8"/>
+    <p:sldId id="891" r:id="rId9"/>
+    <p:sldId id="849" r:id="rId10"/>
+    <p:sldId id="794" r:id="rId11"/>
   </p:sldIdLst>
   <p:sldSz cx="24385588" cy="13717588"/>
   <p:notesSz cx="6858000" cy="9144000"/>
@@ -348,7 +347,7 @@
           <a:p>
             <a:fld id="{9DEB306A-FE1C-4996-AB92-3C76DD2CBDB3}" type="datetimeFigureOut">
               <a:rPr lang="es-SV" smtClean="0"/>
-              <a:t>11/10/17</a:t>
+              <a:t>14/10/17</a:t>
             </a:fld>
             <a:endParaRPr lang="es-SV"/>
           </a:p>
@@ -513,7 +512,7 @@
           <a:p>
             <a:fld id="{01993A81-F12D-42C5-A35C-8AABE483B59D}" type="datetimeFigureOut">
               <a:rPr lang="es-MX" smtClean="0"/>
-              <a:t>11/10/17</a:t>
+              <a:t>14/10/17</a:t>
             </a:fld>
             <a:endParaRPr lang="es-MX"/>
           </a:p>
@@ -1023,7 +1022,7 @@
     </p:spTree>
     <p:extLst>
       <p:ext uri="{BB962C8B-B14F-4D97-AF65-F5344CB8AC3E}">
-        <p14:creationId xmlns:p14="http://schemas.microsoft.com/office/powerpoint/2010/main" val="1700081057"/>
+        <p14:creationId xmlns:p14="http://schemas.microsoft.com/office/powerpoint/2010/main" val="2065543733"/>
       </p:ext>
     </p:extLst>
   </p:cSld>
@@ -1107,7 +1106,7 @@
     </p:spTree>
     <p:extLst>
       <p:ext uri="{BB962C8B-B14F-4D97-AF65-F5344CB8AC3E}">
-        <p14:creationId xmlns:p14="http://schemas.microsoft.com/office/powerpoint/2010/main" val="2065543733"/>
+        <p14:creationId xmlns:p14="http://schemas.microsoft.com/office/powerpoint/2010/main" val="1656158996"/>
       </p:ext>
     </p:extLst>
   </p:cSld>
@@ -1191,7 +1190,7 @@
     </p:spTree>
     <p:extLst>
       <p:ext uri="{BB962C8B-B14F-4D97-AF65-F5344CB8AC3E}">
-        <p14:creationId xmlns:p14="http://schemas.microsoft.com/office/powerpoint/2010/main" val="1656158996"/>
+        <p14:creationId xmlns:p14="http://schemas.microsoft.com/office/powerpoint/2010/main" val="365170795"/>
       </p:ext>
     </p:extLst>
   </p:cSld>
@@ -1275,7 +1274,7 @@
     </p:spTree>
     <p:extLst>
       <p:ext uri="{BB962C8B-B14F-4D97-AF65-F5344CB8AC3E}">
-        <p14:creationId xmlns:p14="http://schemas.microsoft.com/office/powerpoint/2010/main" val="365170795"/>
+        <p14:creationId xmlns:p14="http://schemas.microsoft.com/office/powerpoint/2010/main" val="1184950699"/>
       </p:ext>
     </p:extLst>
   </p:cSld>
@@ -1351,90 +1350,6 @@
             <a:fld id="{69BC2EFC-28F3-48C0-BF6B-230A53BCFDFC}" type="slidenum">
               <a:rPr lang="es-MX" smtClean="0"/>
               <a:t>9</a:t>
-            </a:fld>
-            <a:endParaRPr lang="es-MX"/>
-          </a:p>
-        </p:txBody>
-      </p:sp>
-    </p:spTree>
-    <p:extLst>
-      <p:ext uri="{BB962C8B-B14F-4D97-AF65-F5344CB8AC3E}">
-        <p14:creationId xmlns:p14="http://schemas.microsoft.com/office/powerpoint/2010/main" val="694428162"/>
-      </p:ext>
-    </p:extLst>
-  </p:cSld>
-  <p:clrMapOvr>
-    <a:masterClrMapping/>
-  </p:clrMapOvr>
-</p:notes>
-</file>
-
-<file path=ppt/notesSlides/notesSlide8.xml><?xml version="1.0" encoding="utf-8"?>
-<p:notes xmlns:a="http://schemas.openxmlformats.org/drawingml/2006/main" xmlns:r="http://schemas.openxmlformats.org/officeDocument/2006/relationships" xmlns:p="http://schemas.openxmlformats.org/presentationml/2006/main">
-  <p:cSld>
-    <p:spTree>
-      <p:nvGrpSpPr>
-        <p:cNvPr id="1" name=""/>
-        <p:cNvGrpSpPr/>
-        <p:nvPr/>
-      </p:nvGrpSpPr>
-      <p:grpSpPr>
-        <a:xfrm>
-          <a:off x="0" y="0"/>
-          <a:ext cx="0" cy="0"/>
-          <a:chOff x="0" y="0"/>
-          <a:chExt cx="0" cy="0"/>
-        </a:xfrm>
-      </p:grpSpPr>
-      <p:sp>
-        <p:nvSpPr>
-          <p:cNvPr id="2" name="Slide Image Placeholder 1"/>
-          <p:cNvSpPr>
-            <a:spLocks noGrp="1" noRot="1" noChangeAspect="1"/>
-          </p:cNvSpPr>
-          <p:nvPr>
-            <p:ph type="sldImg"/>
-          </p:nvPr>
-        </p:nvSpPr>
-        <p:spPr/>
-      </p:sp>
-      <p:sp>
-        <p:nvSpPr>
-          <p:cNvPr id="3" name="Notes Placeholder 2"/>
-          <p:cNvSpPr>
-            <a:spLocks noGrp="1"/>
-          </p:cNvSpPr>
-          <p:nvPr>
-            <p:ph type="body" idx="1"/>
-          </p:nvPr>
-        </p:nvSpPr>
-        <p:spPr/>
-        <p:txBody>
-          <a:bodyPr/>
-          <a:lstStyle/>
-          <a:p>
-            <a:endParaRPr lang="en-US" dirty="0"/>
-          </a:p>
-        </p:txBody>
-      </p:sp>
-      <p:sp>
-        <p:nvSpPr>
-          <p:cNvPr id="4" name="Slide Number Placeholder 3"/>
-          <p:cNvSpPr>
-            <a:spLocks noGrp="1"/>
-          </p:cNvSpPr>
-          <p:nvPr>
-            <p:ph type="sldNum" sz="quarter" idx="10"/>
-          </p:nvPr>
-        </p:nvSpPr>
-        <p:spPr/>
-        <p:txBody>
-          <a:bodyPr/>
-          <a:lstStyle/>
-          <a:p>
-            <a:fld id="{69BC2EFC-28F3-48C0-BF6B-230A53BCFDFC}" type="slidenum">
-              <a:rPr lang="es-MX" smtClean="0"/>
-              <a:t>10</a:t>
             </a:fld>
             <a:endParaRPr lang="es-MX"/>
           </a:p>
@@ -16902,1654 +16817,6 @@
       </p:grpSpPr>
       <p:sp>
         <p:nvSpPr>
-          <p:cNvPr id="2" name="Marcador de texto 4"/>
-          <p:cNvSpPr txBox="1">
-            <a:spLocks/>
-          </p:cNvSpPr>
-          <p:nvPr/>
-        </p:nvSpPr>
-        <p:spPr>
-          <a:xfrm>
-            <a:off x="1886648" y="1053149"/>
-            <a:ext cx="18092011" cy="1802637"/>
-          </a:xfrm>
-          <a:prstGeom prst="rect">
-            <a:avLst/>
-          </a:prstGeom>
-        </p:spPr>
-        <p:txBody>
-          <a:bodyPr/>
-          <a:lstStyle>
-            <a:lvl1pPr marL="0" indent="0" algn="l" defTabSz="1812040" rtl="0" eaLnBrk="1" latinLnBrk="0" hangingPunct="1">
-              <a:spcBef>
-                <a:spcPct val="20000"/>
-              </a:spcBef>
-              <a:spcAft>
-                <a:spcPts val="1199"/>
-              </a:spcAft>
-              <a:buFont typeface="Arial" pitchFamily="34" charset="0"/>
-              <a:buNone/>
-              <a:defRPr sz="4000" b="1" kern="1200">
-                <a:solidFill>
-                  <a:schemeClr val="tx1"/>
-                </a:solidFill>
-                <a:latin typeface="+mn-lt"/>
-                <a:ea typeface="+mn-ea"/>
-                <a:cs typeface="+mn-cs"/>
-              </a:defRPr>
-            </a:lvl1pPr>
-            <a:lvl2pPr marL="906009" indent="-362365" algn="l" defTabSz="1812040" rtl="0" eaLnBrk="1" latinLnBrk="0" hangingPunct="1">
-              <a:spcBef>
-                <a:spcPct val="20000"/>
-              </a:spcBef>
-              <a:buClr>
-                <a:schemeClr val="tx2"/>
-              </a:buClr>
-              <a:buFont typeface="Arial" pitchFamily="34" charset="0"/>
-              <a:buChar char="•"/>
-              <a:defRPr sz="4000" kern="1200">
-                <a:solidFill>
-                  <a:schemeClr val="tx1"/>
-                </a:solidFill>
-                <a:latin typeface="+mn-lt"/>
-                <a:ea typeface="+mn-ea"/>
-                <a:cs typeface="+mn-cs"/>
-              </a:defRPr>
-            </a:lvl2pPr>
-            <a:lvl3pPr marL="2265040" indent="-453004" algn="l" defTabSz="1812040" rtl="0" eaLnBrk="1" latinLnBrk="0" hangingPunct="1">
-              <a:spcBef>
-                <a:spcPct val="20000"/>
-              </a:spcBef>
-              <a:buClr>
-                <a:schemeClr val="tx2"/>
-              </a:buClr>
-              <a:buFont typeface="Arial" pitchFamily="34" charset="0"/>
-              <a:buChar char="•"/>
-              <a:defRPr sz="3702" kern="1200">
-                <a:solidFill>
-                  <a:schemeClr val="tx1"/>
-                </a:solidFill>
-                <a:latin typeface="+mn-lt"/>
-                <a:ea typeface="+mn-ea"/>
-                <a:cs typeface="+mn-cs"/>
-              </a:defRPr>
-            </a:lvl3pPr>
-            <a:lvl4pPr marL="3171046" indent="-453004" algn="l" defTabSz="1812040" rtl="0" eaLnBrk="1" latinLnBrk="0" hangingPunct="1">
-              <a:spcBef>
-                <a:spcPct val="20000"/>
-              </a:spcBef>
-              <a:buClr>
-                <a:schemeClr val="tx2"/>
-              </a:buClr>
-              <a:buFont typeface="Arial" pitchFamily="34" charset="0"/>
-              <a:buChar char="•"/>
-              <a:defRPr sz="3702" kern="1200">
-                <a:solidFill>
-                  <a:schemeClr val="tx1"/>
-                </a:solidFill>
-                <a:latin typeface="+mn-lt"/>
-                <a:ea typeface="+mn-ea"/>
-                <a:cs typeface="+mn-cs"/>
-              </a:defRPr>
-            </a:lvl4pPr>
-            <a:lvl5pPr marL="4077068" indent="-453004" algn="l" defTabSz="1812040" rtl="0" eaLnBrk="1" latinLnBrk="0" hangingPunct="1">
-              <a:spcBef>
-                <a:spcPct val="20000"/>
-              </a:spcBef>
-              <a:buClr>
-                <a:schemeClr val="tx2"/>
-              </a:buClr>
-              <a:buFont typeface="Arial" pitchFamily="34" charset="0"/>
-              <a:buChar char="•"/>
-              <a:defRPr sz="3702" kern="1200" baseline="0">
-                <a:solidFill>
-                  <a:schemeClr val="tx1"/>
-                </a:solidFill>
-                <a:latin typeface="+mn-lt"/>
-                <a:ea typeface="+mn-ea"/>
-                <a:cs typeface="+mn-cs"/>
-              </a:defRPr>
-            </a:lvl5pPr>
-            <a:lvl6pPr marL="4983081" indent="-453004" algn="l" defTabSz="1812040" rtl="0" eaLnBrk="1" latinLnBrk="0" hangingPunct="1">
-              <a:spcBef>
-                <a:spcPct val="20000"/>
-              </a:spcBef>
-              <a:buClr>
-                <a:schemeClr val="tx2"/>
-              </a:buClr>
-              <a:buFont typeface="Arial" pitchFamily="34" charset="0"/>
-              <a:buChar char="•"/>
-              <a:defRPr sz="3200" kern="1200">
-                <a:solidFill>
-                  <a:schemeClr val="tx1"/>
-                </a:solidFill>
-                <a:latin typeface="+mn-lt"/>
-                <a:ea typeface="+mn-ea"/>
-                <a:cs typeface="+mn-cs"/>
-              </a:defRPr>
-            </a:lvl6pPr>
-            <a:lvl7pPr marL="5889088" indent="-453004" algn="l" defTabSz="1812040" rtl="0" eaLnBrk="1" latinLnBrk="0" hangingPunct="1">
-              <a:spcBef>
-                <a:spcPct val="20000"/>
-              </a:spcBef>
-              <a:buClr>
-                <a:schemeClr val="tx2"/>
-              </a:buClr>
-              <a:buFont typeface="Arial" pitchFamily="34" charset="0"/>
-              <a:buChar char="•"/>
-              <a:defRPr sz="3200" kern="1200">
-                <a:solidFill>
-                  <a:schemeClr val="tx1"/>
-                </a:solidFill>
-                <a:latin typeface="+mn-lt"/>
-                <a:ea typeface="+mn-ea"/>
-                <a:cs typeface="+mn-cs"/>
-              </a:defRPr>
-            </a:lvl7pPr>
-            <a:lvl8pPr marL="6795112" indent="-453004" algn="l" defTabSz="1812040" rtl="0" eaLnBrk="1" latinLnBrk="0" hangingPunct="1">
-              <a:spcBef>
-                <a:spcPct val="20000"/>
-              </a:spcBef>
-              <a:buClr>
-                <a:schemeClr val="tx2"/>
-              </a:buClr>
-              <a:buFont typeface="Arial" pitchFamily="34" charset="0"/>
-              <a:buChar char="•"/>
-              <a:defRPr sz="3200" kern="1200">
-                <a:solidFill>
-                  <a:schemeClr val="tx1"/>
-                </a:solidFill>
-                <a:latin typeface="+mn-lt"/>
-                <a:ea typeface="+mn-ea"/>
-                <a:cs typeface="+mn-cs"/>
-              </a:defRPr>
-            </a:lvl8pPr>
-            <a:lvl9pPr marL="7701118" indent="-453004" algn="l" defTabSz="1812040" rtl="0" eaLnBrk="1" latinLnBrk="0" hangingPunct="1">
-              <a:spcBef>
-                <a:spcPct val="20000"/>
-              </a:spcBef>
-              <a:buClr>
-                <a:schemeClr val="tx2"/>
-              </a:buClr>
-              <a:buFont typeface="Arial" pitchFamily="34" charset="0"/>
-              <a:buChar char="•"/>
-              <a:defRPr sz="3200" kern="1200">
-                <a:solidFill>
-                  <a:schemeClr val="tx1"/>
-                </a:solidFill>
-                <a:latin typeface="+mn-lt"/>
-                <a:ea typeface="+mn-ea"/>
-                <a:cs typeface="+mn-cs"/>
-              </a:defRPr>
-            </a:lvl9pPr>
-          </a:lstStyle>
-          <a:p>
-            <a:r>
-              <a:rPr lang="en-US" sz="6600" dirty="0" smtClean="0">
-                <a:solidFill>
-                  <a:schemeClr val="accent3">
-                    <a:lumMod val="75000"/>
-                  </a:schemeClr>
-                </a:solidFill>
-                <a:ea typeface="Open Sans Semibold" panose="020B0706030804020204" pitchFamily="34" charset="0"/>
-                <a:cs typeface="Open Sans Semibold" panose="020B0706030804020204" pitchFamily="34" charset="0"/>
-              </a:rPr>
-              <a:t>Examples: Chapter </a:t>
-            </a:r>
-            <a:r>
-              <a:rPr lang="en-US" sz="6600" dirty="0">
-                <a:solidFill>
-                  <a:schemeClr val="accent3">
-                    <a:lumMod val="75000"/>
-                  </a:schemeClr>
-                </a:solidFill>
-                <a:ea typeface="Open Sans Semibold" panose="020B0706030804020204" pitchFamily="34" charset="0"/>
-                <a:cs typeface="Open Sans Semibold" panose="020B0706030804020204" pitchFamily="34" charset="0"/>
-              </a:rPr>
-              <a:t>5</a:t>
-            </a:r>
-          </a:p>
-        </p:txBody>
-      </p:sp>
-      <p:cxnSp>
-        <p:nvCxnSpPr>
-          <p:cNvPr id="4" name="10 Conector recto"/>
-          <p:cNvCxnSpPr/>
-          <p:nvPr/>
-        </p:nvCxnSpPr>
-        <p:spPr>
-          <a:xfrm flipV="1">
-            <a:off x="1886648" y="2178274"/>
-            <a:ext cx="7200801" cy="45011"/>
-          </a:xfrm>
-          <a:prstGeom prst="line">
-            <a:avLst/>
-          </a:prstGeom>
-          <a:ln w="57150">
-            <a:solidFill>
-              <a:srgbClr val="C00000"/>
-            </a:solidFill>
-          </a:ln>
-        </p:spPr>
-        <p:style>
-          <a:lnRef idx="1">
-            <a:schemeClr val="accent1"/>
-          </a:lnRef>
-          <a:fillRef idx="0">
-            <a:schemeClr val="accent1"/>
-          </a:fillRef>
-          <a:effectRef idx="0">
-            <a:schemeClr val="accent1"/>
-          </a:effectRef>
-          <a:fontRef idx="minor">
-            <a:schemeClr val="tx1"/>
-          </a:fontRef>
-        </p:style>
-      </p:cxnSp>
-      <p:sp>
-        <p:nvSpPr>
-          <p:cNvPr id="23" name="TextBox 22"/>
-          <p:cNvSpPr txBox="1"/>
-          <p:nvPr/>
-        </p:nvSpPr>
-        <p:spPr>
-          <a:xfrm>
-            <a:off x="2201683" y="3573429"/>
-            <a:ext cx="18677075" cy="1200329"/>
-          </a:xfrm>
-          <a:prstGeom prst="rect">
-            <a:avLst/>
-          </a:prstGeom>
-          <a:noFill/>
-        </p:spPr>
-        <p:txBody>
-          <a:bodyPr wrap="square" rtlCol="0">
-            <a:spAutoFit/>
-          </a:bodyPr>
-          <a:lstStyle/>
-          <a:p>
-            <a:pPr marL="571500" indent="-571500">
-              <a:buFont typeface="Arial" panose="020B0604020202020204" pitchFamily="34" charset="0"/>
-              <a:buChar char="•"/>
-            </a:pPr>
-            <a:r>
-              <a:rPr lang="en-US" sz="3600" dirty="0" smtClean="0"/>
-              <a:t>See COREJ1-Chapter5 </a:t>
-            </a:r>
-            <a:r>
-              <a:rPr lang="en-US" sz="3600" dirty="0"/>
-              <a:t>at </a:t>
-            </a:r>
-            <a:r>
-              <a:rPr lang="en-US" sz="3600" dirty="0">
-                <a:hlinkClick r:id="rId3"/>
-              </a:rPr>
-              <a:t>https://</a:t>
-            </a:r>
-            <a:r>
-              <a:rPr lang="en-US" sz="3600" dirty="0" smtClean="0">
-                <a:hlinkClick r:id="rId3"/>
-              </a:rPr>
-              <a:t>github.com/CompleteJavaTraining/JavaEssentials</a:t>
-            </a:r>
-            <a:r>
-              <a:rPr lang="en-US" sz="3600" smtClean="0">
-                <a:hlinkClick r:id="rId3"/>
-              </a:rPr>
-              <a:t>/tree/master/Code/COREJ1-Chapter5</a:t>
-            </a:r>
-            <a:r>
-              <a:rPr lang="en-US" sz="3600" smtClean="0"/>
-              <a:t> </a:t>
-            </a:r>
-            <a:endParaRPr lang="en-US" sz="3600" dirty="0" smtClean="0"/>
-          </a:p>
-        </p:txBody>
-      </p:sp>
-      <p:grpSp>
-        <p:nvGrpSpPr>
-          <p:cNvPr id="24" name="Group 23"/>
-          <p:cNvGrpSpPr/>
-          <p:nvPr/>
-        </p:nvGrpSpPr>
-        <p:grpSpPr>
-          <a:xfrm>
-            <a:off x="8264930" y="5778674"/>
-            <a:ext cx="6550580" cy="5741861"/>
-            <a:chOff x="9222464" y="6003699"/>
-            <a:chExt cx="6550580" cy="5741861"/>
-          </a:xfrm>
-        </p:grpSpPr>
-        <p:sp>
-          <p:nvSpPr>
-            <p:cNvPr id="25" name="Elipse 24"/>
-            <p:cNvSpPr/>
-            <p:nvPr/>
-          </p:nvSpPr>
-          <p:spPr bwMode="auto">
-            <a:xfrm>
-              <a:off x="11496345" y="8282658"/>
-              <a:ext cx="847214" cy="848960"/>
-            </a:xfrm>
-            <a:prstGeom prst="ellipse">
-              <a:avLst/>
-            </a:prstGeom>
-            <a:solidFill>
-              <a:srgbClr val="F44D53"/>
-            </a:solidFill>
-            <a:ln>
-              <a:noFill/>
-            </a:ln>
-            <a:extLst/>
-          </p:spPr>
-          <p:txBody>
-            <a:bodyPr lIns="0" tIns="0" rIns="0" bIns="0" rtlCol="0" anchor="ctr"/>
-            <a:lstStyle/>
-            <a:p>
-              <a:pPr algn="ctr"/>
-              <a:endParaRPr lang="es-ES"/>
-            </a:p>
-          </p:txBody>
-        </p:sp>
-        <p:sp>
-          <p:nvSpPr>
-            <p:cNvPr id="26" name="Anillo 25"/>
-            <p:cNvSpPr/>
-            <p:nvPr/>
-          </p:nvSpPr>
-          <p:spPr bwMode="auto">
-            <a:xfrm>
-              <a:off x="10384375" y="7168397"/>
-              <a:ext cx="3071154" cy="3077482"/>
-            </a:xfrm>
-            <a:prstGeom prst="donut">
-              <a:avLst>
-                <a:gd name="adj" fmla="val 13529"/>
-              </a:avLst>
-            </a:prstGeom>
-            <a:solidFill>
-              <a:srgbClr val="AAB5BD"/>
-            </a:solidFill>
-            <a:ln>
-              <a:noFill/>
-            </a:ln>
-            <a:extLst/>
-          </p:spPr>
-          <p:txBody>
-            <a:bodyPr lIns="0" tIns="0" rIns="0" bIns="0" rtlCol="0" anchor="ctr"/>
-            <a:lstStyle/>
-            <a:p>
-              <a:pPr algn="ctr"/>
-              <a:endParaRPr lang="es-ES"/>
-            </a:p>
-          </p:txBody>
-        </p:sp>
-        <p:sp>
-          <p:nvSpPr>
-            <p:cNvPr id="27" name="Anillo 26"/>
-            <p:cNvSpPr/>
-            <p:nvPr/>
-          </p:nvSpPr>
-          <p:spPr bwMode="auto">
-            <a:xfrm>
-              <a:off x="9222464" y="6003699"/>
-              <a:ext cx="5394976" cy="5406879"/>
-            </a:xfrm>
-            <a:prstGeom prst="donut">
-              <a:avLst>
-                <a:gd name="adj" fmla="val 7951"/>
-              </a:avLst>
-            </a:prstGeom>
-            <a:solidFill>
-              <a:srgbClr val="34495E"/>
-            </a:solidFill>
-            <a:ln>
-              <a:noFill/>
-            </a:ln>
-            <a:extLst/>
-          </p:spPr>
-          <p:txBody>
-            <a:bodyPr lIns="0" tIns="0" rIns="0" bIns="0" rtlCol="0" anchor="ctr"/>
-            <a:lstStyle/>
-            <a:p>
-              <a:pPr algn="ctr"/>
-              <a:endParaRPr lang="es-ES"/>
-            </a:p>
-          </p:txBody>
-        </p:sp>
-        <p:grpSp>
-          <p:nvGrpSpPr>
-            <p:cNvPr id="28" name="6 Grupo"/>
-            <p:cNvGrpSpPr/>
-            <p:nvPr/>
-          </p:nvGrpSpPr>
-          <p:grpSpPr>
-            <a:xfrm>
-              <a:off x="11304165" y="7009649"/>
-              <a:ext cx="4468879" cy="4735911"/>
-              <a:chOff x="11304165" y="7543430"/>
-              <a:chExt cx="4468879" cy="4735911"/>
-            </a:xfrm>
-          </p:grpSpPr>
-          <p:grpSp>
-            <p:nvGrpSpPr>
-              <p:cNvPr id="29" name="Grupo 22"/>
-              <p:cNvGrpSpPr/>
-              <p:nvPr/>
-            </p:nvGrpSpPr>
-            <p:grpSpPr>
-              <a:xfrm rot="19018150">
-                <a:off x="11304165" y="7543430"/>
-                <a:ext cx="4468879" cy="449612"/>
-                <a:chOff x="12782936" y="6138159"/>
-                <a:chExt cx="4925957" cy="495602"/>
-              </a:xfrm>
-            </p:grpSpPr>
-            <p:sp>
-              <p:nvSpPr>
-                <p:cNvPr id="31" name="Rectángulo redondeado 14"/>
-                <p:cNvSpPr/>
-                <p:nvPr/>
-              </p:nvSpPr>
-              <p:spPr bwMode="auto">
-                <a:xfrm rot="16200000">
-                  <a:off x="17119857" y="6044704"/>
-                  <a:ext cx="495582" cy="682491"/>
-                </a:xfrm>
-                <a:prstGeom prst="roundRect">
-                  <a:avLst>
-                    <a:gd name="adj" fmla="val 50000"/>
-                  </a:avLst>
-                </a:prstGeom>
-                <a:solidFill>
-                  <a:srgbClr val="E8685F"/>
-                </a:solidFill>
-                <a:ln>
-                  <a:noFill/>
-                </a:ln>
-                <a:extLst/>
-              </p:spPr>
-              <p:txBody>
-                <a:bodyPr lIns="0" tIns="0" rIns="0" bIns="0" rtlCol="0" anchor="ctr"/>
-                <a:lstStyle/>
-                <a:p>
-                  <a:pPr algn="ctr"/>
-                  <a:endParaRPr lang="es-ES"/>
-                </a:p>
-              </p:txBody>
-            </p:sp>
-            <p:sp>
-              <p:nvSpPr>
-                <p:cNvPr id="32" name="Rectángulo 15"/>
-                <p:cNvSpPr/>
-                <p:nvPr/>
-              </p:nvSpPr>
-              <p:spPr bwMode="auto">
-                <a:xfrm>
-                  <a:off x="13629872" y="6138686"/>
-                  <a:ext cx="3329765" cy="495053"/>
-                </a:xfrm>
-                <a:prstGeom prst="rect">
-                  <a:avLst/>
-                </a:prstGeom>
-                <a:solidFill>
-                  <a:srgbClr val="FEC830"/>
-                </a:solidFill>
-                <a:ln>
-                  <a:noFill/>
-                </a:ln>
-                <a:extLst/>
-              </p:spPr>
-              <p:txBody>
-                <a:bodyPr lIns="0" tIns="0" rIns="0" bIns="0" rtlCol="0" anchor="ctr"/>
-                <a:lstStyle/>
-                <a:p>
-                  <a:pPr algn="ctr"/>
-                  <a:endParaRPr lang="es-ES"/>
-                </a:p>
-              </p:txBody>
-            </p:sp>
-            <p:sp>
-              <p:nvSpPr>
-                <p:cNvPr id="33" name="Rectángulo 16"/>
-                <p:cNvSpPr/>
-                <p:nvPr/>
-              </p:nvSpPr>
-              <p:spPr bwMode="auto">
-                <a:xfrm>
-                  <a:off x="16959638" y="6138687"/>
-                  <a:ext cx="344209" cy="495053"/>
-                </a:xfrm>
-                <a:prstGeom prst="rect">
-                  <a:avLst/>
-                </a:prstGeom>
-                <a:gradFill>
-                  <a:gsLst>
-                    <a:gs pos="0">
-                      <a:schemeClr val="bg1">
-                        <a:lumMod val="50000"/>
-                      </a:schemeClr>
-                    </a:gs>
-                    <a:gs pos="13000">
-                      <a:srgbClr val="5F5F5F"/>
-                    </a:gs>
-                    <a:gs pos="23000">
-                      <a:srgbClr val="FFFFFF"/>
-                    </a:gs>
-                    <a:gs pos="93000">
-                      <a:srgbClr val="777777"/>
-                    </a:gs>
-                    <a:gs pos="100000">
-                      <a:srgbClr val="EAEAEA"/>
-                    </a:gs>
-                  </a:gsLst>
-                  <a:lin ang="5400000" scaled="0"/>
-                </a:gradFill>
-                <a:ln>
-                  <a:noFill/>
-                </a:ln>
-                <a:extLst/>
-              </p:spPr>
-              <p:txBody>
-                <a:bodyPr lIns="0" tIns="0" rIns="0" bIns="0" rtlCol="0" anchor="ctr"/>
-                <a:lstStyle/>
-                <a:p>
-                  <a:pPr algn="ctr"/>
-                  <a:endParaRPr lang="es-ES"/>
-                </a:p>
-              </p:txBody>
-            </p:sp>
-            <p:sp>
-              <p:nvSpPr>
-                <p:cNvPr id="34" name="Triángulo isósceles 17"/>
-                <p:cNvSpPr/>
-                <p:nvPr/>
-              </p:nvSpPr>
-              <p:spPr bwMode="auto">
-                <a:xfrm rot="16200000">
-                  <a:off x="12958614" y="5962492"/>
-                  <a:ext cx="495581" cy="846938"/>
-                </a:xfrm>
-                <a:prstGeom prst="triangle">
-                  <a:avLst>
-                    <a:gd name="adj" fmla="val 50481"/>
-                  </a:avLst>
-                </a:prstGeom>
-                <a:solidFill>
-                  <a:srgbClr val="E6EAEE"/>
-                </a:solidFill>
-                <a:ln>
-                  <a:noFill/>
-                </a:ln>
-                <a:extLst/>
-              </p:spPr>
-              <p:txBody>
-                <a:bodyPr lIns="0" tIns="0" rIns="0" bIns="0" rtlCol="0" anchor="ctr"/>
-                <a:lstStyle/>
-                <a:p>
-                  <a:pPr algn="ctr"/>
-                  <a:endParaRPr lang="es-ES"/>
-                </a:p>
-              </p:txBody>
-            </p:sp>
-            <p:sp>
-              <p:nvSpPr>
-                <p:cNvPr id="35" name="Rectángulo 19"/>
-                <p:cNvSpPr/>
-                <p:nvPr/>
-              </p:nvSpPr>
-              <p:spPr bwMode="auto">
-                <a:xfrm>
-                  <a:off x="13629876" y="6496754"/>
-                  <a:ext cx="3329764" cy="136997"/>
-                </a:xfrm>
-                <a:prstGeom prst="rect">
-                  <a:avLst/>
-                </a:prstGeom>
-                <a:solidFill>
-                  <a:srgbClr val="FFFFFF">
-                    <a:alpha val="50000"/>
-                  </a:srgbClr>
-                </a:solidFill>
-                <a:ln>
-                  <a:noFill/>
-                </a:ln>
-                <a:extLst/>
-              </p:spPr>
-              <p:txBody>
-                <a:bodyPr lIns="0" tIns="0" rIns="0" bIns="0" rtlCol="0" anchor="ctr"/>
-                <a:lstStyle/>
-                <a:p>
-                  <a:pPr algn="ctr"/>
-                  <a:endParaRPr lang="es-ES"/>
-                </a:p>
-              </p:txBody>
-            </p:sp>
-            <p:sp>
-              <p:nvSpPr>
-                <p:cNvPr id="36" name="Forma libre 20"/>
-                <p:cNvSpPr/>
-                <p:nvPr/>
-              </p:nvSpPr>
-              <p:spPr bwMode="auto">
-                <a:xfrm rot="16200000">
-                  <a:off x="12958621" y="5962502"/>
-                  <a:ext cx="495581" cy="846938"/>
-                </a:xfrm>
-                <a:custGeom>
-                  <a:avLst/>
-                  <a:gdLst>
-                    <a:gd name="connsiteX0" fmla="*/ 495582 w 495582"/>
-                    <a:gd name="connsiteY0" fmla="*/ 846940 h 846940"/>
-                    <a:gd name="connsiteX1" fmla="*/ 0 w 495582"/>
-                    <a:gd name="connsiteY1" fmla="*/ 846940 h 846940"/>
-                    <a:gd name="connsiteX2" fmla="*/ 1 w 495582"/>
-                    <a:gd name="connsiteY2" fmla="*/ 846939 h 846940"/>
-                    <a:gd name="connsiteX3" fmla="*/ 409807 w 495582"/>
-                    <a:gd name="connsiteY3" fmla="*/ 846939 h 846940"/>
-                    <a:gd name="connsiteX4" fmla="*/ 216735 w 495582"/>
-                    <a:gd name="connsiteY4" fmla="*/ 113206 h 846940"/>
-                    <a:gd name="connsiteX5" fmla="*/ 250175 w 495582"/>
-                    <a:gd name="connsiteY5" fmla="*/ 0 h 846940"/>
-                  </a:gdLst>
-                  <a:ahLst/>
-                  <a:cxnLst>
-                    <a:cxn ang="0">
-                      <a:pos x="connsiteX0" y="connsiteY0"/>
-                    </a:cxn>
-                    <a:cxn ang="0">
-                      <a:pos x="connsiteX1" y="connsiteY1"/>
-                    </a:cxn>
-                    <a:cxn ang="0">
-                      <a:pos x="connsiteX2" y="connsiteY2"/>
-                    </a:cxn>
-                    <a:cxn ang="0">
-                      <a:pos x="connsiteX3" y="connsiteY3"/>
-                    </a:cxn>
-                    <a:cxn ang="0">
-                      <a:pos x="connsiteX4" y="connsiteY4"/>
-                    </a:cxn>
-                    <a:cxn ang="0">
-                      <a:pos x="connsiteX5" y="connsiteY5"/>
-                    </a:cxn>
-                  </a:cxnLst>
-                  <a:rect l="l" t="t" r="r" b="b"/>
-                  <a:pathLst>
-                    <a:path w="495582" h="846940">
-                      <a:moveTo>
-                        <a:pt x="495582" y="846940"/>
-                      </a:moveTo>
-                      <a:lnTo>
-                        <a:pt x="0" y="846940"/>
-                      </a:lnTo>
-                      <a:lnTo>
-                        <a:pt x="1" y="846939"/>
-                      </a:lnTo>
-                      <a:lnTo>
-                        <a:pt x="409807" y="846939"/>
-                      </a:lnTo>
-                      <a:lnTo>
-                        <a:pt x="216735" y="113206"/>
-                      </a:lnTo>
-                      <a:lnTo>
-                        <a:pt x="250175" y="0"/>
-                      </a:lnTo>
-                      <a:close/>
-                    </a:path>
-                  </a:pathLst>
-                </a:custGeom>
-                <a:solidFill>
-                  <a:srgbClr val="FFFFFF">
-                    <a:alpha val="40000"/>
-                  </a:srgbClr>
-                </a:solidFill>
-                <a:ln>
-                  <a:noFill/>
-                </a:ln>
-                <a:extLst/>
-              </p:spPr>
-              <p:txBody>
-                <a:bodyPr lIns="0" tIns="0" rIns="0" bIns="0" rtlCol="0" anchor="ctr"/>
-                <a:lstStyle/>
-                <a:p>
-                  <a:pPr algn="ctr"/>
-                  <a:endParaRPr lang="es-ES"/>
-                </a:p>
-              </p:txBody>
-            </p:sp>
-            <p:sp>
-              <p:nvSpPr>
-                <p:cNvPr id="37" name="Triángulo isósceles 21"/>
-                <p:cNvSpPr/>
-                <p:nvPr/>
-              </p:nvSpPr>
-              <p:spPr bwMode="auto">
-                <a:xfrm rot="16200000">
-                  <a:off x="12830383" y="6272670"/>
-                  <a:ext cx="130177" cy="225025"/>
-                </a:xfrm>
-                <a:prstGeom prst="triangle">
-                  <a:avLst>
-                    <a:gd name="adj" fmla="val 50481"/>
-                  </a:avLst>
-                </a:prstGeom>
-                <a:solidFill>
-                  <a:srgbClr val="223D53"/>
-                </a:solidFill>
-                <a:ln>
-                  <a:noFill/>
-                </a:ln>
-                <a:extLst/>
-              </p:spPr>
-              <p:txBody>
-                <a:bodyPr lIns="0" tIns="0" rIns="0" bIns="0" rtlCol="0" anchor="ctr"/>
-                <a:lstStyle/>
-                <a:p>
-                  <a:pPr algn="ctr"/>
-                  <a:endParaRPr lang="es-ES"/>
-                </a:p>
-              </p:txBody>
-            </p:sp>
-          </p:grpSp>
-          <p:sp>
-            <p:nvSpPr>
-              <p:cNvPr id="30" name="Forma libre 35"/>
-              <p:cNvSpPr/>
-              <p:nvPr/>
-            </p:nvSpPr>
-            <p:spPr bwMode="auto">
-              <a:xfrm>
-                <a:off x="11893860" y="9279977"/>
-                <a:ext cx="3096986" cy="2999364"/>
-              </a:xfrm>
-              <a:custGeom>
-                <a:avLst/>
-                <a:gdLst>
-                  <a:gd name="connsiteX0" fmla="*/ 668 w 2750200"/>
-                  <a:gd name="connsiteY0" fmla="*/ 0 h 2669567"/>
-                  <a:gd name="connsiteX1" fmla="*/ 672 w 2750200"/>
-                  <a:gd name="connsiteY1" fmla="*/ 0 h 2669567"/>
-                  <a:gd name="connsiteX2" fmla="*/ 780078 w 2750200"/>
-                  <a:gd name="connsiteY2" fmla="*/ 412375 h 2669567"/>
-                  <a:gd name="connsiteX3" fmla="*/ 781370 w 2750200"/>
-                  <a:gd name="connsiteY3" fmla="*/ 411040 h 2669567"/>
-                  <a:gd name="connsiteX4" fmla="*/ 2331202 w 2750200"/>
-                  <a:gd name="connsiteY4" fmla="*/ 1909898 h 2669567"/>
-                  <a:gd name="connsiteX5" fmla="*/ 2331202 w 2750200"/>
-                  <a:gd name="connsiteY5" fmla="*/ 1909897 h 2669567"/>
-                  <a:gd name="connsiteX6" fmla="*/ 2750200 w 2750200"/>
-                  <a:gd name="connsiteY6" fmla="*/ 2315116 h 2669567"/>
-                  <a:gd name="connsiteX7" fmla="*/ 2556040 w 2750200"/>
-                  <a:gd name="connsiteY7" fmla="*/ 2528778 h 2669567"/>
-                  <a:gd name="connsiteX8" fmla="*/ 2401154 w 2750200"/>
-                  <a:gd name="connsiteY8" fmla="*/ 2669567 h 2669567"/>
-                  <a:gd name="connsiteX9" fmla="*/ 1981493 w 2750200"/>
-                  <a:gd name="connsiteY9" fmla="*/ 2263707 h 2669567"/>
-                  <a:gd name="connsiteX10" fmla="*/ 1981492 w 2750200"/>
-                  <a:gd name="connsiteY10" fmla="*/ 2263707 h 2669567"/>
-                  <a:gd name="connsiteX11" fmla="*/ 435556 w 2750200"/>
-                  <a:gd name="connsiteY11" fmla="*/ 768615 h 2669567"/>
-                  <a:gd name="connsiteX12" fmla="*/ 116216 w 2750200"/>
-                  <a:gd name="connsiteY12" fmla="*/ 204215 h 2669567"/>
-                  <a:gd name="connsiteX13" fmla="*/ 116072 w 2750200"/>
-                  <a:gd name="connsiteY13" fmla="*/ 204364 h 2669567"/>
-                  <a:gd name="connsiteX14" fmla="*/ 0 w 2750200"/>
-                  <a:gd name="connsiteY14" fmla="*/ 692 h 2669567"/>
-                  <a:gd name="connsiteX15" fmla="*/ 1518 w 2750200"/>
-                  <a:gd name="connsiteY15" fmla="*/ 1500 h 2669567"/>
-                  <a:gd name="connsiteX0" fmla="*/ 668 w 3039507"/>
-                  <a:gd name="connsiteY0" fmla="*/ 0 h 3299521"/>
-                  <a:gd name="connsiteX1" fmla="*/ 672 w 3039507"/>
-                  <a:gd name="connsiteY1" fmla="*/ 0 h 3299521"/>
-                  <a:gd name="connsiteX2" fmla="*/ 780078 w 3039507"/>
-                  <a:gd name="connsiteY2" fmla="*/ 412375 h 3299521"/>
-                  <a:gd name="connsiteX3" fmla="*/ 781370 w 3039507"/>
-                  <a:gd name="connsiteY3" fmla="*/ 411040 h 3299521"/>
-                  <a:gd name="connsiteX4" fmla="*/ 2331202 w 3039507"/>
-                  <a:gd name="connsiteY4" fmla="*/ 1909898 h 3299521"/>
-                  <a:gd name="connsiteX5" fmla="*/ 2331202 w 3039507"/>
-                  <a:gd name="connsiteY5" fmla="*/ 1909897 h 3299521"/>
-                  <a:gd name="connsiteX6" fmla="*/ 2750200 w 3039507"/>
-                  <a:gd name="connsiteY6" fmla="*/ 2315116 h 3299521"/>
-                  <a:gd name="connsiteX7" fmla="*/ 2556040 w 3039507"/>
-                  <a:gd name="connsiteY7" fmla="*/ 2528778 h 3299521"/>
-                  <a:gd name="connsiteX8" fmla="*/ 3039507 w 3039507"/>
-                  <a:gd name="connsiteY8" fmla="*/ 3299521 h 3299521"/>
-                  <a:gd name="connsiteX9" fmla="*/ 1981493 w 3039507"/>
-                  <a:gd name="connsiteY9" fmla="*/ 2263707 h 3299521"/>
-                  <a:gd name="connsiteX10" fmla="*/ 1981492 w 3039507"/>
-                  <a:gd name="connsiteY10" fmla="*/ 2263707 h 3299521"/>
-                  <a:gd name="connsiteX11" fmla="*/ 435556 w 3039507"/>
-                  <a:gd name="connsiteY11" fmla="*/ 768615 h 3299521"/>
-                  <a:gd name="connsiteX12" fmla="*/ 116216 w 3039507"/>
-                  <a:gd name="connsiteY12" fmla="*/ 204215 h 3299521"/>
-                  <a:gd name="connsiteX13" fmla="*/ 116072 w 3039507"/>
-                  <a:gd name="connsiteY13" fmla="*/ 204364 h 3299521"/>
-                  <a:gd name="connsiteX14" fmla="*/ 0 w 3039507"/>
-                  <a:gd name="connsiteY14" fmla="*/ 692 h 3299521"/>
-                  <a:gd name="connsiteX15" fmla="*/ 1518 w 3039507"/>
-                  <a:gd name="connsiteY15" fmla="*/ 1500 h 3299521"/>
-                  <a:gd name="connsiteX16" fmla="*/ 668 w 3039507"/>
-                  <a:gd name="connsiteY16" fmla="*/ 0 h 3299521"/>
-                  <a:gd name="connsiteX0" fmla="*/ 668 w 3455748"/>
-                  <a:gd name="connsiteY0" fmla="*/ 0 h 3299521"/>
-                  <a:gd name="connsiteX1" fmla="*/ 672 w 3455748"/>
-                  <a:gd name="connsiteY1" fmla="*/ 0 h 3299521"/>
-                  <a:gd name="connsiteX2" fmla="*/ 780078 w 3455748"/>
-                  <a:gd name="connsiteY2" fmla="*/ 412375 h 3299521"/>
-                  <a:gd name="connsiteX3" fmla="*/ 781370 w 3455748"/>
-                  <a:gd name="connsiteY3" fmla="*/ 411040 h 3299521"/>
-                  <a:gd name="connsiteX4" fmla="*/ 2331202 w 3455748"/>
-                  <a:gd name="connsiteY4" fmla="*/ 1909898 h 3299521"/>
-                  <a:gd name="connsiteX5" fmla="*/ 2331202 w 3455748"/>
-                  <a:gd name="connsiteY5" fmla="*/ 1909897 h 3299521"/>
-                  <a:gd name="connsiteX6" fmla="*/ 3455748 w 3455748"/>
-                  <a:gd name="connsiteY6" fmla="*/ 3029064 h 3299521"/>
-                  <a:gd name="connsiteX7" fmla="*/ 2556040 w 3455748"/>
-                  <a:gd name="connsiteY7" fmla="*/ 2528778 h 3299521"/>
-                  <a:gd name="connsiteX8" fmla="*/ 3039507 w 3455748"/>
-                  <a:gd name="connsiteY8" fmla="*/ 3299521 h 3299521"/>
-                  <a:gd name="connsiteX9" fmla="*/ 1981493 w 3455748"/>
-                  <a:gd name="connsiteY9" fmla="*/ 2263707 h 3299521"/>
-                  <a:gd name="connsiteX10" fmla="*/ 1981492 w 3455748"/>
-                  <a:gd name="connsiteY10" fmla="*/ 2263707 h 3299521"/>
-                  <a:gd name="connsiteX11" fmla="*/ 435556 w 3455748"/>
-                  <a:gd name="connsiteY11" fmla="*/ 768615 h 3299521"/>
-                  <a:gd name="connsiteX12" fmla="*/ 116216 w 3455748"/>
-                  <a:gd name="connsiteY12" fmla="*/ 204215 h 3299521"/>
-                  <a:gd name="connsiteX13" fmla="*/ 116072 w 3455748"/>
-                  <a:gd name="connsiteY13" fmla="*/ 204364 h 3299521"/>
-                  <a:gd name="connsiteX14" fmla="*/ 0 w 3455748"/>
-                  <a:gd name="connsiteY14" fmla="*/ 692 h 3299521"/>
-                  <a:gd name="connsiteX15" fmla="*/ 1518 w 3455748"/>
-                  <a:gd name="connsiteY15" fmla="*/ 1500 h 3299521"/>
-                  <a:gd name="connsiteX16" fmla="*/ 668 w 3455748"/>
-                  <a:gd name="connsiteY16" fmla="*/ 0 h 3299521"/>
-                  <a:gd name="connsiteX0" fmla="*/ 668 w 3455748"/>
-                  <a:gd name="connsiteY0" fmla="*/ 0 h 3299521"/>
-                  <a:gd name="connsiteX1" fmla="*/ 672 w 3455748"/>
-                  <a:gd name="connsiteY1" fmla="*/ 0 h 3299521"/>
-                  <a:gd name="connsiteX2" fmla="*/ 780078 w 3455748"/>
-                  <a:gd name="connsiteY2" fmla="*/ 412375 h 3299521"/>
-                  <a:gd name="connsiteX3" fmla="*/ 781370 w 3455748"/>
-                  <a:gd name="connsiteY3" fmla="*/ 411040 h 3299521"/>
-                  <a:gd name="connsiteX4" fmla="*/ 2331202 w 3455748"/>
-                  <a:gd name="connsiteY4" fmla="*/ 1909898 h 3299521"/>
-                  <a:gd name="connsiteX5" fmla="*/ 2331202 w 3455748"/>
-                  <a:gd name="connsiteY5" fmla="*/ 1909897 h 3299521"/>
-                  <a:gd name="connsiteX6" fmla="*/ 3455748 w 3455748"/>
-                  <a:gd name="connsiteY6" fmla="*/ 3029064 h 3299521"/>
-                  <a:gd name="connsiteX7" fmla="*/ 3211192 w 3455748"/>
-                  <a:gd name="connsiteY7" fmla="*/ 3200729 h 3299521"/>
-                  <a:gd name="connsiteX8" fmla="*/ 3039507 w 3455748"/>
-                  <a:gd name="connsiteY8" fmla="*/ 3299521 h 3299521"/>
-                  <a:gd name="connsiteX9" fmla="*/ 1981493 w 3455748"/>
-                  <a:gd name="connsiteY9" fmla="*/ 2263707 h 3299521"/>
-                  <a:gd name="connsiteX10" fmla="*/ 1981492 w 3455748"/>
-                  <a:gd name="connsiteY10" fmla="*/ 2263707 h 3299521"/>
-                  <a:gd name="connsiteX11" fmla="*/ 435556 w 3455748"/>
-                  <a:gd name="connsiteY11" fmla="*/ 768615 h 3299521"/>
-                  <a:gd name="connsiteX12" fmla="*/ 116216 w 3455748"/>
-                  <a:gd name="connsiteY12" fmla="*/ 204215 h 3299521"/>
-                  <a:gd name="connsiteX13" fmla="*/ 116072 w 3455748"/>
-                  <a:gd name="connsiteY13" fmla="*/ 204364 h 3299521"/>
-                  <a:gd name="connsiteX14" fmla="*/ 0 w 3455748"/>
-                  <a:gd name="connsiteY14" fmla="*/ 692 h 3299521"/>
-                  <a:gd name="connsiteX15" fmla="*/ 1518 w 3455748"/>
-                  <a:gd name="connsiteY15" fmla="*/ 1500 h 3299521"/>
-                  <a:gd name="connsiteX16" fmla="*/ 668 w 3455748"/>
-                  <a:gd name="connsiteY16" fmla="*/ 0 h 3299521"/>
-                  <a:gd name="connsiteX0" fmla="*/ 668 w 3455748"/>
-                  <a:gd name="connsiteY0" fmla="*/ 0 h 3299521"/>
-                  <a:gd name="connsiteX1" fmla="*/ 672 w 3455748"/>
-                  <a:gd name="connsiteY1" fmla="*/ 0 h 3299521"/>
-                  <a:gd name="connsiteX2" fmla="*/ 780078 w 3455748"/>
-                  <a:gd name="connsiteY2" fmla="*/ 412375 h 3299521"/>
-                  <a:gd name="connsiteX3" fmla="*/ 781370 w 3455748"/>
-                  <a:gd name="connsiteY3" fmla="*/ 411040 h 3299521"/>
-                  <a:gd name="connsiteX4" fmla="*/ 2331202 w 3455748"/>
-                  <a:gd name="connsiteY4" fmla="*/ 1909898 h 3299521"/>
-                  <a:gd name="connsiteX5" fmla="*/ 2331202 w 3455748"/>
-                  <a:gd name="connsiteY5" fmla="*/ 1909897 h 3299521"/>
-                  <a:gd name="connsiteX6" fmla="*/ 3455748 w 3455748"/>
-                  <a:gd name="connsiteY6" fmla="*/ 3029064 h 3299521"/>
-                  <a:gd name="connsiteX7" fmla="*/ 3039507 w 3455748"/>
-                  <a:gd name="connsiteY7" fmla="*/ 3299521 h 3299521"/>
-                  <a:gd name="connsiteX8" fmla="*/ 1981493 w 3455748"/>
-                  <a:gd name="connsiteY8" fmla="*/ 2263707 h 3299521"/>
-                  <a:gd name="connsiteX9" fmla="*/ 1981492 w 3455748"/>
-                  <a:gd name="connsiteY9" fmla="*/ 2263707 h 3299521"/>
-                  <a:gd name="connsiteX10" fmla="*/ 435556 w 3455748"/>
-                  <a:gd name="connsiteY10" fmla="*/ 768615 h 3299521"/>
-                  <a:gd name="connsiteX11" fmla="*/ 116216 w 3455748"/>
-                  <a:gd name="connsiteY11" fmla="*/ 204215 h 3299521"/>
-                  <a:gd name="connsiteX12" fmla="*/ 116072 w 3455748"/>
-                  <a:gd name="connsiteY12" fmla="*/ 204364 h 3299521"/>
-                  <a:gd name="connsiteX13" fmla="*/ 0 w 3455748"/>
-                  <a:gd name="connsiteY13" fmla="*/ 692 h 3299521"/>
-                  <a:gd name="connsiteX14" fmla="*/ 1518 w 3455748"/>
-                  <a:gd name="connsiteY14" fmla="*/ 1500 h 3299521"/>
-                  <a:gd name="connsiteX15" fmla="*/ 668 w 3455748"/>
-                  <a:gd name="connsiteY15" fmla="*/ 0 h 3299521"/>
-                  <a:gd name="connsiteX0" fmla="*/ 668 w 3413751"/>
-                  <a:gd name="connsiteY0" fmla="*/ 0 h 3299521"/>
-                  <a:gd name="connsiteX1" fmla="*/ 672 w 3413751"/>
-                  <a:gd name="connsiteY1" fmla="*/ 0 h 3299521"/>
-                  <a:gd name="connsiteX2" fmla="*/ 780078 w 3413751"/>
-                  <a:gd name="connsiteY2" fmla="*/ 412375 h 3299521"/>
-                  <a:gd name="connsiteX3" fmla="*/ 781370 w 3413751"/>
-                  <a:gd name="connsiteY3" fmla="*/ 411040 h 3299521"/>
-                  <a:gd name="connsiteX4" fmla="*/ 2331202 w 3413751"/>
-                  <a:gd name="connsiteY4" fmla="*/ 1909898 h 3299521"/>
-                  <a:gd name="connsiteX5" fmla="*/ 2331202 w 3413751"/>
-                  <a:gd name="connsiteY5" fmla="*/ 1909897 h 3299521"/>
-                  <a:gd name="connsiteX6" fmla="*/ 3413751 w 3413751"/>
-                  <a:gd name="connsiteY6" fmla="*/ 2995466 h 3299521"/>
-                  <a:gd name="connsiteX7" fmla="*/ 3039507 w 3413751"/>
-                  <a:gd name="connsiteY7" fmla="*/ 3299521 h 3299521"/>
-                  <a:gd name="connsiteX8" fmla="*/ 1981493 w 3413751"/>
-                  <a:gd name="connsiteY8" fmla="*/ 2263707 h 3299521"/>
-                  <a:gd name="connsiteX9" fmla="*/ 1981492 w 3413751"/>
-                  <a:gd name="connsiteY9" fmla="*/ 2263707 h 3299521"/>
-                  <a:gd name="connsiteX10" fmla="*/ 435556 w 3413751"/>
-                  <a:gd name="connsiteY10" fmla="*/ 768615 h 3299521"/>
-                  <a:gd name="connsiteX11" fmla="*/ 116216 w 3413751"/>
-                  <a:gd name="connsiteY11" fmla="*/ 204215 h 3299521"/>
-                  <a:gd name="connsiteX12" fmla="*/ 116072 w 3413751"/>
-                  <a:gd name="connsiteY12" fmla="*/ 204364 h 3299521"/>
-                  <a:gd name="connsiteX13" fmla="*/ 0 w 3413751"/>
-                  <a:gd name="connsiteY13" fmla="*/ 692 h 3299521"/>
-                  <a:gd name="connsiteX14" fmla="*/ 1518 w 3413751"/>
-                  <a:gd name="connsiteY14" fmla="*/ 1500 h 3299521"/>
-                  <a:gd name="connsiteX15" fmla="*/ 668 w 3413751"/>
-                  <a:gd name="connsiteY15" fmla="*/ 0 h 3299521"/>
-                  <a:gd name="connsiteX0" fmla="*/ 668 w 3413751"/>
-                  <a:gd name="connsiteY0" fmla="*/ 0 h 3299521"/>
-                  <a:gd name="connsiteX1" fmla="*/ 672 w 3413751"/>
-                  <a:gd name="connsiteY1" fmla="*/ 0 h 3299521"/>
-                  <a:gd name="connsiteX2" fmla="*/ 780078 w 3413751"/>
-                  <a:gd name="connsiteY2" fmla="*/ 412375 h 3299521"/>
-                  <a:gd name="connsiteX3" fmla="*/ 781370 w 3413751"/>
-                  <a:gd name="connsiteY3" fmla="*/ 411040 h 3299521"/>
-                  <a:gd name="connsiteX4" fmla="*/ 2331202 w 3413751"/>
-                  <a:gd name="connsiteY4" fmla="*/ 1909898 h 3299521"/>
-                  <a:gd name="connsiteX5" fmla="*/ 2331202 w 3413751"/>
-                  <a:gd name="connsiteY5" fmla="*/ 1909897 h 3299521"/>
-                  <a:gd name="connsiteX6" fmla="*/ 3413751 w 3413751"/>
-                  <a:gd name="connsiteY6" fmla="*/ 2995466 h 3299521"/>
-                  <a:gd name="connsiteX7" fmla="*/ 3218023 w 3413751"/>
-                  <a:gd name="connsiteY7" fmla="*/ 3151077 h 3299521"/>
-                  <a:gd name="connsiteX8" fmla="*/ 3039507 w 3413751"/>
-                  <a:gd name="connsiteY8" fmla="*/ 3299521 h 3299521"/>
-                  <a:gd name="connsiteX9" fmla="*/ 1981493 w 3413751"/>
-                  <a:gd name="connsiteY9" fmla="*/ 2263707 h 3299521"/>
-                  <a:gd name="connsiteX10" fmla="*/ 1981492 w 3413751"/>
-                  <a:gd name="connsiteY10" fmla="*/ 2263707 h 3299521"/>
-                  <a:gd name="connsiteX11" fmla="*/ 435556 w 3413751"/>
-                  <a:gd name="connsiteY11" fmla="*/ 768615 h 3299521"/>
-                  <a:gd name="connsiteX12" fmla="*/ 116216 w 3413751"/>
-                  <a:gd name="connsiteY12" fmla="*/ 204215 h 3299521"/>
-                  <a:gd name="connsiteX13" fmla="*/ 116072 w 3413751"/>
-                  <a:gd name="connsiteY13" fmla="*/ 204364 h 3299521"/>
-                  <a:gd name="connsiteX14" fmla="*/ 0 w 3413751"/>
-                  <a:gd name="connsiteY14" fmla="*/ 692 h 3299521"/>
-                  <a:gd name="connsiteX15" fmla="*/ 1518 w 3413751"/>
-                  <a:gd name="connsiteY15" fmla="*/ 1500 h 3299521"/>
-                  <a:gd name="connsiteX16" fmla="*/ 668 w 3413751"/>
-                  <a:gd name="connsiteY16" fmla="*/ 0 h 3299521"/>
-                  <a:gd name="connsiteX0" fmla="*/ 668 w 3456151"/>
-                  <a:gd name="connsiteY0" fmla="*/ 0 h 3346283"/>
-                  <a:gd name="connsiteX1" fmla="*/ 672 w 3456151"/>
-                  <a:gd name="connsiteY1" fmla="*/ 0 h 3346283"/>
-                  <a:gd name="connsiteX2" fmla="*/ 780078 w 3456151"/>
-                  <a:gd name="connsiteY2" fmla="*/ 412375 h 3346283"/>
-                  <a:gd name="connsiteX3" fmla="*/ 781370 w 3456151"/>
-                  <a:gd name="connsiteY3" fmla="*/ 411040 h 3346283"/>
-                  <a:gd name="connsiteX4" fmla="*/ 2331202 w 3456151"/>
-                  <a:gd name="connsiteY4" fmla="*/ 1909898 h 3346283"/>
-                  <a:gd name="connsiteX5" fmla="*/ 2331202 w 3456151"/>
-                  <a:gd name="connsiteY5" fmla="*/ 1909897 h 3346283"/>
-                  <a:gd name="connsiteX6" fmla="*/ 3413751 w 3456151"/>
-                  <a:gd name="connsiteY6" fmla="*/ 2995466 h 3346283"/>
-                  <a:gd name="connsiteX7" fmla="*/ 3218023 w 3456151"/>
-                  <a:gd name="connsiteY7" fmla="*/ 3151077 h 3346283"/>
-                  <a:gd name="connsiteX8" fmla="*/ 3039507 w 3456151"/>
-                  <a:gd name="connsiteY8" fmla="*/ 3299521 h 3346283"/>
-                  <a:gd name="connsiteX9" fmla="*/ 1981493 w 3456151"/>
-                  <a:gd name="connsiteY9" fmla="*/ 2263707 h 3346283"/>
-                  <a:gd name="connsiteX10" fmla="*/ 1981492 w 3456151"/>
-                  <a:gd name="connsiteY10" fmla="*/ 2263707 h 3346283"/>
-                  <a:gd name="connsiteX11" fmla="*/ 435556 w 3456151"/>
-                  <a:gd name="connsiteY11" fmla="*/ 768615 h 3346283"/>
-                  <a:gd name="connsiteX12" fmla="*/ 116216 w 3456151"/>
-                  <a:gd name="connsiteY12" fmla="*/ 204215 h 3346283"/>
-                  <a:gd name="connsiteX13" fmla="*/ 116072 w 3456151"/>
-                  <a:gd name="connsiteY13" fmla="*/ 204364 h 3346283"/>
-                  <a:gd name="connsiteX14" fmla="*/ 0 w 3456151"/>
-                  <a:gd name="connsiteY14" fmla="*/ 692 h 3346283"/>
-                  <a:gd name="connsiteX15" fmla="*/ 1518 w 3456151"/>
-                  <a:gd name="connsiteY15" fmla="*/ 1500 h 3346283"/>
-                  <a:gd name="connsiteX16" fmla="*/ 668 w 3456151"/>
-                  <a:gd name="connsiteY16" fmla="*/ 0 h 3346283"/>
-                  <a:gd name="connsiteX0" fmla="*/ 668 w 3465784"/>
-                  <a:gd name="connsiteY0" fmla="*/ 0 h 3357167"/>
-                  <a:gd name="connsiteX1" fmla="*/ 672 w 3465784"/>
-                  <a:gd name="connsiteY1" fmla="*/ 0 h 3357167"/>
-                  <a:gd name="connsiteX2" fmla="*/ 780078 w 3465784"/>
-                  <a:gd name="connsiteY2" fmla="*/ 412375 h 3357167"/>
-                  <a:gd name="connsiteX3" fmla="*/ 781370 w 3465784"/>
-                  <a:gd name="connsiteY3" fmla="*/ 411040 h 3357167"/>
-                  <a:gd name="connsiteX4" fmla="*/ 2331202 w 3465784"/>
-                  <a:gd name="connsiteY4" fmla="*/ 1909898 h 3357167"/>
-                  <a:gd name="connsiteX5" fmla="*/ 2331202 w 3465784"/>
-                  <a:gd name="connsiteY5" fmla="*/ 1909897 h 3357167"/>
-                  <a:gd name="connsiteX6" fmla="*/ 3413751 w 3465784"/>
-                  <a:gd name="connsiteY6" fmla="*/ 2995466 h 3357167"/>
-                  <a:gd name="connsiteX7" fmla="*/ 3291518 w 3465784"/>
-                  <a:gd name="connsiteY7" fmla="*/ 3219322 h 3357167"/>
-                  <a:gd name="connsiteX8" fmla="*/ 3039507 w 3465784"/>
-                  <a:gd name="connsiteY8" fmla="*/ 3299521 h 3357167"/>
-                  <a:gd name="connsiteX9" fmla="*/ 1981493 w 3465784"/>
-                  <a:gd name="connsiteY9" fmla="*/ 2263707 h 3357167"/>
-                  <a:gd name="connsiteX10" fmla="*/ 1981492 w 3465784"/>
-                  <a:gd name="connsiteY10" fmla="*/ 2263707 h 3357167"/>
-                  <a:gd name="connsiteX11" fmla="*/ 435556 w 3465784"/>
-                  <a:gd name="connsiteY11" fmla="*/ 768615 h 3357167"/>
-                  <a:gd name="connsiteX12" fmla="*/ 116216 w 3465784"/>
-                  <a:gd name="connsiteY12" fmla="*/ 204215 h 3357167"/>
-                  <a:gd name="connsiteX13" fmla="*/ 116072 w 3465784"/>
-                  <a:gd name="connsiteY13" fmla="*/ 204364 h 3357167"/>
-                  <a:gd name="connsiteX14" fmla="*/ 0 w 3465784"/>
-                  <a:gd name="connsiteY14" fmla="*/ 692 h 3357167"/>
-                  <a:gd name="connsiteX15" fmla="*/ 1518 w 3465784"/>
-                  <a:gd name="connsiteY15" fmla="*/ 1500 h 3357167"/>
-                  <a:gd name="connsiteX16" fmla="*/ 668 w 3465784"/>
-                  <a:gd name="connsiteY16" fmla="*/ 0 h 3357167"/>
-                  <a:gd name="connsiteX0" fmla="*/ 668 w 3468125"/>
-                  <a:gd name="connsiteY0" fmla="*/ 0 h 3356274"/>
-                  <a:gd name="connsiteX1" fmla="*/ 672 w 3468125"/>
-                  <a:gd name="connsiteY1" fmla="*/ 0 h 3356274"/>
-                  <a:gd name="connsiteX2" fmla="*/ 780078 w 3468125"/>
-                  <a:gd name="connsiteY2" fmla="*/ 412375 h 3356274"/>
-                  <a:gd name="connsiteX3" fmla="*/ 781370 w 3468125"/>
-                  <a:gd name="connsiteY3" fmla="*/ 411040 h 3356274"/>
-                  <a:gd name="connsiteX4" fmla="*/ 2331202 w 3468125"/>
-                  <a:gd name="connsiteY4" fmla="*/ 1909898 h 3356274"/>
-                  <a:gd name="connsiteX5" fmla="*/ 2331202 w 3468125"/>
-                  <a:gd name="connsiteY5" fmla="*/ 1909897 h 3356274"/>
-                  <a:gd name="connsiteX6" fmla="*/ 3413751 w 3468125"/>
-                  <a:gd name="connsiteY6" fmla="*/ 2995466 h 3356274"/>
-                  <a:gd name="connsiteX7" fmla="*/ 3291518 w 3468125"/>
-                  <a:gd name="connsiteY7" fmla="*/ 3219322 h 3356274"/>
-                  <a:gd name="connsiteX8" fmla="*/ 3039507 w 3468125"/>
-                  <a:gd name="connsiteY8" fmla="*/ 3299521 h 3356274"/>
-                  <a:gd name="connsiteX9" fmla="*/ 1981493 w 3468125"/>
-                  <a:gd name="connsiteY9" fmla="*/ 2263707 h 3356274"/>
-                  <a:gd name="connsiteX10" fmla="*/ 1981492 w 3468125"/>
-                  <a:gd name="connsiteY10" fmla="*/ 2263707 h 3356274"/>
-                  <a:gd name="connsiteX11" fmla="*/ 435556 w 3468125"/>
-                  <a:gd name="connsiteY11" fmla="*/ 768615 h 3356274"/>
-                  <a:gd name="connsiteX12" fmla="*/ 116216 w 3468125"/>
-                  <a:gd name="connsiteY12" fmla="*/ 204215 h 3356274"/>
-                  <a:gd name="connsiteX13" fmla="*/ 116072 w 3468125"/>
-                  <a:gd name="connsiteY13" fmla="*/ 204364 h 3356274"/>
-                  <a:gd name="connsiteX14" fmla="*/ 0 w 3468125"/>
-                  <a:gd name="connsiteY14" fmla="*/ 692 h 3356274"/>
-                  <a:gd name="connsiteX15" fmla="*/ 1518 w 3468125"/>
-                  <a:gd name="connsiteY15" fmla="*/ 1500 h 3356274"/>
-                  <a:gd name="connsiteX16" fmla="*/ 668 w 3468125"/>
-                  <a:gd name="connsiteY16" fmla="*/ 0 h 3356274"/>
-                  <a:gd name="connsiteX0" fmla="*/ 668 w 3468125"/>
-                  <a:gd name="connsiteY0" fmla="*/ 0 h 3302727"/>
-                  <a:gd name="connsiteX1" fmla="*/ 672 w 3468125"/>
-                  <a:gd name="connsiteY1" fmla="*/ 0 h 3302727"/>
-                  <a:gd name="connsiteX2" fmla="*/ 780078 w 3468125"/>
-                  <a:gd name="connsiteY2" fmla="*/ 412375 h 3302727"/>
-                  <a:gd name="connsiteX3" fmla="*/ 781370 w 3468125"/>
-                  <a:gd name="connsiteY3" fmla="*/ 411040 h 3302727"/>
-                  <a:gd name="connsiteX4" fmla="*/ 2331202 w 3468125"/>
-                  <a:gd name="connsiteY4" fmla="*/ 1909898 h 3302727"/>
-                  <a:gd name="connsiteX5" fmla="*/ 2331202 w 3468125"/>
-                  <a:gd name="connsiteY5" fmla="*/ 1909897 h 3302727"/>
-                  <a:gd name="connsiteX6" fmla="*/ 3413751 w 3468125"/>
-                  <a:gd name="connsiteY6" fmla="*/ 2995466 h 3302727"/>
-                  <a:gd name="connsiteX7" fmla="*/ 3291518 w 3468125"/>
-                  <a:gd name="connsiteY7" fmla="*/ 3219322 h 3302727"/>
-                  <a:gd name="connsiteX8" fmla="*/ 3039507 w 3468125"/>
-                  <a:gd name="connsiteY8" fmla="*/ 3299521 h 3302727"/>
-                  <a:gd name="connsiteX9" fmla="*/ 1981493 w 3468125"/>
-                  <a:gd name="connsiteY9" fmla="*/ 2263707 h 3302727"/>
-                  <a:gd name="connsiteX10" fmla="*/ 1981492 w 3468125"/>
-                  <a:gd name="connsiteY10" fmla="*/ 2263707 h 3302727"/>
-                  <a:gd name="connsiteX11" fmla="*/ 435556 w 3468125"/>
-                  <a:gd name="connsiteY11" fmla="*/ 768615 h 3302727"/>
-                  <a:gd name="connsiteX12" fmla="*/ 116216 w 3468125"/>
-                  <a:gd name="connsiteY12" fmla="*/ 204215 h 3302727"/>
-                  <a:gd name="connsiteX13" fmla="*/ 116072 w 3468125"/>
-                  <a:gd name="connsiteY13" fmla="*/ 204364 h 3302727"/>
-                  <a:gd name="connsiteX14" fmla="*/ 0 w 3468125"/>
-                  <a:gd name="connsiteY14" fmla="*/ 692 h 3302727"/>
-                  <a:gd name="connsiteX15" fmla="*/ 1518 w 3468125"/>
-                  <a:gd name="connsiteY15" fmla="*/ 1500 h 3302727"/>
-                  <a:gd name="connsiteX16" fmla="*/ 668 w 3468125"/>
-                  <a:gd name="connsiteY16" fmla="*/ 0 h 3302727"/>
-                  <a:gd name="connsiteX0" fmla="*/ 668 w 3413751"/>
-                  <a:gd name="connsiteY0" fmla="*/ 0 h 3302727"/>
-                  <a:gd name="connsiteX1" fmla="*/ 672 w 3413751"/>
-                  <a:gd name="connsiteY1" fmla="*/ 0 h 3302727"/>
-                  <a:gd name="connsiteX2" fmla="*/ 780078 w 3413751"/>
-                  <a:gd name="connsiteY2" fmla="*/ 412375 h 3302727"/>
-                  <a:gd name="connsiteX3" fmla="*/ 781370 w 3413751"/>
-                  <a:gd name="connsiteY3" fmla="*/ 411040 h 3302727"/>
-                  <a:gd name="connsiteX4" fmla="*/ 2331202 w 3413751"/>
-                  <a:gd name="connsiteY4" fmla="*/ 1909898 h 3302727"/>
-                  <a:gd name="connsiteX5" fmla="*/ 2331202 w 3413751"/>
-                  <a:gd name="connsiteY5" fmla="*/ 1909897 h 3302727"/>
-                  <a:gd name="connsiteX6" fmla="*/ 3413751 w 3413751"/>
-                  <a:gd name="connsiteY6" fmla="*/ 2995466 h 3302727"/>
-                  <a:gd name="connsiteX7" fmla="*/ 3291518 w 3413751"/>
-                  <a:gd name="connsiteY7" fmla="*/ 3219322 h 3302727"/>
-                  <a:gd name="connsiteX8" fmla="*/ 3039507 w 3413751"/>
-                  <a:gd name="connsiteY8" fmla="*/ 3299521 h 3302727"/>
-                  <a:gd name="connsiteX9" fmla="*/ 1981493 w 3413751"/>
-                  <a:gd name="connsiteY9" fmla="*/ 2263707 h 3302727"/>
-                  <a:gd name="connsiteX10" fmla="*/ 1981492 w 3413751"/>
-                  <a:gd name="connsiteY10" fmla="*/ 2263707 h 3302727"/>
-                  <a:gd name="connsiteX11" fmla="*/ 435556 w 3413751"/>
-                  <a:gd name="connsiteY11" fmla="*/ 768615 h 3302727"/>
-                  <a:gd name="connsiteX12" fmla="*/ 116216 w 3413751"/>
-                  <a:gd name="connsiteY12" fmla="*/ 204215 h 3302727"/>
-                  <a:gd name="connsiteX13" fmla="*/ 116072 w 3413751"/>
-                  <a:gd name="connsiteY13" fmla="*/ 204364 h 3302727"/>
-                  <a:gd name="connsiteX14" fmla="*/ 0 w 3413751"/>
-                  <a:gd name="connsiteY14" fmla="*/ 692 h 3302727"/>
-                  <a:gd name="connsiteX15" fmla="*/ 1518 w 3413751"/>
-                  <a:gd name="connsiteY15" fmla="*/ 1500 h 3302727"/>
-                  <a:gd name="connsiteX16" fmla="*/ 668 w 3413751"/>
-                  <a:gd name="connsiteY16" fmla="*/ 0 h 3302727"/>
-                  <a:gd name="connsiteX0" fmla="*/ 668 w 3413751"/>
-                  <a:gd name="connsiteY0" fmla="*/ 0 h 3302727"/>
-                  <a:gd name="connsiteX1" fmla="*/ 672 w 3413751"/>
-                  <a:gd name="connsiteY1" fmla="*/ 0 h 3302727"/>
-                  <a:gd name="connsiteX2" fmla="*/ 780078 w 3413751"/>
-                  <a:gd name="connsiteY2" fmla="*/ 412375 h 3302727"/>
-                  <a:gd name="connsiteX3" fmla="*/ 781370 w 3413751"/>
-                  <a:gd name="connsiteY3" fmla="*/ 411040 h 3302727"/>
-                  <a:gd name="connsiteX4" fmla="*/ 2331202 w 3413751"/>
-                  <a:gd name="connsiteY4" fmla="*/ 1909898 h 3302727"/>
-                  <a:gd name="connsiteX5" fmla="*/ 2331202 w 3413751"/>
-                  <a:gd name="connsiteY5" fmla="*/ 1909897 h 3302727"/>
-                  <a:gd name="connsiteX6" fmla="*/ 3413751 w 3413751"/>
-                  <a:gd name="connsiteY6" fmla="*/ 2995466 h 3302727"/>
-                  <a:gd name="connsiteX7" fmla="*/ 3291518 w 3413751"/>
-                  <a:gd name="connsiteY7" fmla="*/ 3219322 h 3302727"/>
-                  <a:gd name="connsiteX8" fmla="*/ 3039507 w 3413751"/>
-                  <a:gd name="connsiteY8" fmla="*/ 3299521 h 3302727"/>
-                  <a:gd name="connsiteX9" fmla="*/ 1981493 w 3413751"/>
-                  <a:gd name="connsiteY9" fmla="*/ 2263707 h 3302727"/>
-                  <a:gd name="connsiteX10" fmla="*/ 1981492 w 3413751"/>
-                  <a:gd name="connsiteY10" fmla="*/ 2263707 h 3302727"/>
-                  <a:gd name="connsiteX11" fmla="*/ 435556 w 3413751"/>
-                  <a:gd name="connsiteY11" fmla="*/ 768615 h 3302727"/>
-                  <a:gd name="connsiteX12" fmla="*/ 116216 w 3413751"/>
-                  <a:gd name="connsiteY12" fmla="*/ 204215 h 3302727"/>
-                  <a:gd name="connsiteX13" fmla="*/ 116072 w 3413751"/>
-                  <a:gd name="connsiteY13" fmla="*/ 204364 h 3302727"/>
-                  <a:gd name="connsiteX14" fmla="*/ 0 w 3413751"/>
-                  <a:gd name="connsiteY14" fmla="*/ 692 h 3302727"/>
-                  <a:gd name="connsiteX15" fmla="*/ 1518 w 3413751"/>
-                  <a:gd name="connsiteY15" fmla="*/ 1500 h 3302727"/>
-                  <a:gd name="connsiteX16" fmla="*/ 668 w 3413751"/>
-                  <a:gd name="connsiteY16" fmla="*/ 0 h 3302727"/>
-                  <a:gd name="connsiteX0" fmla="*/ 668 w 3413751"/>
-                  <a:gd name="connsiteY0" fmla="*/ 0 h 3304377"/>
-                  <a:gd name="connsiteX1" fmla="*/ 672 w 3413751"/>
-                  <a:gd name="connsiteY1" fmla="*/ 0 h 3304377"/>
-                  <a:gd name="connsiteX2" fmla="*/ 780078 w 3413751"/>
-                  <a:gd name="connsiteY2" fmla="*/ 412375 h 3304377"/>
-                  <a:gd name="connsiteX3" fmla="*/ 781370 w 3413751"/>
-                  <a:gd name="connsiteY3" fmla="*/ 411040 h 3304377"/>
-                  <a:gd name="connsiteX4" fmla="*/ 2331202 w 3413751"/>
-                  <a:gd name="connsiteY4" fmla="*/ 1909898 h 3304377"/>
-                  <a:gd name="connsiteX5" fmla="*/ 2331202 w 3413751"/>
-                  <a:gd name="connsiteY5" fmla="*/ 1909897 h 3304377"/>
-                  <a:gd name="connsiteX6" fmla="*/ 3413751 w 3413751"/>
-                  <a:gd name="connsiteY6" fmla="*/ 2995466 h 3304377"/>
-                  <a:gd name="connsiteX7" fmla="*/ 3291518 w 3413751"/>
-                  <a:gd name="connsiteY7" fmla="*/ 3219322 h 3304377"/>
-                  <a:gd name="connsiteX8" fmla="*/ 3039507 w 3413751"/>
-                  <a:gd name="connsiteY8" fmla="*/ 3299521 h 3304377"/>
-                  <a:gd name="connsiteX9" fmla="*/ 1981493 w 3413751"/>
-                  <a:gd name="connsiteY9" fmla="*/ 2263707 h 3304377"/>
-                  <a:gd name="connsiteX10" fmla="*/ 1981492 w 3413751"/>
-                  <a:gd name="connsiteY10" fmla="*/ 2263707 h 3304377"/>
-                  <a:gd name="connsiteX11" fmla="*/ 435556 w 3413751"/>
-                  <a:gd name="connsiteY11" fmla="*/ 768615 h 3304377"/>
-                  <a:gd name="connsiteX12" fmla="*/ 116216 w 3413751"/>
-                  <a:gd name="connsiteY12" fmla="*/ 204215 h 3304377"/>
-                  <a:gd name="connsiteX13" fmla="*/ 116072 w 3413751"/>
-                  <a:gd name="connsiteY13" fmla="*/ 204364 h 3304377"/>
-                  <a:gd name="connsiteX14" fmla="*/ 0 w 3413751"/>
-                  <a:gd name="connsiteY14" fmla="*/ 692 h 3304377"/>
-                  <a:gd name="connsiteX15" fmla="*/ 1518 w 3413751"/>
-                  <a:gd name="connsiteY15" fmla="*/ 1500 h 3304377"/>
-                  <a:gd name="connsiteX16" fmla="*/ 668 w 3413751"/>
-                  <a:gd name="connsiteY16" fmla="*/ 0 h 3304377"/>
-                  <a:gd name="connsiteX0" fmla="*/ 668 w 3413751"/>
-                  <a:gd name="connsiteY0" fmla="*/ 0 h 3306145"/>
-                  <a:gd name="connsiteX1" fmla="*/ 672 w 3413751"/>
-                  <a:gd name="connsiteY1" fmla="*/ 0 h 3306145"/>
-                  <a:gd name="connsiteX2" fmla="*/ 780078 w 3413751"/>
-                  <a:gd name="connsiteY2" fmla="*/ 412375 h 3306145"/>
-                  <a:gd name="connsiteX3" fmla="*/ 781370 w 3413751"/>
-                  <a:gd name="connsiteY3" fmla="*/ 411040 h 3306145"/>
-                  <a:gd name="connsiteX4" fmla="*/ 2331202 w 3413751"/>
-                  <a:gd name="connsiteY4" fmla="*/ 1909898 h 3306145"/>
-                  <a:gd name="connsiteX5" fmla="*/ 2331202 w 3413751"/>
-                  <a:gd name="connsiteY5" fmla="*/ 1909897 h 3306145"/>
-                  <a:gd name="connsiteX6" fmla="*/ 3413751 w 3413751"/>
-                  <a:gd name="connsiteY6" fmla="*/ 2995466 h 3306145"/>
-                  <a:gd name="connsiteX7" fmla="*/ 3275770 w 3413751"/>
-                  <a:gd name="connsiteY7" fmla="*/ 3240321 h 3306145"/>
-                  <a:gd name="connsiteX8" fmla="*/ 3039507 w 3413751"/>
-                  <a:gd name="connsiteY8" fmla="*/ 3299521 h 3306145"/>
-                  <a:gd name="connsiteX9" fmla="*/ 1981493 w 3413751"/>
-                  <a:gd name="connsiteY9" fmla="*/ 2263707 h 3306145"/>
-                  <a:gd name="connsiteX10" fmla="*/ 1981492 w 3413751"/>
-                  <a:gd name="connsiteY10" fmla="*/ 2263707 h 3306145"/>
-                  <a:gd name="connsiteX11" fmla="*/ 435556 w 3413751"/>
-                  <a:gd name="connsiteY11" fmla="*/ 768615 h 3306145"/>
-                  <a:gd name="connsiteX12" fmla="*/ 116216 w 3413751"/>
-                  <a:gd name="connsiteY12" fmla="*/ 204215 h 3306145"/>
-                  <a:gd name="connsiteX13" fmla="*/ 116072 w 3413751"/>
-                  <a:gd name="connsiteY13" fmla="*/ 204364 h 3306145"/>
-                  <a:gd name="connsiteX14" fmla="*/ 0 w 3413751"/>
-                  <a:gd name="connsiteY14" fmla="*/ 692 h 3306145"/>
-                  <a:gd name="connsiteX15" fmla="*/ 1518 w 3413751"/>
-                  <a:gd name="connsiteY15" fmla="*/ 1500 h 3306145"/>
-                  <a:gd name="connsiteX16" fmla="*/ 668 w 3413751"/>
-                  <a:gd name="connsiteY16" fmla="*/ 0 h 3306145"/>
-                </a:gdLst>
-                <a:ahLst/>
-                <a:cxnLst>
-                  <a:cxn ang="0">
-                    <a:pos x="connsiteX0" y="connsiteY0"/>
-                  </a:cxn>
-                  <a:cxn ang="0">
-                    <a:pos x="connsiteX1" y="connsiteY1"/>
-                  </a:cxn>
-                  <a:cxn ang="0">
-                    <a:pos x="connsiteX2" y="connsiteY2"/>
-                  </a:cxn>
-                  <a:cxn ang="0">
-                    <a:pos x="connsiteX3" y="connsiteY3"/>
-                  </a:cxn>
-                  <a:cxn ang="0">
-                    <a:pos x="connsiteX4" y="connsiteY4"/>
-                  </a:cxn>
-                  <a:cxn ang="0">
-                    <a:pos x="connsiteX5" y="connsiteY5"/>
-                  </a:cxn>
-                  <a:cxn ang="0">
-                    <a:pos x="connsiteX6" y="connsiteY6"/>
-                  </a:cxn>
-                  <a:cxn ang="0">
-                    <a:pos x="connsiteX7" y="connsiteY7"/>
-                  </a:cxn>
-                  <a:cxn ang="0">
-                    <a:pos x="connsiteX8" y="connsiteY8"/>
-                  </a:cxn>
-                  <a:cxn ang="0">
-                    <a:pos x="connsiteX9" y="connsiteY9"/>
-                  </a:cxn>
-                  <a:cxn ang="0">
-                    <a:pos x="connsiteX10" y="connsiteY10"/>
-                  </a:cxn>
-                  <a:cxn ang="0">
-                    <a:pos x="connsiteX11" y="connsiteY11"/>
-                  </a:cxn>
-                  <a:cxn ang="0">
-                    <a:pos x="connsiteX12" y="connsiteY12"/>
-                  </a:cxn>
-                  <a:cxn ang="0">
-                    <a:pos x="connsiteX13" y="connsiteY13"/>
-                  </a:cxn>
-                  <a:cxn ang="0">
-                    <a:pos x="connsiteX14" y="connsiteY14"/>
-                  </a:cxn>
-                  <a:cxn ang="0">
-                    <a:pos x="connsiteX15" y="connsiteY15"/>
-                  </a:cxn>
-                  <a:cxn ang="0">
-                    <a:pos x="connsiteX16" y="connsiteY16"/>
-                  </a:cxn>
-                </a:cxnLst>
-                <a:rect l="l" t="t" r="r" b="b"/>
-                <a:pathLst>
-                  <a:path w="3413751" h="3306145">
-                    <a:moveTo>
-                      <a:pt x="668" y="0"/>
-                    </a:moveTo>
-                    <a:lnTo>
-                      <a:pt x="672" y="0"/>
-                    </a:lnTo>
-                    <a:lnTo>
-                      <a:pt x="780078" y="412375"/>
-                    </a:lnTo>
-                    <a:lnTo>
-                      <a:pt x="781370" y="411040"/>
-                    </a:lnTo>
-                    <a:lnTo>
-                      <a:pt x="2331202" y="1909898"/>
-                    </a:lnTo>
-                    <a:lnTo>
-                      <a:pt x="2331202" y="1909897"/>
-                    </a:lnTo>
-                    <a:lnTo>
-                      <a:pt x="3413751" y="2995466"/>
-                    </a:lnTo>
-                    <a:cubicBezTo>
-                      <a:pt x="3388318" y="3128834"/>
-                      <a:pt x="3353893" y="3194895"/>
-                      <a:pt x="3275770" y="3240321"/>
-                    </a:cubicBezTo>
-                    <a:cubicBezTo>
-                      <a:pt x="3197647" y="3285747"/>
-                      <a:pt x="3135352" y="3321424"/>
-                      <a:pt x="3039507" y="3299521"/>
-                    </a:cubicBezTo>
-                    <a:lnTo>
-                      <a:pt x="1981493" y="2263707"/>
-                    </a:lnTo>
-                    <a:lnTo>
-                      <a:pt x="1981492" y="2263707"/>
-                    </a:lnTo>
-                    <a:lnTo>
-                      <a:pt x="435556" y="768615"/>
-                    </a:lnTo>
-                    <a:lnTo>
-                      <a:pt x="116216" y="204215"/>
-                    </a:lnTo>
-                    <a:lnTo>
-                      <a:pt x="116072" y="204364"/>
-                    </a:lnTo>
-                    <a:lnTo>
-                      <a:pt x="0" y="692"/>
-                    </a:lnTo>
-                    <a:lnTo>
-                      <a:pt x="1518" y="1500"/>
-                    </a:lnTo>
-                    <a:lnTo>
-                      <a:pt x="668" y="0"/>
-                    </a:lnTo>
-                    <a:close/>
-                  </a:path>
-                </a:pathLst>
-              </a:custGeom>
-              <a:solidFill>
-                <a:schemeClr val="tx1">
-                  <a:lumMod val="75000"/>
-                  <a:lumOff val="25000"/>
-                  <a:alpha val="25000"/>
-                </a:schemeClr>
-              </a:solidFill>
-              <a:ln>
-                <a:noFill/>
-              </a:ln>
-              <a:extLst/>
-            </p:spPr>
-            <p:txBody>
-              <a:bodyPr lIns="0" tIns="0" rIns="0" bIns="0" rtlCol="0" anchor="ctr"/>
-              <a:lstStyle/>
-              <a:p>
-                <a:pPr algn="ctr"/>
-                <a:endParaRPr lang="es-ES"/>
-              </a:p>
-            </p:txBody>
-          </p:sp>
-        </p:grpSp>
-      </p:grpSp>
-    </p:spTree>
-    <p:extLst>
-      <p:ext uri="{BB962C8B-B14F-4D97-AF65-F5344CB8AC3E}">
-        <p14:creationId xmlns:p14="http://schemas.microsoft.com/office/powerpoint/2010/main" val="1161012277"/>
-      </p:ext>
-    </p:extLst>
-  </p:cSld>
-  <p:clrMapOvr>
-    <a:masterClrMapping/>
-  </p:clrMapOvr>
-  <p:timing>
-    <p:tnLst>
-      <p:par>
-        <p:cTn id="1" dur="indefinite" restart="never" nodeType="tmRoot">
-          <p:childTnLst>
-            <p:seq concurrent="1" nextAc="seek">
-              <p:cTn id="2" dur="indefinite" nodeType="mainSeq">
-                <p:childTnLst>
-                  <p:par>
-                    <p:cTn id="3" fill="hold">
-                      <p:stCondLst>
-                        <p:cond delay="indefinite"/>
-                        <p:cond evt="onBegin" delay="0">
-                          <p:tn val="2"/>
-                        </p:cond>
-                      </p:stCondLst>
-                      <p:childTnLst>
-                        <p:par>
-                          <p:cTn id="4" fill="hold">
-                            <p:stCondLst>
-                              <p:cond delay="0"/>
-                            </p:stCondLst>
-                            <p:childTnLst>
-                              <p:par>
-                                <p:cTn id="5" presetID="2" presetClass="entr" presetSubtype="8" decel="100000" fill="hold" grpId="0" nodeType="withEffect">
-                                  <p:stCondLst>
-                                    <p:cond delay="0"/>
-                                  </p:stCondLst>
-                                  <p:childTnLst>
-                                    <p:set>
-                                      <p:cBhvr>
-                                        <p:cTn id="6" dur="1" fill="hold">
-                                          <p:stCondLst>
-                                            <p:cond delay="0"/>
-                                          </p:stCondLst>
-                                        </p:cTn>
-                                        <p:tgtEl>
-                                          <p:spTgt spid="2"/>
-                                        </p:tgtEl>
-                                        <p:attrNameLst>
-                                          <p:attrName>style.visibility</p:attrName>
-                                        </p:attrNameLst>
-                                      </p:cBhvr>
-                                      <p:to>
-                                        <p:strVal val="visible"/>
-                                      </p:to>
-                                    </p:set>
-                                    <p:anim calcmode="lin" valueType="num">
-                                      <p:cBhvr additive="base">
-                                        <p:cTn id="7" dur="1000" fill="hold"/>
-                                        <p:tgtEl>
-                                          <p:spTgt spid="2"/>
-                                        </p:tgtEl>
-                                        <p:attrNameLst>
-                                          <p:attrName>ppt_x</p:attrName>
-                                        </p:attrNameLst>
-                                      </p:cBhvr>
-                                      <p:tavLst>
-                                        <p:tav tm="0">
-                                          <p:val>
-                                            <p:strVal val="0-#ppt_w/2"/>
-                                          </p:val>
-                                        </p:tav>
-                                        <p:tav tm="100000">
-                                          <p:val>
-                                            <p:strVal val="#ppt_x"/>
-                                          </p:val>
-                                        </p:tav>
-                                      </p:tavLst>
-                                    </p:anim>
-                                    <p:anim calcmode="lin" valueType="num">
-                                      <p:cBhvr additive="base">
-                                        <p:cTn id="8" dur="1000" fill="hold"/>
-                                        <p:tgtEl>
-                                          <p:spTgt spid="2"/>
-                                        </p:tgtEl>
-                                        <p:attrNameLst>
-                                          <p:attrName>ppt_y</p:attrName>
-                                        </p:attrNameLst>
-                                      </p:cBhvr>
-                                      <p:tavLst>
-                                        <p:tav tm="0">
-                                          <p:val>
-                                            <p:strVal val="#ppt_y"/>
-                                          </p:val>
-                                        </p:tav>
-                                        <p:tav tm="100000">
-                                          <p:val>
-                                            <p:strVal val="#ppt_y"/>
-                                          </p:val>
-                                        </p:tav>
-                                      </p:tavLst>
-                                    </p:anim>
-                                  </p:childTnLst>
-                                </p:cTn>
-                              </p:par>
-                            </p:childTnLst>
-                          </p:cTn>
-                        </p:par>
-                        <p:par>
-                          <p:cTn id="9" fill="hold">
-                            <p:stCondLst>
-                              <p:cond delay="1000"/>
-                            </p:stCondLst>
-                            <p:childTnLst>
-                              <p:par>
-                                <p:cTn id="10" presetID="2" presetClass="entr" presetSubtype="4" fill="hold" nodeType="afterEffect">
-                                  <p:stCondLst>
-                                    <p:cond delay="0"/>
-                                  </p:stCondLst>
-                                  <p:childTnLst>
-                                    <p:set>
-                                      <p:cBhvr>
-                                        <p:cTn id="11" dur="1" fill="hold">
-                                          <p:stCondLst>
-                                            <p:cond delay="0"/>
-                                          </p:stCondLst>
-                                        </p:cTn>
-                                        <p:tgtEl>
-                                          <p:spTgt spid="4"/>
-                                        </p:tgtEl>
-                                        <p:attrNameLst>
-                                          <p:attrName>style.visibility</p:attrName>
-                                        </p:attrNameLst>
-                                      </p:cBhvr>
-                                      <p:to>
-                                        <p:strVal val="visible"/>
-                                      </p:to>
-                                    </p:set>
-                                    <p:anim calcmode="lin" valueType="num">
-                                      <p:cBhvr additive="base">
-                                        <p:cTn id="12" dur="500" fill="hold"/>
-                                        <p:tgtEl>
-                                          <p:spTgt spid="4"/>
-                                        </p:tgtEl>
-                                        <p:attrNameLst>
-                                          <p:attrName>ppt_x</p:attrName>
-                                        </p:attrNameLst>
-                                      </p:cBhvr>
-                                      <p:tavLst>
-                                        <p:tav tm="0">
-                                          <p:val>
-                                            <p:strVal val="#ppt_x"/>
-                                          </p:val>
-                                        </p:tav>
-                                        <p:tav tm="100000">
-                                          <p:val>
-                                            <p:strVal val="#ppt_x"/>
-                                          </p:val>
-                                        </p:tav>
-                                      </p:tavLst>
-                                    </p:anim>
-                                    <p:anim calcmode="lin" valueType="num">
-                                      <p:cBhvr additive="base">
-                                        <p:cTn id="13" dur="500" fill="hold"/>
-                                        <p:tgtEl>
-                                          <p:spTgt spid="4"/>
-                                        </p:tgtEl>
-                                        <p:attrNameLst>
-                                          <p:attrName>ppt_y</p:attrName>
-                                        </p:attrNameLst>
-                                      </p:cBhvr>
-                                      <p:tavLst>
-                                        <p:tav tm="0">
-                                          <p:val>
-                                            <p:strVal val="1+#ppt_h/2"/>
-                                          </p:val>
-                                        </p:tav>
-                                        <p:tav tm="100000">
-                                          <p:val>
-                                            <p:strVal val="#ppt_y"/>
-                                          </p:val>
-                                        </p:tav>
-                                      </p:tavLst>
-                                    </p:anim>
-                                  </p:childTnLst>
-                                </p:cTn>
-                              </p:par>
-                            </p:childTnLst>
-                          </p:cTn>
-                        </p:par>
-                      </p:childTnLst>
-                    </p:cTn>
-                  </p:par>
-                </p:childTnLst>
-              </p:cTn>
-              <p:prevCondLst>
-                <p:cond evt="onPrev" delay="0">
-                  <p:tgtEl>
-                    <p:sldTgt/>
-                  </p:tgtEl>
-                </p:cond>
-              </p:prevCondLst>
-              <p:nextCondLst>
-                <p:cond evt="onNext" delay="0">
-                  <p:tgtEl>
-                    <p:sldTgt/>
-                  </p:tgtEl>
-                </p:cond>
-              </p:nextCondLst>
-            </p:seq>
-          </p:childTnLst>
-        </p:cTn>
-      </p:par>
-    </p:tnLst>
-    <p:bldLst>
-      <p:bldP spid="2" grpId="0"/>
-    </p:bldLst>
-  </p:timing>
-</p:sld>
-</file>
-
-<file path=ppt/slides/slide11.xml><?xml version="1.0" encoding="utf-8"?>
-<p:sld xmlns:a="http://schemas.openxmlformats.org/drawingml/2006/main" xmlns:r="http://schemas.openxmlformats.org/officeDocument/2006/relationships" xmlns:p="http://schemas.openxmlformats.org/presentationml/2006/main">
-  <p:cSld>
-    <p:spTree>
-      <p:nvGrpSpPr>
-        <p:cNvPr id="1" name=""/>
-        <p:cNvGrpSpPr/>
-        <p:nvPr/>
-      </p:nvGrpSpPr>
-      <p:grpSpPr>
-        <a:xfrm>
-          <a:off x="0" y="0"/>
-          <a:ext cx="0" cy="0"/>
-          <a:chOff x="0" y="0"/>
-          <a:chExt cx="0" cy="0"/>
-        </a:xfrm>
-      </p:grpSpPr>
-      <p:sp>
-        <p:nvSpPr>
           <p:cNvPr id="6" name="2 Título"/>
           <p:cNvSpPr>
             <a:spLocks noGrp="1"/>
@@ -24580,7 +22847,7 @@
             <a:fld id="{FF439014-E629-42E3-A58B-61A0F1C8CFFE}" type="slidenum">
               <a:rPr lang="es-SV" smtClean="0"/>
               <a:pPr/>
-              <a:t>11</a:t>
+              <a:t>10</a:t>
             </a:fld>
             <a:endParaRPr lang="es-SV"/>
           </a:p>
@@ -26797,7 +25064,7 @@
         <p:spPr>
           <a:xfrm>
             <a:off x="2246688" y="2855786"/>
-            <a:ext cx="19982220" cy="1754326"/>
+            <a:ext cx="19982220" cy="5078313"/>
           </a:xfrm>
           <a:prstGeom prst="rect">
             <a:avLst/>
@@ -26816,12 +25083,9 @@
             </a:pPr>
             <a:r>
               <a:rPr lang="en-US" sz="3600" dirty="0"/>
-              <a:t>Static Polymorphism also known as compile time </a:t>
+              <a:t>Static Polymorphism also known as compile time polymorphism. Polymorphism that is resolved during compiler time is known as static polymorphism. Method overloading is an example of compile time polymorphism.</a:t>
             </a:r>
-            <a:r>
-              <a:rPr lang="en-US" sz="3600" dirty="0" smtClean="0"/>
-              <a:t>polymorphism.</a:t>
-            </a:r>
+            <a:endParaRPr lang="en-US" sz="3600" dirty="0" smtClean="0"/>
           </a:p>
           <a:p>
             <a:pPr marL="571500" indent="-571500">
@@ -26830,12 +25094,17 @@
             </a:pPr>
             <a:r>
               <a:rPr lang="en-US" sz="3600" dirty="0"/>
-              <a:t>Dynamic Polymorphism also known as runtime </a:t>
+              <a:t>Dynamic Polymorphism also known as runtime polymorphism. It is also known as Dynamic Method Dispatch. Dynamic polymorphism is a process in which a call to an overridden method is resolved at runtime, </a:t>
             </a:r>
             <a:r>
-              <a:rPr lang="en-US" sz="3600" smtClean="0"/>
-              <a:t>polymorphism.</a:t>
+              <a:rPr lang="en-US" sz="3600" dirty="0" smtClean="0"/>
+              <a:t>that's </a:t>
             </a:r>
+            <a:r>
+              <a:rPr lang="en-US" sz="3600" dirty="0"/>
+              <a:t>why it is called runtime polymorphism. When an overridden method is called through a reference of parent class, then type of the object determines which method is to be executed. Thus, this determination is made at run time.</a:t>
+            </a:r>
+            <a:endParaRPr lang="en-US" sz="3600" dirty="0" smtClean="0"/>
           </a:p>
           <a:p>
             <a:pPr marL="571500" indent="-571500">
@@ -27085,5298 +25354,6 @@
           <a:chExt cx="0" cy="0"/>
         </a:xfrm>
       </p:grpSpPr>
-      <p:grpSp>
-        <p:nvGrpSpPr>
-          <p:cNvPr id="5" name="3081 Grupo"/>
-          <p:cNvGrpSpPr/>
-          <p:nvPr/>
-        </p:nvGrpSpPr>
-        <p:grpSpPr>
-          <a:xfrm>
-            <a:off x="18976701" y="9739114"/>
-            <a:ext cx="1992068" cy="2924563"/>
-            <a:chOff x="15352141" y="5250390"/>
-            <a:chExt cx="2650073" cy="3245893"/>
-          </a:xfrm>
-        </p:grpSpPr>
-        <p:sp>
-          <p:nvSpPr>
-            <p:cNvPr id="6" name="47 Rectángulo redondeado"/>
-            <p:cNvSpPr>
-              <a:spLocks noChangeAspect="1"/>
-            </p:cNvSpPr>
-            <p:nvPr/>
-          </p:nvSpPr>
-          <p:spPr>
-            <a:xfrm>
-              <a:off x="16185674" y="5809550"/>
-              <a:ext cx="978966" cy="1162575"/>
-            </a:xfrm>
-            <a:custGeom>
-              <a:avLst/>
-              <a:gdLst/>
-              <a:ahLst/>
-              <a:cxnLst/>
-              <a:rect l="l" t="t" r="r" b="b"/>
-              <a:pathLst>
-                <a:path w="2777262" h="3298153">
-                  <a:moveTo>
-                    <a:pt x="1388631" y="0"/>
-                  </a:moveTo>
-                  <a:cubicBezTo>
-                    <a:pt x="2155551" y="0"/>
-                    <a:pt x="2777262" y="658860"/>
-                    <a:pt x="2777262" y="1471604"/>
-                  </a:cubicBezTo>
-                  <a:cubicBezTo>
-                    <a:pt x="2777262" y="2008515"/>
-                    <a:pt x="2505939" y="2478270"/>
-                    <a:pt x="2099784" y="2733886"/>
-                  </a:cubicBezTo>
-                  <a:lnTo>
-                    <a:pt x="2099784" y="3119913"/>
-                  </a:lnTo>
-                  <a:cubicBezTo>
-                    <a:pt x="2099784" y="3218352"/>
-                    <a:pt x="2019983" y="3298153"/>
-                    <a:pt x="1921544" y="3298153"/>
-                  </a:cubicBezTo>
-                  <a:lnTo>
-                    <a:pt x="924971" y="3298153"/>
-                  </a:lnTo>
-                  <a:cubicBezTo>
-                    <a:pt x="826532" y="3298153"/>
-                    <a:pt x="746731" y="3218352"/>
-                    <a:pt x="746731" y="3119913"/>
-                  </a:cubicBezTo>
-                  <a:lnTo>
-                    <a:pt x="746731" y="2775806"/>
-                  </a:lnTo>
-                  <a:cubicBezTo>
-                    <a:pt x="302725" y="2530938"/>
-                    <a:pt x="0" y="2038735"/>
-                    <a:pt x="0" y="1471604"/>
-                  </a:cubicBezTo>
-                  <a:cubicBezTo>
-                    <a:pt x="0" y="658860"/>
-                    <a:pt x="621711" y="0"/>
-                    <a:pt x="1388631" y="0"/>
-                  </a:cubicBezTo>
-                  <a:close/>
-                </a:path>
-              </a:pathLst>
-            </a:custGeom>
-            <a:solidFill>
-              <a:srgbClr val="FFD961"/>
-            </a:solidFill>
-            <a:ln>
-              <a:noFill/>
-            </a:ln>
-          </p:spPr>
-          <p:style>
-            <a:lnRef idx="2">
-              <a:schemeClr val="accent1">
-                <a:shade val="50000"/>
-              </a:schemeClr>
-            </a:lnRef>
-            <a:fillRef idx="1">
-              <a:schemeClr val="accent1"/>
-            </a:fillRef>
-            <a:effectRef idx="0">
-              <a:schemeClr val="accent1"/>
-            </a:effectRef>
-            <a:fontRef idx="minor">
-              <a:schemeClr val="lt1"/>
-            </a:fontRef>
-          </p:style>
-          <p:txBody>
-            <a:bodyPr rtlCol="0" anchor="ctr"/>
-            <a:lstStyle/>
-            <a:p>
-              <a:pPr algn="ctr"/>
-              <a:endParaRPr lang="es-SV"/>
-            </a:p>
-          </p:txBody>
-        </p:sp>
-        <p:sp>
-          <p:nvSpPr>
-            <p:cNvPr id="7" name="Freeform 34"/>
-            <p:cNvSpPr>
-              <a:spLocks noChangeAspect="1"/>
-            </p:cNvSpPr>
-            <p:nvPr/>
-          </p:nvSpPr>
-          <p:spPr bwMode="auto">
-            <a:xfrm rot="3106406">
-              <a:off x="16775795" y="7599341"/>
-              <a:ext cx="346074" cy="482360"/>
-            </a:xfrm>
-            <a:custGeom>
-              <a:avLst/>
-              <a:gdLst>
-                <a:gd name="T0" fmla="*/ 2318 w 2711"/>
-                <a:gd name="T1" fmla="*/ 24 h 3779"/>
-                <a:gd name="T2" fmla="*/ 2379 w 2711"/>
-                <a:gd name="T3" fmla="*/ 124 h 3779"/>
-                <a:gd name="T4" fmla="*/ 2466 w 2711"/>
-                <a:gd name="T5" fmla="*/ 297 h 3779"/>
-                <a:gd name="T6" fmla="*/ 2561 w 2711"/>
-                <a:gd name="T7" fmla="*/ 533 h 3779"/>
-                <a:gd name="T8" fmla="*/ 2646 w 2711"/>
-                <a:gd name="T9" fmla="*/ 824 h 3779"/>
-                <a:gd name="T10" fmla="*/ 2701 w 2711"/>
-                <a:gd name="T11" fmla="*/ 1162 h 3779"/>
-                <a:gd name="T12" fmla="*/ 2707 w 2711"/>
-                <a:gd name="T13" fmla="*/ 1539 h 3779"/>
-                <a:gd name="T14" fmla="*/ 2672 w 2711"/>
-                <a:gd name="T15" fmla="*/ 1808 h 3779"/>
-                <a:gd name="T16" fmla="*/ 2626 w 2711"/>
-                <a:gd name="T17" fmla="*/ 1973 h 3779"/>
-                <a:gd name="T18" fmla="*/ 2548 w 2711"/>
-                <a:gd name="T19" fmla="*/ 2166 h 3779"/>
-                <a:gd name="T20" fmla="*/ 2438 w 2711"/>
-                <a:gd name="T21" fmla="*/ 2374 h 3779"/>
-                <a:gd name="T22" fmla="*/ 2289 w 2711"/>
-                <a:gd name="T23" fmla="*/ 2583 h 3779"/>
-                <a:gd name="T24" fmla="*/ 2099 w 2711"/>
-                <a:gd name="T25" fmla="*/ 2780 h 3779"/>
-                <a:gd name="T26" fmla="*/ 1865 w 2711"/>
-                <a:gd name="T27" fmla="*/ 2953 h 3779"/>
-                <a:gd name="T28" fmla="*/ 1584 w 2711"/>
-                <a:gd name="T29" fmla="*/ 3089 h 3779"/>
-                <a:gd name="T30" fmla="*/ 1250 w 2711"/>
-                <a:gd name="T31" fmla="*/ 3174 h 3779"/>
-                <a:gd name="T32" fmla="*/ 862 w 2711"/>
-                <a:gd name="T33" fmla="*/ 3196 h 3779"/>
-                <a:gd name="T34" fmla="*/ 571 w 2711"/>
-                <a:gd name="T35" fmla="*/ 3318 h 3779"/>
-                <a:gd name="T36" fmla="*/ 475 w 2711"/>
-                <a:gd name="T37" fmla="*/ 3615 h 3779"/>
-                <a:gd name="T38" fmla="*/ 399 w 2711"/>
-                <a:gd name="T39" fmla="*/ 3713 h 3779"/>
-                <a:gd name="T40" fmla="*/ 302 w 2711"/>
-                <a:gd name="T41" fmla="*/ 3748 h 3779"/>
-                <a:gd name="T42" fmla="*/ 233 w 2711"/>
-                <a:gd name="T43" fmla="*/ 3775 h 3779"/>
-                <a:gd name="T44" fmla="*/ 254 w 2711"/>
-                <a:gd name="T45" fmla="*/ 3615 h 3779"/>
-                <a:gd name="T46" fmla="*/ 347 w 2711"/>
-                <a:gd name="T47" fmla="*/ 3300 h 3779"/>
-                <a:gd name="T48" fmla="*/ 475 w 2711"/>
-                <a:gd name="T49" fmla="*/ 3028 h 3779"/>
-                <a:gd name="T50" fmla="*/ 638 w 2711"/>
-                <a:gd name="T51" fmla="*/ 2824 h 3779"/>
-                <a:gd name="T52" fmla="*/ 972 w 2711"/>
-                <a:gd name="T53" fmla="*/ 2556 h 3779"/>
-                <a:gd name="T54" fmla="*/ 1289 w 2711"/>
-                <a:gd name="T55" fmla="*/ 2222 h 3779"/>
-                <a:gd name="T56" fmla="*/ 1541 w 2711"/>
-                <a:gd name="T57" fmla="*/ 1881 h 3779"/>
-                <a:gd name="T58" fmla="*/ 1730 w 2711"/>
-                <a:gd name="T59" fmla="*/ 1553 h 3779"/>
-                <a:gd name="T60" fmla="*/ 1867 w 2711"/>
-                <a:gd name="T61" fmla="*/ 1261 h 3779"/>
-                <a:gd name="T62" fmla="*/ 1955 w 2711"/>
-                <a:gd name="T63" fmla="*/ 1025 h 3779"/>
-                <a:gd name="T64" fmla="*/ 2003 w 2711"/>
-                <a:gd name="T65" fmla="*/ 868 h 3779"/>
-                <a:gd name="T66" fmla="*/ 2018 w 2711"/>
-                <a:gd name="T67" fmla="*/ 811 h 3779"/>
-                <a:gd name="T68" fmla="*/ 2002 w 2711"/>
-                <a:gd name="T69" fmla="*/ 866 h 3779"/>
-                <a:gd name="T70" fmla="*/ 1947 w 2711"/>
-                <a:gd name="T71" fmla="*/ 1018 h 3779"/>
-                <a:gd name="T72" fmla="*/ 1842 w 2711"/>
-                <a:gd name="T73" fmla="*/ 1250 h 3779"/>
-                <a:gd name="T74" fmla="*/ 1676 w 2711"/>
-                <a:gd name="T75" fmla="*/ 1543 h 3779"/>
-                <a:gd name="T76" fmla="*/ 1437 w 2711"/>
-                <a:gd name="T77" fmla="*/ 1880 h 3779"/>
-                <a:gd name="T78" fmla="*/ 1115 w 2711"/>
-                <a:gd name="T79" fmla="*/ 2242 h 3779"/>
-                <a:gd name="T80" fmla="*/ 698 w 2711"/>
-                <a:gd name="T81" fmla="*/ 2612 h 3779"/>
-                <a:gd name="T82" fmla="*/ 477 w 2711"/>
-                <a:gd name="T83" fmla="*/ 2790 h 3779"/>
-                <a:gd name="T84" fmla="*/ 365 w 2711"/>
-                <a:gd name="T85" fmla="*/ 2916 h 3779"/>
-                <a:gd name="T86" fmla="*/ 287 w 2711"/>
-                <a:gd name="T87" fmla="*/ 3024 h 3779"/>
-                <a:gd name="T88" fmla="*/ 250 w 2711"/>
-                <a:gd name="T89" fmla="*/ 3082 h 3779"/>
-                <a:gd name="T90" fmla="*/ 235 w 2711"/>
-                <a:gd name="T91" fmla="*/ 3068 h 3779"/>
-                <a:gd name="T92" fmla="*/ 194 w 2711"/>
-                <a:gd name="T93" fmla="*/ 3001 h 3779"/>
-                <a:gd name="T94" fmla="*/ 141 w 2711"/>
-                <a:gd name="T95" fmla="*/ 2886 h 3779"/>
-                <a:gd name="T96" fmla="*/ 82 w 2711"/>
-                <a:gd name="T97" fmla="*/ 2731 h 3779"/>
-                <a:gd name="T98" fmla="*/ 34 w 2711"/>
-                <a:gd name="T99" fmla="*/ 2542 h 3779"/>
-                <a:gd name="T100" fmla="*/ 4 w 2711"/>
-                <a:gd name="T101" fmla="*/ 2327 h 3779"/>
-                <a:gd name="T102" fmla="*/ 6 w 2711"/>
-                <a:gd name="T103" fmla="*/ 2090 h 3779"/>
-                <a:gd name="T104" fmla="*/ 48 w 2711"/>
-                <a:gd name="T105" fmla="*/ 1838 h 3779"/>
-                <a:gd name="T106" fmla="*/ 143 w 2711"/>
-                <a:gd name="T107" fmla="*/ 1578 h 3779"/>
-                <a:gd name="T108" fmla="*/ 301 w 2711"/>
-                <a:gd name="T109" fmla="*/ 1316 h 3779"/>
-                <a:gd name="T110" fmla="*/ 535 w 2711"/>
-                <a:gd name="T111" fmla="*/ 1059 h 3779"/>
-                <a:gd name="T112" fmla="*/ 855 w 2711"/>
-                <a:gd name="T113" fmla="*/ 811 h 3779"/>
-                <a:gd name="T114" fmla="*/ 1272 w 2711"/>
-                <a:gd name="T115" fmla="*/ 582 h 3779"/>
-                <a:gd name="T116" fmla="*/ 1705 w 2711"/>
-                <a:gd name="T117" fmla="*/ 404 h 3779"/>
-                <a:gd name="T118" fmla="*/ 1898 w 2711"/>
-                <a:gd name="T119" fmla="*/ 306 h 3779"/>
-                <a:gd name="T120" fmla="*/ 2068 w 2711"/>
-                <a:gd name="T121" fmla="*/ 194 h 3779"/>
-                <a:gd name="T122" fmla="*/ 2199 w 2711"/>
-                <a:gd name="T123" fmla="*/ 91 h 3779"/>
-                <a:gd name="T124" fmla="*/ 2282 w 2711"/>
-                <a:gd name="T125" fmla="*/ 20 h 3779"/>
-              </a:gdLst>
-              <a:ahLst/>
-              <a:cxnLst>
-                <a:cxn ang="0">
-                  <a:pos x="T0" y="T1"/>
-                </a:cxn>
-                <a:cxn ang="0">
-                  <a:pos x="T2" y="T3"/>
-                </a:cxn>
-                <a:cxn ang="0">
-                  <a:pos x="T4" y="T5"/>
-                </a:cxn>
-                <a:cxn ang="0">
-                  <a:pos x="T6" y="T7"/>
-                </a:cxn>
-                <a:cxn ang="0">
-                  <a:pos x="T8" y="T9"/>
-                </a:cxn>
-                <a:cxn ang="0">
-                  <a:pos x="T10" y="T11"/>
-                </a:cxn>
-                <a:cxn ang="0">
-                  <a:pos x="T12" y="T13"/>
-                </a:cxn>
-                <a:cxn ang="0">
-                  <a:pos x="T14" y="T15"/>
-                </a:cxn>
-                <a:cxn ang="0">
-                  <a:pos x="T16" y="T17"/>
-                </a:cxn>
-                <a:cxn ang="0">
-                  <a:pos x="T18" y="T19"/>
-                </a:cxn>
-                <a:cxn ang="0">
-                  <a:pos x="T20" y="T21"/>
-                </a:cxn>
-                <a:cxn ang="0">
-                  <a:pos x="T22" y="T23"/>
-                </a:cxn>
-                <a:cxn ang="0">
-                  <a:pos x="T24" y="T25"/>
-                </a:cxn>
-                <a:cxn ang="0">
-                  <a:pos x="T26" y="T27"/>
-                </a:cxn>
-                <a:cxn ang="0">
-                  <a:pos x="T28" y="T29"/>
-                </a:cxn>
-                <a:cxn ang="0">
-                  <a:pos x="T30" y="T31"/>
-                </a:cxn>
-                <a:cxn ang="0">
-                  <a:pos x="T32" y="T33"/>
-                </a:cxn>
-                <a:cxn ang="0">
-                  <a:pos x="T34" y="T35"/>
-                </a:cxn>
-                <a:cxn ang="0">
-                  <a:pos x="T36" y="T37"/>
-                </a:cxn>
-                <a:cxn ang="0">
-                  <a:pos x="T38" y="T39"/>
-                </a:cxn>
-                <a:cxn ang="0">
-                  <a:pos x="T40" y="T41"/>
-                </a:cxn>
-                <a:cxn ang="0">
-                  <a:pos x="T42" y="T43"/>
-                </a:cxn>
-                <a:cxn ang="0">
-                  <a:pos x="T44" y="T45"/>
-                </a:cxn>
-                <a:cxn ang="0">
-                  <a:pos x="T46" y="T47"/>
-                </a:cxn>
-                <a:cxn ang="0">
-                  <a:pos x="T48" y="T49"/>
-                </a:cxn>
-                <a:cxn ang="0">
-                  <a:pos x="T50" y="T51"/>
-                </a:cxn>
-                <a:cxn ang="0">
-                  <a:pos x="T52" y="T53"/>
-                </a:cxn>
-                <a:cxn ang="0">
-                  <a:pos x="T54" y="T55"/>
-                </a:cxn>
-                <a:cxn ang="0">
-                  <a:pos x="T56" y="T57"/>
-                </a:cxn>
-                <a:cxn ang="0">
-                  <a:pos x="T58" y="T59"/>
-                </a:cxn>
-                <a:cxn ang="0">
-                  <a:pos x="T60" y="T61"/>
-                </a:cxn>
-                <a:cxn ang="0">
-                  <a:pos x="T62" y="T63"/>
-                </a:cxn>
-                <a:cxn ang="0">
-                  <a:pos x="T64" y="T65"/>
-                </a:cxn>
-                <a:cxn ang="0">
-                  <a:pos x="T66" y="T67"/>
-                </a:cxn>
-                <a:cxn ang="0">
-                  <a:pos x="T68" y="T69"/>
-                </a:cxn>
-                <a:cxn ang="0">
-                  <a:pos x="T70" y="T71"/>
-                </a:cxn>
-                <a:cxn ang="0">
-                  <a:pos x="T72" y="T73"/>
-                </a:cxn>
-                <a:cxn ang="0">
-                  <a:pos x="T74" y="T75"/>
-                </a:cxn>
-                <a:cxn ang="0">
-                  <a:pos x="T76" y="T77"/>
-                </a:cxn>
-                <a:cxn ang="0">
-                  <a:pos x="T78" y="T79"/>
-                </a:cxn>
-                <a:cxn ang="0">
-                  <a:pos x="T80" y="T81"/>
-                </a:cxn>
-                <a:cxn ang="0">
-                  <a:pos x="T82" y="T83"/>
-                </a:cxn>
-                <a:cxn ang="0">
-                  <a:pos x="T84" y="T85"/>
-                </a:cxn>
-                <a:cxn ang="0">
-                  <a:pos x="T86" y="T87"/>
-                </a:cxn>
-                <a:cxn ang="0">
-                  <a:pos x="T88" y="T89"/>
-                </a:cxn>
-                <a:cxn ang="0">
-                  <a:pos x="T90" y="T91"/>
-                </a:cxn>
-                <a:cxn ang="0">
-                  <a:pos x="T92" y="T93"/>
-                </a:cxn>
-                <a:cxn ang="0">
-                  <a:pos x="T94" y="T95"/>
-                </a:cxn>
-                <a:cxn ang="0">
-                  <a:pos x="T96" y="T97"/>
-                </a:cxn>
-                <a:cxn ang="0">
-                  <a:pos x="T98" y="T99"/>
-                </a:cxn>
-                <a:cxn ang="0">
-                  <a:pos x="T100" y="T101"/>
-                </a:cxn>
-                <a:cxn ang="0">
-                  <a:pos x="T102" y="T103"/>
-                </a:cxn>
-                <a:cxn ang="0">
-                  <a:pos x="T104" y="T105"/>
-                </a:cxn>
-                <a:cxn ang="0">
-                  <a:pos x="T106" y="T107"/>
-                </a:cxn>
-                <a:cxn ang="0">
-                  <a:pos x="T108" y="T109"/>
-                </a:cxn>
-                <a:cxn ang="0">
-                  <a:pos x="T110" y="T111"/>
-                </a:cxn>
-                <a:cxn ang="0">
-                  <a:pos x="T112" y="T113"/>
-                </a:cxn>
-                <a:cxn ang="0">
-                  <a:pos x="T114" y="T115"/>
-                </a:cxn>
-                <a:cxn ang="0">
-                  <a:pos x="T116" y="T117"/>
-                </a:cxn>
-                <a:cxn ang="0">
-                  <a:pos x="T118" y="T119"/>
-                </a:cxn>
-                <a:cxn ang="0">
-                  <a:pos x="T120" y="T121"/>
-                </a:cxn>
-                <a:cxn ang="0">
-                  <a:pos x="T122" y="T123"/>
-                </a:cxn>
-                <a:cxn ang="0">
-                  <a:pos x="T124" y="T125"/>
-                </a:cxn>
-              </a:cxnLst>
-              <a:rect l="0" t="0" r="r" b="b"/>
-              <a:pathLst>
-                <a:path w="2711" h="3779">
-                  <a:moveTo>
-                    <a:pt x="2302" y="0"/>
-                  </a:moveTo>
-                  <a:lnTo>
-                    <a:pt x="2304" y="3"/>
-                  </a:lnTo>
-                  <a:lnTo>
-                    <a:pt x="2309" y="11"/>
-                  </a:lnTo>
-                  <a:lnTo>
-                    <a:pt x="2318" y="24"/>
-                  </a:lnTo>
-                  <a:lnTo>
-                    <a:pt x="2330" y="42"/>
-                  </a:lnTo>
-                  <a:lnTo>
-                    <a:pt x="2344" y="65"/>
-                  </a:lnTo>
-                  <a:lnTo>
-                    <a:pt x="2360" y="93"/>
-                  </a:lnTo>
-                  <a:lnTo>
-                    <a:pt x="2379" y="124"/>
-                  </a:lnTo>
-                  <a:lnTo>
-                    <a:pt x="2398" y="162"/>
-                  </a:lnTo>
-                  <a:lnTo>
-                    <a:pt x="2419" y="202"/>
-                  </a:lnTo>
-                  <a:lnTo>
-                    <a:pt x="2443" y="248"/>
-                  </a:lnTo>
-                  <a:lnTo>
-                    <a:pt x="2466" y="297"/>
-                  </a:lnTo>
-                  <a:lnTo>
-                    <a:pt x="2490" y="350"/>
-                  </a:lnTo>
-                  <a:lnTo>
-                    <a:pt x="2514" y="407"/>
-                  </a:lnTo>
-                  <a:lnTo>
-                    <a:pt x="2538" y="469"/>
-                  </a:lnTo>
-                  <a:lnTo>
-                    <a:pt x="2561" y="533"/>
-                  </a:lnTo>
-                  <a:lnTo>
-                    <a:pt x="2585" y="600"/>
-                  </a:lnTo>
-                  <a:lnTo>
-                    <a:pt x="2607" y="671"/>
-                  </a:lnTo>
-                  <a:lnTo>
-                    <a:pt x="2628" y="746"/>
-                  </a:lnTo>
-                  <a:lnTo>
-                    <a:pt x="2646" y="824"/>
-                  </a:lnTo>
-                  <a:lnTo>
-                    <a:pt x="2664" y="904"/>
-                  </a:lnTo>
-                  <a:lnTo>
-                    <a:pt x="2679" y="988"/>
-                  </a:lnTo>
-                  <a:lnTo>
-                    <a:pt x="2692" y="1074"/>
-                  </a:lnTo>
-                  <a:lnTo>
-                    <a:pt x="2701" y="1162"/>
-                  </a:lnTo>
-                  <a:lnTo>
-                    <a:pt x="2708" y="1253"/>
-                  </a:lnTo>
-                  <a:lnTo>
-                    <a:pt x="2711" y="1346"/>
-                  </a:lnTo>
-                  <a:lnTo>
-                    <a:pt x="2711" y="1442"/>
-                  </a:lnTo>
-                  <a:lnTo>
-                    <a:pt x="2707" y="1539"/>
-                  </a:lnTo>
-                  <a:lnTo>
-                    <a:pt x="2699" y="1639"/>
-                  </a:lnTo>
-                  <a:lnTo>
-                    <a:pt x="2685" y="1741"/>
-                  </a:lnTo>
-                  <a:lnTo>
-                    <a:pt x="2680" y="1773"/>
-                  </a:lnTo>
-                  <a:lnTo>
-                    <a:pt x="2672" y="1808"/>
-                  </a:lnTo>
-                  <a:lnTo>
-                    <a:pt x="2664" y="1846"/>
-                  </a:lnTo>
-                  <a:lnTo>
-                    <a:pt x="2653" y="1887"/>
-                  </a:lnTo>
-                  <a:lnTo>
-                    <a:pt x="2640" y="1929"/>
-                  </a:lnTo>
-                  <a:lnTo>
-                    <a:pt x="2626" y="1973"/>
-                  </a:lnTo>
-                  <a:lnTo>
-                    <a:pt x="2610" y="2020"/>
-                  </a:lnTo>
-                  <a:lnTo>
-                    <a:pt x="2592" y="2068"/>
-                  </a:lnTo>
-                  <a:lnTo>
-                    <a:pt x="2572" y="2116"/>
-                  </a:lnTo>
-                  <a:lnTo>
-                    <a:pt x="2548" y="2166"/>
-                  </a:lnTo>
-                  <a:lnTo>
-                    <a:pt x="2524" y="2218"/>
-                  </a:lnTo>
-                  <a:lnTo>
-                    <a:pt x="2498" y="2269"/>
-                  </a:lnTo>
-                  <a:lnTo>
-                    <a:pt x="2469" y="2321"/>
-                  </a:lnTo>
-                  <a:lnTo>
-                    <a:pt x="2438" y="2374"/>
-                  </a:lnTo>
-                  <a:lnTo>
-                    <a:pt x="2404" y="2426"/>
-                  </a:lnTo>
-                  <a:lnTo>
-                    <a:pt x="2368" y="2478"/>
-                  </a:lnTo>
-                  <a:lnTo>
-                    <a:pt x="2330" y="2531"/>
-                  </a:lnTo>
-                  <a:lnTo>
-                    <a:pt x="2289" y="2583"/>
-                  </a:lnTo>
-                  <a:lnTo>
-                    <a:pt x="2246" y="2633"/>
-                  </a:lnTo>
-                  <a:lnTo>
-                    <a:pt x="2199" y="2683"/>
-                  </a:lnTo>
-                  <a:lnTo>
-                    <a:pt x="2150" y="2732"/>
-                  </a:lnTo>
-                  <a:lnTo>
-                    <a:pt x="2099" y="2780"/>
-                  </a:lnTo>
-                  <a:lnTo>
-                    <a:pt x="2046" y="2826"/>
-                  </a:lnTo>
-                  <a:lnTo>
-                    <a:pt x="1989" y="2870"/>
-                  </a:lnTo>
-                  <a:lnTo>
-                    <a:pt x="1928" y="2912"/>
-                  </a:lnTo>
-                  <a:lnTo>
-                    <a:pt x="1865" y="2953"/>
-                  </a:lnTo>
-                  <a:lnTo>
-                    <a:pt x="1799" y="2992"/>
-                  </a:lnTo>
-                  <a:lnTo>
-                    <a:pt x="1730" y="3026"/>
-                  </a:lnTo>
-                  <a:lnTo>
-                    <a:pt x="1658" y="3059"/>
-                  </a:lnTo>
-                  <a:lnTo>
-                    <a:pt x="1584" y="3089"/>
-                  </a:lnTo>
-                  <a:lnTo>
-                    <a:pt x="1505" y="3116"/>
-                  </a:lnTo>
-                  <a:lnTo>
-                    <a:pt x="1423" y="3138"/>
-                  </a:lnTo>
-                  <a:lnTo>
-                    <a:pt x="1338" y="3158"/>
-                  </a:lnTo>
-                  <a:lnTo>
-                    <a:pt x="1250" y="3174"/>
-                  </a:lnTo>
-                  <a:lnTo>
-                    <a:pt x="1158" y="3187"/>
-                  </a:lnTo>
-                  <a:lnTo>
-                    <a:pt x="1062" y="3194"/>
-                  </a:lnTo>
-                  <a:lnTo>
-                    <a:pt x="965" y="3197"/>
-                  </a:lnTo>
-                  <a:lnTo>
-                    <a:pt x="862" y="3196"/>
-                  </a:lnTo>
-                  <a:lnTo>
-                    <a:pt x="755" y="3190"/>
-                  </a:lnTo>
-                  <a:lnTo>
-                    <a:pt x="646" y="3180"/>
-                  </a:lnTo>
-                  <a:lnTo>
-                    <a:pt x="606" y="3249"/>
-                  </a:lnTo>
-                  <a:lnTo>
-                    <a:pt x="571" y="3318"/>
-                  </a:lnTo>
-                  <a:lnTo>
-                    <a:pt x="540" y="3391"/>
-                  </a:lnTo>
-                  <a:lnTo>
-                    <a:pt x="514" y="3464"/>
-                  </a:lnTo>
-                  <a:lnTo>
-                    <a:pt x="492" y="3540"/>
-                  </a:lnTo>
-                  <a:lnTo>
-                    <a:pt x="475" y="3615"/>
-                  </a:lnTo>
-                  <a:lnTo>
-                    <a:pt x="461" y="3693"/>
-                  </a:lnTo>
-                  <a:lnTo>
-                    <a:pt x="442" y="3699"/>
-                  </a:lnTo>
-                  <a:lnTo>
-                    <a:pt x="422" y="3705"/>
-                  </a:lnTo>
-                  <a:lnTo>
-                    <a:pt x="399" y="3713"/>
-                  </a:lnTo>
-                  <a:lnTo>
-                    <a:pt x="375" y="3721"/>
-                  </a:lnTo>
-                  <a:lnTo>
-                    <a:pt x="350" y="3729"/>
-                  </a:lnTo>
-                  <a:lnTo>
-                    <a:pt x="327" y="3739"/>
-                  </a:lnTo>
-                  <a:lnTo>
-                    <a:pt x="302" y="3748"/>
-                  </a:lnTo>
-                  <a:lnTo>
-                    <a:pt x="281" y="3756"/>
-                  </a:lnTo>
-                  <a:lnTo>
-                    <a:pt x="262" y="3763"/>
-                  </a:lnTo>
-                  <a:lnTo>
-                    <a:pt x="245" y="3770"/>
-                  </a:lnTo>
-                  <a:lnTo>
-                    <a:pt x="233" y="3775"/>
-                  </a:lnTo>
-                  <a:lnTo>
-                    <a:pt x="224" y="3778"/>
-                  </a:lnTo>
-                  <a:lnTo>
-                    <a:pt x="222" y="3779"/>
-                  </a:lnTo>
-                  <a:lnTo>
-                    <a:pt x="237" y="3697"/>
-                  </a:lnTo>
-                  <a:lnTo>
-                    <a:pt x="254" y="3615"/>
-                  </a:lnTo>
-                  <a:lnTo>
-                    <a:pt x="273" y="3534"/>
-                  </a:lnTo>
-                  <a:lnTo>
-                    <a:pt x="295" y="3453"/>
-                  </a:lnTo>
-                  <a:lnTo>
-                    <a:pt x="320" y="3376"/>
-                  </a:lnTo>
-                  <a:lnTo>
-                    <a:pt x="347" y="3300"/>
-                  </a:lnTo>
-                  <a:lnTo>
-                    <a:pt x="375" y="3227"/>
-                  </a:lnTo>
-                  <a:lnTo>
-                    <a:pt x="406" y="3157"/>
-                  </a:lnTo>
-                  <a:lnTo>
-                    <a:pt x="440" y="3090"/>
-                  </a:lnTo>
-                  <a:lnTo>
-                    <a:pt x="475" y="3028"/>
-                  </a:lnTo>
-                  <a:lnTo>
-                    <a:pt x="512" y="2969"/>
-                  </a:lnTo>
-                  <a:lnTo>
-                    <a:pt x="553" y="2916"/>
-                  </a:lnTo>
-                  <a:lnTo>
-                    <a:pt x="595" y="2867"/>
-                  </a:lnTo>
-                  <a:lnTo>
-                    <a:pt x="638" y="2824"/>
-                  </a:lnTo>
-                  <a:lnTo>
-                    <a:pt x="684" y="2788"/>
-                  </a:lnTo>
-                  <a:lnTo>
-                    <a:pt x="784" y="2712"/>
-                  </a:lnTo>
-                  <a:lnTo>
-                    <a:pt x="881" y="2635"/>
-                  </a:lnTo>
-                  <a:lnTo>
-                    <a:pt x="972" y="2556"/>
-                  </a:lnTo>
-                  <a:lnTo>
-                    <a:pt x="1058" y="2475"/>
-                  </a:lnTo>
-                  <a:lnTo>
-                    <a:pt x="1139" y="2392"/>
-                  </a:lnTo>
-                  <a:lnTo>
-                    <a:pt x="1217" y="2307"/>
-                  </a:lnTo>
-                  <a:lnTo>
-                    <a:pt x="1289" y="2222"/>
-                  </a:lnTo>
-                  <a:lnTo>
-                    <a:pt x="1358" y="2137"/>
-                  </a:lnTo>
-                  <a:lnTo>
-                    <a:pt x="1423" y="2051"/>
-                  </a:lnTo>
-                  <a:lnTo>
-                    <a:pt x="1484" y="1966"/>
-                  </a:lnTo>
-                  <a:lnTo>
-                    <a:pt x="1541" y="1881"/>
-                  </a:lnTo>
-                  <a:lnTo>
-                    <a:pt x="1593" y="1798"/>
-                  </a:lnTo>
-                  <a:lnTo>
-                    <a:pt x="1643" y="1715"/>
-                  </a:lnTo>
-                  <a:lnTo>
-                    <a:pt x="1688" y="1634"/>
-                  </a:lnTo>
-                  <a:lnTo>
-                    <a:pt x="1730" y="1553"/>
-                  </a:lnTo>
-                  <a:lnTo>
-                    <a:pt x="1769" y="1476"/>
-                  </a:lnTo>
-                  <a:lnTo>
-                    <a:pt x="1805" y="1402"/>
-                  </a:lnTo>
-                  <a:lnTo>
-                    <a:pt x="1837" y="1330"/>
-                  </a:lnTo>
-                  <a:lnTo>
-                    <a:pt x="1867" y="1261"/>
-                  </a:lnTo>
-                  <a:lnTo>
-                    <a:pt x="1892" y="1196"/>
-                  </a:lnTo>
-                  <a:lnTo>
-                    <a:pt x="1917" y="1134"/>
-                  </a:lnTo>
-                  <a:lnTo>
-                    <a:pt x="1936" y="1077"/>
-                  </a:lnTo>
-                  <a:lnTo>
-                    <a:pt x="1955" y="1025"/>
-                  </a:lnTo>
-                  <a:lnTo>
-                    <a:pt x="1970" y="977"/>
-                  </a:lnTo>
-                  <a:lnTo>
-                    <a:pt x="1984" y="935"/>
-                  </a:lnTo>
-                  <a:lnTo>
-                    <a:pt x="1995" y="898"/>
-                  </a:lnTo>
-                  <a:lnTo>
-                    <a:pt x="2003" y="868"/>
-                  </a:lnTo>
-                  <a:lnTo>
-                    <a:pt x="2010" y="843"/>
-                  </a:lnTo>
-                  <a:lnTo>
-                    <a:pt x="2014" y="825"/>
-                  </a:lnTo>
-                  <a:lnTo>
-                    <a:pt x="2017" y="814"/>
-                  </a:lnTo>
-                  <a:lnTo>
-                    <a:pt x="2018" y="811"/>
-                  </a:lnTo>
-                  <a:lnTo>
-                    <a:pt x="2017" y="814"/>
-                  </a:lnTo>
-                  <a:lnTo>
-                    <a:pt x="2014" y="825"/>
-                  </a:lnTo>
-                  <a:lnTo>
-                    <a:pt x="2008" y="842"/>
-                  </a:lnTo>
-                  <a:lnTo>
-                    <a:pt x="2002" y="866"/>
-                  </a:lnTo>
-                  <a:lnTo>
-                    <a:pt x="1992" y="895"/>
-                  </a:lnTo>
-                  <a:lnTo>
-                    <a:pt x="1981" y="931"/>
-                  </a:lnTo>
-                  <a:lnTo>
-                    <a:pt x="1965" y="971"/>
-                  </a:lnTo>
-                  <a:lnTo>
-                    <a:pt x="1947" y="1018"/>
-                  </a:lnTo>
-                  <a:lnTo>
-                    <a:pt x="1926" y="1069"/>
-                  </a:lnTo>
-                  <a:lnTo>
-                    <a:pt x="1901" y="1125"/>
-                  </a:lnTo>
-                  <a:lnTo>
-                    <a:pt x="1873" y="1186"/>
-                  </a:lnTo>
-                  <a:lnTo>
-                    <a:pt x="1842" y="1250"/>
-                  </a:lnTo>
-                  <a:lnTo>
-                    <a:pt x="1807" y="1318"/>
-                  </a:lnTo>
-                  <a:lnTo>
-                    <a:pt x="1768" y="1389"/>
-                  </a:lnTo>
-                  <a:lnTo>
-                    <a:pt x="1725" y="1465"/>
-                  </a:lnTo>
-                  <a:lnTo>
-                    <a:pt x="1676" y="1543"/>
-                  </a:lnTo>
-                  <a:lnTo>
-                    <a:pt x="1623" y="1624"/>
-                  </a:lnTo>
-                  <a:lnTo>
-                    <a:pt x="1566" y="1707"/>
-                  </a:lnTo>
-                  <a:lnTo>
-                    <a:pt x="1505" y="1793"/>
-                  </a:lnTo>
-                  <a:lnTo>
-                    <a:pt x="1437" y="1880"/>
-                  </a:lnTo>
-                  <a:lnTo>
-                    <a:pt x="1365" y="1969"/>
-                  </a:lnTo>
-                  <a:lnTo>
-                    <a:pt x="1287" y="2059"/>
-                  </a:lnTo>
-                  <a:lnTo>
-                    <a:pt x="1204" y="2150"/>
-                  </a:lnTo>
-                  <a:lnTo>
-                    <a:pt x="1115" y="2242"/>
-                  </a:lnTo>
-                  <a:lnTo>
-                    <a:pt x="1020" y="2334"/>
-                  </a:lnTo>
-                  <a:lnTo>
-                    <a:pt x="919" y="2427"/>
-                  </a:lnTo>
-                  <a:lnTo>
-                    <a:pt x="811" y="2519"/>
-                  </a:lnTo>
-                  <a:lnTo>
-                    <a:pt x="698" y="2612"/>
-                  </a:lnTo>
-                  <a:lnTo>
-                    <a:pt x="577" y="2703"/>
-                  </a:lnTo>
-                  <a:lnTo>
-                    <a:pt x="542" y="2730"/>
-                  </a:lnTo>
-                  <a:lnTo>
-                    <a:pt x="510" y="2759"/>
-                  </a:lnTo>
-                  <a:lnTo>
-                    <a:pt x="477" y="2790"/>
-                  </a:lnTo>
-                  <a:lnTo>
-                    <a:pt x="447" y="2822"/>
-                  </a:lnTo>
-                  <a:lnTo>
-                    <a:pt x="418" y="2853"/>
-                  </a:lnTo>
-                  <a:lnTo>
-                    <a:pt x="391" y="2884"/>
-                  </a:lnTo>
-                  <a:lnTo>
-                    <a:pt x="365" y="2916"/>
-                  </a:lnTo>
-                  <a:lnTo>
-                    <a:pt x="342" y="2946"/>
-                  </a:lnTo>
-                  <a:lnTo>
-                    <a:pt x="321" y="2974"/>
-                  </a:lnTo>
-                  <a:lnTo>
-                    <a:pt x="304" y="3001"/>
-                  </a:lnTo>
-                  <a:lnTo>
-                    <a:pt x="287" y="3024"/>
-                  </a:lnTo>
-                  <a:lnTo>
-                    <a:pt x="273" y="3045"/>
-                  </a:lnTo>
-                  <a:lnTo>
-                    <a:pt x="263" y="3061"/>
-                  </a:lnTo>
-                  <a:lnTo>
-                    <a:pt x="256" y="3074"/>
-                  </a:lnTo>
-                  <a:lnTo>
-                    <a:pt x="250" y="3082"/>
-                  </a:lnTo>
-                  <a:lnTo>
-                    <a:pt x="249" y="3085"/>
-                  </a:lnTo>
-                  <a:lnTo>
-                    <a:pt x="247" y="3083"/>
-                  </a:lnTo>
-                  <a:lnTo>
-                    <a:pt x="241" y="3078"/>
-                  </a:lnTo>
-                  <a:lnTo>
-                    <a:pt x="235" y="3068"/>
-                  </a:lnTo>
-                  <a:lnTo>
-                    <a:pt x="227" y="3056"/>
-                  </a:lnTo>
-                  <a:lnTo>
-                    <a:pt x="217" y="3040"/>
-                  </a:lnTo>
-                  <a:lnTo>
-                    <a:pt x="206" y="3022"/>
-                  </a:lnTo>
-                  <a:lnTo>
-                    <a:pt x="194" y="3001"/>
-                  </a:lnTo>
-                  <a:lnTo>
-                    <a:pt x="181" y="2975"/>
-                  </a:lnTo>
-                  <a:lnTo>
-                    <a:pt x="169" y="2948"/>
-                  </a:lnTo>
-                  <a:lnTo>
-                    <a:pt x="155" y="2918"/>
-                  </a:lnTo>
-                  <a:lnTo>
-                    <a:pt x="141" y="2886"/>
-                  </a:lnTo>
-                  <a:lnTo>
-                    <a:pt x="126" y="2851"/>
-                  </a:lnTo>
-                  <a:lnTo>
-                    <a:pt x="112" y="2813"/>
-                  </a:lnTo>
-                  <a:lnTo>
-                    <a:pt x="96" y="2773"/>
-                  </a:lnTo>
-                  <a:lnTo>
-                    <a:pt x="82" y="2731"/>
-                  </a:lnTo>
-                  <a:lnTo>
-                    <a:pt x="70" y="2687"/>
-                  </a:lnTo>
-                  <a:lnTo>
-                    <a:pt x="57" y="2641"/>
-                  </a:lnTo>
-                  <a:lnTo>
-                    <a:pt x="45" y="2592"/>
-                  </a:lnTo>
-                  <a:lnTo>
-                    <a:pt x="34" y="2542"/>
-                  </a:lnTo>
-                  <a:lnTo>
-                    <a:pt x="24" y="2491"/>
-                  </a:lnTo>
-                  <a:lnTo>
-                    <a:pt x="16" y="2438"/>
-                  </a:lnTo>
-                  <a:lnTo>
-                    <a:pt x="9" y="2383"/>
-                  </a:lnTo>
-                  <a:lnTo>
-                    <a:pt x="4" y="2327"/>
-                  </a:lnTo>
-                  <a:lnTo>
-                    <a:pt x="1" y="2269"/>
-                  </a:lnTo>
-                  <a:lnTo>
-                    <a:pt x="0" y="2211"/>
-                  </a:lnTo>
-                  <a:lnTo>
-                    <a:pt x="1" y="2150"/>
-                  </a:lnTo>
-                  <a:lnTo>
-                    <a:pt x="6" y="2090"/>
-                  </a:lnTo>
-                  <a:lnTo>
-                    <a:pt x="11" y="2028"/>
-                  </a:lnTo>
-                  <a:lnTo>
-                    <a:pt x="21" y="1965"/>
-                  </a:lnTo>
-                  <a:lnTo>
-                    <a:pt x="32" y="1902"/>
-                  </a:lnTo>
-                  <a:lnTo>
-                    <a:pt x="48" y="1838"/>
-                  </a:lnTo>
-                  <a:lnTo>
-                    <a:pt x="66" y="1773"/>
-                  </a:lnTo>
-                  <a:lnTo>
-                    <a:pt x="88" y="1709"/>
-                  </a:lnTo>
-                  <a:lnTo>
-                    <a:pt x="114" y="1644"/>
-                  </a:lnTo>
-                  <a:lnTo>
-                    <a:pt x="143" y="1578"/>
-                  </a:lnTo>
-                  <a:lnTo>
-                    <a:pt x="176" y="1513"/>
-                  </a:lnTo>
-                  <a:lnTo>
-                    <a:pt x="213" y="1447"/>
-                  </a:lnTo>
-                  <a:lnTo>
-                    <a:pt x="255" y="1381"/>
-                  </a:lnTo>
-                  <a:lnTo>
-                    <a:pt x="301" y="1316"/>
-                  </a:lnTo>
-                  <a:lnTo>
-                    <a:pt x="352" y="1251"/>
-                  </a:lnTo>
-                  <a:lnTo>
-                    <a:pt x="408" y="1187"/>
-                  </a:lnTo>
-                  <a:lnTo>
-                    <a:pt x="469" y="1122"/>
-                  </a:lnTo>
-                  <a:lnTo>
-                    <a:pt x="535" y="1059"/>
-                  </a:lnTo>
-                  <a:lnTo>
-                    <a:pt x="606" y="995"/>
-                  </a:lnTo>
-                  <a:lnTo>
-                    <a:pt x="684" y="933"/>
-                  </a:lnTo>
-                  <a:lnTo>
-                    <a:pt x="767" y="871"/>
-                  </a:lnTo>
-                  <a:lnTo>
-                    <a:pt x="855" y="811"/>
-                  </a:lnTo>
-                  <a:lnTo>
-                    <a:pt x="949" y="752"/>
-                  </a:lnTo>
-                  <a:lnTo>
-                    <a:pt x="1051" y="693"/>
-                  </a:lnTo>
-                  <a:lnTo>
-                    <a:pt x="1158" y="636"/>
-                  </a:lnTo>
-                  <a:lnTo>
-                    <a:pt x="1272" y="582"/>
-                  </a:lnTo>
-                  <a:lnTo>
-                    <a:pt x="1393" y="527"/>
-                  </a:lnTo>
-                  <a:lnTo>
-                    <a:pt x="1520" y="475"/>
-                  </a:lnTo>
-                  <a:lnTo>
-                    <a:pt x="1655" y="423"/>
-                  </a:lnTo>
-                  <a:lnTo>
-                    <a:pt x="1705" y="404"/>
-                  </a:lnTo>
-                  <a:lnTo>
-                    <a:pt x="1755" y="383"/>
-                  </a:lnTo>
-                  <a:lnTo>
-                    <a:pt x="1804" y="358"/>
-                  </a:lnTo>
-                  <a:lnTo>
-                    <a:pt x="1851" y="333"/>
-                  </a:lnTo>
-                  <a:lnTo>
-                    <a:pt x="1898" y="306"/>
-                  </a:lnTo>
-                  <a:lnTo>
-                    <a:pt x="1943" y="278"/>
-                  </a:lnTo>
-                  <a:lnTo>
-                    <a:pt x="1986" y="250"/>
-                  </a:lnTo>
-                  <a:lnTo>
-                    <a:pt x="2028" y="222"/>
-                  </a:lnTo>
-                  <a:lnTo>
-                    <a:pt x="2068" y="194"/>
-                  </a:lnTo>
-                  <a:lnTo>
-                    <a:pt x="2104" y="166"/>
-                  </a:lnTo>
-                  <a:lnTo>
-                    <a:pt x="2139" y="139"/>
-                  </a:lnTo>
-                  <a:lnTo>
-                    <a:pt x="2171" y="114"/>
-                  </a:lnTo>
-                  <a:lnTo>
-                    <a:pt x="2199" y="91"/>
-                  </a:lnTo>
-                  <a:lnTo>
-                    <a:pt x="2226" y="68"/>
-                  </a:lnTo>
-                  <a:lnTo>
-                    <a:pt x="2248" y="50"/>
-                  </a:lnTo>
-                  <a:lnTo>
-                    <a:pt x="2267" y="32"/>
-                  </a:lnTo>
-                  <a:lnTo>
-                    <a:pt x="2282" y="20"/>
-                  </a:lnTo>
-                  <a:lnTo>
-                    <a:pt x="2292" y="9"/>
-                  </a:lnTo>
-                  <a:lnTo>
-                    <a:pt x="2299" y="2"/>
-                  </a:lnTo>
-                  <a:lnTo>
-                    <a:pt x="2302" y="0"/>
-                  </a:lnTo>
-                  <a:close/>
-                </a:path>
-              </a:pathLst>
-            </a:custGeom>
-            <a:solidFill>
-              <a:schemeClr val="tx2"/>
-            </a:solidFill>
-            <a:ln w="0">
-              <a:noFill/>
-              <a:prstDash val="solid"/>
-              <a:round/>
-              <a:headEnd/>
-              <a:tailEnd/>
-            </a:ln>
-          </p:spPr>
-          <p:txBody>
-            <a:bodyPr vert="horz" wrap="square" lIns="91440" tIns="45720" rIns="91440" bIns="45720" numCol="1" anchor="t" anchorCtr="0" compatLnSpc="1">
-              <a:prstTxWarp prst="textNoShape">
-                <a:avLst/>
-              </a:prstTxWarp>
-            </a:bodyPr>
-            <a:lstStyle/>
-            <a:p>
-              <a:endParaRPr lang="es-SV"/>
-            </a:p>
-          </p:txBody>
-        </p:sp>
-        <p:grpSp>
-          <p:nvGrpSpPr>
-            <p:cNvPr id="8" name="Group 23"/>
-            <p:cNvGrpSpPr>
-              <a:grpSpLocks noChangeAspect="1"/>
-            </p:cNvGrpSpPr>
-            <p:nvPr/>
-          </p:nvGrpSpPr>
-          <p:grpSpPr bwMode="auto">
-            <a:xfrm>
-              <a:off x="16129532" y="5778674"/>
-              <a:ext cx="1094717" cy="1627981"/>
-              <a:chOff x="6291" y="3307"/>
-              <a:chExt cx="1903" cy="2830"/>
-            </a:xfrm>
-            <a:solidFill>
-              <a:srgbClr val="18272A"/>
-            </a:solidFill>
-          </p:grpSpPr>
-          <p:sp>
-            <p:nvSpPr>
-              <p:cNvPr id="18" name="Freeform 25"/>
-              <p:cNvSpPr>
-                <a:spLocks noEditPoints="1"/>
-              </p:cNvSpPr>
-              <p:nvPr/>
-            </p:nvSpPr>
-            <p:spPr bwMode="auto">
-              <a:xfrm>
-                <a:off x="6291" y="3307"/>
-                <a:ext cx="1903" cy="2175"/>
-              </a:xfrm>
-              <a:custGeom>
-                <a:avLst/>
-                <a:gdLst>
-                  <a:gd name="T0" fmla="*/ 1508 w 3806"/>
-                  <a:gd name="T1" fmla="*/ 304 h 4349"/>
-                  <a:gd name="T2" fmla="*/ 1036 w 3806"/>
-                  <a:gd name="T3" fmla="*/ 502 h 4349"/>
-                  <a:gd name="T4" fmla="*/ 652 w 3806"/>
-                  <a:gd name="T5" fmla="*/ 831 h 4349"/>
-                  <a:gd name="T6" fmla="*/ 386 w 3806"/>
-                  <a:gd name="T7" fmla="*/ 1263 h 4349"/>
-                  <a:gd name="T8" fmla="*/ 262 w 3806"/>
-                  <a:gd name="T9" fmla="*/ 1769 h 4349"/>
-                  <a:gd name="T10" fmla="*/ 293 w 3806"/>
-                  <a:gd name="T11" fmla="*/ 2251 h 4349"/>
-                  <a:gd name="T12" fmla="*/ 453 w 3806"/>
-                  <a:gd name="T13" fmla="*/ 2683 h 4349"/>
-                  <a:gd name="T14" fmla="*/ 725 w 3806"/>
-                  <a:gd name="T15" fmla="*/ 3053 h 4349"/>
-                  <a:gd name="T16" fmla="*/ 1093 w 3806"/>
-                  <a:gd name="T17" fmla="*/ 3337 h 4349"/>
-                  <a:gd name="T18" fmla="*/ 1157 w 3806"/>
-                  <a:gd name="T19" fmla="*/ 3432 h 4349"/>
-                  <a:gd name="T20" fmla="*/ 1279 w 3806"/>
-                  <a:gd name="T21" fmla="*/ 4050 h 4349"/>
-                  <a:gd name="T22" fmla="*/ 2424 w 3806"/>
-                  <a:gd name="T23" fmla="*/ 4094 h 4349"/>
-                  <a:gd name="T24" fmla="*/ 2551 w 3806"/>
-                  <a:gd name="T25" fmla="*/ 4020 h 4349"/>
-                  <a:gd name="T26" fmla="*/ 2658 w 3806"/>
-                  <a:gd name="T27" fmla="*/ 3403 h 4349"/>
-                  <a:gd name="T28" fmla="*/ 2815 w 3806"/>
-                  <a:gd name="T29" fmla="*/ 3275 h 4349"/>
-                  <a:gd name="T30" fmla="*/ 3161 w 3806"/>
-                  <a:gd name="T31" fmla="*/ 2967 h 4349"/>
-                  <a:gd name="T32" fmla="*/ 3405 w 3806"/>
-                  <a:gd name="T33" fmla="*/ 2580 h 4349"/>
-                  <a:gd name="T34" fmla="*/ 3534 w 3806"/>
-                  <a:gd name="T35" fmla="*/ 2137 h 4349"/>
-                  <a:gd name="T36" fmla="*/ 3529 w 3806"/>
-                  <a:gd name="T37" fmla="*/ 1637 h 4349"/>
-                  <a:gd name="T38" fmla="*/ 3367 w 3806"/>
-                  <a:gd name="T39" fmla="*/ 1146 h 4349"/>
-                  <a:gd name="T40" fmla="*/ 3068 w 3806"/>
-                  <a:gd name="T41" fmla="*/ 738 h 4349"/>
-                  <a:gd name="T42" fmla="*/ 2660 w 3806"/>
-                  <a:gd name="T43" fmla="*/ 440 h 4349"/>
-                  <a:gd name="T44" fmla="*/ 2171 w 3806"/>
-                  <a:gd name="T45" fmla="*/ 277 h 4349"/>
-                  <a:gd name="T46" fmla="*/ 2045 w 3806"/>
-                  <a:gd name="T47" fmla="*/ 5 h 4349"/>
-                  <a:gd name="T48" fmla="*/ 2581 w 3806"/>
-                  <a:gd name="T49" fmla="*/ 124 h 4349"/>
-                  <a:gd name="T50" fmla="*/ 3049 w 3806"/>
-                  <a:gd name="T51" fmla="*/ 384 h 4349"/>
-                  <a:gd name="T52" fmla="*/ 3424 w 3806"/>
-                  <a:gd name="T53" fmla="*/ 759 h 4349"/>
-                  <a:gd name="T54" fmla="*/ 3682 w 3806"/>
-                  <a:gd name="T55" fmla="*/ 1225 h 4349"/>
-                  <a:gd name="T56" fmla="*/ 3801 w 3806"/>
-                  <a:gd name="T57" fmla="*/ 1761 h 4349"/>
-                  <a:gd name="T58" fmla="*/ 3767 w 3806"/>
-                  <a:gd name="T59" fmla="*/ 2294 h 4349"/>
-                  <a:gd name="T60" fmla="*/ 3593 w 3806"/>
-                  <a:gd name="T61" fmla="*/ 2778 h 4349"/>
-                  <a:gd name="T62" fmla="*/ 3298 w 3806"/>
-                  <a:gd name="T63" fmla="*/ 3198 h 4349"/>
-                  <a:gd name="T64" fmla="*/ 2896 w 3806"/>
-                  <a:gd name="T65" fmla="*/ 3528 h 4349"/>
-                  <a:gd name="T66" fmla="*/ 2772 w 3806"/>
-                  <a:gd name="T67" fmla="*/ 4151 h 4349"/>
-                  <a:gd name="T68" fmla="*/ 2598 w 3806"/>
-                  <a:gd name="T69" fmla="*/ 4310 h 4349"/>
-                  <a:gd name="T70" fmla="*/ 1382 w 3806"/>
-                  <a:gd name="T71" fmla="*/ 4349 h 4349"/>
-                  <a:gd name="T72" fmla="*/ 1157 w 3806"/>
-                  <a:gd name="T73" fmla="*/ 4280 h 4349"/>
-                  <a:gd name="T74" fmla="*/ 1005 w 3806"/>
-                  <a:gd name="T75" fmla="*/ 4098 h 4349"/>
-                  <a:gd name="T76" fmla="*/ 802 w 3806"/>
-                  <a:gd name="T77" fmla="*/ 3456 h 4349"/>
-                  <a:gd name="T78" fmla="*/ 423 w 3806"/>
-                  <a:gd name="T79" fmla="*/ 3101 h 4349"/>
-                  <a:gd name="T80" fmla="*/ 158 w 3806"/>
-                  <a:gd name="T81" fmla="*/ 2662 h 4349"/>
-                  <a:gd name="T82" fmla="*/ 17 w 3806"/>
-                  <a:gd name="T83" fmla="*/ 2165 h 4349"/>
-                  <a:gd name="T84" fmla="*/ 21 w 3806"/>
-                  <a:gd name="T85" fmla="*/ 1623 h 4349"/>
-                  <a:gd name="T86" fmla="*/ 177 w 3806"/>
-                  <a:gd name="T87" fmla="*/ 1101 h 4349"/>
-                  <a:gd name="T88" fmla="*/ 467 w 3806"/>
-                  <a:gd name="T89" fmla="*/ 656 h 4349"/>
-                  <a:gd name="T90" fmla="*/ 868 w 3806"/>
-                  <a:gd name="T91" fmla="*/ 306 h 4349"/>
-                  <a:gd name="T92" fmla="*/ 1355 w 3806"/>
-                  <a:gd name="T93" fmla="*/ 81 h 4349"/>
-                  <a:gd name="T94" fmla="*/ 1902 w 3806"/>
-                  <a:gd name="T95" fmla="*/ 0 h 4349"/>
-                </a:gdLst>
-                <a:ahLst/>
-                <a:cxnLst>
-                  <a:cxn ang="0">
-                    <a:pos x="T0" y="T1"/>
-                  </a:cxn>
-                  <a:cxn ang="0">
-                    <a:pos x="T2" y="T3"/>
-                  </a:cxn>
-                  <a:cxn ang="0">
-                    <a:pos x="T4" y="T5"/>
-                  </a:cxn>
-                  <a:cxn ang="0">
-                    <a:pos x="T6" y="T7"/>
-                  </a:cxn>
-                  <a:cxn ang="0">
-                    <a:pos x="T8" y="T9"/>
-                  </a:cxn>
-                  <a:cxn ang="0">
-                    <a:pos x="T10" y="T11"/>
-                  </a:cxn>
-                  <a:cxn ang="0">
-                    <a:pos x="T12" y="T13"/>
-                  </a:cxn>
-                  <a:cxn ang="0">
-                    <a:pos x="T14" y="T15"/>
-                  </a:cxn>
-                  <a:cxn ang="0">
-                    <a:pos x="T16" y="T17"/>
-                  </a:cxn>
-                  <a:cxn ang="0">
-                    <a:pos x="T18" y="T19"/>
-                  </a:cxn>
-                  <a:cxn ang="0">
-                    <a:pos x="T20" y="T21"/>
-                  </a:cxn>
-                  <a:cxn ang="0">
-                    <a:pos x="T22" y="T23"/>
-                  </a:cxn>
-                  <a:cxn ang="0">
-                    <a:pos x="T24" y="T25"/>
-                  </a:cxn>
-                  <a:cxn ang="0">
-                    <a:pos x="T26" y="T27"/>
-                  </a:cxn>
-                  <a:cxn ang="0">
-                    <a:pos x="T28" y="T29"/>
-                  </a:cxn>
-                  <a:cxn ang="0">
-                    <a:pos x="T30" y="T31"/>
-                  </a:cxn>
-                  <a:cxn ang="0">
-                    <a:pos x="T32" y="T33"/>
-                  </a:cxn>
-                  <a:cxn ang="0">
-                    <a:pos x="T34" y="T35"/>
-                  </a:cxn>
-                  <a:cxn ang="0">
-                    <a:pos x="T36" y="T37"/>
-                  </a:cxn>
-                  <a:cxn ang="0">
-                    <a:pos x="T38" y="T39"/>
-                  </a:cxn>
-                  <a:cxn ang="0">
-                    <a:pos x="T40" y="T41"/>
-                  </a:cxn>
-                  <a:cxn ang="0">
-                    <a:pos x="T42" y="T43"/>
-                  </a:cxn>
-                  <a:cxn ang="0">
-                    <a:pos x="T44" y="T45"/>
-                  </a:cxn>
-                  <a:cxn ang="0">
-                    <a:pos x="T46" y="T47"/>
-                  </a:cxn>
-                  <a:cxn ang="0">
-                    <a:pos x="T48" y="T49"/>
-                  </a:cxn>
-                  <a:cxn ang="0">
-                    <a:pos x="T50" y="T51"/>
-                  </a:cxn>
-                  <a:cxn ang="0">
-                    <a:pos x="T52" y="T53"/>
-                  </a:cxn>
-                  <a:cxn ang="0">
-                    <a:pos x="T54" y="T55"/>
-                  </a:cxn>
-                  <a:cxn ang="0">
-                    <a:pos x="T56" y="T57"/>
-                  </a:cxn>
-                  <a:cxn ang="0">
-                    <a:pos x="T58" y="T59"/>
-                  </a:cxn>
-                  <a:cxn ang="0">
-                    <a:pos x="T60" y="T61"/>
-                  </a:cxn>
-                  <a:cxn ang="0">
-                    <a:pos x="T62" y="T63"/>
-                  </a:cxn>
-                  <a:cxn ang="0">
-                    <a:pos x="T64" y="T65"/>
-                  </a:cxn>
-                  <a:cxn ang="0">
-                    <a:pos x="T66" y="T67"/>
-                  </a:cxn>
-                  <a:cxn ang="0">
-                    <a:pos x="T68" y="T69"/>
-                  </a:cxn>
-                  <a:cxn ang="0">
-                    <a:pos x="T70" y="T71"/>
-                  </a:cxn>
-                  <a:cxn ang="0">
-                    <a:pos x="T72" y="T73"/>
-                  </a:cxn>
-                  <a:cxn ang="0">
-                    <a:pos x="T74" y="T75"/>
-                  </a:cxn>
-                  <a:cxn ang="0">
-                    <a:pos x="T76" y="T77"/>
-                  </a:cxn>
-                  <a:cxn ang="0">
-                    <a:pos x="T78" y="T79"/>
-                  </a:cxn>
-                  <a:cxn ang="0">
-                    <a:pos x="T80" y="T81"/>
-                  </a:cxn>
-                  <a:cxn ang="0">
-                    <a:pos x="T82" y="T83"/>
-                  </a:cxn>
-                  <a:cxn ang="0">
-                    <a:pos x="T84" y="T85"/>
-                  </a:cxn>
-                  <a:cxn ang="0">
-                    <a:pos x="T86" y="T87"/>
-                  </a:cxn>
-                  <a:cxn ang="0">
-                    <a:pos x="T88" y="T89"/>
-                  </a:cxn>
-                  <a:cxn ang="0">
-                    <a:pos x="T90" y="T91"/>
-                  </a:cxn>
-                  <a:cxn ang="0">
-                    <a:pos x="T92" y="T93"/>
-                  </a:cxn>
-                  <a:cxn ang="0">
-                    <a:pos x="T94" y="T95"/>
-                  </a:cxn>
-                </a:cxnLst>
-                <a:rect l="0" t="0" r="r" b="b"/>
-                <a:pathLst>
-                  <a:path w="3806" h="4349">
-                    <a:moveTo>
-                      <a:pt x="1902" y="256"/>
-                    </a:moveTo>
-                    <a:lnTo>
-                      <a:pt x="1768" y="261"/>
-                    </a:lnTo>
-                    <a:lnTo>
-                      <a:pt x="1637" y="277"/>
-                    </a:lnTo>
-                    <a:lnTo>
-                      <a:pt x="1508" y="304"/>
-                    </a:lnTo>
-                    <a:lnTo>
-                      <a:pt x="1382" y="341"/>
-                    </a:lnTo>
-                    <a:lnTo>
-                      <a:pt x="1262" y="385"/>
-                    </a:lnTo>
-                    <a:lnTo>
-                      <a:pt x="1147" y="440"/>
-                    </a:lnTo>
-                    <a:lnTo>
-                      <a:pt x="1036" y="502"/>
-                    </a:lnTo>
-                    <a:lnTo>
-                      <a:pt x="931" y="575"/>
-                    </a:lnTo>
-                    <a:lnTo>
-                      <a:pt x="831" y="654"/>
-                    </a:lnTo>
-                    <a:lnTo>
-                      <a:pt x="739" y="738"/>
-                    </a:lnTo>
-                    <a:lnTo>
-                      <a:pt x="652" y="831"/>
-                    </a:lnTo>
-                    <a:lnTo>
-                      <a:pt x="573" y="931"/>
-                    </a:lnTo>
-                    <a:lnTo>
-                      <a:pt x="503" y="1036"/>
-                    </a:lnTo>
-                    <a:lnTo>
-                      <a:pt x="441" y="1146"/>
-                    </a:lnTo>
-                    <a:lnTo>
-                      <a:pt x="386" y="1263"/>
-                    </a:lnTo>
-                    <a:lnTo>
-                      <a:pt x="339" y="1384"/>
-                    </a:lnTo>
-                    <a:lnTo>
-                      <a:pt x="303" y="1508"/>
-                    </a:lnTo>
-                    <a:lnTo>
-                      <a:pt x="277" y="1637"/>
-                    </a:lnTo>
-                    <a:lnTo>
-                      <a:pt x="262" y="1769"/>
-                    </a:lnTo>
-                    <a:lnTo>
-                      <a:pt x="257" y="1903"/>
-                    </a:lnTo>
-                    <a:lnTo>
-                      <a:pt x="260" y="2020"/>
-                    </a:lnTo>
-                    <a:lnTo>
-                      <a:pt x="272" y="2137"/>
-                    </a:lnTo>
-                    <a:lnTo>
-                      <a:pt x="293" y="2251"/>
-                    </a:lnTo>
-                    <a:lnTo>
-                      <a:pt x="322" y="2365"/>
-                    </a:lnTo>
-                    <a:lnTo>
-                      <a:pt x="358" y="2473"/>
-                    </a:lnTo>
-                    <a:lnTo>
-                      <a:pt x="401" y="2580"/>
-                    </a:lnTo>
-                    <a:lnTo>
-                      <a:pt x="453" y="2683"/>
-                    </a:lnTo>
-                    <a:lnTo>
-                      <a:pt x="511" y="2783"/>
-                    </a:lnTo>
-                    <a:lnTo>
-                      <a:pt x="575" y="2878"/>
-                    </a:lnTo>
-                    <a:lnTo>
-                      <a:pt x="646" y="2967"/>
-                    </a:lnTo>
-                    <a:lnTo>
-                      <a:pt x="725" y="3053"/>
-                    </a:lnTo>
-                    <a:lnTo>
-                      <a:pt x="807" y="3132"/>
-                    </a:lnTo>
-                    <a:lnTo>
-                      <a:pt x="897" y="3208"/>
-                    </a:lnTo>
-                    <a:lnTo>
-                      <a:pt x="992" y="3275"/>
-                    </a:lnTo>
-                    <a:lnTo>
-                      <a:pt x="1093" y="3337"/>
-                    </a:lnTo>
-                    <a:lnTo>
-                      <a:pt x="1117" y="3354"/>
-                    </a:lnTo>
-                    <a:lnTo>
-                      <a:pt x="1136" y="3377"/>
-                    </a:lnTo>
-                    <a:lnTo>
-                      <a:pt x="1150" y="3403"/>
-                    </a:lnTo>
-                    <a:lnTo>
-                      <a:pt x="1157" y="3432"/>
-                    </a:lnTo>
-                    <a:lnTo>
-                      <a:pt x="1226" y="3943"/>
-                    </a:lnTo>
-                    <a:lnTo>
-                      <a:pt x="1236" y="3983"/>
-                    </a:lnTo>
-                    <a:lnTo>
-                      <a:pt x="1255" y="4020"/>
-                    </a:lnTo>
-                    <a:lnTo>
-                      <a:pt x="1279" y="4050"/>
-                    </a:lnTo>
-                    <a:lnTo>
-                      <a:pt x="1310" y="4074"/>
-                    </a:lnTo>
-                    <a:lnTo>
-                      <a:pt x="1345" y="4089"/>
-                    </a:lnTo>
-                    <a:lnTo>
-                      <a:pt x="1382" y="4094"/>
-                    </a:lnTo>
-                    <a:lnTo>
-                      <a:pt x="2424" y="4094"/>
-                    </a:lnTo>
-                    <a:lnTo>
-                      <a:pt x="2462" y="4089"/>
-                    </a:lnTo>
-                    <a:lnTo>
-                      <a:pt x="2496" y="4074"/>
-                    </a:lnTo>
-                    <a:lnTo>
-                      <a:pt x="2527" y="4050"/>
-                    </a:lnTo>
-                    <a:lnTo>
-                      <a:pt x="2551" y="4020"/>
-                    </a:lnTo>
-                    <a:lnTo>
-                      <a:pt x="2570" y="3983"/>
-                    </a:lnTo>
-                    <a:lnTo>
-                      <a:pt x="2581" y="3943"/>
-                    </a:lnTo>
-                    <a:lnTo>
-                      <a:pt x="2649" y="3432"/>
-                    </a:lnTo>
-                    <a:lnTo>
-                      <a:pt x="2658" y="3403"/>
-                    </a:lnTo>
-                    <a:lnTo>
-                      <a:pt x="2670" y="3377"/>
-                    </a:lnTo>
-                    <a:lnTo>
-                      <a:pt x="2689" y="3354"/>
-                    </a:lnTo>
-                    <a:lnTo>
-                      <a:pt x="2713" y="3337"/>
-                    </a:lnTo>
-                    <a:lnTo>
-                      <a:pt x="2815" y="3275"/>
-                    </a:lnTo>
-                    <a:lnTo>
-                      <a:pt x="2909" y="3208"/>
-                    </a:lnTo>
-                    <a:lnTo>
-                      <a:pt x="2999" y="3132"/>
-                    </a:lnTo>
-                    <a:lnTo>
-                      <a:pt x="3083" y="3053"/>
-                    </a:lnTo>
-                    <a:lnTo>
-                      <a:pt x="3161" y="2967"/>
-                    </a:lnTo>
-                    <a:lnTo>
-                      <a:pt x="3231" y="2878"/>
-                    </a:lnTo>
-                    <a:lnTo>
-                      <a:pt x="3297" y="2783"/>
-                    </a:lnTo>
-                    <a:lnTo>
-                      <a:pt x="3354" y="2683"/>
-                    </a:lnTo>
-                    <a:lnTo>
-                      <a:pt x="3405" y="2580"/>
-                    </a:lnTo>
-                    <a:lnTo>
-                      <a:pt x="3448" y="2473"/>
-                    </a:lnTo>
-                    <a:lnTo>
-                      <a:pt x="3484" y="2365"/>
-                    </a:lnTo>
-                    <a:lnTo>
-                      <a:pt x="3514" y="2251"/>
-                    </a:lnTo>
-                    <a:lnTo>
-                      <a:pt x="3534" y="2137"/>
-                    </a:lnTo>
-                    <a:lnTo>
-                      <a:pt x="3546" y="2020"/>
-                    </a:lnTo>
-                    <a:lnTo>
-                      <a:pt x="3551" y="1903"/>
-                    </a:lnTo>
-                    <a:lnTo>
-                      <a:pt x="3545" y="1769"/>
-                    </a:lnTo>
-                    <a:lnTo>
-                      <a:pt x="3529" y="1637"/>
-                    </a:lnTo>
-                    <a:lnTo>
-                      <a:pt x="3503" y="1508"/>
-                    </a:lnTo>
-                    <a:lnTo>
-                      <a:pt x="3467" y="1384"/>
-                    </a:lnTo>
-                    <a:lnTo>
-                      <a:pt x="3421" y="1263"/>
-                    </a:lnTo>
-                    <a:lnTo>
-                      <a:pt x="3367" y="1146"/>
-                    </a:lnTo>
-                    <a:lnTo>
-                      <a:pt x="3304" y="1036"/>
-                    </a:lnTo>
-                    <a:lnTo>
-                      <a:pt x="3233" y="931"/>
-                    </a:lnTo>
-                    <a:lnTo>
-                      <a:pt x="3154" y="831"/>
-                    </a:lnTo>
-                    <a:lnTo>
-                      <a:pt x="3068" y="738"/>
-                    </a:lnTo>
-                    <a:lnTo>
-                      <a:pt x="2975" y="654"/>
-                    </a:lnTo>
-                    <a:lnTo>
-                      <a:pt x="2875" y="575"/>
-                    </a:lnTo>
-                    <a:lnTo>
-                      <a:pt x="2770" y="502"/>
-                    </a:lnTo>
-                    <a:lnTo>
-                      <a:pt x="2660" y="440"/>
-                    </a:lnTo>
-                    <a:lnTo>
-                      <a:pt x="2544" y="385"/>
-                    </a:lnTo>
-                    <a:lnTo>
-                      <a:pt x="2424" y="341"/>
-                    </a:lnTo>
-                    <a:lnTo>
-                      <a:pt x="2298" y="304"/>
-                    </a:lnTo>
-                    <a:lnTo>
-                      <a:pt x="2171" y="277"/>
-                    </a:lnTo>
-                    <a:lnTo>
-                      <a:pt x="2038" y="261"/>
-                    </a:lnTo>
-                    <a:lnTo>
-                      <a:pt x="1902" y="256"/>
-                    </a:lnTo>
-                    <a:close/>
-                    <a:moveTo>
-                      <a:pt x="1902" y="0"/>
-                    </a:moveTo>
-                    <a:lnTo>
-                      <a:pt x="2045" y="5"/>
-                    </a:lnTo>
-                    <a:lnTo>
-                      <a:pt x="2185" y="20"/>
-                    </a:lnTo>
-                    <a:lnTo>
-                      <a:pt x="2321" y="46"/>
-                    </a:lnTo>
-                    <a:lnTo>
-                      <a:pt x="2453" y="81"/>
-                    </a:lnTo>
-                    <a:lnTo>
-                      <a:pt x="2581" y="124"/>
-                    </a:lnTo>
-                    <a:lnTo>
-                      <a:pt x="2705" y="177"/>
-                    </a:lnTo>
-                    <a:lnTo>
-                      <a:pt x="2825" y="237"/>
-                    </a:lnTo>
-                    <a:lnTo>
-                      <a:pt x="2939" y="306"/>
-                    </a:lnTo>
-                    <a:lnTo>
-                      <a:pt x="3049" y="384"/>
-                    </a:lnTo>
-                    <a:lnTo>
-                      <a:pt x="3152" y="468"/>
-                    </a:lnTo>
-                    <a:lnTo>
-                      <a:pt x="3249" y="557"/>
-                    </a:lnTo>
-                    <a:lnTo>
-                      <a:pt x="3340" y="656"/>
-                    </a:lnTo>
-                    <a:lnTo>
-                      <a:pt x="3424" y="759"/>
-                    </a:lnTo>
-                    <a:lnTo>
-                      <a:pt x="3500" y="867"/>
-                    </a:lnTo>
-                    <a:lnTo>
-                      <a:pt x="3569" y="983"/>
-                    </a:lnTo>
-                    <a:lnTo>
-                      <a:pt x="3629" y="1101"/>
-                    </a:lnTo>
-                    <a:lnTo>
-                      <a:pt x="3682" y="1225"/>
-                    </a:lnTo>
-                    <a:lnTo>
-                      <a:pt x="3727" y="1354"/>
-                    </a:lnTo>
-                    <a:lnTo>
-                      <a:pt x="3762" y="1487"/>
-                    </a:lnTo>
-                    <a:lnTo>
-                      <a:pt x="3786" y="1623"/>
-                    </a:lnTo>
-                    <a:lnTo>
-                      <a:pt x="3801" y="1761"/>
-                    </a:lnTo>
-                    <a:lnTo>
-                      <a:pt x="3806" y="1903"/>
-                    </a:lnTo>
-                    <a:lnTo>
-                      <a:pt x="3803" y="2036"/>
-                    </a:lnTo>
-                    <a:lnTo>
-                      <a:pt x="3789" y="2165"/>
-                    </a:lnTo>
-                    <a:lnTo>
-                      <a:pt x="3767" y="2294"/>
-                    </a:lnTo>
-                    <a:lnTo>
-                      <a:pt x="3736" y="2420"/>
-                    </a:lnTo>
-                    <a:lnTo>
-                      <a:pt x="3696" y="2542"/>
-                    </a:lnTo>
-                    <a:lnTo>
-                      <a:pt x="3648" y="2662"/>
-                    </a:lnTo>
-                    <a:lnTo>
-                      <a:pt x="3593" y="2778"/>
-                    </a:lnTo>
-                    <a:lnTo>
-                      <a:pt x="3531" y="2890"/>
-                    </a:lnTo>
-                    <a:lnTo>
-                      <a:pt x="3460" y="2998"/>
-                    </a:lnTo>
-                    <a:lnTo>
-                      <a:pt x="3383" y="3101"/>
-                    </a:lnTo>
-                    <a:lnTo>
-                      <a:pt x="3298" y="3198"/>
-                    </a:lnTo>
-                    <a:lnTo>
-                      <a:pt x="3207" y="3291"/>
-                    </a:lnTo>
-                    <a:lnTo>
-                      <a:pt x="3109" y="3377"/>
-                    </a:lnTo>
-                    <a:lnTo>
-                      <a:pt x="3006" y="3456"/>
-                    </a:lnTo>
-                    <a:lnTo>
-                      <a:pt x="2896" y="3528"/>
-                    </a:lnTo>
-                    <a:lnTo>
-                      <a:pt x="2834" y="3977"/>
-                    </a:lnTo>
-                    <a:lnTo>
-                      <a:pt x="2822" y="4039"/>
-                    </a:lnTo>
-                    <a:lnTo>
-                      <a:pt x="2801" y="4098"/>
-                    </a:lnTo>
-                    <a:lnTo>
-                      <a:pt x="2772" y="4151"/>
-                    </a:lnTo>
-                    <a:lnTo>
-                      <a:pt x="2737" y="4199"/>
-                    </a:lnTo>
-                    <a:lnTo>
-                      <a:pt x="2696" y="4243"/>
-                    </a:lnTo>
-                    <a:lnTo>
-                      <a:pt x="2649" y="4280"/>
-                    </a:lnTo>
-                    <a:lnTo>
-                      <a:pt x="2598" y="4310"/>
-                    </a:lnTo>
-                    <a:lnTo>
-                      <a:pt x="2543" y="4332"/>
-                    </a:lnTo>
-                    <a:lnTo>
-                      <a:pt x="2486" y="4346"/>
-                    </a:lnTo>
-                    <a:lnTo>
-                      <a:pt x="2424" y="4349"/>
-                    </a:lnTo>
-                    <a:lnTo>
-                      <a:pt x="1382" y="4349"/>
-                    </a:lnTo>
-                    <a:lnTo>
-                      <a:pt x="1322" y="4346"/>
-                    </a:lnTo>
-                    <a:lnTo>
-                      <a:pt x="1264" y="4332"/>
-                    </a:lnTo>
-                    <a:lnTo>
-                      <a:pt x="1209" y="4310"/>
-                    </a:lnTo>
-                    <a:lnTo>
-                      <a:pt x="1157" y="4280"/>
-                    </a:lnTo>
-                    <a:lnTo>
-                      <a:pt x="1110" y="4243"/>
-                    </a:lnTo>
-                    <a:lnTo>
-                      <a:pt x="1069" y="4199"/>
-                    </a:lnTo>
-                    <a:lnTo>
-                      <a:pt x="1035" y="4151"/>
-                    </a:lnTo>
-                    <a:lnTo>
-                      <a:pt x="1005" y="4098"/>
-                    </a:lnTo>
-                    <a:lnTo>
-                      <a:pt x="985" y="4039"/>
-                    </a:lnTo>
-                    <a:lnTo>
-                      <a:pt x="973" y="3977"/>
-                    </a:lnTo>
-                    <a:lnTo>
-                      <a:pt x="911" y="3528"/>
-                    </a:lnTo>
-                    <a:lnTo>
-                      <a:pt x="802" y="3456"/>
-                    </a:lnTo>
-                    <a:lnTo>
-                      <a:pt x="697" y="3377"/>
-                    </a:lnTo>
-                    <a:lnTo>
-                      <a:pt x="601" y="3291"/>
-                    </a:lnTo>
-                    <a:lnTo>
-                      <a:pt x="510" y="3198"/>
-                    </a:lnTo>
-                    <a:lnTo>
-                      <a:pt x="423" y="3101"/>
-                    </a:lnTo>
-                    <a:lnTo>
-                      <a:pt x="346" y="2998"/>
-                    </a:lnTo>
-                    <a:lnTo>
-                      <a:pt x="277" y="2890"/>
-                    </a:lnTo>
-                    <a:lnTo>
-                      <a:pt x="213" y="2778"/>
-                    </a:lnTo>
-                    <a:lnTo>
-                      <a:pt x="158" y="2662"/>
-                    </a:lnTo>
-                    <a:lnTo>
-                      <a:pt x="110" y="2542"/>
-                    </a:lnTo>
-                    <a:lnTo>
-                      <a:pt x="71" y="2420"/>
-                    </a:lnTo>
-                    <a:lnTo>
-                      <a:pt x="40" y="2294"/>
-                    </a:lnTo>
-                    <a:lnTo>
-                      <a:pt x="17" y="2165"/>
-                    </a:lnTo>
-                    <a:lnTo>
-                      <a:pt x="3" y="2036"/>
-                    </a:lnTo>
-                    <a:lnTo>
-                      <a:pt x="0" y="1903"/>
-                    </a:lnTo>
-                    <a:lnTo>
-                      <a:pt x="5" y="1761"/>
-                    </a:lnTo>
-                    <a:lnTo>
-                      <a:pt x="21" y="1623"/>
-                    </a:lnTo>
-                    <a:lnTo>
-                      <a:pt x="46" y="1487"/>
-                    </a:lnTo>
-                    <a:lnTo>
-                      <a:pt x="81" y="1354"/>
-                    </a:lnTo>
-                    <a:lnTo>
-                      <a:pt x="124" y="1225"/>
-                    </a:lnTo>
-                    <a:lnTo>
-                      <a:pt x="177" y="1101"/>
-                    </a:lnTo>
-                    <a:lnTo>
-                      <a:pt x="238" y="983"/>
-                    </a:lnTo>
-                    <a:lnTo>
-                      <a:pt x="306" y="867"/>
-                    </a:lnTo>
-                    <a:lnTo>
-                      <a:pt x="384" y="759"/>
-                    </a:lnTo>
-                    <a:lnTo>
-                      <a:pt x="467" y="656"/>
-                    </a:lnTo>
-                    <a:lnTo>
-                      <a:pt x="558" y="557"/>
-                    </a:lnTo>
-                    <a:lnTo>
-                      <a:pt x="656" y="468"/>
-                    </a:lnTo>
-                    <a:lnTo>
-                      <a:pt x="759" y="384"/>
-                    </a:lnTo>
-                    <a:lnTo>
-                      <a:pt x="868" y="306"/>
-                    </a:lnTo>
-                    <a:lnTo>
-                      <a:pt x="981" y="237"/>
-                    </a:lnTo>
-                    <a:lnTo>
-                      <a:pt x="1102" y="177"/>
-                    </a:lnTo>
-                    <a:lnTo>
-                      <a:pt x="1226" y="124"/>
-                    </a:lnTo>
-                    <a:lnTo>
-                      <a:pt x="1355" y="81"/>
-                    </a:lnTo>
-                    <a:lnTo>
-                      <a:pt x="1486" y="46"/>
-                    </a:lnTo>
-                    <a:lnTo>
-                      <a:pt x="1622" y="20"/>
-                    </a:lnTo>
-                    <a:lnTo>
-                      <a:pt x="1761" y="5"/>
-                    </a:lnTo>
-                    <a:lnTo>
-                      <a:pt x="1902" y="0"/>
-                    </a:lnTo>
-                    <a:close/>
-                  </a:path>
-                </a:pathLst>
-              </a:custGeom>
-              <a:solidFill>
-                <a:schemeClr val="tx2"/>
-              </a:solidFill>
-              <a:ln w="0">
-                <a:noFill/>
-                <a:prstDash val="solid"/>
-                <a:round/>
-                <a:headEnd/>
-                <a:tailEnd/>
-              </a:ln>
-            </p:spPr>
-            <p:txBody>
-              <a:bodyPr vert="horz" wrap="square" lIns="91440" tIns="45720" rIns="91440" bIns="45720" numCol="1" anchor="t" anchorCtr="0" compatLnSpc="1">
-                <a:prstTxWarp prst="textNoShape">
-                  <a:avLst/>
-                </a:prstTxWarp>
-              </a:bodyPr>
-              <a:lstStyle/>
-              <a:p>
-                <a:endParaRPr lang="es-SV"/>
-              </a:p>
-            </p:txBody>
-          </p:sp>
-          <p:sp>
-            <p:nvSpPr>
-              <p:cNvPr id="19" name="Freeform 26"/>
-              <p:cNvSpPr>
-                <a:spLocks/>
-              </p:cNvSpPr>
-              <p:nvPr/>
-            </p:nvSpPr>
-            <p:spPr bwMode="auto">
-              <a:xfrm>
-                <a:off x="6844" y="5555"/>
-                <a:ext cx="798" cy="128"/>
-              </a:xfrm>
-              <a:custGeom>
-                <a:avLst/>
-                <a:gdLst>
-                  <a:gd name="T0" fmla="*/ 128 w 1596"/>
-                  <a:gd name="T1" fmla="*/ 0 h 256"/>
-                  <a:gd name="T2" fmla="*/ 1469 w 1596"/>
-                  <a:gd name="T3" fmla="*/ 0 h 256"/>
-                  <a:gd name="T4" fmla="*/ 1503 w 1596"/>
-                  <a:gd name="T5" fmla="*/ 3 h 256"/>
-                  <a:gd name="T6" fmla="*/ 1534 w 1596"/>
-                  <a:gd name="T7" fmla="*/ 17 h 256"/>
-                  <a:gd name="T8" fmla="*/ 1560 w 1596"/>
-                  <a:gd name="T9" fmla="*/ 37 h 256"/>
-                  <a:gd name="T10" fmla="*/ 1579 w 1596"/>
-                  <a:gd name="T11" fmla="*/ 63 h 256"/>
-                  <a:gd name="T12" fmla="*/ 1593 w 1596"/>
-                  <a:gd name="T13" fmla="*/ 92 h 256"/>
-                  <a:gd name="T14" fmla="*/ 1596 w 1596"/>
-                  <a:gd name="T15" fmla="*/ 127 h 256"/>
-                  <a:gd name="T16" fmla="*/ 1593 w 1596"/>
-                  <a:gd name="T17" fmla="*/ 161 h 256"/>
-                  <a:gd name="T18" fmla="*/ 1579 w 1596"/>
-                  <a:gd name="T19" fmla="*/ 192 h 256"/>
-                  <a:gd name="T20" fmla="*/ 1560 w 1596"/>
-                  <a:gd name="T21" fmla="*/ 218 h 256"/>
-                  <a:gd name="T22" fmla="*/ 1534 w 1596"/>
-                  <a:gd name="T23" fmla="*/ 237 h 256"/>
-                  <a:gd name="T24" fmla="*/ 1503 w 1596"/>
-                  <a:gd name="T25" fmla="*/ 251 h 256"/>
-                  <a:gd name="T26" fmla="*/ 1469 w 1596"/>
-                  <a:gd name="T27" fmla="*/ 256 h 256"/>
-                  <a:gd name="T28" fmla="*/ 128 w 1596"/>
-                  <a:gd name="T29" fmla="*/ 256 h 256"/>
-                  <a:gd name="T30" fmla="*/ 93 w 1596"/>
-                  <a:gd name="T31" fmla="*/ 251 h 256"/>
-                  <a:gd name="T32" fmla="*/ 64 w 1596"/>
-                  <a:gd name="T33" fmla="*/ 237 h 256"/>
-                  <a:gd name="T34" fmla="*/ 38 w 1596"/>
-                  <a:gd name="T35" fmla="*/ 218 h 256"/>
-                  <a:gd name="T36" fmla="*/ 17 w 1596"/>
-                  <a:gd name="T37" fmla="*/ 192 h 256"/>
-                  <a:gd name="T38" fmla="*/ 4 w 1596"/>
-                  <a:gd name="T39" fmla="*/ 161 h 256"/>
-                  <a:gd name="T40" fmla="*/ 0 w 1596"/>
-                  <a:gd name="T41" fmla="*/ 127 h 256"/>
-                  <a:gd name="T42" fmla="*/ 4 w 1596"/>
-                  <a:gd name="T43" fmla="*/ 92 h 256"/>
-                  <a:gd name="T44" fmla="*/ 17 w 1596"/>
-                  <a:gd name="T45" fmla="*/ 63 h 256"/>
-                  <a:gd name="T46" fmla="*/ 38 w 1596"/>
-                  <a:gd name="T47" fmla="*/ 37 h 256"/>
-                  <a:gd name="T48" fmla="*/ 64 w 1596"/>
-                  <a:gd name="T49" fmla="*/ 17 h 256"/>
-                  <a:gd name="T50" fmla="*/ 93 w 1596"/>
-                  <a:gd name="T51" fmla="*/ 3 h 256"/>
-                  <a:gd name="T52" fmla="*/ 128 w 1596"/>
-                  <a:gd name="T53" fmla="*/ 0 h 256"/>
-                </a:gdLst>
-                <a:ahLst/>
-                <a:cxnLst>
-                  <a:cxn ang="0">
-                    <a:pos x="T0" y="T1"/>
-                  </a:cxn>
-                  <a:cxn ang="0">
-                    <a:pos x="T2" y="T3"/>
-                  </a:cxn>
-                  <a:cxn ang="0">
-                    <a:pos x="T4" y="T5"/>
-                  </a:cxn>
-                  <a:cxn ang="0">
-                    <a:pos x="T6" y="T7"/>
-                  </a:cxn>
-                  <a:cxn ang="0">
-                    <a:pos x="T8" y="T9"/>
-                  </a:cxn>
-                  <a:cxn ang="0">
-                    <a:pos x="T10" y="T11"/>
-                  </a:cxn>
-                  <a:cxn ang="0">
-                    <a:pos x="T12" y="T13"/>
-                  </a:cxn>
-                  <a:cxn ang="0">
-                    <a:pos x="T14" y="T15"/>
-                  </a:cxn>
-                  <a:cxn ang="0">
-                    <a:pos x="T16" y="T17"/>
-                  </a:cxn>
-                  <a:cxn ang="0">
-                    <a:pos x="T18" y="T19"/>
-                  </a:cxn>
-                  <a:cxn ang="0">
-                    <a:pos x="T20" y="T21"/>
-                  </a:cxn>
-                  <a:cxn ang="0">
-                    <a:pos x="T22" y="T23"/>
-                  </a:cxn>
-                  <a:cxn ang="0">
-                    <a:pos x="T24" y="T25"/>
-                  </a:cxn>
-                  <a:cxn ang="0">
-                    <a:pos x="T26" y="T27"/>
-                  </a:cxn>
-                  <a:cxn ang="0">
-                    <a:pos x="T28" y="T29"/>
-                  </a:cxn>
-                  <a:cxn ang="0">
-                    <a:pos x="T30" y="T31"/>
-                  </a:cxn>
-                  <a:cxn ang="0">
-                    <a:pos x="T32" y="T33"/>
-                  </a:cxn>
-                  <a:cxn ang="0">
-                    <a:pos x="T34" y="T35"/>
-                  </a:cxn>
-                  <a:cxn ang="0">
-                    <a:pos x="T36" y="T37"/>
-                  </a:cxn>
-                  <a:cxn ang="0">
-                    <a:pos x="T38" y="T39"/>
-                  </a:cxn>
-                  <a:cxn ang="0">
-                    <a:pos x="T40" y="T41"/>
-                  </a:cxn>
-                  <a:cxn ang="0">
-                    <a:pos x="T42" y="T43"/>
-                  </a:cxn>
-                  <a:cxn ang="0">
-                    <a:pos x="T44" y="T45"/>
-                  </a:cxn>
-                  <a:cxn ang="0">
-                    <a:pos x="T46" y="T47"/>
-                  </a:cxn>
-                  <a:cxn ang="0">
-                    <a:pos x="T48" y="T49"/>
-                  </a:cxn>
-                  <a:cxn ang="0">
-                    <a:pos x="T50" y="T51"/>
-                  </a:cxn>
-                  <a:cxn ang="0">
-                    <a:pos x="T52" y="T53"/>
-                  </a:cxn>
-                </a:cxnLst>
-                <a:rect l="0" t="0" r="r" b="b"/>
-                <a:pathLst>
-                  <a:path w="1596" h="256">
-                    <a:moveTo>
-                      <a:pt x="128" y="0"/>
-                    </a:moveTo>
-                    <a:lnTo>
-                      <a:pt x="1469" y="0"/>
-                    </a:lnTo>
-                    <a:lnTo>
-                      <a:pt x="1503" y="3"/>
-                    </a:lnTo>
-                    <a:lnTo>
-                      <a:pt x="1534" y="17"/>
-                    </a:lnTo>
-                    <a:lnTo>
-                      <a:pt x="1560" y="37"/>
-                    </a:lnTo>
-                    <a:lnTo>
-                      <a:pt x="1579" y="63"/>
-                    </a:lnTo>
-                    <a:lnTo>
-                      <a:pt x="1593" y="92"/>
-                    </a:lnTo>
-                    <a:lnTo>
-                      <a:pt x="1596" y="127"/>
-                    </a:lnTo>
-                    <a:lnTo>
-                      <a:pt x="1593" y="161"/>
-                    </a:lnTo>
-                    <a:lnTo>
-                      <a:pt x="1579" y="192"/>
-                    </a:lnTo>
-                    <a:lnTo>
-                      <a:pt x="1560" y="218"/>
-                    </a:lnTo>
-                    <a:lnTo>
-                      <a:pt x="1534" y="237"/>
-                    </a:lnTo>
-                    <a:lnTo>
-                      <a:pt x="1503" y="251"/>
-                    </a:lnTo>
-                    <a:lnTo>
-                      <a:pt x="1469" y="256"/>
-                    </a:lnTo>
-                    <a:lnTo>
-                      <a:pt x="128" y="256"/>
-                    </a:lnTo>
-                    <a:lnTo>
-                      <a:pt x="93" y="251"/>
-                    </a:lnTo>
-                    <a:lnTo>
-                      <a:pt x="64" y="237"/>
-                    </a:lnTo>
-                    <a:lnTo>
-                      <a:pt x="38" y="218"/>
-                    </a:lnTo>
-                    <a:lnTo>
-                      <a:pt x="17" y="192"/>
-                    </a:lnTo>
-                    <a:lnTo>
-                      <a:pt x="4" y="161"/>
-                    </a:lnTo>
-                    <a:lnTo>
-                      <a:pt x="0" y="127"/>
-                    </a:lnTo>
-                    <a:lnTo>
-                      <a:pt x="4" y="92"/>
-                    </a:lnTo>
-                    <a:lnTo>
-                      <a:pt x="17" y="63"/>
-                    </a:lnTo>
-                    <a:lnTo>
-                      <a:pt x="38" y="37"/>
-                    </a:lnTo>
-                    <a:lnTo>
-                      <a:pt x="64" y="17"/>
-                    </a:lnTo>
-                    <a:lnTo>
-                      <a:pt x="93" y="3"/>
-                    </a:lnTo>
-                    <a:lnTo>
-                      <a:pt x="128" y="0"/>
-                    </a:lnTo>
-                    <a:close/>
-                  </a:path>
-                </a:pathLst>
-              </a:custGeom>
-              <a:solidFill>
-                <a:schemeClr val="tx2"/>
-              </a:solidFill>
-              <a:ln w="0">
-                <a:noFill/>
-                <a:prstDash val="solid"/>
-                <a:round/>
-                <a:headEnd/>
-                <a:tailEnd/>
-              </a:ln>
-            </p:spPr>
-            <p:txBody>
-              <a:bodyPr vert="horz" wrap="square" lIns="91440" tIns="45720" rIns="91440" bIns="45720" numCol="1" anchor="t" anchorCtr="0" compatLnSpc="1">
-                <a:prstTxWarp prst="textNoShape">
-                  <a:avLst/>
-                </a:prstTxWarp>
-              </a:bodyPr>
-              <a:lstStyle/>
-              <a:p>
-                <a:endParaRPr lang="es-SV"/>
-              </a:p>
-            </p:txBody>
-          </p:sp>
-          <p:sp>
-            <p:nvSpPr>
-              <p:cNvPr id="20" name="Freeform 27"/>
-              <p:cNvSpPr>
-                <a:spLocks noEditPoints="1"/>
-              </p:cNvSpPr>
-              <p:nvPr/>
-            </p:nvSpPr>
-            <p:spPr bwMode="auto">
-              <a:xfrm>
-                <a:off x="6925" y="5755"/>
-                <a:ext cx="636" cy="382"/>
-              </a:xfrm>
-              <a:custGeom>
-                <a:avLst/>
-                <a:gdLst>
-                  <a:gd name="T0" fmla="*/ 279 w 1272"/>
-                  <a:gd name="T1" fmla="*/ 256 h 764"/>
-                  <a:gd name="T2" fmla="*/ 301 w 1272"/>
-                  <a:gd name="T3" fmla="*/ 308 h 764"/>
-                  <a:gd name="T4" fmla="*/ 334 w 1272"/>
-                  <a:gd name="T5" fmla="*/ 356 h 764"/>
-                  <a:gd name="T6" fmla="*/ 372 w 1272"/>
-                  <a:gd name="T7" fmla="*/ 399 h 764"/>
-                  <a:gd name="T8" fmla="*/ 415 w 1272"/>
-                  <a:gd name="T9" fmla="*/ 437 h 764"/>
-                  <a:gd name="T10" fmla="*/ 465 w 1272"/>
-                  <a:gd name="T11" fmla="*/ 466 h 764"/>
-                  <a:gd name="T12" fmla="*/ 518 w 1272"/>
-                  <a:gd name="T13" fmla="*/ 488 h 764"/>
-                  <a:gd name="T14" fmla="*/ 575 w 1272"/>
-                  <a:gd name="T15" fmla="*/ 502 h 764"/>
-                  <a:gd name="T16" fmla="*/ 635 w 1272"/>
-                  <a:gd name="T17" fmla="*/ 507 h 764"/>
-                  <a:gd name="T18" fmla="*/ 697 w 1272"/>
-                  <a:gd name="T19" fmla="*/ 502 h 764"/>
-                  <a:gd name="T20" fmla="*/ 754 w 1272"/>
-                  <a:gd name="T21" fmla="*/ 488 h 764"/>
-                  <a:gd name="T22" fmla="*/ 807 w 1272"/>
-                  <a:gd name="T23" fmla="*/ 466 h 764"/>
-                  <a:gd name="T24" fmla="*/ 857 w 1272"/>
-                  <a:gd name="T25" fmla="*/ 437 h 764"/>
-                  <a:gd name="T26" fmla="*/ 902 w 1272"/>
-                  <a:gd name="T27" fmla="*/ 399 h 764"/>
-                  <a:gd name="T28" fmla="*/ 940 w 1272"/>
-                  <a:gd name="T29" fmla="*/ 356 h 764"/>
-                  <a:gd name="T30" fmla="*/ 971 w 1272"/>
-                  <a:gd name="T31" fmla="*/ 308 h 764"/>
-                  <a:gd name="T32" fmla="*/ 995 w 1272"/>
-                  <a:gd name="T33" fmla="*/ 256 h 764"/>
-                  <a:gd name="T34" fmla="*/ 279 w 1272"/>
-                  <a:gd name="T35" fmla="*/ 256 h 764"/>
-                  <a:gd name="T36" fmla="*/ 127 w 1272"/>
-                  <a:gd name="T37" fmla="*/ 0 h 764"/>
-                  <a:gd name="T38" fmla="*/ 1145 w 1272"/>
-                  <a:gd name="T39" fmla="*/ 0 h 764"/>
-                  <a:gd name="T40" fmla="*/ 1179 w 1272"/>
-                  <a:gd name="T41" fmla="*/ 3 h 764"/>
-                  <a:gd name="T42" fmla="*/ 1209 w 1272"/>
-                  <a:gd name="T43" fmla="*/ 17 h 764"/>
-                  <a:gd name="T44" fmla="*/ 1234 w 1272"/>
-                  <a:gd name="T45" fmla="*/ 37 h 764"/>
-                  <a:gd name="T46" fmla="*/ 1255 w 1272"/>
-                  <a:gd name="T47" fmla="*/ 63 h 764"/>
-                  <a:gd name="T48" fmla="*/ 1267 w 1272"/>
-                  <a:gd name="T49" fmla="*/ 93 h 764"/>
-                  <a:gd name="T50" fmla="*/ 1272 w 1272"/>
-                  <a:gd name="T51" fmla="*/ 127 h 764"/>
-                  <a:gd name="T52" fmla="*/ 1267 w 1272"/>
-                  <a:gd name="T53" fmla="*/ 206 h 764"/>
-                  <a:gd name="T54" fmla="*/ 1253 w 1272"/>
-                  <a:gd name="T55" fmla="*/ 284 h 764"/>
-                  <a:gd name="T56" fmla="*/ 1229 w 1272"/>
-                  <a:gd name="T57" fmla="*/ 358 h 764"/>
-                  <a:gd name="T58" fmla="*/ 1198 w 1272"/>
-                  <a:gd name="T59" fmla="*/ 426 h 764"/>
-                  <a:gd name="T60" fmla="*/ 1159 w 1272"/>
-                  <a:gd name="T61" fmla="*/ 490 h 764"/>
-                  <a:gd name="T62" fmla="*/ 1112 w 1272"/>
-                  <a:gd name="T63" fmla="*/ 549 h 764"/>
-                  <a:gd name="T64" fmla="*/ 1059 w 1272"/>
-                  <a:gd name="T65" fmla="*/ 602 h 764"/>
-                  <a:gd name="T66" fmla="*/ 1000 w 1272"/>
-                  <a:gd name="T67" fmla="*/ 648 h 764"/>
-                  <a:gd name="T68" fmla="*/ 935 w 1272"/>
-                  <a:gd name="T69" fmla="*/ 688 h 764"/>
-                  <a:gd name="T70" fmla="*/ 866 w 1272"/>
-                  <a:gd name="T71" fmla="*/ 721 h 764"/>
-                  <a:gd name="T72" fmla="*/ 792 w 1272"/>
-                  <a:gd name="T73" fmla="*/ 743 h 764"/>
-                  <a:gd name="T74" fmla="*/ 716 w 1272"/>
-                  <a:gd name="T75" fmla="*/ 759 h 764"/>
-                  <a:gd name="T76" fmla="*/ 635 w 1272"/>
-                  <a:gd name="T77" fmla="*/ 764 h 764"/>
-                  <a:gd name="T78" fmla="*/ 556 w 1272"/>
-                  <a:gd name="T79" fmla="*/ 759 h 764"/>
-                  <a:gd name="T80" fmla="*/ 480 w 1272"/>
-                  <a:gd name="T81" fmla="*/ 743 h 764"/>
-                  <a:gd name="T82" fmla="*/ 406 w 1272"/>
-                  <a:gd name="T83" fmla="*/ 721 h 764"/>
-                  <a:gd name="T84" fmla="*/ 337 w 1272"/>
-                  <a:gd name="T85" fmla="*/ 688 h 764"/>
-                  <a:gd name="T86" fmla="*/ 274 w 1272"/>
-                  <a:gd name="T87" fmla="*/ 648 h 764"/>
-                  <a:gd name="T88" fmla="*/ 214 w 1272"/>
-                  <a:gd name="T89" fmla="*/ 602 h 764"/>
-                  <a:gd name="T90" fmla="*/ 160 w 1272"/>
-                  <a:gd name="T91" fmla="*/ 549 h 764"/>
-                  <a:gd name="T92" fmla="*/ 114 w 1272"/>
-                  <a:gd name="T93" fmla="*/ 490 h 764"/>
-                  <a:gd name="T94" fmla="*/ 74 w 1272"/>
-                  <a:gd name="T95" fmla="*/ 426 h 764"/>
-                  <a:gd name="T96" fmla="*/ 43 w 1272"/>
-                  <a:gd name="T97" fmla="*/ 358 h 764"/>
-                  <a:gd name="T98" fmla="*/ 19 w 1272"/>
-                  <a:gd name="T99" fmla="*/ 284 h 764"/>
-                  <a:gd name="T100" fmla="*/ 5 w 1272"/>
-                  <a:gd name="T101" fmla="*/ 206 h 764"/>
-                  <a:gd name="T102" fmla="*/ 0 w 1272"/>
-                  <a:gd name="T103" fmla="*/ 127 h 764"/>
-                  <a:gd name="T104" fmla="*/ 5 w 1272"/>
-                  <a:gd name="T105" fmla="*/ 93 h 764"/>
-                  <a:gd name="T106" fmla="*/ 17 w 1272"/>
-                  <a:gd name="T107" fmla="*/ 63 h 764"/>
-                  <a:gd name="T108" fmla="*/ 38 w 1272"/>
-                  <a:gd name="T109" fmla="*/ 37 h 764"/>
-                  <a:gd name="T110" fmla="*/ 64 w 1272"/>
-                  <a:gd name="T111" fmla="*/ 17 h 764"/>
-                  <a:gd name="T112" fmla="*/ 95 w 1272"/>
-                  <a:gd name="T113" fmla="*/ 3 h 764"/>
-                  <a:gd name="T114" fmla="*/ 127 w 1272"/>
-                  <a:gd name="T115" fmla="*/ 0 h 764"/>
-                </a:gdLst>
-                <a:ahLst/>
-                <a:cxnLst>
-                  <a:cxn ang="0">
-                    <a:pos x="T0" y="T1"/>
-                  </a:cxn>
-                  <a:cxn ang="0">
-                    <a:pos x="T2" y="T3"/>
-                  </a:cxn>
-                  <a:cxn ang="0">
-                    <a:pos x="T4" y="T5"/>
-                  </a:cxn>
-                  <a:cxn ang="0">
-                    <a:pos x="T6" y="T7"/>
-                  </a:cxn>
-                  <a:cxn ang="0">
-                    <a:pos x="T8" y="T9"/>
-                  </a:cxn>
-                  <a:cxn ang="0">
-                    <a:pos x="T10" y="T11"/>
-                  </a:cxn>
-                  <a:cxn ang="0">
-                    <a:pos x="T12" y="T13"/>
-                  </a:cxn>
-                  <a:cxn ang="0">
-                    <a:pos x="T14" y="T15"/>
-                  </a:cxn>
-                  <a:cxn ang="0">
-                    <a:pos x="T16" y="T17"/>
-                  </a:cxn>
-                  <a:cxn ang="0">
-                    <a:pos x="T18" y="T19"/>
-                  </a:cxn>
-                  <a:cxn ang="0">
-                    <a:pos x="T20" y="T21"/>
-                  </a:cxn>
-                  <a:cxn ang="0">
-                    <a:pos x="T22" y="T23"/>
-                  </a:cxn>
-                  <a:cxn ang="0">
-                    <a:pos x="T24" y="T25"/>
-                  </a:cxn>
-                  <a:cxn ang="0">
-                    <a:pos x="T26" y="T27"/>
-                  </a:cxn>
-                  <a:cxn ang="0">
-                    <a:pos x="T28" y="T29"/>
-                  </a:cxn>
-                  <a:cxn ang="0">
-                    <a:pos x="T30" y="T31"/>
-                  </a:cxn>
-                  <a:cxn ang="0">
-                    <a:pos x="T32" y="T33"/>
-                  </a:cxn>
-                  <a:cxn ang="0">
-                    <a:pos x="T34" y="T35"/>
-                  </a:cxn>
-                  <a:cxn ang="0">
-                    <a:pos x="T36" y="T37"/>
-                  </a:cxn>
-                  <a:cxn ang="0">
-                    <a:pos x="T38" y="T39"/>
-                  </a:cxn>
-                  <a:cxn ang="0">
-                    <a:pos x="T40" y="T41"/>
-                  </a:cxn>
-                  <a:cxn ang="0">
-                    <a:pos x="T42" y="T43"/>
-                  </a:cxn>
-                  <a:cxn ang="0">
-                    <a:pos x="T44" y="T45"/>
-                  </a:cxn>
-                  <a:cxn ang="0">
-                    <a:pos x="T46" y="T47"/>
-                  </a:cxn>
-                  <a:cxn ang="0">
-                    <a:pos x="T48" y="T49"/>
-                  </a:cxn>
-                  <a:cxn ang="0">
-                    <a:pos x="T50" y="T51"/>
-                  </a:cxn>
-                  <a:cxn ang="0">
-                    <a:pos x="T52" y="T53"/>
-                  </a:cxn>
-                  <a:cxn ang="0">
-                    <a:pos x="T54" y="T55"/>
-                  </a:cxn>
-                  <a:cxn ang="0">
-                    <a:pos x="T56" y="T57"/>
-                  </a:cxn>
-                  <a:cxn ang="0">
-                    <a:pos x="T58" y="T59"/>
-                  </a:cxn>
-                  <a:cxn ang="0">
-                    <a:pos x="T60" y="T61"/>
-                  </a:cxn>
-                  <a:cxn ang="0">
-                    <a:pos x="T62" y="T63"/>
-                  </a:cxn>
-                  <a:cxn ang="0">
-                    <a:pos x="T64" y="T65"/>
-                  </a:cxn>
-                  <a:cxn ang="0">
-                    <a:pos x="T66" y="T67"/>
-                  </a:cxn>
-                  <a:cxn ang="0">
-                    <a:pos x="T68" y="T69"/>
-                  </a:cxn>
-                  <a:cxn ang="0">
-                    <a:pos x="T70" y="T71"/>
-                  </a:cxn>
-                  <a:cxn ang="0">
-                    <a:pos x="T72" y="T73"/>
-                  </a:cxn>
-                  <a:cxn ang="0">
-                    <a:pos x="T74" y="T75"/>
-                  </a:cxn>
-                  <a:cxn ang="0">
-                    <a:pos x="T76" y="T77"/>
-                  </a:cxn>
-                  <a:cxn ang="0">
-                    <a:pos x="T78" y="T79"/>
-                  </a:cxn>
-                  <a:cxn ang="0">
-                    <a:pos x="T80" y="T81"/>
-                  </a:cxn>
-                  <a:cxn ang="0">
-                    <a:pos x="T82" y="T83"/>
-                  </a:cxn>
-                  <a:cxn ang="0">
-                    <a:pos x="T84" y="T85"/>
-                  </a:cxn>
-                  <a:cxn ang="0">
-                    <a:pos x="T86" y="T87"/>
-                  </a:cxn>
-                  <a:cxn ang="0">
-                    <a:pos x="T88" y="T89"/>
-                  </a:cxn>
-                  <a:cxn ang="0">
-                    <a:pos x="T90" y="T91"/>
-                  </a:cxn>
-                  <a:cxn ang="0">
-                    <a:pos x="T92" y="T93"/>
-                  </a:cxn>
-                  <a:cxn ang="0">
-                    <a:pos x="T94" y="T95"/>
-                  </a:cxn>
-                  <a:cxn ang="0">
-                    <a:pos x="T96" y="T97"/>
-                  </a:cxn>
-                  <a:cxn ang="0">
-                    <a:pos x="T98" y="T99"/>
-                  </a:cxn>
-                  <a:cxn ang="0">
-                    <a:pos x="T100" y="T101"/>
-                  </a:cxn>
-                  <a:cxn ang="0">
-                    <a:pos x="T102" y="T103"/>
-                  </a:cxn>
-                  <a:cxn ang="0">
-                    <a:pos x="T104" y="T105"/>
-                  </a:cxn>
-                  <a:cxn ang="0">
-                    <a:pos x="T106" y="T107"/>
-                  </a:cxn>
-                  <a:cxn ang="0">
-                    <a:pos x="T108" y="T109"/>
-                  </a:cxn>
-                  <a:cxn ang="0">
-                    <a:pos x="T110" y="T111"/>
-                  </a:cxn>
-                  <a:cxn ang="0">
-                    <a:pos x="T112" y="T113"/>
-                  </a:cxn>
-                  <a:cxn ang="0">
-                    <a:pos x="T114" y="T115"/>
-                  </a:cxn>
-                </a:cxnLst>
-                <a:rect l="0" t="0" r="r" b="b"/>
-                <a:pathLst>
-                  <a:path w="1272" h="764">
-                    <a:moveTo>
-                      <a:pt x="279" y="256"/>
-                    </a:moveTo>
-                    <a:lnTo>
-                      <a:pt x="301" y="308"/>
-                    </a:lnTo>
-                    <a:lnTo>
-                      <a:pt x="334" y="356"/>
-                    </a:lnTo>
-                    <a:lnTo>
-                      <a:pt x="372" y="399"/>
-                    </a:lnTo>
-                    <a:lnTo>
-                      <a:pt x="415" y="437"/>
-                    </a:lnTo>
-                    <a:lnTo>
-                      <a:pt x="465" y="466"/>
-                    </a:lnTo>
-                    <a:lnTo>
-                      <a:pt x="518" y="488"/>
-                    </a:lnTo>
-                    <a:lnTo>
-                      <a:pt x="575" y="502"/>
-                    </a:lnTo>
-                    <a:lnTo>
-                      <a:pt x="635" y="507"/>
-                    </a:lnTo>
-                    <a:lnTo>
-                      <a:pt x="697" y="502"/>
-                    </a:lnTo>
-                    <a:lnTo>
-                      <a:pt x="754" y="488"/>
-                    </a:lnTo>
-                    <a:lnTo>
-                      <a:pt x="807" y="466"/>
-                    </a:lnTo>
-                    <a:lnTo>
-                      <a:pt x="857" y="437"/>
-                    </a:lnTo>
-                    <a:lnTo>
-                      <a:pt x="902" y="399"/>
-                    </a:lnTo>
-                    <a:lnTo>
-                      <a:pt x="940" y="356"/>
-                    </a:lnTo>
-                    <a:lnTo>
-                      <a:pt x="971" y="308"/>
-                    </a:lnTo>
-                    <a:lnTo>
-                      <a:pt x="995" y="256"/>
-                    </a:lnTo>
-                    <a:lnTo>
-                      <a:pt x="279" y="256"/>
-                    </a:lnTo>
-                    <a:close/>
-                    <a:moveTo>
-                      <a:pt x="127" y="0"/>
-                    </a:moveTo>
-                    <a:lnTo>
-                      <a:pt x="1145" y="0"/>
-                    </a:lnTo>
-                    <a:lnTo>
-                      <a:pt x="1179" y="3"/>
-                    </a:lnTo>
-                    <a:lnTo>
-                      <a:pt x="1209" y="17"/>
-                    </a:lnTo>
-                    <a:lnTo>
-                      <a:pt x="1234" y="37"/>
-                    </a:lnTo>
-                    <a:lnTo>
-                      <a:pt x="1255" y="63"/>
-                    </a:lnTo>
-                    <a:lnTo>
-                      <a:pt x="1267" y="93"/>
-                    </a:lnTo>
-                    <a:lnTo>
-                      <a:pt x="1272" y="127"/>
-                    </a:lnTo>
-                    <a:lnTo>
-                      <a:pt x="1267" y="206"/>
-                    </a:lnTo>
-                    <a:lnTo>
-                      <a:pt x="1253" y="284"/>
-                    </a:lnTo>
-                    <a:lnTo>
-                      <a:pt x="1229" y="358"/>
-                    </a:lnTo>
-                    <a:lnTo>
-                      <a:pt x="1198" y="426"/>
-                    </a:lnTo>
-                    <a:lnTo>
-                      <a:pt x="1159" y="490"/>
-                    </a:lnTo>
-                    <a:lnTo>
-                      <a:pt x="1112" y="549"/>
-                    </a:lnTo>
-                    <a:lnTo>
-                      <a:pt x="1059" y="602"/>
-                    </a:lnTo>
-                    <a:lnTo>
-                      <a:pt x="1000" y="648"/>
-                    </a:lnTo>
-                    <a:lnTo>
-                      <a:pt x="935" y="688"/>
-                    </a:lnTo>
-                    <a:lnTo>
-                      <a:pt x="866" y="721"/>
-                    </a:lnTo>
-                    <a:lnTo>
-                      <a:pt x="792" y="743"/>
-                    </a:lnTo>
-                    <a:lnTo>
-                      <a:pt x="716" y="759"/>
-                    </a:lnTo>
-                    <a:lnTo>
-                      <a:pt x="635" y="764"/>
-                    </a:lnTo>
-                    <a:lnTo>
-                      <a:pt x="556" y="759"/>
-                    </a:lnTo>
-                    <a:lnTo>
-                      <a:pt x="480" y="743"/>
-                    </a:lnTo>
-                    <a:lnTo>
-                      <a:pt x="406" y="721"/>
-                    </a:lnTo>
-                    <a:lnTo>
-                      <a:pt x="337" y="688"/>
-                    </a:lnTo>
-                    <a:lnTo>
-                      <a:pt x="274" y="648"/>
-                    </a:lnTo>
-                    <a:lnTo>
-                      <a:pt x="214" y="602"/>
-                    </a:lnTo>
-                    <a:lnTo>
-                      <a:pt x="160" y="549"/>
-                    </a:lnTo>
-                    <a:lnTo>
-                      <a:pt x="114" y="490"/>
-                    </a:lnTo>
-                    <a:lnTo>
-                      <a:pt x="74" y="426"/>
-                    </a:lnTo>
-                    <a:lnTo>
-                      <a:pt x="43" y="358"/>
-                    </a:lnTo>
-                    <a:lnTo>
-                      <a:pt x="19" y="284"/>
-                    </a:lnTo>
-                    <a:lnTo>
-                      <a:pt x="5" y="206"/>
-                    </a:lnTo>
-                    <a:lnTo>
-                      <a:pt x="0" y="127"/>
-                    </a:lnTo>
-                    <a:lnTo>
-                      <a:pt x="5" y="93"/>
-                    </a:lnTo>
-                    <a:lnTo>
-                      <a:pt x="17" y="63"/>
-                    </a:lnTo>
-                    <a:lnTo>
-                      <a:pt x="38" y="37"/>
-                    </a:lnTo>
-                    <a:lnTo>
-                      <a:pt x="64" y="17"/>
-                    </a:lnTo>
-                    <a:lnTo>
-                      <a:pt x="95" y="3"/>
-                    </a:lnTo>
-                    <a:lnTo>
-                      <a:pt x="127" y="0"/>
-                    </a:lnTo>
-                    <a:close/>
-                  </a:path>
-                </a:pathLst>
-              </a:custGeom>
-              <a:solidFill>
-                <a:schemeClr val="tx2"/>
-              </a:solidFill>
-              <a:ln w="0">
-                <a:noFill/>
-                <a:prstDash val="solid"/>
-                <a:round/>
-                <a:headEnd/>
-                <a:tailEnd/>
-              </a:ln>
-            </p:spPr>
-            <p:txBody>
-              <a:bodyPr vert="horz" wrap="square" lIns="91440" tIns="45720" rIns="91440" bIns="45720" numCol="1" anchor="t" anchorCtr="0" compatLnSpc="1">
-                <a:prstTxWarp prst="textNoShape">
-                  <a:avLst/>
-                </a:prstTxWarp>
-              </a:bodyPr>
-              <a:lstStyle/>
-              <a:p>
-                <a:endParaRPr lang="es-SV"/>
-              </a:p>
-            </p:txBody>
-          </p:sp>
-          <p:sp>
-            <p:nvSpPr>
-              <p:cNvPr id="21" name="Freeform 28"/>
-              <p:cNvSpPr>
-                <a:spLocks/>
-              </p:cNvSpPr>
-              <p:nvPr/>
-            </p:nvSpPr>
-            <p:spPr bwMode="auto">
-              <a:xfrm>
-                <a:off x="6837" y="4232"/>
-                <a:ext cx="811" cy="1049"/>
-              </a:xfrm>
-              <a:custGeom>
-                <a:avLst/>
-                <a:gdLst>
-                  <a:gd name="T0" fmla="*/ 142 w 1624"/>
-                  <a:gd name="T1" fmla="*/ 2 h 2098"/>
-                  <a:gd name="T2" fmla="*/ 161 w 1624"/>
-                  <a:gd name="T3" fmla="*/ 5 h 2098"/>
-                  <a:gd name="T4" fmla="*/ 178 w 1624"/>
-                  <a:gd name="T5" fmla="*/ 10 h 2098"/>
-                  <a:gd name="T6" fmla="*/ 195 w 1624"/>
-                  <a:gd name="T7" fmla="*/ 19 h 2098"/>
-                  <a:gd name="T8" fmla="*/ 207 w 1624"/>
-                  <a:gd name="T9" fmla="*/ 28 h 2098"/>
-                  <a:gd name="T10" fmla="*/ 763 w 1624"/>
-                  <a:gd name="T11" fmla="*/ 10 h 2098"/>
-                  <a:gd name="T12" fmla="*/ 861 w 1624"/>
-                  <a:gd name="T13" fmla="*/ 10 h 2098"/>
-                  <a:gd name="T14" fmla="*/ 1417 w 1624"/>
-                  <a:gd name="T15" fmla="*/ 28 h 2098"/>
-                  <a:gd name="T16" fmla="*/ 1429 w 1624"/>
-                  <a:gd name="T17" fmla="*/ 19 h 2098"/>
-                  <a:gd name="T18" fmla="*/ 1447 w 1624"/>
-                  <a:gd name="T19" fmla="*/ 10 h 2098"/>
-                  <a:gd name="T20" fmla="*/ 1464 w 1624"/>
-                  <a:gd name="T21" fmla="*/ 5 h 2098"/>
-                  <a:gd name="T22" fmla="*/ 1483 w 1624"/>
-                  <a:gd name="T23" fmla="*/ 2 h 2098"/>
-                  <a:gd name="T24" fmla="*/ 1502 w 1624"/>
-                  <a:gd name="T25" fmla="*/ 0 h 2098"/>
-                  <a:gd name="T26" fmla="*/ 1519 w 1624"/>
-                  <a:gd name="T27" fmla="*/ 3 h 2098"/>
-                  <a:gd name="T28" fmla="*/ 1531 w 1624"/>
-                  <a:gd name="T29" fmla="*/ 5 h 2098"/>
-                  <a:gd name="T30" fmla="*/ 1550 w 1624"/>
-                  <a:gd name="T31" fmla="*/ 12 h 2098"/>
-                  <a:gd name="T32" fmla="*/ 1567 w 1624"/>
-                  <a:gd name="T33" fmla="*/ 22 h 2098"/>
-                  <a:gd name="T34" fmla="*/ 1581 w 1624"/>
-                  <a:gd name="T35" fmla="*/ 33 h 2098"/>
-                  <a:gd name="T36" fmla="*/ 1595 w 1624"/>
-                  <a:gd name="T37" fmla="*/ 46 h 2098"/>
-                  <a:gd name="T38" fmla="*/ 1601 w 1624"/>
-                  <a:gd name="T39" fmla="*/ 57 h 2098"/>
-                  <a:gd name="T40" fmla="*/ 1612 w 1624"/>
-                  <a:gd name="T41" fmla="*/ 74 h 2098"/>
-                  <a:gd name="T42" fmla="*/ 1619 w 1624"/>
-                  <a:gd name="T43" fmla="*/ 91 h 2098"/>
-                  <a:gd name="T44" fmla="*/ 1622 w 1624"/>
-                  <a:gd name="T45" fmla="*/ 108 h 2098"/>
-                  <a:gd name="T46" fmla="*/ 1624 w 1624"/>
-                  <a:gd name="T47" fmla="*/ 127 h 2098"/>
-                  <a:gd name="T48" fmla="*/ 1622 w 1624"/>
-                  <a:gd name="T49" fmla="*/ 146 h 2098"/>
-                  <a:gd name="T50" fmla="*/ 1619 w 1624"/>
-                  <a:gd name="T51" fmla="*/ 162 h 2098"/>
-                  <a:gd name="T52" fmla="*/ 1094 w 1624"/>
-                  <a:gd name="T53" fmla="*/ 2062 h 2098"/>
-                  <a:gd name="T54" fmla="*/ 1002 w 1624"/>
-                  <a:gd name="T55" fmla="*/ 2098 h 2098"/>
-                  <a:gd name="T56" fmla="*/ 913 w 1624"/>
-                  <a:gd name="T57" fmla="*/ 2060 h 2098"/>
-                  <a:gd name="T58" fmla="*/ 875 w 1624"/>
-                  <a:gd name="T59" fmla="*/ 1973 h 2098"/>
-                  <a:gd name="T60" fmla="*/ 1233 w 1624"/>
-                  <a:gd name="T61" fmla="*/ 496 h 2098"/>
-                  <a:gd name="T62" fmla="*/ 1137 w 1624"/>
-                  <a:gd name="T63" fmla="*/ 523 h 2098"/>
-                  <a:gd name="T64" fmla="*/ 811 w 1624"/>
-                  <a:gd name="T65" fmla="*/ 291 h 2098"/>
-                  <a:gd name="T66" fmla="*/ 498 w 1624"/>
-                  <a:gd name="T67" fmla="*/ 522 h 2098"/>
-                  <a:gd name="T68" fmla="*/ 417 w 1624"/>
-                  <a:gd name="T69" fmla="*/ 511 h 2098"/>
-                  <a:gd name="T70" fmla="*/ 746 w 1624"/>
-                  <a:gd name="T71" fmla="*/ 1938 h 2098"/>
-                  <a:gd name="T72" fmla="*/ 732 w 1624"/>
-                  <a:gd name="T73" fmla="*/ 2034 h 2098"/>
-                  <a:gd name="T74" fmla="*/ 655 w 1624"/>
-                  <a:gd name="T75" fmla="*/ 2095 h 2098"/>
-                  <a:gd name="T76" fmla="*/ 558 w 1624"/>
-                  <a:gd name="T77" fmla="*/ 2083 h 2098"/>
-                  <a:gd name="T78" fmla="*/ 498 w 1624"/>
-                  <a:gd name="T79" fmla="*/ 2004 h 2098"/>
-                  <a:gd name="T80" fmla="*/ 4 w 1624"/>
-                  <a:gd name="T81" fmla="*/ 151 h 2098"/>
-                  <a:gd name="T82" fmla="*/ 0 w 1624"/>
-                  <a:gd name="T83" fmla="*/ 133 h 2098"/>
-                  <a:gd name="T84" fmla="*/ 2 w 1624"/>
-                  <a:gd name="T85" fmla="*/ 115 h 2098"/>
-                  <a:gd name="T86" fmla="*/ 6 w 1624"/>
-                  <a:gd name="T87" fmla="*/ 96 h 2098"/>
-                  <a:gd name="T88" fmla="*/ 11 w 1624"/>
-                  <a:gd name="T89" fmla="*/ 79 h 2098"/>
-                  <a:gd name="T90" fmla="*/ 19 w 1624"/>
-                  <a:gd name="T91" fmla="*/ 62 h 2098"/>
-                  <a:gd name="T92" fmla="*/ 28 w 1624"/>
-                  <a:gd name="T93" fmla="*/ 50 h 2098"/>
-                  <a:gd name="T94" fmla="*/ 38 w 1624"/>
-                  <a:gd name="T95" fmla="*/ 38 h 2098"/>
-                  <a:gd name="T96" fmla="*/ 54 w 1624"/>
-                  <a:gd name="T97" fmla="*/ 26 h 2098"/>
-                  <a:gd name="T98" fmla="*/ 69 w 1624"/>
-                  <a:gd name="T99" fmla="*/ 16 h 2098"/>
-                  <a:gd name="T100" fmla="*/ 87 w 1624"/>
-                  <a:gd name="T101" fmla="*/ 9 h 2098"/>
-                  <a:gd name="T102" fmla="*/ 99 w 1624"/>
-                  <a:gd name="T103" fmla="*/ 3 h 2098"/>
-                  <a:gd name="T104" fmla="*/ 118 w 1624"/>
-                  <a:gd name="T105" fmla="*/ 2 h 2098"/>
-                </a:gdLst>
-                <a:ahLst/>
-                <a:cxnLst>
-                  <a:cxn ang="0">
-                    <a:pos x="T0" y="T1"/>
-                  </a:cxn>
-                  <a:cxn ang="0">
-                    <a:pos x="T2" y="T3"/>
-                  </a:cxn>
-                  <a:cxn ang="0">
-                    <a:pos x="T4" y="T5"/>
-                  </a:cxn>
-                  <a:cxn ang="0">
-                    <a:pos x="T6" y="T7"/>
-                  </a:cxn>
-                  <a:cxn ang="0">
-                    <a:pos x="T8" y="T9"/>
-                  </a:cxn>
-                  <a:cxn ang="0">
-                    <a:pos x="T10" y="T11"/>
-                  </a:cxn>
-                  <a:cxn ang="0">
-                    <a:pos x="T12" y="T13"/>
-                  </a:cxn>
-                  <a:cxn ang="0">
-                    <a:pos x="T14" y="T15"/>
-                  </a:cxn>
-                  <a:cxn ang="0">
-                    <a:pos x="T16" y="T17"/>
-                  </a:cxn>
-                  <a:cxn ang="0">
-                    <a:pos x="T18" y="T19"/>
-                  </a:cxn>
-                  <a:cxn ang="0">
-                    <a:pos x="T20" y="T21"/>
-                  </a:cxn>
-                  <a:cxn ang="0">
-                    <a:pos x="T22" y="T23"/>
-                  </a:cxn>
-                  <a:cxn ang="0">
-                    <a:pos x="T24" y="T25"/>
-                  </a:cxn>
-                  <a:cxn ang="0">
-                    <a:pos x="T26" y="T27"/>
-                  </a:cxn>
-                  <a:cxn ang="0">
-                    <a:pos x="T28" y="T29"/>
-                  </a:cxn>
-                  <a:cxn ang="0">
-                    <a:pos x="T30" y="T31"/>
-                  </a:cxn>
-                  <a:cxn ang="0">
-                    <a:pos x="T32" y="T33"/>
-                  </a:cxn>
-                  <a:cxn ang="0">
-                    <a:pos x="T34" y="T35"/>
-                  </a:cxn>
-                  <a:cxn ang="0">
-                    <a:pos x="T36" y="T37"/>
-                  </a:cxn>
-                  <a:cxn ang="0">
-                    <a:pos x="T38" y="T39"/>
-                  </a:cxn>
-                  <a:cxn ang="0">
-                    <a:pos x="T40" y="T41"/>
-                  </a:cxn>
-                  <a:cxn ang="0">
-                    <a:pos x="T42" y="T43"/>
-                  </a:cxn>
-                  <a:cxn ang="0">
-                    <a:pos x="T44" y="T45"/>
-                  </a:cxn>
-                  <a:cxn ang="0">
-                    <a:pos x="T46" y="T47"/>
-                  </a:cxn>
-                  <a:cxn ang="0">
-                    <a:pos x="T48" y="T49"/>
-                  </a:cxn>
-                  <a:cxn ang="0">
-                    <a:pos x="T50" y="T51"/>
-                  </a:cxn>
-                  <a:cxn ang="0">
-                    <a:pos x="T52" y="T53"/>
-                  </a:cxn>
-                  <a:cxn ang="0">
-                    <a:pos x="T54" y="T55"/>
-                  </a:cxn>
-                  <a:cxn ang="0">
-                    <a:pos x="T56" y="T57"/>
-                  </a:cxn>
-                  <a:cxn ang="0">
-                    <a:pos x="T58" y="T59"/>
-                  </a:cxn>
-                  <a:cxn ang="0">
-                    <a:pos x="T60" y="T61"/>
-                  </a:cxn>
-                  <a:cxn ang="0">
-                    <a:pos x="T62" y="T63"/>
-                  </a:cxn>
-                  <a:cxn ang="0">
-                    <a:pos x="T64" y="T65"/>
-                  </a:cxn>
-                  <a:cxn ang="0">
-                    <a:pos x="T66" y="T67"/>
-                  </a:cxn>
-                  <a:cxn ang="0">
-                    <a:pos x="T68" y="T69"/>
-                  </a:cxn>
-                  <a:cxn ang="0">
-                    <a:pos x="T70" y="T71"/>
-                  </a:cxn>
-                  <a:cxn ang="0">
-                    <a:pos x="T72" y="T73"/>
-                  </a:cxn>
-                  <a:cxn ang="0">
-                    <a:pos x="T74" y="T75"/>
-                  </a:cxn>
-                  <a:cxn ang="0">
-                    <a:pos x="T76" y="T77"/>
-                  </a:cxn>
-                  <a:cxn ang="0">
-                    <a:pos x="T78" y="T79"/>
-                  </a:cxn>
-                  <a:cxn ang="0">
-                    <a:pos x="T80" y="T81"/>
-                  </a:cxn>
-                  <a:cxn ang="0">
-                    <a:pos x="T82" y="T83"/>
-                  </a:cxn>
-                  <a:cxn ang="0">
-                    <a:pos x="T84" y="T85"/>
-                  </a:cxn>
-                  <a:cxn ang="0">
-                    <a:pos x="T86" y="T87"/>
-                  </a:cxn>
-                  <a:cxn ang="0">
-                    <a:pos x="T88" y="T89"/>
-                  </a:cxn>
-                  <a:cxn ang="0">
-                    <a:pos x="T90" y="T91"/>
-                  </a:cxn>
-                  <a:cxn ang="0">
-                    <a:pos x="T92" y="T93"/>
-                  </a:cxn>
-                  <a:cxn ang="0">
-                    <a:pos x="T94" y="T95"/>
-                  </a:cxn>
-                  <a:cxn ang="0">
-                    <a:pos x="T96" y="T97"/>
-                  </a:cxn>
-                  <a:cxn ang="0">
-                    <a:pos x="T98" y="T99"/>
-                  </a:cxn>
-                  <a:cxn ang="0">
-                    <a:pos x="T100" y="T101"/>
-                  </a:cxn>
-                  <a:cxn ang="0">
-                    <a:pos x="T102" y="T103"/>
-                  </a:cxn>
-                  <a:cxn ang="0">
-                    <a:pos x="T104" y="T105"/>
-                  </a:cxn>
-                </a:cxnLst>
-                <a:rect l="0" t="0" r="r" b="b"/>
-                <a:pathLst>
-                  <a:path w="1624" h="2098">
-                    <a:moveTo>
-                      <a:pt x="130" y="0"/>
-                    </a:moveTo>
-                    <a:lnTo>
-                      <a:pt x="136" y="0"/>
-                    </a:lnTo>
-                    <a:lnTo>
-                      <a:pt x="142" y="2"/>
-                    </a:lnTo>
-                    <a:lnTo>
-                      <a:pt x="148" y="2"/>
-                    </a:lnTo>
-                    <a:lnTo>
-                      <a:pt x="154" y="3"/>
-                    </a:lnTo>
-                    <a:lnTo>
-                      <a:pt x="161" y="5"/>
-                    </a:lnTo>
-                    <a:lnTo>
-                      <a:pt x="167" y="7"/>
-                    </a:lnTo>
-                    <a:lnTo>
-                      <a:pt x="173" y="9"/>
-                    </a:lnTo>
-                    <a:lnTo>
-                      <a:pt x="178" y="10"/>
-                    </a:lnTo>
-                    <a:lnTo>
-                      <a:pt x="183" y="12"/>
-                    </a:lnTo>
-                    <a:lnTo>
-                      <a:pt x="190" y="16"/>
-                    </a:lnTo>
-                    <a:lnTo>
-                      <a:pt x="195" y="19"/>
-                    </a:lnTo>
-                    <a:lnTo>
-                      <a:pt x="200" y="22"/>
-                    </a:lnTo>
-                    <a:lnTo>
-                      <a:pt x="205" y="26"/>
-                    </a:lnTo>
-                    <a:lnTo>
-                      <a:pt x="207" y="28"/>
-                    </a:lnTo>
-                    <a:lnTo>
-                      <a:pt x="470" y="232"/>
-                    </a:lnTo>
-                    <a:lnTo>
-                      <a:pt x="734" y="28"/>
-                    </a:lnTo>
-                    <a:lnTo>
-                      <a:pt x="763" y="10"/>
-                    </a:lnTo>
-                    <a:lnTo>
-                      <a:pt x="796" y="2"/>
-                    </a:lnTo>
-                    <a:lnTo>
-                      <a:pt x="828" y="2"/>
-                    </a:lnTo>
-                    <a:lnTo>
-                      <a:pt x="861" y="10"/>
-                    </a:lnTo>
-                    <a:lnTo>
-                      <a:pt x="890" y="28"/>
-                    </a:lnTo>
-                    <a:lnTo>
-                      <a:pt x="1154" y="234"/>
-                    </a:lnTo>
-                    <a:lnTo>
-                      <a:pt x="1417" y="28"/>
-                    </a:lnTo>
-                    <a:lnTo>
-                      <a:pt x="1419" y="26"/>
-                    </a:lnTo>
-                    <a:lnTo>
-                      <a:pt x="1424" y="22"/>
-                    </a:lnTo>
-                    <a:lnTo>
-                      <a:pt x="1429" y="19"/>
-                    </a:lnTo>
-                    <a:lnTo>
-                      <a:pt x="1434" y="16"/>
-                    </a:lnTo>
-                    <a:lnTo>
-                      <a:pt x="1441" y="12"/>
-                    </a:lnTo>
-                    <a:lnTo>
-                      <a:pt x="1447" y="10"/>
-                    </a:lnTo>
-                    <a:lnTo>
-                      <a:pt x="1452" y="9"/>
-                    </a:lnTo>
-                    <a:lnTo>
-                      <a:pt x="1459" y="7"/>
-                    </a:lnTo>
-                    <a:lnTo>
-                      <a:pt x="1464" y="5"/>
-                    </a:lnTo>
-                    <a:lnTo>
-                      <a:pt x="1471" y="3"/>
-                    </a:lnTo>
-                    <a:lnTo>
-                      <a:pt x="1476" y="2"/>
-                    </a:lnTo>
-                    <a:lnTo>
-                      <a:pt x="1483" y="2"/>
-                    </a:lnTo>
-                    <a:lnTo>
-                      <a:pt x="1488" y="0"/>
-                    </a:lnTo>
-                    <a:lnTo>
-                      <a:pt x="1495" y="0"/>
-                    </a:lnTo>
-                    <a:lnTo>
-                      <a:pt x="1502" y="0"/>
-                    </a:lnTo>
-                    <a:lnTo>
-                      <a:pt x="1507" y="2"/>
-                    </a:lnTo>
-                    <a:lnTo>
-                      <a:pt x="1514" y="2"/>
-                    </a:lnTo>
-                    <a:lnTo>
-                      <a:pt x="1519" y="3"/>
-                    </a:lnTo>
-                    <a:lnTo>
-                      <a:pt x="1526" y="3"/>
-                    </a:lnTo>
-                    <a:lnTo>
-                      <a:pt x="1529" y="5"/>
-                    </a:lnTo>
-                    <a:lnTo>
-                      <a:pt x="1531" y="5"/>
-                    </a:lnTo>
-                    <a:lnTo>
-                      <a:pt x="1539" y="9"/>
-                    </a:lnTo>
-                    <a:lnTo>
-                      <a:pt x="1545" y="10"/>
-                    </a:lnTo>
-                    <a:lnTo>
-                      <a:pt x="1550" y="12"/>
-                    </a:lnTo>
-                    <a:lnTo>
-                      <a:pt x="1555" y="16"/>
-                    </a:lnTo>
-                    <a:lnTo>
-                      <a:pt x="1562" y="19"/>
-                    </a:lnTo>
-                    <a:lnTo>
-                      <a:pt x="1567" y="22"/>
-                    </a:lnTo>
-                    <a:lnTo>
-                      <a:pt x="1572" y="26"/>
-                    </a:lnTo>
-                    <a:lnTo>
-                      <a:pt x="1577" y="29"/>
-                    </a:lnTo>
-                    <a:lnTo>
-                      <a:pt x="1581" y="33"/>
-                    </a:lnTo>
-                    <a:lnTo>
-                      <a:pt x="1586" y="38"/>
-                    </a:lnTo>
-                    <a:lnTo>
-                      <a:pt x="1589" y="41"/>
-                    </a:lnTo>
-                    <a:lnTo>
-                      <a:pt x="1595" y="46"/>
-                    </a:lnTo>
-                    <a:lnTo>
-                      <a:pt x="1596" y="50"/>
-                    </a:lnTo>
-                    <a:lnTo>
-                      <a:pt x="1598" y="52"/>
-                    </a:lnTo>
-                    <a:lnTo>
-                      <a:pt x="1601" y="57"/>
-                    </a:lnTo>
-                    <a:lnTo>
-                      <a:pt x="1605" y="62"/>
-                    </a:lnTo>
-                    <a:lnTo>
-                      <a:pt x="1608" y="67"/>
-                    </a:lnTo>
-                    <a:lnTo>
-                      <a:pt x="1612" y="74"/>
-                    </a:lnTo>
-                    <a:lnTo>
-                      <a:pt x="1614" y="79"/>
-                    </a:lnTo>
-                    <a:lnTo>
-                      <a:pt x="1617" y="84"/>
-                    </a:lnTo>
-                    <a:lnTo>
-                      <a:pt x="1619" y="91"/>
-                    </a:lnTo>
-                    <a:lnTo>
-                      <a:pt x="1620" y="96"/>
-                    </a:lnTo>
-                    <a:lnTo>
-                      <a:pt x="1620" y="103"/>
-                    </a:lnTo>
-                    <a:lnTo>
-                      <a:pt x="1622" y="108"/>
-                    </a:lnTo>
-                    <a:lnTo>
-                      <a:pt x="1624" y="115"/>
-                    </a:lnTo>
-                    <a:lnTo>
-                      <a:pt x="1624" y="121"/>
-                    </a:lnTo>
-                    <a:lnTo>
-                      <a:pt x="1624" y="127"/>
-                    </a:lnTo>
-                    <a:lnTo>
-                      <a:pt x="1624" y="133"/>
-                    </a:lnTo>
-                    <a:lnTo>
-                      <a:pt x="1624" y="139"/>
-                    </a:lnTo>
-                    <a:lnTo>
-                      <a:pt x="1622" y="146"/>
-                    </a:lnTo>
-                    <a:lnTo>
-                      <a:pt x="1622" y="151"/>
-                    </a:lnTo>
-                    <a:lnTo>
-                      <a:pt x="1620" y="158"/>
-                    </a:lnTo>
-                    <a:lnTo>
-                      <a:pt x="1619" y="162"/>
-                    </a:lnTo>
-                    <a:lnTo>
-                      <a:pt x="1126" y="2004"/>
-                    </a:lnTo>
-                    <a:lnTo>
-                      <a:pt x="1114" y="2036"/>
-                    </a:lnTo>
-                    <a:lnTo>
-                      <a:pt x="1094" y="2062"/>
-                    </a:lnTo>
-                    <a:lnTo>
-                      <a:pt x="1066" y="2083"/>
-                    </a:lnTo>
-                    <a:lnTo>
-                      <a:pt x="1037" y="2095"/>
-                    </a:lnTo>
-                    <a:lnTo>
-                      <a:pt x="1002" y="2098"/>
-                    </a:lnTo>
-                    <a:lnTo>
-                      <a:pt x="970" y="2095"/>
-                    </a:lnTo>
-                    <a:lnTo>
-                      <a:pt x="939" y="2081"/>
-                    </a:lnTo>
-                    <a:lnTo>
-                      <a:pt x="913" y="2060"/>
-                    </a:lnTo>
-                    <a:lnTo>
-                      <a:pt x="892" y="2034"/>
-                    </a:lnTo>
-                    <a:lnTo>
-                      <a:pt x="880" y="2005"/>
-                    </a:lnTo>
-                    <a:lnTo>
-                      <a:pt x="875" y="1973"/>
-                    </a:lnTo>
-                    <a:lnTo>
-                      <a:pt x="880" y="1938"/>
-                    </a:lnTo>
-                    <a:lnTo>
-                      <a:pt x="1273" y="465"/>
-                    </a:lnTo>
-                    <a:lnTo>
-                      <a:pt x="1233" y="496"/>
-                    </a:lnTo>
-                    <a:lnTo>
-                      <a:pt x="1204" y="515"/>
-                    </a:lnTo>
-                    <a:lnTo>
-                      <a:pt x="1171" y="523"/>
-                    </a:lnTo>
-                    <a:lnTo>
-                      <a:pt x="1137" y="523"/>
-                    </a:lnTo>
-                    <a:lnTo>
-                      <a:pt x="1106" y="515"/>
-                    </a:lnTo>
-                    <a:lnTo>
-                      <a:pt x="1075" y="496"/>
-                    </a:lnTo>
-                    <a:lnTo>
-                      <a:pt x="811" y="291"/>
-                    </a:lnTo>
-                    <a:lnTo>
-                      <a:pt x="550" y="496"/>
-                    </a:lnTo>
-                    <a:lnTo>
-                      <a:pt x="526" y="511"/>
-                    </a:lnTo>
-                    <a:lnTo>
-                      <a:pt x="498" y="522"/>
-                    </a:lnTo>
-                    <a:lnTo>
-                      <a:pt x="470" y="523"/>
-                    </a:lnTo>
-                    <a:lnTo>
-                      <a:pt x="443" y="522"/>
-                    </a:lnTo>
-                    <a:lnTo>
-                      <a:pt x="417" y="511"/>
-                    </a:lnTo>
-                    <a:lnTo>
-                      <a:pt x="391" y="496"/>
-                    </a:lnTo>
-                    <a:lnTo>
-                      <a:pt x="352" y="465"/>
-                    </a:lnTo>
-                    <a:lnTo>
-                      <a:pt x="746" y="1938"/>
-                    </a:lnTo>
-                    <a:lnTo>
-                      <a:pt x="749" y="1973"/>
-                    </a:lnTo>
-                    <a:lnTo>
-                      <a:pt x="746" y="2005"/>
-                    </a:lnTo>
-                    <a:lnTo>
-                      <a:pt x="732" y="2034"/>
-                    </a:lnTo>
-                    <a:lnTo>
-                      <a:pt x="713" y="2060"/>
-                    </a:lnTo>
-                    <a:lnTo>
-                      <a:pt x="686" y="2081"/>
-                    </a:lnTo>
-                    <a:lnTo>
-                      <a:pt x="655" y="2095"/>
-                    </a:lnTo>
-                    <a:lnTo>
-                      <a:pt x="622" y="2098"/>
-                    </a:lnTo>
-                    <a:lnTo>
-                      <a:pt x="589" y="2095"/>
-                    </a:lnTo>
-                    <a:lnTo>
-                      <a:pt x="558" y="2083"/>
-                    </a:lnTo>
-                    <a:lnTo>
-                      <a:pt x="532" y="2062"/>
-                    </a:lnTo>
-                    <a:lnTo>
-                      <a:pt x="512" y="2036"/>
-                    </a:lnTo>
-                    <a:lnTo>
-                      <a:pt x="498" y="2004"/>
-                    </a:lnTo>
-                    <a:lnTo>
-                      <a:pt x="6" y="162"/>
-                    </a:lnTo>
-                    <a:lnTo>
-                      <a:pt x="4" y="158"/>
-                    </a:lnTo>
-                    <a:lnTo>
-                      <a:pt x="4" y="151"/>
-                    </a:lnTo>
-                    <a:lnTo>
-                      <a:pt x="2" y="146"/>
-                    </a:lnTo>
-                    <a:lnTo>
-                      <a:pt x="2" y="139"/>
-                    </a:lnTo>
-                    <a:lnTo>
-                      <a:pt x="0" y="133"/>
-                    </a:lnTo>
-                    <a:lnTo>
-                      <a:pt x="0" y="127"/>
-                    </a:lnTo>
-                    <a:lnTo>
-                      <a:pt x="0" y="121"/>
-                    </a:lnTo>
-                    <a:lnTo>
-                      <a:pt x="2" y="115"/>
-                    </a:lnTo>
-                    <a:lnTo>
-                      <a:pt x="2" y="108"/>
-                    </a:lnTo>
-                    <a:lnTo>
-                      <a:pt x="4" y="103"/>
-                    </a:lnTo>
-                    <a:lnTo>
-                      <a:pt x="6" y="96"/>
-                    </a:lnTo>
-                    <a:lnTo>
-                      <a:pt x="7" y="91"/>
-                    </a:lnTo>
-                    <a:lnTo>
-                      <a:pt x="9" y="84"/>
-                    </a:lnTo>
-                    <a:lnTo>
-                      <a:pt x="11" y="79"/>
-                    </a:lnTo>
-                    <a:lnTo>
-                      <a:pt x="12" y="74"/>
-                    </a:lnTo>
-                    <a:lnTo>
-                      <a:pt x="16" y="67"/>
-                    </a:lnTo>
-                    <a:lnTo>
-                      <a:pt x="19" y="62"/>
-                    </a:lnTo>
-                    <a:lnTo>
-                      <a:pt x="23" y="57"/>
-                    </a:lnTo>
-                    <a:lnTo>
-                      <a:pt x="26" y="52"/>
-                    </a:lnTo>
-                    <a:lnTo>
-                      <a:pt x="28" y="50"/>
-                    </a:lnTo>
-                    <a:lnTo>
-                      <a:pt x="30" y="46"/>
-                    </a:lnTo>
-                    <a:lnTo>
-                      <a:pt x="35" y="41"/>
-                    </a:lnTo>
-                    <a:lnTo>
-                      <a:pt x="38" y="38"/>
-                    </a:lnTo>
-                    <a:lnTo>
-                      <a:pt x="43" y="33"/>
-                    </a:lnTo>
-                    <a:lnTo>
-                      <a:pt x="49" y="29"/>
-                    </a:lnTo>
-                    <a:lnTo>
-                      <a:pt x="54" y="26"/>
-                    </a:lnTo>
-                    <a:lnTo>
-                      <a:pt x="59" y="22"/>
-                    </a:lnTo>
-                    <a:lnTo>
-                      <a:pt x="64" y="19"/>
-                    </a:lnTo>
-                    <a:lnTo>
-                      <a:pt x="69" y="16"/>
-                    </a:lnTo>
-                    <a:lnTo>
-                      <a:pt x="74" y="12"/>
-                    </a:lnTo>
-                    <a:lnTo>
-                      <a:pt x="81" y="10"/>
-                    </a:lnTo>
-                    <a:lnTo>
-                      <a:pt x="87" y="9"/>
-                    </a:lnTo>
-                    <a:lnTo>
-                      <a:pt x="93" y="5"/>
-                    </a:lnTo>
-                    <a:lnTo>
-                      <a:pt x="95" y="5"/>
-                    </a:lnTo>
-                    <a:lnTo>
-                      <a:pt x="99" y="3"/>
-                    </a:lnTo>
-                    <a:lnTo>
-                      <a:pt x="105" y="3"/>
-                    </a:lnTo>
-                    <a:lnTo>
-                      <a:pt x="111" y="2"/>
-                    </a:lnTo>
-                    <a:lnTo>
-                      <a:pt x="118" y="2"/>
-                    </a:lnTo>
-                    <a:lnTo>
-                      <a:pt x="124" y="0"/>
-                    </a:lnTo>
-                    <a:lnTo>
-                      <a:pt x="130" y="0"/>
-                    </a:lnTo>
-                    <a:close/>
-                  </a:path>
-                </a:pathLst>
-              </a:custGeom>
-              <a:solidFill>
-                <a:schemeClr val="bg1"/>
-              </a:solidFill>
-              <a:ln w="0">
-                <a:noFill/>
-                <a:prstDash val="solid"/>
-                <a:round/>
-                <a:headEnd/>
-                <a:tailEnd/>
-              </a:ln>
-            </p:spPr>
-            <p:txBody>
-              <a:bodyPr vert="horz" wrap="square" lIns="91440" tIns="45720" rIns="91440" bIns="45720" numCol="1" anchor="t" anchorCtr="0" compatLnSpc="1">
-                <a:prstTxWarp prst="textNoShape">
-                  <a:avLst/>
-                </a:prstTxWarp>
-              </a:bodyPr>
-              <a:lstStyle/>
-              <a:p>
-                <a:endParaRPr lang="es-SV"/>
-              </a:p>
-            </p:txBody>
-          </p:sp>
-        </p:grpSp>
-        <p:cxnSp>
-          <p:nvCxnSpPr>
-            <p:cNvPr id="9" name="88 Conector recto"/>
-            <p:cNvCxnSpPr/>
-            <p:nvPr/>
-          </p:nvCxnSpPr>
-          <p:spPr>
-            <a:xfrm>
-              <a:off x="16676890" y="7375219"/>
-              <a:ext cx="0" cy="1121064"/>
-            </a:xfrm>
-            <a:prstGeom prst="line">
-              <a:avLst/>
-            </a:prstGeom>
-            <a:noFill/>
-            <a:ln w="57150">
-              <a:solidFill>
-                <a:schemeClr val="tx2"/>
-              </a:solidFill>
-            </a:ln>
-          </p:spPr>
-          <p:style>
-            <a:lnRef idx="2">
-              <a:schemeClr val="dk1"/>
-            </a:lnRef>
-            <a:fillRef idx="1">
-              <a:schemeClr val="lt1"/>
-            </a:fillRef>
-            <a:effectRef idx="0">
-              <a:schemeClr val="dk1"/>
-            </a:effectRef>
-            <a:fontRef idx="minor">
-              <a:schemeClr val="dk1"/>
-            </a:fontRef>
-          </p:style>
-        </p:cxnSp>
-        <p:grpSp>
-          <p:nvGrpSpPr>
-            <p:cNvPr id="10" name="95 Grupo"/>
-            <p:cNvGrpSpPr>
-              <a:grpSpLocks noChangeAspect="1"/>
-            </p:cNvGrpSpPr>
-            <p:nvPr/>
-          </p:nvGrpSpPr>
-          <p:grpSpPr>
-            <a:xfrm>
-              <a:off x="15352141" y="5250390"/>
-              <a:ext cx="2650073" cy="1738433"/>
-              <a:chOff x="9447213" y="5027613"/>
-              <a:chExt cx="4660900" cy="3057525"/>
-            </a:xfrm>
-            <a:solidFill>
-              <a:srgbClr val="18272A"/>
-            </a:solidFill>
-          </p:grpSpPr>
-          <p:sp>
-            <p:nvSpPr>
-              <p:cNvPr id="11" name="Freeform 14"/>
-              <p:cNvSpPr>
-                <a:spLocks/>
-              </p:cNvSpPr>
-              <p:nvPr/>
-            </p:nvSpPr>
-            <p:spPr bwMode="auto">
-              <a:xfrm>
-                <a:off x="13133388" y="6870701"/>
-                <a:ext cx="974725" cy="119063"/>
-              </a:xfrm>
-              <a:custGeom>
-                <a:avLst/>
-                <a:gdLst>
-                  <a:gd name="T0" fmla="*/ 36 w 614"/>
-                  <a:gd name="T1" fmla="*/ 0 h 75"/>
-                  <a:gd name="T2" fmla="*/ 579 w 614"/>
-                  <a:gd name="T3" fmla="*/ 0 h 75"/>
-                  <a:gd name="T4" fmla="*/ 593 w 614"/>
-                  <a:gd name="T5" fmla="*/ 3 h 75"/>
-                  <a:gd name="T6" fmla="*/ 604 w 614"/>
-                  <a:gd name="T7" fmla="*/ 10 h 75"/>
-                  <a:gd name="T8" fmla="*/ 610 w 614"/>
-                  <a:gd name="T9" fmla="*/ 20 h 75"/>
-                  <a:gd name="T10" fmla="*/ 614 w 614"/>
-                  <a:gd name="T11" fmla="*/ 31 h 75"/>
-                  <a:gd name="T12" fmla="*/ 614 w 614"/>
-                  <a:gd name="T13" fmla="*/ 44 h 75"/>
-                  <a:gd name="T14" fmla="*/ 610 w 614"/>
-                  <a:gd name="T15" fmla="*/ 55 h 75"/>
-                  <a:gd name="T16" fmla="*/ 604 w 614"/>
-                  <a:gd name="T17" fmla="*/ 65 h 75"/>
-                  <a:gd name="T18" fmla="*/ 593 w 614"/>
-                  <a:gd name="T19" fmla="*/ 72 h 75"/>
-                  <a:gd name="T20" fmla="*/ 579 w 614"/>
-                  <a:gd name="T21" fmla="*/ 75 h 75"/>
-                  <a:gd name="T22" fmla="*/ 36 w 614"/>
-                  <a:gd name="T23" fmla="*/ 75 h 75"/>
-                  <a:gd name="T24" fmla="*/ 21 w 614"/>
-                  <a:gd name="T25" fmla="*/ 72 h 75"/>
-                  <a:gd name="T26" fmla="*/ 10 w 614"/>
-                  <a:gd name="T27" fmla="*/ 65 h 75"/>
-                  <a:gd name="T28" fmla="*/ 4 w 614"/>
-                  <a:gd name="T29" fmla="*/ 55 h 75"/>
-                  <a:gd name="T30" fmla="*/ 0 w 614"/>
-                  <a:gd name="T31" fmla="*/ 44 h 75"/>
-                  <a:gd name="T32" fmla="*/ 0 w 614"/>
-                  <a:gd name="T33" fmla="*/ 31 h 75"/>
-                  <a:gd name="T34" fmla="*/ 4 w 614"/>
-                  <a:gd name="T35" fmla="*/ 20 h 75"/>
-                  <a:gd name="T36" fmla="*/ 10 w 614"/>
-                  <a:gd name="T37" fmla="*/ 10 h 75"/>
-                  <a:gd name="T38" fmla="*/ 21 w 614"/>
-                  <a:gd name="T39" fmla="*/ 3 h 75"/>
-                  <a:gd name="T40" fmla="*/ 36 w 614"/>
-                  <a:gd name="T41" fmla="*/ 0 h 75"/>
-                </a:gdLst>
-                <a:ahLst/>
-                <a:cxnLst>
-                  <a:cxn ang="0">
-                    <a:pos x="T0" y="T1"/>
-                  </a:cxn>
-                  <a:cxn ang="0">
-                    <a:pos x="T2" y="T3"/>
-                  </a:cxn>
-                  <a:cxn ang="0">
-                    <a:pos x="T4" y="T5"/>
-                  </a:cxn>
-                  <a:cxn ang="0">
-                    <a:pos x="T6" y="T7"/>
-                  </a:cxn>
-                  <a:cxn ang="0">
-                    <a:pos x="T8" y="T9"/>
-                  </a:cxn>
-                  <a:cxn ang="0">
-                    <a:pos x="T10" y="T11"/>
-                  </a:cxn>
-                  <a:cxn ang="0">
-                    <a:pos x="T12" y="T13"/>
-                  </a:cxn>
-                  <a:cxn ang="0">
-                    <a:pos x="T14" y="T15"/>
-                  </a:cxn>
-                  <a:cxn ang="0">
-                    <a:pos x="T16" y="T17"/>
-                  </a:cxn>
-                  <a:cxn ang="0">
-                    <a:pos x="T18" y="T19"/>
-                  </a:cxn>
-                  <a:cxn ang="0">
-                    <a:pos x="T20" y="T21"/>
-                  </a:cxn>
-                  <a:cxn ang="0">
-                    <a:pos x="T22" y="T23"/>
-                  </a:cxn>
-                  <a:cxn ang="0">
-                    <a:pos x="T24" y="T25"/>
-                  </a:cxn>
-                  <a:cxn ang="0">
-                    <a:pos x="T26" y="T27"/>
-                  </a:cxn>
-                  <a:cxn ang="0">
-                    <a:pos x="T28" y="T29"/>
-                  </a:cxn>
-                  <a:cxn ang="0">
-                    <a:pos x="T30" y="T31"/>
-                  </a:cxn>
-                  <a:cxn ang="0">
-                    <a:pos x="T32" y="T33"/>
-                  </a:cxn>
-                  <a:cxn ang="0">
-                    <a:pos x="T34" y="T35"/>
-                  </a:cxn>
-                  <a:cxn ang="0">
-                    <a:pos x="T36" y="T37"/>
-                  </a:cxn>
-                  <a:cxn ang="0">
-                    <a:pos x="T38" y="T39"/>
-                  </a:cxn>
-                  <a:cxn ang="0">
-                    <a:pos x="T40" y="T41"/>
-                  </a:cxn>
-                </a:cxnLst>
-                <a:rect l="0" t="0" r="r" b="b"/>
-                <a:pathLst>
-                  <a:path w="614" h="75">
-                    <a:moveTo>
-                      <a:pt x="36" y="0"/>
-                    </a:moveTo>
-                    <a:lnTo>
-                      <a:pt x="579" y="0"/>
-                    </a:lnTo>
-                    <a:lnTo>
-                      <a:pt x="593" y="3"/>
-                    </a:lnTo>
-                    <a:lnTo>
-                      <a:pt x="604" y="10"/>
-                    </a:lnTo>
-                    <a:lnTo>
-                      <a:pt x="610" y="20"/>
-                    </a:lnTo>
-                    <a:lnTo>
-                      <a:pt x="614" y="31"/>
-                    </a:lnTo>
-                    <a:lnTo>
-                      <a:pt x="614" y="44"/>
-                    </a:lnTo>
-                    <a:lnTo>
-                      <a:pt x="610" y="55"/>
-                    </a:lnTo>
-                    <a:lnTo>
-                      <a:pt x="604" y="65"/>
-                    </a:lnTo>
-                    <a:lnTo>
-                      <a:pt x="593" y="72"/>
-                    </a:lnTo>
-                    <a:lnTo>
-                      <a:pt x="579" y="75"/>
-                    </a:lnTo>
-                    <a:lnTo>
-                      <a:pt x="36" y="75"/>
-                    </a:lnTo>
-                    <a:lnTo>
-                      <a:pt x="21" y="72"/>
-                    </a:lnTo>
-                    <a:lnTo>
-                      <a:pt x="10" y="65"/>
-                    </a:lnTo>
-                    <a:lnTo>
-                      <a:pt x="4" y="55"/>
-                    </a:lnTo>
-                    <a:lnTo>
-                      <a:pt x="0" y="44"/>
-                    </a:lnTo>
-                    <a:lnTo>
-                      <a:pt x="0" y="31"/>
-                    </a:lnTo>
-                    <a:lnTo>
-                      <a:pt x="4" y="20"/>
-                    </a:lnTo>
-                    <a:lnTo>
-                      <a:pt x="10" y="10"/>
-                    </a:lnTo>
-                    <a:lnTo>
-                      <a:pt x="21" y="3"/>
-                    </a:lnTo>
-                    <a:lnTo>
-                      <a:pt x="36" y="0"/>
-                    </a:lnTo>
-                    <a:close/>
-                  </a:path>
-                </a:pathLst>
-              </a:custGeom>
-              <a:solidFill>
-                <a:schemeClr val="tx2"/>
-              </a:solidFill>
-              <a:ln w="0">
-                <a:noFill/>
-                <a:prstDash val="solid"/>
-                <a:round/>
-                <a:headEnd/>
-                <a:tailEnd/>
-              </a:ln>
-            </p:spPr>
-            <p:txBody>
-              <a:bodyPr vert="horz" wrap="square" lIns="91440" tIns="45720" rIns="91440" bIns="45720" numCol="1" anchor="t" anchorCtr="0" compatLnSpc="1">
-                <a:prstTxWarp prst="textNoShape">
-                  <a:avLst/>
-                </a:prstTxWarp>
-              </a:bodyPr>
-              <a:lstStyle/>
-              <a:p>
-                <a:endParaRPr lang="es-SV"/>
-              </a:p>
-            </p:txBody>
-          </p:sp>
-          <p:sp>
-            <p:nvSpPr>
-              <p:cNvPr id="12" name="Freeform 15"/>
-              <p:cNvSpPr>
-                <a:spLocks/>
-              </p:cNvSpPr>
-              <p:nvPr/>
-            </p:nvSpPr>
-            <p:spPr bwMode="auto">
-              <a:xfrm>
-                <a:off x="12950826" y="5951538"/>
-                <a:ext cx="566738" cy="354013"/>
-              </a:xfrm>
-              <a:custGeom>
-                <a:avLst/>
-                <a:gdLst>
-                  <a:gd name="T0" fmla="*/ 313 w 357"/>
-                  <a:gd name="T1" fmla="*/ 0 h 223"/>
-                  <a:gd name="T2" fmla="*/ 327 w 357"/>
-                  <a:gd name="T3" fmla="*/ 0 h 223"/>
-                  <a:gd name="T4" fmla="*/ 338 w 357"/>
-                  <a:gd name="T5" fmla="*/ 5 h 223"/>
-                  <a:gd name="T6" fmla="*/ 347 w 357"/>
-                  <a:gd name="T7" fmla="*/ 14 h 223"/>
-                  <a:gd name="T8" fmla="*/ 353 w 357"/>
-                  <a:gd name="T9" fmla="*/ 25 h 223"/>
-                  <a:gd name="T10" fmla="*/ 357 w 357"/>
-                  <a:gd name="T11" fmla="*/ 36 h 223"/>
-                  <a:gd name="T12" fmla="*/ 356 w 357"/>
-                  <a:gd name="T13" fmla="*/ 48 h 223"/>
-                  <a:gd name="T14" fmla="*/ 350 w 357"/>
-                  <a:gd name="T15" fmla="*/ 60 h 223"/>
-                  <a:gd name="T16" fmla="*/ 338 w 357"/>
-                  <a:gd name="T17" fmla="*/ 68 h 223"/>
-                  <a:gd name="T18" fmla="*/ 57 w 357"/>
-                  <a:gd name="T19" fmla="*/ 218 h 223"/>
-                  <a:gd name="T20" fmla="*/ 44 w 357"/>
-                  <a:gd name="T21" fmla="*/ 223 h 223"/>
-                  <a:gd name="T22" fmla="*/ 30 w 357"/>
-                  <a:gd name="T23" fmla="*/ 222 h 223"/>
-                  <a:gd name="T24" fmla="*/ 19 w 357"/>
-                  <a:gd name="T25" fmla="*/ 217 h 223"/>
-                  <a:gd name="T26" fmla="*/ 10 w 357"/>
-                  <a:gd name="T27" fmla="*/ 208 h 223"/>
-                  <a:gd name="T28" fmla="*/ 4 w 357"/>
-                  <a:gd name="T29" fmla="*/ 197 h 223"/>
-                  <a:gd name="T30" fmla="*/ 0 w 357"/>
-                  <a:gd name="T31" fmla="*/ 186 h 223"/>
-                  <a:gd name="T32" fmla="*/ 1 w 357"/>
-                  <a:gd name="T33" fmla="*/ 173 h 223"/>
-                  <a:gd name="T34" fmla="*/ 8 w 357"/>
-                  <a:gd name="T35" fmla="*/ 162 h 223"/>
-                  <a:gd name="T36" fmla="*/ 19 w 357"/>
-                  <a:gd name="T37" fmla="*/ 153 h 223"/>
-                  <a:gd name="T38" fmla="*/ 300 w 357"/>
-                  <a:gd name="T39" fmla="*/ 4 h 223"/>
-                  <a:gd name="T40" fmla="*/ 313 w 357"/>
-                  <a:gd name="T41" fmla="*/ 0 h 223"/>
-                </a:gdLst>
-                <a:ahLst/>
-                <a:cxnLst>
-                  <a:cxn ang="0">
-                    <a:pos x="T0" y="T1"/>
-                  </a:cxn>
-                  <a:cxn ang="0">
-                    <a:pos x="T2" y="T3"/>
-                  </a:cxn>
-                  <a:cxn ang="0">
-                    <a:pos x="T4" y="T5"/>
-                  </a:cxn>
-                  <a:cxn ang="0">
-                    <a:pos x="T6" y="T7"/>
-                  </a:cxn>
-                  <a:cxn ang="0">
-                    <a:pos x="T8" y="T9"/>
-                  </a:cxn>
-                  <a:cxn ang="0">
-                    <a:pos x="T10" y="T11"/>
-                  </a:cxn>
-                  <a:cxn ang="0">
-                    <a:pos x="T12" y="T13"/>
-                  </a:cxn>
-                  <a:cxn ang="0">
-                    <a:pos x="T14" y="T15"/>
-                  </a:cxn>
-                  <a:cxn ang="0">
-                    <a:pos x="T16" y="T17"/>
-                  </a:cxn>
-                  <a:cxn ang="0">
-                    <a:pos x="T18" y="T19"/>
-                  </a:cxn>
-                  <a:cxn ang="0">
-                    <a:pos x="T20" y="T21"/>
-                  </a:cxn>
-                  <a:cxn ang="0">
-                    <a:pos x="T22" y="T23"/>
-                  </a:cxn>
-                  <a:cxn ang="0">
-                    <a:pos x="T24" y="T25"/>
-                  </a:cxn>
-                  <a:cxn ang="0">
-                    <a:pos x="T26" y="T27"/>
-                  </a:cxn>
-                  <a:cxn ang="0">
-                    <a:pos x="T28" y="T29"/>
-                  </a:cxn>
-                  <a:cxn ang="0">
-                    <a:pos x="T30" y="T31"/>
-                  </a:cxn>
-                  <a:cxn ang="0">
-                    <a:pos x="T32" y="T33"/>
-                  </a:cxn>
-                  <a:cxn ang="0">
-                    <a:pos x="T34" y="T35"/>
-                  </a:cxn>
-                  <a:cxn ang="0">
-                    <a:pos x="T36" y="T37"/>
-                  </a:cxn>
-                  <a:cxn ang="0">
-                    <a:pos x="T38" y="T39"/>
-                  </a:cxn>
-                  <a:cxn ang="0">
-                    <a:pos x="T40" y="T41"/>
-                  </a:cxn>
-                </a:cxnLst>
-                <a:rect l="0" t="0" r="r" b="b"/>
-                <a:pathLst>
-                  <a:path w="357" h="223">
-                    <a:moveTo>
-                      <a:pt x="313" y="0"/>
-                    </a:moveTo>
-                    <a:lnTo>
-                      <a:pt x="327" y="0"/>
-                    </a:lnTo>
-                    <a:lnTo>
-                      <a:pt x="338" y="5"/>
-                    </a:lnTo>
-                    <a:lnTo>
-                      <a:pt x="347" y="14"/>
-                    </a:lnTo>
-                    <a:lnTo>
-                      <a:pt x="353" y="25"/>
-                    </a:lnTo>
-                    <a:lnTo>
-                      <a:pt x="357" y="36"/>
-                    </a:lnTo>
-                    <a:lnTo>
-                      <a:pt x="356" y="48"/>
-                    </a:lnTo>
-                    <a:lnTo>
-                      <a:pt x="350" y="60"/>
-                    </a:lnTo>
-                    <a:lnTo>
-                      <a:pt x="338" y="68"/>
-                    </a:lnTo>
-                    <a:lnTo>
-                      <a:pt x="57" y="218"/>
-                    </a:lnTo>
-                    <a:lnTo>
-                      <a:pt x="44" y="223"/>
-                    </a:lnTo>
-                    <a:lnTo>
-                      <a:pt x="30" y="222"/>
-                    </a:lnTo>
-                    <a:lnTo>
-                      <a:pt x="19" y="217"/>
-                    </a:lnTo>
-                    <a:lnTo>
-                      <a:pt x="10" y="208"/>
-                    </a:lnTo>
-                    <a:lnTo>
-                      <a:pt x="4" y="197"/>
-                    </a:lnTo>
-                    <a:lnTo>
-                      <a:pt x="0" y="186"/>
-                    </a:lnTo>
-                    <a:lnTo>
-                      <a:pt x="1" y="173"/>
-                    </a:lnTo>
-                    <a:lnTo>
-                      <a:pt x="8" y="162"/>
-                    </a:lnTo>
-                    <a:lnTo>
-                      <a:pt x="19" y="153"/>
-                    </a:lnTo>
-                    <a:lnTo>
-                      <a:pt x="300" y="4"/>
-                    </a:lnTo>
-                    <a:lnTo>
-                      <a:pt x="313" y="0"/>
-                    </a:lnTo>
-                    <a:close/>
-                  </a:path>
-                </a:pathLst>
-              </a:custGeom>
-              <a:solidFill>
-                <a:schemeClr val="tx2"/>
-              </a:solidFill>
-              <a:ln w="0">
-                <a:noFill/>
-                <a:prstDash val="solid"/>
-                <a:round/>
-                <a:headEnd/>
-                <a:tailEnd/>
-              </a:ln>
-            </p:spPr>
-            <p:txBody>
-              <a:bodyPr vert="horz" wrap="square" lIns="91440" tIns="45720" rIns="91440" bIns="45720" numCol="1" anchor="t" anchorCtr="0" compatLnSpc="1">
-                <a:prstTxWarp prst="textNoShape">
-                  <a:avLst/>
-                </a:prstTxWarp>
-              </a:bodyPr>
-              <a:lstStyle/>
-              <a:p>
-                <a:endParaRPr lang="es-SV"/>
-              </a:p>
-            </p:txBody>
-          </p:sp>
-          <p:sp>
-            <p:nvSpPr>
-              <p:cNvPr id="13" name="Freeform 16"/>
-              <p:cNvSpPr>
-                <a:spLocks/>
-              </p:cNvSpPr>
-              <p:nvPr/>
-            </p:nvSpPr>
-            <p:spPr bwMode="auto">
-              <a:xfrm>
-                <a:off x="11745913" y="5027613"/>
-                <a:ext cx="119063" cy="565150"/>
-              </a:xfrm>
-              <a:custGeom>
-                <a:avLst/>
-                <a:gdLst>
-                  <a:gd name="T0" fmla="*/ 44 w 75"/>
-                  <a:gd name="T1" fmla="*/ 0 h 356"/>
-                  <a:gd name="T2" fmla="*/ 56 w 75"/>
-                  <a:gd name="T3" fmla="*/ 4 h 356"/>
-                  <a:gd name="T4" fmla="*/ 66 w 75"/>
-                  <a:gd name="T5" fmla="*/ 11 h 356"/>
-                  <a:gd name="T6" fmla="*/ 72 w 75"/>
-                  <a:gd name="T7" fmla="*/ 21 h 356"/>
-                  <a:gd name="T8" fmla="*/ 75 w 75"/>
-                  <a:gd name="T9" fmla="*/ 36 h 356"/>
-                  <a:gd name="T10" fmla="*/ 75 w 75"/>
-                  <a:gd name="T11" fmla="*/ 320 h 356"/>
-                  <a:gd name="T12" fmla="*/ 72 w 75"/>
-                  <a:gd name="T13" fmla="*/ 335 h 356"/>
-                  <a:gd name="T14" fmla="*/ 66 w 75"/>
-                  <a:gd name="T15" fmla="*/ 345 h 356"/>
-                  <a:gd name="T16" fmla="*/ 56 w 75"/>
-                  <a:gd name="T17" fmla="*/ 352 h 356"/>
-                  <a:gd name="T18" fmla="*/ 44 w 75"/>
-                  <a:gd name="T19" fmla="*/ 356 h 356"/>
-                  <a:gd name="T20" fmla="*/ 31 w 75"/>
-                  <a:gd name="T21" fmla="*/ 356 h 356"/>
-                  <a:gd name="T22" fmla="*/ 20 w 75"/>
-                  <a:gd name="T23" fmla="*/ 352 h 356"/>
-                  <a:gd name="T24" fmla="*/ 10 w 75"/>
-                  <a:gd name="T25" fmla="*/ 345 h 356"/>
-                  <a:gd name="T26" fmla="*/ 4 w 75"/>
-                  <a:gd name="T27" fmla="*/ 335 h 356"/>
-                  <a:gd name="T28" fmla="*/ 0 w 75"/>
-                  <a:gd name="T29" fmla="*/ 320 h 356"/>
-                  <a:gd name="T30" fmla="*/ 0 w 75"/>
-                  <a:gd name="T31" fmla="*/ 36 h 356"/>
-                  <a:gd name="T32" fmla="*/ 4 w 75"/>
-                  <a:gd name="T33" fmla="*/ 21 h 356"/>
-                  <a:gd name="T34" fmla="*/ 10 w 75"/>
-                  <a:gd name="T35" fmla="*/ 11 h 356"/>
-                  <a:gd name="T36" fmla="*/ 20 w 75"/>
-                  <a:gd name="T37" fmla="*/ 4 h 356"/>
-                  <a:gd name="T38" fmla="*/ 31 w 75"/>
-                  <a:gd name="T39" fmla="*/ 0 h 356"/>
-                  <a:gd name="T40" fmla="*/ 44 w 75"/>
-                  <a:gd name="T41" fmla="*/ 0 h 356"/>
-                </a:gdLst>
-                <a:ahLst/>
-                <a:cxnLst>
-                  <a:cxn ang="0">
-                    <a:pos x="T0" y="T1"/>
-                  </a:cxn>
-                  <a:cxn ang="0">
-                    <a:pos x="T2" y="T3"/>
-                  </a:cxn>
-                  <a:cxn ang="0">
-                    <a:pos x="T4" y="T5"/>
-                  </a:cxn>
-                  <a:cxn ang="0">
-                    <a:pos x="T6" y="T7"/>
-                  </a:cxn>
-                  <a:cxn ang="0">
-                    <a:pos x="T8" y="T9"/>
-                  </a:cxn>
-                  <a:cxn ang="0">
-                    <a:pos x="T10" y="T11"/>
-                  </a:cxn>
-                  <a:cxn ang="0">
-                    <a:pos x="T12" y="T13"/>
-                  </a:cxn>
-                  <a:cxn ang="0">
-                    <a:pos x="T14" y="T15"/>
-                  </a:cxn>
-                  <a:cxn ang="0">
-                    <a:pos x="T16" y="T17"/>
-                  </a:cxn>
-                  <a:cxn ang="0">
-                    <a:pos x="T18" y="T19"/>
-                  </a:cxn>
-                  <a:cxn ang="0">
-                    <a:pos x="T20" y="T21"/>
-                  </a:cxn>
-                  <a:cxn ang="0">
-                    <a:pos x="T22" y="T23"/>
-                  </a:cxn>
-                  <a:cxn ang="0">
-                    <a:pos x="T24" y="T25"/>
-                  </a:cxn>
-                  <a:cxn ang="0">
-                    <a:pos x="T26" y="T27"/>
-                  </a:cxn>
-                  <a:cxn ang="0">
-                    <a:pos x="T28" y="T29"/>
-                  </a:cxn>
-                  <a:cxn ang="0">
-                    <a:pos x="T30" y="T31"/>
-                  </a:cxn>
-                  <a:cxn ang="0">
-                    <a:pos x="T32" y="T33"/>
-                  </a:cxn>
-                  <a:cxn ang="0">
-                    <a:pos x="T34" y="T35"/>
-                  </a:cxn>
-                  <a:cxn ang="0">
-                    <a:pos x="T36" y="T37"/>
-                  </a:cxn>
-                  <a:cxn ang="0">
-                    <a:pos x="T38" y="T39"/>
-                  </a:cxn>
-                  <a:cxn ang="0">
-                    <a:pos x="T40" y="T41"/>
-                  </a:cxn>
-                </a:cxnLst>
-                <a:rect l="0" t="0" r="r" b="b"/>
-                <a:pathLst>
-                  <a:path w="75" h="356">
-                    <a:moveTo>
-                      <a:pt x="44" y="0"/>
-                    </a:moveTo>
-                    <a:lnTo>
-                      <a:pt x="56" y="4"/>
-                    </a:lnTo>
-                    <a:lnTo>
-                      <a:pt x="66" y="11"/>
-                    </a:lnTo>
-                    <a:lnTo>
-                      <a:pt x="72" y="21"/>
-                    </a:lnTo>
-                    <a:lnTo>
-                      <a:pt x="75" y="36"/>
-                    </a:lnTo>
-                    <a:lnTo>
-                      <a:pt x="75" y="320"/>
-                    </a:lnTo>
-                    <a:lnTo>
-                      <a:pt x="72" y="335"/>
-                    </a:lnTo>
-                    <a:lnTo>
-                      <a:pt x="66" y="345"/>
-                    </a:lnTo>
-                    <a:lnTo>
-                      <a:pt x="56" y="352"/>
-                    </a:lnTo>
-                    <a:lnTo>
-                      <a:pt x="44" y="356"/>
-                    </a:lnTo>
-                    <a:lnTo>
-                      <a:pt x="31" y="356"/>
-                    </a:lnTo>
-                    <a:lnTo>
-                      <a:pt x="20" y="352"/>
-                    </a:lnTo>
-                    <a:lnTo>
-                      <a:pt x="10" y="345"/>
-                    </a:lnTo>
-                    <a:lnTo>
-                      <a:pt x="4" y="335"/>
-                    </a:lnTo>
-                    <a:lnTo>
-                      <a:pt x="0" y="320"/>
-                    </a:lnTo>
-                    <a:lnTo>
-                      <a:pt x="0" y="36"/>
-                    </a:lnTo>
-                    <a:lnTo>
-                      <a:pt x="4" y="21"/>
-                    </a:lnTo>
-                    <a:lnTo>
-                      <a:pt x="10" y="11"/>
-                    </a:lnTo>
-                    <a:lnTo>
-                      <a:pt x="20" y="4"/>
-                    </a:lnTo>
-                    <a:lnTo>
-                      <a:pt x="31" y="0"/>
-                    </a:lnTo>
-                    <a:lnTo>
-                      <a:pt x="44" y="0"/>
-                    </a:lnTo>
-                    <a:close/>
-                  </a:path>
-                </a:pathLst>
-              </a:custGeom>
-              <a:solidFill>
-                <a:schemeClr val="tx2"/>
-              </a:solidFill>
-              <a:ln w="0">
-                <a:noFill/>
-                <a:prstDash val="solid"/>
-                <a:round/>
-                <a:headEnd/>
-                <a:tailEnd/>
-              </a:ln>
-            </p:spPr>
-            <p:txBody>
-              <a:bodyPr vert="horz" wrap="square" lIns="91440" tIns="45720" rIns="91440" bIns="45720" numCol="1" anchor="t" anchorCtr="0" compatLnSpc="1">
-                <a:prstTxWarp prst="textNoShape">
-                  <a:avLst/>
-                </a:prstTxWarp>
-              </a:bodyPr>
-              <a:lstStyle/>
-              <a:p>
-                <a:endParaRPr lang="es-SV"/>
-              </a:p>
-            </p:txBody>
-          </p:sp>
-          <p:sp>
-            <p:nvSpPr>
-              <p:cNvPr id="14" name="Freeform 17"/>
-              <p:cNvSpPr>
-                <a:spLocks/>
-              </p:cNvSpPr>
-              <p:nvPr/>
-            </p:nvSpPr>
-            <p:spPr bwMode="auto">
-              <a:xfrm>
-                <a:off x="10002838" y="5735638"/>
-                <a:ext cx="636588" cy="517525"/>
-              </a:xfrm>
-              <a:custGeom>
-                <a:avLst/>
-                <a:gdLst>
-                  <a:gd name="T0" fmla="*/ 39 w 401"/>
-                  <a:gd name="T1" fmla="*/ 0 h 326"/>
-                  <a:gd name="T2" fmla="*/ 53 w 401"/>
-                  <a:gd name="T3" fmla="*/ 2 h 326"/>
-                  <a:gd name="T4" fmla="*/ 66 w 401"/>
-                  <a:gd name="T5" fmla="*/ 8 h 326"/>
-                  <a:gd name="T6" fmla="*/ 389 w 401"/>
-                  <a:gd name="T7" fmla="*/ 263 h 326"/>
-                  <a:gd name="T8" fmla="*/ 398 w 401"/>
-                  <a:gd name="T9" fmla="*/ 274 h 326"/>
-                  <a:gd name="T10" fmla="*/ 401 w 401"/>
-                  <a:gd name="T11" fmla="*/ 286 h 326"/>
-                  <a:gd name="T12" fmla="*/ 400 w 401"/>
-                  <a:gd name="T13" fmla="*/ 297 h 326"/>
-                  <a:gd name="T14" fmla="*/ 394 w 401"/>
-                  <a:gd name="T15" fmla="*/ 308 h 326"/>
-                  <a:gd name="T16" fmla="*/ 385 w 401"/>
-                  <a:gd name="T17" fmla="*/ 317 h 326"/>
-                  <a:gd name="T18" fmla="*/ 374 w 401"/>
-                  <a:gd name="T19" fmla="*/ 323 h 326"/>
-                  <a:gd name="T20" fmla="*/ 362 w 401"/>
-                  <a:gd name="T21" fmla="*/ 326 h 326"/>
-                  <a:gd name="T22" fmla="*/ 348 w 401"/>
-                  <a:gd name="T23" fmla="*/ 323 h 326"/>
-                  <a:gd name="T24" fmla="*/ 335 w 401"/>
-                  <a:gd name="T25" fmla="*/ 317 h 326"/>
-                  <a:gd name="T26" fmla="*/ 13 w 401"/>
-                  <a:gd name="T27" fmla="*/ 62 h 326"/>
-                  <a:gd name="T28" fmla="*/ 3 w 401"/>
-                  <a:gd name="T29" fmla="*/ 51 h 326"/>
-                  <a:gd name="T30" fmla="*/ 0 w 401"/>
-                  <a:gd name="T31" fmla="*/ 40 h 326"/>
-                  <a:gd name="T32" fmla="*/ 1 w 401"/>
-                  <a:gd name="T33" fmla="*/ 28 h 326"/>
-                  <a:gd name="T34" fmla="*/ 7 w 401"/>
-                  <a:gd name="T35" fmla="*/ 17 h 326"/>
-                  <a:gd name="T36" fmla="*/ 16 w 401"/>
-                  <a:gd name="T37" fmla="*/ 8 h 326"/>
-                  <a:gd name="T38" fmla="*/ 27 w 401"/>
-                  <a:gd name="T39" fmla="*/ 2 h 326"/>
-                  <a:gd name="T40" fmla="*/ 39 w 401"/>
-                  <a:gd name="T41" fmla="*/ 0 h 326"/>
-                </a:gdLst>
-                <a:ahLst/>
-                <a:cxnLst>
-                  <a:cxn ang="0">
-                    <a:pos x="T0" y="T1"/>
-                  </a:cxn>
-                  <a:cxn ang="0">
-                    <a:pos x="T2" y="T3"/>
-                  </a:cxn>
-                  <a:cxn ang="0">
-                    <a:pos x="T4" y="T5"/>
-                  </a:cxn>
-                  <a:cxn ang="0">
-                    <a:pos x="T6" y="T7"/>
-                  </a:cxn>
-                  <a:cxn ang="0">
-                    <a:pos x="T8" y="T9"/>
-                  </a:cxn>
-                  <a:cxn ang="0">
-                    <a:pos x="T10" y="T11"/>
-                  </a:cxn>
-                  <a:cxn ang="0">
-                    <a:pos x="T12" y="T13"/>
-                  </a:cxn>
-                  <a:cxn ang="0">
-                    <a:pos x="T14" y="T15"/>
-                  </a:cxn>
-                  <a:cxn ang="0">
-                    <a:pos x="T16" y="T17"/>
-                  </a:cxn>
-                  <a:cxn ang="0">
-                    <a:pos x="T18" y="T19"/>
-                  </a:cxn>
-                  <a:cxn ang="0">
-                    <a:pos x="T20" y="T21"/>
-                  </a:cxn>
-                  <a:cxn ang="0">
-                    <a:pos x="T22" y="T23"/>
-                  </a:cxn>
-                  <a:cxn ang="0">
-                    <a:pos x="T24" y="T25"/>
-                  </a:cxn>
-                  <a:cxn ang="0">
-                    <a:pos x="T26" y="T27"/>
-                  </a:cxn>
-                  <a:cxn ang="0">
-                    <a:pos x="T28" y="T29"/>
-                  </a:cxn>
-                  <a:cxn ang="0">
-                    <a:pos x="T30" y="T31"/>
-                  </a:cxn>
-                  <a:cxn ang="0">
-                    <a:pos x="T32" y="T33"/>
-                  </a:cxn>
-                  <a:cxn ang="0">
-                    <a:pos x="T34" y="T35"/>
-                  </a:cxn>
-                  <a:cxn ang="0">
-                    <a:pos x="T36" y="T37"/>
-                  </a:cxn>
-                  <a:cxn ang="0">
-                    <a:pos x="T38" y="T39"/>
-                  </a:cxn>
-                  <a:cxn ang="0">
-                    <a:pos x="T40" y="T41"/>
-                  </a:cxn>
-                </a:cxnLst>
-                <a:rect l="0" t="0" r="r" b="b"/>
-                <a:pathLst>
-                  <a:path w="401" h="326">
-                    <a:moveTo>
-                      <a:pt x="39" y="0"/>
-                    </a:moveTo>
-                    <a:lnTo>
-                      <a:pt x="53" y="2"/>
-                    </a:lnTo>
-                    <a:lnTo>
-                      <a:pt x="66" y="8"/>
-                    </a:lnTo>
-                    <a:lnTo>
-                      <a:pt x="389" y="263"/>
-                    </a:lnTo>
-                    <a:lnTo>
-                      <a:pt x="398" y="274"/>
-                    </a:lnTo>
-                    <a:lnTo>
-                      <a:pt x="401" y="286"/>
-                    </a:lnTo>
-                    <a:lnTo>
-                      <a:pt x="400" y="297"/>
-                    </a:lnTo>
-                    <a:lnTo>
-                      <a:pt x="394" y="308"/>
-                    </a:lnTo>
-                    <a:lnTo>
-                      <a:pt x="385" y="317"/>
-                    </a:lnTo>
-                    <a:lnTo>
-                      <a:pt x="374" y="323"/>
-                    </a:lnTo>
-                    <a:lnTo>
-                      <a:pt x="362" y="326"/>
-                    </a:lnTo>
-                    <a:lnTo>
-                      <a:pt x="348" y="323"/>
-                    </a:lnTo>
-                    <a:lnTo>
-                      <a:pt x="335" y="317"/>
-                    </a:lnTo>
-                    <a:lnTo>
-                      <a:pt x="13" y="62"/>
-                    </a:lnTo>
-                    <a:lnTo>
-                      <a:pt x="3" y="51"/>
-                    </a:lnTo>
-                    <a:lnTo>
-                      <a:pt x="0" y="40"/>
-                    </a:lnTo>
-                    <a:lnTo>
-                      <a:pt x="1" y="28"/>
-                    </a:lnTo>
-                    <a:lnTo>
-                      <a:pt x="7" y="17"/>
-                    </a:lnTo>
-                    <a:lnTo>
-                      <a:pt x="16" y="8"/>
-                    </a:lnTo>
-                    <a:lnTo>
-                      <a:pt x="27" y="2"/>
-                    </a:lnTo>
-                    <a:lnTo>
-                      <a:pt x="39" y="0"/>
-                    </a:lnTo>
-                    <a:close/>
-                  </a:path>
-                </a:pathLst>
-              </a:custGeom>
-              <a:solidFill>
-                <a:schemeClr val="tx2"/>
-              </a:solidFill>
-              <a:ln w="0">
-                <a:noFill/>
-                <a:prstDash val="solid"/>
-                <a:round/>
-                <a:headEnd/>
-                <a:tailEnd/>
-              </a:ln>
-            </p:spPr>
-            <p:txBody>
-              <a:bodyPr vert="horz" wrap="square" lIns="91440" tIns="45720" rIns="91440" bIns="45720" numCol="1" anchor="t" anchorCtr="0" compatLnSpc="1">
-                <a:prstTxWarp prst="textNoShape">
-                  <a:avLst/>
-                </a:prstTxWarp>
-              </a:bodyPr>
-              <a:lstStyle/>
-              <a:p>
-                <a:endParaRPr lang="es-SV"/>
-              </a:p>
-            </p:txBody>
-          </p:sp>
-          <p:sp>
-            <p:nvSpPr>
-              <p:cNvPr id="15" name="Freeform 18"/>
-              <p:cNvSpPr>
-                <a:spLocks/>
-              </p:cNvSpPr>
-              <p:nvPr/>
-            </p:nvSpPr>
-            <p:spPr bwMode="auto">
-              <a:xfrm>
-                <a:off x="12950826" y="7635876"/>
-                <a:ext cx="566738" cy="354013"/>
-              </a:xfrm>
-              <a:custGeom>
-                <a:avLst/>
-                <a:gdLst>
-                  <a:gd name="T0" fmla="*/ 44 w 357"/>
-                  <a:gd name="T1" fmla="*/ 0 h 223"/>
-                  <a:gd name="T2" fmla="*/ 57 w 357"/>
-                  <a:gd name="T3" fmla="*/ 4 h 223"/>
-                  <a:gd name="T4" fmla="*/ 338 w 357"/>
-                  <a:gd name="T5" fmla="*/ 155 h 223"/>
-                  <a:gd name="T6" fmla="*/ 350 w 357"/>
-                  <a:gd name="T7" fmla="*/ 164 h 223"/>
-                  <a:gd name="T8" fmla="*/ 356 w 357"/>
-                  <a:gd name="T9" fmla="*/ 174 h 223"/>
-                  <a:gd name="T10" fmla="*/ 357 w 357"/>
-                  <a:gd name="T11" fmla="*/ 186 h 223"/>
-                  <a:gd name="T12" fmla="*/ 353 w 357"/>
-                  <a:gd name="T13" fmla="*/ 199 h 223"/>
-                  <a:gd name="T14" fmla="*/ 347 w 357"/>
-                  <a:gd name="T15" fmla="*/ 208 h 223"/>
-                  <a:gd name="T16" fmla="*/ 338 w 357"/>
-                  <a:gd name="T17" fmla="*/ 217 h 223"/>
-                  <a:gd name="T18" fmla="*/ 327 w 357"/>
-                  <a:gd name="T19" fmla="*/ 222 h 223"/>
-                  <a:gd name="T20" fmla="*/ 313 w 357"/>
-                  <a:gd name="T21" fmla="*/ 223 h 223"/>
-                  <a:gd name="T22" fmla="*/ 300 w 357"/>
-                  <a:gd name="T23" fmla="*/ 218 h 223"/>
-                  <a:gd name="T24" fmla="*/ 19 w 357"/>
-                  <a:gd name="T25" fmla="*/ 69 h 223"/>
-                  <a:gd name="T26" fmla="*/ 8 w 357"/>
-                  <a:gd name="T27" fmla="*/ 60 h 223"/>
-                  <a:gd name="T28" fmla="*/ 1 w 357"/>
-                  <a:gd name="T29" fmla="*/ 49 h 223"/>
-                  <a:gd name="T30" fmla="*/ 0 w 357"/>
-                  <a:gd name="T31" fmla="*/ 37 h 223"/>
-                  <a:gd name="T32" fmla="*/ 4 w 357"/>
-                  <a:gd name="T33" fmla="*/ 25 h 223"/>
-                  <a:gd name="T34" fmla="*/ 10 w 357"/>
-                  <a:gd name="T35" fmla="*/ 15 h 223"/>
-                  <a:gd name="T36" fmla="*/ 19 w 357"/>
-                  <a:gd name="T37" fmla="*/ 6 h 223"/>
-                  <a:gd name="T38" fmla="*/ 30 w 357"/>
-                  <a:gd name="T39" fmla="*/ 1 h 223"/>
-                  <a:gd name="T40" fmla="*/ 44 w 357"/>
-                  <a:gd name="T41" fmla="*/ 0 h 223"/>
-                </a:gdLst>
-                <a:ahLst/>
-                <a:cxnLst>
-                  <a:cxn ang="0">
-                    <a:pos x="T0" y="T1"/>
-                  </a:cxn>
-                  <a:cxn ang="0">
-                    <a:pos x="T2" y="T3"/>
-                  </a:cxn>
-                  <a:cxn ang="0">
-                    <a:pos x="T4" y="T5"/>
-                  </a:cxn>
-                  <a:cxn ang="0">
-                    <a:pos x="T6" y="T7"/>
-                  </a:cxn>
-                  <a:cxn ang="0">
-                    <a:pos x="T8" y="T9"/>
-                  </a:cxn>
-                  <a:cxn ang="0">
-                    <a:pos x="T10" y="T11"/>
-                  </a:cxn>
-                  <a:cxn ang="0">
-                    <a:pos x="T12" y="T13"/>
-                  </a:cxn>
-                  <a:cxn ang="0">
-                    <a:pos x="T14" y="T15"/>
-                  </a:cxn>
-                  <a:cxn ang="0">
-                    <a:pos x="T16" y="T17"/>
-                  </a:cxn>
-                  <a:cxn ang="0">
-                    <a:pos x="T18" y="T19"/>
-                  </a:cxn>
-                  <a:cxn ang="0">
-                    <a:pos x="T20" y="T21"/>
-                  </a:cxn>
-                  <a:cxn ang="0">
-                    <a:pos x="T22" y="T23"/>
-                  </a:cxn>
-                  <a:cxn ang="0">
-                    <a:pos x="T24" y="T25"/>
-                  </a:cxn>
-                  <a:cxn ang="0">
-                    <a:pos x="T26" y="T27"/>
-                  </a:cxn>
-                  <a:cxn ang="0">
-                    <a:pos x="T28" y="T29"/>
-                  </a:cxn>
-                  <a:cxn ang="0">
-                    <a:pos x="T30" y="T31"/>
-                  </a:cxn>
-                  <a:cxn ang="0">
-                    <a:pos x="T32" y="T33"/>
-                  </a:cxn>
-                  <a:cxn ang="0">
-                    <a:pos x="T34" y="T35"/>
-                  </a:cxn>
-                  <a:cxn ang="0">
-                    <a:pos x="T36" y="T37"/>
-                  </a:cxn>
-                  <a:cxn ang="0">
-                    <a:pos x="T38" y="T39"/>
-                  </a:cxn>
-                  <a:cxn ang="0">
-                    <a:pos x="T40" y="T41"/>
-                  </a:cxn>
-                </a:cxnLst>
-                <a:rect l="0" t="0" r="r" b="b"/>
-                <a:pathLst>
-                  <a:path w="357" h="223">
-                    <a:moveTo>
-                      <a:pt x="44" y="0"/>
-                    </a:moveTo>
-                    <a:lnTo>
-                      <a:pt x="57" y="4"/>
-                    </a:lnTo>
-                    <a:lnTo>
-                      <a:pt x="338" y="155"/>
-                    </a:lnTo>
-                    <a:lnTo>
-                      <a:pt x="350" y="164"/>
-                    </a:lnTo>
-                    <a:lnTo>
-                      <a:pt x="356" y="174"/>
-                    </a:lnTo>
-                    <a:lnTo>
-                      <a:pt x="357" y="186"/>
-                    </a:lnTo>
-                    <a:lnTo>
-                      <a:pt x="353" y="199"/>
-                    </a:lnTo>
-                    <a:lnTo>
-                      <a:pt x="347" y="208"/>
-                    </a:lnTo>
-                    <a:lnTo>
-                      <a:pt x="338" y="217"/>
-                    </a:lnTo>
-                    <a:lnTo>
-                      <a:pt x="327" y="222"/>
-                    </a:lnTo>
-                    <a:lnTo>
-                      <a:pt x="313" y="223"/>
-                    </a:lnTo>
-                    <a:lnTo>
-                      <a:pt x="300" y="218"/>
-                    </a:lnTo>
-                    <a:lnTo>
-                      <a:pt x="19" y="69"/>
-                    </a:lnTo>
-                    <a:lnTo>
-                      <a:pt x="8" y="60"/>
-                    </a:lnTo>
-                    <a:lnTo>
-                      <a:pt x="1" y="49"/>
-                    </a:lnTo>
-                    <a:lnTo>
-                      <a:pt x="0" y="37"/>
-                    </a:lnTo>
-                    <a:lnTo>
-                      <a:pt x="4" y="25"/>
-                    </a:lnTo>
-                    <a:lnTo>
-                      <a:pt x="10" y="15"/>
-                    </a:lnTo>
-                    <a:lnTo>
-                      <a:pt x="19" y="6"/>
-                    </a:lnTo>
-                    <a:lnTo>
-                      <a:pt x="30" y="1"/>
-                    </a:lnTo>
-                    <a:lnTo>
-                      <a:pt x="44" y="0"/>
-                    </a:lnTo>
-                    <a:close/>
-                  </a:path>
-                </a:pathLst>
-              </a:custGeom>
-              <a:solidFill>
-                <a:schemeClr val="tx2"/>
-              </a:solidFill>
-              <a:ln w="0">
-                <a:noFill/>
-                <a:prstDash val="solid"/>
-                <a:round/>
-                <a:headEnd/>
-                <a:tailEnd/>
-              </a:ln>
-            </p:spPr>
-            <p:txBody>
-              <a:bodyPr vert="horz" wrap="square" lIns="91440" tIns="45720" rIns="91440" bIns="45720" numCol="1" anchor="t" anchorCtr="0" compatLnSpc="1">
-                <a:prstTxWarp prst="textNoShape">
-                  <a:avLst/>
-                </a:prstTxWarp>
-              </a:bodyPr>
-              <a:lstStyle/>
-              <a:p>
-                <a:endParaRPr lang="es-SV"/>
-              </a:p>
-            </p:txBody>
-          </p:sp>
-          <p:sp>
-            <p:nvSpPr>
-              <p:cNvPr id="16" name="Freeform 19"/>
-              <p:cNvSpPr>
-                <a:spLocks/>
-              </p:cNvSpPr>
-              <p:nvPr/>
-            </p:nvSpPr>
-            <p:spPr bwMode="auto">
-              <a:xfrm>
-                <a:off x="9883776" y="7570788"/>
-                <a:ext cx="638175" cy="514350"/>
-              </a:xfrm>
-              <a:custGeom>
-                <a:avLst/>
-                <a:gdLst>
-                  <a:gd name="T0" fmla="*/ 362 w 402"/>
-                  <a:gd name="T1" fmla="*/ 0 h 324"/>
-                  <a:gd name="T2" fmla="*/ 374 w 402"/>
-                  <a:gd name="T3" fmla="*/ 2 h 324"/>
-                  <a:gd name="T4" fmla="*/ 385 w 402"/>
-                  <a:gd name="T5" fmla="*/ 9 h 324"/>
-                  <a:gd name="T6" fmla="*/ 394 w 402"/>
-                  <a:gd name="T7" fmla="*/ 17 h 324"/>
-                  <a:gd name="T8" fmla="*/ 400 w 402"/>
-                  <a:gd name="T9" fmla="*/ 27 h 324"/>
-                  <a:gd name="T10" fmla="*/ 402 w 402"/>
-                  <a:gd name="T11" fmla="*/ 38 h 324"/>
-                  <a:gd name="T12" fmla="*/ 398 w 402"/>
-                  <a:gd name="T13" fmla="*/ 50 h 324"/>
-                  <a:gd name="T14" fmla="*/ 388 w 402"/>
-                  <a:gd name="T15" fmla="*/ 61 h 324"/>
-                  <a:gd name="T16" fmla="*/ 66 w 402"/>
-                  <a:gd name="T17" fmla="*/ 316 h 324"/>
-                  <a:gd name="T18" fmla="*/ 53 w 402"/>
-                  <a:gd name="T19" fmla="*/ 323 h 324"/>
-                  <a:gd name="T20" fmla="*/ 40 w 402"/>
-                  <a:gd name="T21" fmla="*/ 324 h 324"/>
-                  <a:gd name="T22" fmla="*/ 27 w 402"/>
-                  <a:gd name="T23" fmla="*/ 322 h 324"/>
-                  <a:gd name="T24" fmla="*/ 16 w 402"/>
-                  <a:gd name="T25" fmla="*/ 316 h 324"/>
-                  <a:gd name="T26" fmla="*/ 7 w 402"/>
-                  <a:gd name="T27" fmla="*/ 307 h 324"/>
-                  <a:gd name="T28" fmla="*/ 1 w 402"/>
-                  <a:gd name="T29" fmla="*/ 297 h 324"/>
-                  <a:gd name="T30" fmla="*/ 0 w 402"/>
-                  <a:gd name="T31" fmla="*/ 286 h 324"/>
-                  <a:gd name="T32" fmla="*/ 3 w 402"/>
-                  <a:gd name="T33" fmla="*/ 273 h 324"/>
-                  <a:gd name="T34" fmla="*/ 13 w 402"/>
-                  <a:gd name="T35" fmla="*/ 263 h 324"/>
-                  <a:gd name="T36" fmla="*/ 335 w 402"/>
-                  <a:gd name="T37" fmla="*/ 9 h 324"/>
-                  <a:gd name="T38" fmla="*/ 348 w 402"/>
-                  <a:gd name="T39" fmla="*/ 1 h 324"/>
-                  <a:gd name="T40" fmla="*/ 362 w 402"/>
-                  <a:gd name="T41" fmla="*/ 0 h 324"/>
-                </a:gdLst>
-                <a:ahLst/>
-                <a:cxnLst>
-                  <a:cxn ang="0">
-                    <a:pos x="T0" y="T1"/>
-                  </a:cxn>
-                  <a:cxn ang="0">
-                    <a:pos x="T2" y="T3"/>
-                  </a:cxn>
-                  <a:cxn ang="0">
-                    <a:pos x="T4" y="T5"/>
-                  </a:cxn>
-                  <a:cxn ang="0">
-                    <a:pos x="T6" y="T7"/>
-                  </a:cxn>
-                  <a:cxn ang="0">
-                    <a:pos x="T8" y="T9"/>
-                  </a:cxn>
-                  <a:cxn ang="0">
-                    <a:pos x="T10" y="T11"/>
-                  </a:cxn>
-                  <a:cxn ang="0">
-                    <a:pos x="T12" y="T13"/>
-                  </a:cxn>
-                  <a:cxn ang="0">
-                    <a:pos x="T14" y="T15"/>
-                  </a:cxn>
-                  <a:cxn ang="0">
-                    <a:pos x="T16" y="T17"/>
-                  </a:cxn>
-                  <a:cxn ang="0">
-                    <a:pos x="T18" y="T19"/>
-                  </a:cxn>
-                  <a:cxn ang="0">
-                    <a:pos x="T20" y="T21"/>
-                  </a:cxn>
-                  <a:cxn ang="0">
-                    <a:pos x="T22" y="T23"/>
-                  </a:cxn>
-                  <a:cxn ang="0">
-                    <a:pos x="T24" y="T25"/>
-                  </a:cxn>
-                  <a:cxn ang="0">
-                    <a:pos x="T26" y="T27"/>
-                  </a:cxn>
-                  <a:cxn ang="0">
-                    <a:pos x="T28" y="T29"/>
-                  </a:cxn>
-                  <a:cxn ang="0">
-                    <a:pos x="T30" y="T31"/>
-                  </a:cxn>
-                  <a:cxn ang="0">
-                    <a:pos x="T32" y="T33"/>
-                  </a:cxn>
-                  <a:cxn ang="0">
-                    <a:pos x="T34" y="T35"/>
-                  </a:cxn>
-                  <a:cxn ang="0">
-                    <a:pos x="T36" y="T37"/>
-                  </a:cxn>
-                  <a:cxn ang="0">
-                    <a:pos x="T38" y="T39"/>
-                  </a:cxn>
-                  <a:cxn ang="0">
-                    <a:pos x="T40" y="T41"/>
-                  </a:cxn>
-                </a:cxnLst>
-                <a:rect l="0" t="0" r="r" b="b"/>
-                <a:pathLst>
-                  <a:path w="402" h="324">
-                    <a:moveTo>
-                      <a:pt x="362" y="0"/>
-                    </a:moveTo>
-                    <a:lnTo>
-                      <a:pt x="374" y="2"/>
-                    </a:lnTo>
-                    <a:lnTo>
-                      <a:pt x="385" y="9"/>
-                    </a:lnTo>
-                    <a:lnTo>
-                      <a:pt x="394" y="17"/>
-                    </a:lnTo>
-                    <a:lnTo>
-                      <a:pt x="400" y="27"/>
-                    </a:lnTo>
-                    <a:lnTo>
-                      <a:pt x="402" y="38"/>
-                    </a:lnTo>
-                    <a:lnTo>
-                      <a:pt x="398" y="50"/>
-                    </a:lnTo>
-                    <a:lnTo>
-                      <a:pt x="388" y="61"/>
-                    </a:lnTo>
-                    <a:lnTo>
-                      <a:pt x="66" y="316"/>
-                    </a:lnTo>
-                    <a:lnTo>
-                      <a:pt x="53" y="323"/>
-                    </a:lnTo>
-                    <a:lnTo>
-                      <a:pt x="40" y="324"/>
-                    </a:lnTo>
-                    <a:lnTo>
-                      <a:pt x="27" y="322"/>
-                    </a:lnTo>
-                    <a:lnTo>
-                      <a:pt x="16" y="316"/>
-                    </a:lnTo>
-                    <a:lnTo>
-                      <a:pt x="7" y="307"/>
-                    </a:lnTo>
-                    <a:lnTo>
-                      <a:pt x="1" y="297"/>
-                    </a:lnTo>
-                    <a:lnTo>
-                      <a:pt x="0" y="286"/>
-                    </a:lnTo>
-                    <a:lnTo>
-                      <a:pt x="3" y="273"/>
-                    </a:lnTo>
-                    <a:lnTo>
-                      <a:pt x="13" y="263"/>
-                    </a:lnTo>
-                    <a:lnTo>
-                      <a:pt x="335" y="9"/>
-                    </a:lnTo>
-                    <a:lnTo>
-                      <a:pt x="348" y="1"/>
-                    </a:lnTo>
-                    <a:lnTo>
-                      <a:pt x="362" y="0"/>
-                    </a:lnTo>
-                    <a:close/>
-                  </a:path>
-                </a:pathLst>
-              </a:custGeom>
-              <a:solidFill>
-                <a:schemeClr val="tx2"/>
-              </a:solidFill>
-              <a:ln w="0">
-                <a:noFill/>
-                <a:prstDash val="solid"/>
-                <a:round/>
-                <a:headEnd/>
-                <a:tailEnd/>
-              </a:ln>
-            </p:spPr>
-            <p:txBody>
-              <a:bodyPr vert="horz" wrap="square" lIns="91440" tIns="45720" rIns="91440" bIns="45720" numCol="1" anchor="t" anchorCtr="0" compatLnSpc="1">
-                <a:prstTxWarp prst="textNoShape">
-                  <a:avLst/>
-                </a:prstTxWarp>
-              </a:bodyPr>
-              <a:lstStyle/>
-              <a:p>
-                <a:endParaRPr lang="es-SV"/>
-              </a:p>
-            </p:txBody>
-          </p:sp>
-          <p:sp>
-            <p:nvSpPr>
-              <p:cNvPr id="17" name="Freeform 20"/>
-              <p:cNvSpPr>
-                <a:spLocks/>
-              </p:cNvSpPr>
-              <p:nvPr/>
-            </p:nvSpPr>
-            <p:spPr bwMode="auto">
-              <a:xfrm>
-                <a:off x="9447213" y="6781801"/>
-                <a:ext cx="1035050" cy="238125"/>
-              </a:xfrm>
-              <a:custGeom>
-                <a:avLst/>
-                <a:gdLst>
-                  <a:gd name="T0" fmla="*/ 35 w 652"/>
-                  <a:gd name="T1" fmla="*/ 0 h 150"/>
-                  <a:gd name="T2" fmla="*/ 617 w 652"/>
-                  <a:gd name="T3" fmla="*/ 75 h 150"/>
-                  <a:gd name="T4" fmla="*/ 630 w 652"/>
-                  <a:gd name="T5" fmla="*/ 79 h 150"/>
-                  <a:gd name="T6" fmla="*/ 640 w 652"/>
-                  <a:gd name="T7" fmla="*/ 87 h 150"/>
-                  <a:gd name="T8" fmla="*/ 648 w 652"/>
-                  <a:gd name="T9" fmla="*/ 99 h 150"/>
-                  <a:gd name="T10" fmla="*/ 652 w 652"/>
-                  <a:gd name="T11" fmla="*/ 111 h 150"/>
-                  <a:gd name="T12" fmla="*/ 652 w 652"/>
-                  <a:gd name="T13" fmla="*/ 122 h 150"/>
-                  <a:gd name="T14" fmla="*/ 648 w 652"/>
-                  <a:gd name="T15" fmla="*/ 135 h 150"/>
-                  <a:gd name="T16" fmla="*/ 640 w 652"/>
-                  <a:gd name="T17" fmla="*/ 143 h 150"/>
-                  <a:gd name="T18" fmla="*/ 630 w 652"/>
-                  <a:gd name="T19" fmla="*/ 148 h 150"/>
-                  <a:gd name="T20" fmla="*/ 617 w 652"/>
-                  <a:gd name="T21" fmla="*/ 150 h 150"/>
-                  <a:gd name="T22" fmla="*/ 35 w 652"/>
-                  <a:gd name="T23" fmla="*/ 75 h 150"/>
-                  <a:gd name="T24" fmla="*/ 21 w 652"/>
-                  <a:gd name="T25" fmla="*/ 70 h 150"/>
-                  <a:gd name="T26" fmla="*/ 11 w 652"/>
-                  <a:gd name="T27" fmla="*/ 62 h 150"/>
-                  <a:gd name="T28" fmla="*/ 4 w 652"/>
-                  <a:gd name="T29" fmla="*/ 51 h 150"/>
-                  <a:gd name="T30" fmla="*/ 0 w 652"/>
-                  <a:gd name="T31" fmla="*/ 39 h 150"/>
-                  <a:gd name="T32" fmla="*/ 0 w 652"/>
-                  <a:gd name="T33" fmla="*/ 26 h 150"/>
-                  <a:gd name="T34" fmla="*/ 4 w 652"/>
-                  <a:gd name="T35" fmla="*/ 15 h 150"/>
-                  <a:gd name="T36" fmla="*/ 11 w 652"/>
-                  <a:gd name="T37" fmla="*/ 6 h 150"/>
-                  <a:gd name="T38" fmla="*/ 21 w 652"/>
-                  <a:gd name="T39" fmla="*/ 1 h 150"/>
-                  <a:gd name="T40" fmla="*/ 35 w 652"/>
-                  <a:gd name="T41" fmla="*/ 0 h 150"/>
-                </a:gdLst>
-                <a:ahLst/>
-                <a:cxnLst>
-                  <a:cxn ang="0">
-                    <a:pos x="T0" y="T1"/>
-                  </a:cxn>
-                  <a:cxn ang="0">
-                    <a:pos x="T2" y="T3"/>
-                  </a:cxn>
-                  <a:cxn ang="0">
-                    <a:pos x="T4" y="T5"/>
-                  </a:cxn>
-                  <a:cxn ang="0">
-                    <a:pos x="T6" y="T7"/>
-                  </a:cxn>
-                  <a:cxn ang="0">
-                    <a:pos x="T8" y="T9"/>
-                  </a:cxn>
-                  <a:cxn ang="0">
-                    <a:pos x="T10" y="T11"/>
-                  </a:cxn>
-                  <a:cxn ang="0">
-                    <a:pos x="T12" y="T13"/>
-                  </a:cxn>
-                  <a:cxn ang="0">
-                    <a:pos x="T14" y="T15"/>
-                  </a:cxn>
-                  <a:cxn ang="0">
-                    <a:pos x="T16" y="T17"/>
-                  </a:cxn>
-                  <a:cxn ang="0">
-                    <a:pos x="T18" y="T19"/>
-                  </a:cxn>
-                  <a:cxn ang="0">
-                    <a:pos x="T20" y="T21"/>
-                  </a:cxn>
-                  <a:cxn ang="0">
-                    <a:pos x="T22" y="T23"/>
-                  </a:cxn>
-                  <a:cxn ang="0">
-                    <a:pos x="T24" y="T25"/>
-                  </a:cxn>
-                  <a:cxn ang="0">
-                    <a:pos x="T26" y="T27"/>
-                  </a:cxn>
-                  <a:cxn ang="0">
-                    <a:pos x="T28" y="T29"/>
-                  </a:cxn>
-                  <a:cxn ang="0">
-                    <a:pos x="T30" y="T31"/>
-                  </a:cxn>
-                  <a:cxn ang="0">
-                    <a:pos x="T32" y="T33"/>
-                  </a:cxn>
-                  <a:cxn ang="0">
-                    <a:pos x="T34" y="T35"/>
-                  </a:cxn>
-                  <a:cxn ang="0">
-                    <a:pos x="T36" y="T37"/>
-                  </a:cxn>
-                  <a:cxn ang="0">
-                    <a:pos x="T38" y="T39"/>
-                  </a:cxn>
-                  <a:cxn ang="0">
-                    <a:pos x="T40" y="T41"/>
-                  </a:cxn>
-                </a:cxnLst>
-                <a:rect l="0" t="0" r="r" b="b"/>
-                <a:pathLst>
-                  <a:path w="652" h="150">
-                    <a:moveTo>
-                      <a:pt x="35" y="0"/>
-                    </a:moveTo>
-                    <a:lnTo>
-                      <a:pt x="617" y="75"/>
-                    </a:lnTo>
-                    <a:lnTo>
-                      <a:pt x="630" y="79"/>
-                    </a:lnTo>
-                    <a:lnTo>
-                      <a:pt x="640" y="87"/>
-                    </a:lnTo>
-                    <a:lnTo>
-                      <a:pt x="648" y="99"/>
-                    </a:lnTo>
-                    <a:lnTo>
-                      <a:pt x="652" y="111"/>
-                    </a:lnTo>
-                    <a:lnTo>
-                      <a:pt x="652" y="122"/>
-                    </a:lnTo>
-                    <a:lnTo>
-                      <a:pt x="648" y="135"/>
-                    </a:lnTo>
-                    <a:lnTo>
-                      <a:pt x="640" y="143"/>
-                    </a:lnTo>
-                    <a:lnTo>
-                      <a:pt x="630" y="148"/>
-                    </a:lnTo>
-                    <a:lnTo>
-                      <a:pt x="617" y="150"/>
-                    </a:lnTo>
-                    <a:lnTo>
-                      <a:pt x="35" y="75"/>
-                    </a:lnTo>
-                    <a:lnTo>
-                      <a:pt x="21" y="70"/>
-                    </a:lnTo>
-                    <a:lnTo>
-                      <a:pt x="11" y="62"/>
-                    </a:lnTo>
-                    <a:lnTo>
-                      <a:pt x="4" y="51"/>
-                    </a:lnTo>
-                    <a:lnTo>
-                      <a:pt x="0" y="39"/>
-                    </a:lnTo>
-                    <a:lnTo>
-                      <a:pt x="0" y="26"/>
-                    </a:lnTo>
-                    <a:lnTo>
-                      <a:pt x="4" y="15"/>
-                    </a:lnTo>
-                    <a:lnTo>
-                      <a:pt x="11" y="6"/>
-                    </a:lnTo>
-                    <a:lnTo>
-                      <a:pt x="21" y="1"/>
-                    </a:lnTo>
-                    <a:lnTo>
-                      <a:pt x="35" y="0"/>
-                    </a:lnTo>
-                    <a:close/>
-                  </a:path>
-                </a:pathLst>
-              </a:custGeom>
-              <a:solidFill>
-                <a:schemeClr val="tx2"/>
-              </a:solidFill>
-              <a:ln w="0">
-                <a:noFill/>
-                <a:prstDash val="solid"/>
-                <a:round/>
-                <a:headEnd/>
-                <a:tailEnd/>
-              </a:ln>
-            </p:spPr>
-            <p:txBody>
-              <a:bodyPr vert="horz" wrap="square" lIns="91440" tIns="45720" rIns="91440" bIns="45720" numCol="1" anchor="t" anchorCtr="0" compatLnSpc="1">
-                <a:prstTxWarp prst="textNoShape">
-                  <a:avLst/>
-                </a:prstTxWarp>
-              </a:bodyPr>
-              <a:lstStyle/>
-              <a:p>
-                <a:endParaRPr lang="es-SV"/>
-              </a:p>
-            </p:txBody>
-          </p:sp>
-        </p:grpSp>
-      </p:grpSp>
       <p:sp>
         <p:nvSpPr>
           <p:cNvPr id="2" name="Marcador de texto 4"/>
@@ -32594,7 +25571,7 @@
         <p:spPr>
           <a:xfrm>
             <a:off x="2201683" y="3573429"/>
-            <a:ext cx="18677075" cy="646331"/>
+            <a:ext cx="18677075" cy="9571851"/>
           </a:xfrm>
           <a:prstGeom prst="rect">
             <a:avLst/>
@@ -32612,9 +25589,208 @@
               <a:buChar char="•"/>
             </a:pPr>
             <a:r>
-              <a:rPr lang="en-IN" sz="3600" dirty="0" smtClean="0"/>
-              <a:t>Text Here</a:t>
+              <a:rPr lang="en-IN" sz="2800" dirty="0"/>
+              <a:t>Constructor is a block of code that initializes the newly created object. A constructor resembles an instance method in java but it’s not a method as it doesn’t have a return type. In short constructor and method are different(More on this at the end of this guide). People often refer constructor as special type of method in Java</a:t>
             </a:r>
+            <a:r>
+              <a:rPr lang="en-IN" sz="2800" dirty="0" smtClean="0"/>
+              <a:t>.</a:t>
+            </a:r>
+            <a:r>
+              <a:rPr lang="en-IN" sz="2800" dirty="0"/>
+              <a:t> Constructor has same name as the </a:t>
+            </a:r>
+            <a:r>
+              <a:rPr lang="en-IN" sz="2800" dirty="0" smtClean="0"/>
+              <a:t>class.</a:t>
+            </a:r>
+          </a:p>
+          <a:p>
+            <a:pPr marL="571500" indent="-571500" algn="just">
+              <a:buFont typeface="Arial" panose="020B0604020202020204" pitchFamily="34" charset="0"/>
+              <a:buChar char="•"/>
+            </a:pPr>
+            <a:r>
+              <a:rPr lang="en-IN" sz="2800" dirty="0"/>
+              <a:t>If you do not implement any constructor in your class, Java compiler inserts a default constructor into your code on your behalf. This constructor is known as default constructor. You would not find it in your source code(the java file) as it would be inserted into the code during compilation and exists in .class file</a:t>
+            </a:r>
+            <a:r>
+              <a:rPr lang="en-IN" sz="2800" dirty="0" smtClean="0"/>
+              <a:t>. </a:t>
+            </a:r>
+            <a:r>
+              <a:rPr lang="en-IN" sz="2800" b="1" dirty="0"/>
+              <a:t>NOTE:</a:t>
+            </a:r>
+            <a:r>
+              <a:rPr lang="en-IN" sz="2800" dirty="0"/>
+              <a:t> </a:t>
+            </a:r>
+            <a:r>
+              <a:rPr lang="en-IN" sz="2800" i="1" dirty="0"/>
+              <a:t>If you implement any constructor then you no longer receive a default constructor from Java compiler</a:t>
+            </a:r>
+            <a:r>
+              <a:rPr lang="en-IN" sz="2800" i="1" dirty="0" smtClean="0"/>
+              <a:t>.</a:t>
+            </a:r>
+          </a:p>
+          <a:p>
+            <a:pPr marL="571500" indent="-571500" algn="just">
+              <a:buFont typeface="Arial" panose="020B0604020202020204" pitchFamily="34" charset="0"/>
+              <a:buChar char="•"/>
+            </a:pPr>
+            <a:r>
+              <a:rPr lang="en-IN" sz="2800" dirty="0"/>
+              <a:t>Constructor with no arguments is known as </a:t>
+            </a:r>
+            <a:r>
+              <a:rPr lang="en-IN" sz="2800" b="1" i="1" dirty="0"/>
+              <a:t>no-</a:t>
+            </a:r>
+            <a:r>
+              <a:rPr lang="en-IN" sz="2800" b="1" i="1" dirty="0" err="1"/>
+              <a:t>arg</a:t>
+            </a:r>
+            <a:r>
+              <a:rPr lang="en-IN" sz="2800" dirty="0"/>
+              <a:t> constructor. The signature is same as default constructor, however body can have any code unlike default constructor where the body of the constructor is empty</a:t>
+            </a:r>
+            <a:r>
+              <a:rPr lang="en-IN" sz="2800" dirty="0" smtClean="0"/>
+              <a:t>.</a:t>
+            </a:r>
+          </a:p>
+          <a:p>
+            <a:pPr marL="571500" indent="-571500" algn="just">
+              <a:buFont typeface="Arial" panose="020B0604020202020204" pitchFamily="34" charset="0"/>
+              <a:buChar char="•"/>
+            </a:pPr>
+            <a:r>
+              <a:rPr lang="en-IN" sz="2800" dirty="0"/>
+              <a:t>Constructor with arguments(or you can say parameters) is known as Parameterized constructor</a:t>
+            </a:r>
+            <a:r>
+              <a:rPr lang="en-IN" sz="2800" dirty="0" smtClean="0"/>
+              <a:t>.</a:t>
+            </a:r>
+          </a:p>
+          <a:p>
+            <a:pPr marL="571500" indent="-571500" algn="just">
+              <a:buFont typeface="Arial" panose="020B0604020202020204" pitchFamily="34" charset="0"/>
+              <a:buChar char="•"/>
+            </a:pPr>
+            <a:r>
+              <a:rPr lang="en-IN" sz="2800" dirty="0"/>
+              <a:t>When A constructor calls another constructor of same class then this is called constructor chaining</a:t>
+            </a:r>
+            <a:r>
+              <a:rPr lang="en-IN" sz="2800" dirty="0" smtClean="0"/>
+              <a:t>.</a:t>
+            </a:r>
+          </a:p>
+          <a:p>
+            <a:pPr marL="571500" indent="-571500" algn="just">
+              <a:buFont typeface="Arial" panose="020B0604020202020204" pitchFamily="34" charset="0"/>
+              <a:buChar char="•"/>
+            </a:pPr>
+            <a:r>
+              <a:rPr lang="en-IN" sz="2800" dirty="0"/>
+              <a:t>Whenever a child class constructor gets invoked it implicitly invokes the constructor of parent class. You can also say that the compiler inserts a super(); statement at the beginning of child class constructor</a:t>
+            </a:r>
+            <a:r>
+              <a:rPr lang="en-IN" sz="2800" dirty="0" smtClean="0"/>
+              <a:t>.</a:t>
+            </a:r>
+          </a:p>
+          <a:p>
+            <a:pPr marL="571500" indent="-571500" algn="just">
+              <a:buFont typeface="Arial" panose="020B0604020202020204" pitchFamily="34" charset="0"/>
+              <a:buChar char="•"/>
+            </a:pPr>
+            <a:r>
+              <a:rPr lang="en-IN" sz="2800" dirty="0"/>
+              <a:t>A copy constructor is used for copying the values of one object to another object</a:t>
+            </a:r>
+            <a:r>
+              <a:rPr lang="en-IN" sz="2800" dirty="0" smtClean="0"/>
+              <a:t>.</a:t>
+            </a:r>
+          </a:p>
+          <a:p>
+            <a:pPr marL="571500" indent="-571500" algn="just">
+              <a:buFont typeface="Arial" panose="020B0604020202020204" pitchFamily="34" charset="0"/>
+              <a:buChar char="•"/>
+            </a:pPr>
+            <a:r>
+              <a:rPr lang="en-IN" sz="2800" dirty="0"/>
+              <a:t>Difference between Constructor and </a:t>
+            </a:r>
+            <a:r>
+              <a:rPr lang="en-IN" sz="2800" dirty="0" smtClean="0"/>
+              <a:t>Method:</a:t>
+            </a:r>
+          </a:p>
+          <a:p>
+            <a:pPr marL="1779783" lvl="1" indent="-571500" algn="just">
+              <a:buFont typeface="Arial" panose="020B0604020202020204" pitchFamily="34" charset="0"/>
+              <a:buChar char="•"/>
+            </a:pPr>
+            <a:r>
+              <a:rPr lang="en-IN" sz="2800" dirty="0"/>
+              <a:t>The purpose of constructor is to initialize the object of a class while the purpose of a method is to perform a task by executing java code</a:t>
+            </a:r>
+            <a:r>
+              <a:rPr lang="en-IN" sz="2800" dirty="0" smtClean="0"/>
+              <a:t>.</a:t>
+            </a:r>
+          </a:p>
+          <a:p>
+            <a:pPr marL="1779783" lvl="1" indent="-571500" algn="just">
+              <a:buFont typeface="Arial" panose="020B0604020202020204" pitchFamily="34" charset="0"/>
+              <a:buChar char="•"/>
+            </a:pPr>
+            <a:r>
+              <a:rPr lang="en-IN" sz="2800" dirty="0" smtClean="0"/>
+              <a:t>Constructors </a:t>
+            </a:r>
+            <a:r>
+              <a:rPr lang="en-IN" sz="2800" dirty="0"/>
+              <a:t>cannot be abstract, final, static and synchronised while methods can be</a:t>
+            </a:r>
+            <a:r>
+              <a:rPr lang="en-IN" sz="2800" dirty="0" smtClean="0"/>
+              <a:t>.</a:t>
+            </a:r>
+          </a:p>
+          <a:p>
+            <a:pPr marL="1779783" lvl="1" indent="-571500" algn="just">
+              <a:buFont typeface="Arial" panose="020B0604020202020204" pitchFamily="34" charset="0"/>
+              <a:buChar char="•"/>
+            </a:pPr>
+            <a:r>
+              <a:rPr lang="en-IN" sz="2800" dirty="0" smtClean="0"/>
+              <a:t>Constructors </a:t>
+            </a:r>
+            <a:r>
+              <a:rPr lang="en-IN" sz="2800" dirty="0"/>
+              <a:t>do not have return types while methods </a:t>
+            </a:r>
+            <a:r>
+              <a:rPr lang="en-IN" sz="2800" dirty="0" smtClean="0"/>
+              <a:t>do (because they return the object of the class).</a:t>
+            </a:r>
+          </a:p>
+          <a:p>
+            <a:pPr marL="571500" indent="-571500" algn="just">
+              <a:buFont typeface="Arial" panose="020B0604020202020204" pitchFamily="34" charset="0"/>
+              <a:buChar char="•"/>
+            </a:pPr>
+            <a:r>
+              <a:rPr lang="en-IN" sz="2800" dirty="0"/>
+              <a:t>The use of private constructor is to serve singleton classes. A singleton class is one which limits the number of objects creation to one. Using private constructor we can ensure that no more than one object can be created at a time. By providing a private constructor you prevent class instances from being created in any place other than this very class.</a:t>
+            </a:r>
+            <a:endParaRPr lang="en-IN" sz="2800" dirty="0" smtClean="0"/>
           </a:p>
         </p:txBody>
       </p:sp>
@@ -32844,50 +26020,6 @@
                             </p:childTnLst>
                           </p:cTn>
                         </p:par>
-                        <p:par>
-                          <p:cTn id="14" fill="hold">
-                            <p:stCondLst>
-                              <p:cond delay="1500"/>
-                            </p:stCondLst>
-                            <p:childTnLst>
-                              <p:par>
-                                <p:cTn id="15" presetID="22" presetClass="entr" presetSubtype="4" fill="hold" nodeType="afterEffect">
-                                  <p:stCondLst>
-                                    <p:cond delay="0"/>
-                                  </p:stCondLst>
-                                  <p:childTnLst>
-                                    <p:set>
-                                      <p:cBhvr>
-                                        <p:cTn id="16" dur="1" fill="hold">
-                                          <p:stCondLst>
-                                            <p:cond delay="0"/>
-                                          </p:stCondLst>
-                                        </p:cTn>
-                                        <p:tgtEl>
-                                          <p:spTgt spid="5"/>
-                                        </p:tgtEl>
-                                        <p:attrNameLst>
-                                          <p:attrName>style.visibility</p:attrName>
-                                        </p:attrNameLst>
-                                      </p:cBhvr>
-                                      <p:to>
-                                        <p:strVal val="visible"/>
-                                      </p:to>
-                                    </p:set>
-                                    <p:animEffect transition="in" filter="wipe(down)">
-                                      <p:cBhvr>
-                                        <p:cTn id="17" dur="1000"/>
-                                        <p:tgtEl>
-                                          <p:spTgt spid="5"/>
-                                        </p:tgtEl>
-                                      </p:cBhvr>
-                                    </p:animEffect>
-                                  </p:childTnLst>
-                                </p:cTn>
-                              </p:par>
-                            </p:childTnLst>
-                          </p:cTn>
-                        </p:par>
                       </p:childTnLst>
                     </p:cTn>
                   </p:par>
@@ -32947,7 +26079,7 @@
         <p:spPr>
           <a:xfrm>
             <a:off x="1886648" y="1053149"/>
-            <a:ext cx="20522281" cy="1802637"/>
+            <a:ext cx="17101901" cy="1802637"/>
           </a:xfrm>
           <a:prstGeom prst="rect">
             <a:avLst/>
@@ -33121,7 +26253,7 @@
           </a:lstStyle>
           <a:p>
             <a:r>
-              <a:rPr lang="en-US" sz="6000" i="1" dirty="0">
+              <a:rPr lang="en-US" sz="6600" dirty="0">
                 <a:solidFill>
                   <a:schemeClr val="accent3">
                     <a:lumMod val="75000"/>
@@ -33130,10 +26262,10 @@
                 <a:ea typeface="Open Sans Semibold" panose="020B0706030804020204" pitchFamily="34" charset="0"/>
                 <a:cs typeface="Open Sans Semibold" panose="020B0706030804020204" pitchFamily="34" charset="0"/>
               </a:rPr>
-              <a:t>t</a:t>
+              <a:t>f</a:t>
             </a:r>
             <a:r>
-              <a:rPr lang="en-US" sz="6000" i="1" dirty="0" smtClean="0">
+              <a:rPr lang="en-US" sz="6600" dirty="0" smtClean="0">
                 <a:solidFill>
                   <a:schemeClr val="accent3">
                     <a:lumMod val="75000"/>
@@ -33142,45 +26274,9 @@
                 <a:ea typeface="Open Sans Semibold" panose="020B0706030804020204" pitchFamily="34" charset="0"/>
                 <a:cs typeface="Open Sans Semibold" panose="020B0706030804020204" pitchFamily="34" charset="0"/>
               </a:rPr>
-              <a:t>his</a:t>
+              <a:t>inal and static members</a:t>
             </a:r>
-            <a:r>
-              <a:rPr lang="en-US" sz="6000" dirty="0" smtClean="0">
-                <a:solidFill>
-                  <a:schemeClr val="accent3">
-                    <a:lumMod val="75000"/>
-                  </a:schemeClr>
-                </a:solidFill>
-                <a:ea typeface="Open Sans Semibold" panose="020B0706030804020204" pitchFamily="34" charset="0"/>
-                <a:cs typeface="Open Sans Semibold" panose="020B0706030804020204" pitchFamily="34" charset="0"/>
-              </a:rPr>
-              <a:t> and </a:t>
-            </a:r>
-            <a:r>
-              <a:rPr lang="en-US" sz="6000" i="1" dirty="0" smtClean="0">
-                <a:solidFill>
-                  <a:schemeClr val="accent3">
-                    <a:lumMod val="75000"/>
-                  </a:schemeClr>
-                </a:solidFill>
-                <a:ea typeface="Open Sans Semibold" panose="020B0706030804020204" pitchFamily="34" charset="0"/>
-                <a:cs typeface="Open Sans Semibold" panose="020B0706030804020204" pitchFamily="34" charset="0"/>
-              </a:rPr>
-              <a:t>super</a:t>
-            </a:r>
-            <a:r>
-              <a:rPr lang="en-US" sz="6000" dirty="0" smtClean="0">
-                <a:solidFill>
-                  <a:schemeClr val="accent3">
-                    <a:lumMod val="75000"/>
-                  </a:schemeClr>
-                </a:solidFill>
-                <a:ea typeface="Open Sans Semibold" panose="020B0706030804020204" pitchFamily="34" charset="0"/>
-                <a:cs typeface="Open Sans Semibold" panose="020B0706030804020204" pitchFamily="34" charset="0"/>
-              </a:rPr>
-              <a:t> keywords</a:t>
-            </a:r>
-            <a:endParaRPr lang="en-US" sz="6000" dirty="0">
+            <a:endParaRPr lang="en-US" sz="6600" dirty="0">
               <a:solidFill>
                 <a:schemeClr val="accent3">
                   <a:lumMod val="75000"/>
@@ -33201,7 +26297,7 @@
         <p:spPr>
           <a:xfrm>
             <a:off x="2201683" y="3573429"/>
-            <a:ext cx="20522281" cy="646331"/>
+            <a:ext cx="20522281" cy="9325630"/>
           </a:xfrm>
           <a:prstGeom prst="rect">
             <a:avLst/>
@@ -33219,9 +26315,144 @@
               <a:buChar char="•"/>
             </a:pPr>
             <a:r>
-              <a:rPr lang="en-IN" sz="3600" dirty="0" smtClean="0"/>
-              <a:t>Text here</a:t>
+              <a:rPr lang="en-IN" sz="3000" dirty="0"/>
+              <a:t>The Java programming language supports static methods as well as static variables. Static methods, which have the static modifier in their declarations, should be invoked with the class name, without the need for creating an instance of the </a:t>
             </a:r>
+            <a:r>
+              <a:rPr lang="en-IN" sz="3000" dirty="0" smtClean="0"/>
+              <a:t>class.</a:t>
+            </a:r>
+          </a:p>
+          <a:p>
+            <a:pPr marL="571500" indent="-571500" algn="just">
+              <a:buFont typeface="Arial" panose="020B0604020202020204" pitchFamily="34" charset="0"/>
+              <a:buChar char="•"/>
+            </a:pPr>
+            <a:r>
+              <a:rPr lang="en-IN" sz="3000" dirty="0"/>
+              <a:t>Note: You can also refer to static methods with an object reference, but this is discouraged because it does not make it clear that they are class methods</a:t>
+            </a:r>
+            <a:r>
+              <a:rPr lang="en-IN" sz="3000" dirty="0" smtClean="0"/>
+              <a:t>.</a:t>
+            </a:r>
+          </a:p>
+          <a:p>
+            <a:pPr marL="571500" indent="-571500" algn="just">
+              <a:buFont typeface="Arial" panose="020B0604020202020204" pitchFamily="34" charset="0"/>
+              <a:buChar char="•"/>
+            </a:pPr>
+            <a:r>
+              <a:rPr lang="en-IN" sz="3000" dirty="0" smtClean="0"/>
+              <a:t>Static member are also called as “class methods” because they are available directly on the class and you do not an object of the class to call them. Here are some rules regarding static members:</a:t>
+            </a:r>
+          </a:p>
+          <a:p>
+            <a:pPr marL="1779783" lvl="1" indent="-571500" algn="just">
+              <a:buFont typeface="Arial" panose="020B0604020202020204" pitchFamily="34" charset="0"/>
+              <a:buChar char="•"/>
+            </a:pPr>
+            <a:r>
+              <a:rPr lang="en-IN" sz="3000" dirty="0"/>
+              <a:t>Instance methods can access instance variables and instance methods directly</a:t>
+            </a:r>
+            <a:r>
+              <a:rPr lang="en-IN" sz="3000" dirty="0" smtClean="0"/>
+              <a:t>.</a:t>
+            </a:r>
+          </a:p>
+          <a:p>
+            <a:pPr marL="1779783" lvl="1" indent="-571500" algn="just">
+              <a:buFont typeface="Arial" panose="020B0604020202020204" pitchFamily="34" charset="0"/>
+              <a:buChar char="•"/>
+            </a:pPr>
+            <a:r>
+              <a:rPr lang="en-IN" sz="3000" dirty="0" smtClean="0"/>
+              <a:t>Instance </a:t>
+            </a:r>
+            <a:r>
+              <a:rPr lang="en-IN" sz="3000" dirty="0"/>
+              <a:t>methods can access class variables and class methods directly</a:t>
+            </a:r>
+            <a:r>
+              <a:rPr lang="en-IN" sz="3000" dirty="0" smtClean="0"/>
+              <a:t>.</a:t>
+            </a:r>
+          </a:p>
+          <a:p>
+            <a:pPr marL="1779783" lvl="1" indent="-571500" algn="just">
+              <a:buFont typeface="Arial" panose="020B0604020202020204" pitchFamily="34" charset="0"/>
+              <a:buChar char="•"/>
+            </a:pPr>
+            <a:r>
+              <a:rPr lang="en-IN" sz="3000" dirty="0" smtClean="0"/>
+              <a:t>Class </a:t>
+            </a:r>
+            <a:r>
+              <a:rPr lang="en-IN" sz="3000" dirty="0"/>
+              <a:t>methods can access class variables and class methods directly</a:t>
+            </a:r>
+            <a:r>
+              <a:rPr lang="en-IN" sz="3000" dirty="0" smtClean="0"/>
+              <a:t>.</a:t>
+            </a:r>
+          </a:p>
+          <a:p>
+            <a:pPr marL="1779783" lvl="1" indent="-571500" algn="just">
+              <a:buFont typeface="Arial" panose="020B0604020202020204" pitchFamily="34" charset="0"/>
+              <a:buChar char="•"/>
+            </a:pPr>
+            <a:r>
+              <a:rPr lang="en-IN" sz="3000" dirty="0" smtClean="0"/>
+              <a:t>Class </a:t>
+            </a:r>
+            <a:r>
+              <a:rPr lang="en-IN" sz="3000" dirty="0"/>
+              <a:t>methods cannot access instance variables or instance methods directly—they must use an object reference. Also, class methods cannot use the this keyword as there is no instance for this to refer to</a:t>
+            </a:r>
+            <a:r>
+              <a:rPr lang="en-IN" sz="3000" dirty="0" smtClean="0"/>
+              <a:t>.</a:t>
+            </a:r>
+          </a:p>
+          <a:p>
+            <a:pPr marL="571500" indent="-571500" algn="just">
+              <a:buFont typeface="Arial" panose="020B0604020202020204" pitchFamily="34" charset="0"/>
+              <a:buChar char="•"/>
+            </a:pPr>
+            <a:r>
+              <a:rPr lang="en-IN" sz="3000" dirty="0"/>
+              <a:t>The static modifier, in combination with the final modifier, is also used to define constants. The final modifier indicates that the value of this field cannot change</a:t>
+            </a:r>
+            <a:r>
+              <a:rPr lang="en-IN" sz="3000" dirty="0" smtClean="0"/>
+              <a:t>.</a:t>
+            </a:r>
+          </a:p>
+          <a:p>
+            <a:pPr marL="571500" indent="-571500" algn="just">
+              <a:buFont typeface="Arial" panose="020B0604020202020204" pitchFamily="34" charset="0"/>
+              <a:buChar char="•"/>
+            </a:pPr>
+            <a:r>
+              <a:rPr lang="en-IN" sz="3000" dirty="0"/>
+              <a:t>Constants defined in this way cannot be reassigned, and it is a compile-time error if your program tries to do so. By convention, the names of constant values are spelled in uppercase letters. If the name is composed of more than one word, the words are separated by an underscore </a:t>
+            </a:r>
+            <a:r>
+              <a:rPr lang="en-IN" sz="3000" dirty="0" smtClean="0"/>
+              <a:t>(_).</a:t>
+            </a:r>
+          </a:p>
+          <a:p>
+            <a:pPr marL="571500" indent="-571500" algn="just">
+              <a:buFont typeface="Arial" panose="020B0604020202020204" pitchFamily="34" charset="0"/>
+              <a:buChar char="•"/>
+            </a:pPr>
+            <a:r>
+              <a:rPr lang="en-IN" sz="3000" dirty="0"/>
+              <a:t>Note: If a primitive type or a string is defined as a constant and the value is known at compile time, the compiler replaces the constant name everywhere in the code with its value. This is called a compile-time constant. If the value of the constant in the outside world changes (for example, if it is legislated that pi actually should be 3.975), you will need to recompile any classes that use this constant to get the current value.</a:t>
+            </a:r>
+            <a:endParaRPr lang="en-IN" sz="3000" dirty="0" smtClean="0"/>
           </a:p>
         </p:txBody>
       </p:sp>
@@ -33233,8 +26464,8 @@
         </p:nvCxnSpPr>
         <p:spPr>
           <a:xfrm flipV="1">
-            <a:off x="1886648" y="2133029"/>
-            <a:ext cx="18587066" cy="90260"/>
+            <a:off x="1886648" y="2181110"/>
+            <a:ext cx="8685966" cy="42178"/>
           </a:xfrm>
           <a:prstGeom prst="line">
             <a:avLst/>
@@ -33263,7 +26494,7 @@
     </p:spTree>
     <p:extLst>
       <p:ext uri="{BB962C8B-B14F-4D97-AF65-F5344CB8AC3E}">
-        <p14:creationId xmlns:p14="http://schemas.microsoft.com/office/powerpoint/2010/main" val="268041488"/>
+        <p14:creationId xmlns:p14="http://schemas.microsoft.com/office/powerpoint/2010/main" val="658282490"/>
       </p:ext>
     </p:extLst>
   </p:cSld>
@@ -33684,18 +26915,6 @@
           </a:lstStyle>
           <a:p>
             <a:r>
-              <a:rPr lang="en-US" sz="6600" dirty="0">
-                <a:solidFill>
-                  <a:schemeClr val="accent3">
-                    <a:lumMod val="75000"/>
-                  </a:schemeClr>
-                </a:solidFill>
-                <a:ea typeface="Open Sans Semibold" panose="020B0706030804020204" pitchFamily="34" charset="0"/>
-                <a:cs typeface="Open Sans Semibold" panose="020B0706030804020204" pitchFamily="34" charset="0"/>
-              </a:rPr>
-              <a:t>f</a:t>
-            </a:r>
-            <a:r>
               <a:rPr lang="en-US" sz="6600" dirty="0" smtClean="0">
                 <a:solidFill>
                   <a:schemeClr val="accent3">
@@ -33705,7 +26924,7 @@
                 <a:ea typeface="Open Sans Semibold" panose="020B0706030804020204" pitchFamily="34" charset="0"/>
                 <a:cs typeface="Open Sans Semibold" panose="020B0706030804020204" pitchFamily="34" charset="0"/>
               </a:rPr>
-              <a:t>inal and static members</a:t>
+              <a:t>Abstract classes and interfaces</a:t>
             </a:r>
             <a:endParaRPr lang="en-US" sz="6600" dirty="0">
               <a:solidFill>
@@ -33719,39 +26938,6 @@
           </a:p>
         </p:txBody>
       </p:sp>
-      <p:sp>
-        <p:nvSpPr>
-          <p:cNvPr id="3" name="TextBox 2"/>
-          <p:cNvSpPr txBox="1"/>
-          <p:nvPr/>
-        </p:nvSpPr>
-        <p:spPr>
-          <a:xfrm>
-            <a:off x="2201683" y="3573429"/>
-            <a:ext cx="20522281" cy="553998"/>
-          </a:xfrm>
-          <a:prstGeom prst="rect">
-            <a:avLst/>
-          </a:prstGeom>
-          <a:noFill/>
-        </p:spPr>
-        <p:txBody>
-          <a:bodyPr wrap="square" rtlCol="0">
-            <a:spAutoFit/>
-          </a:bodyPr>
-          <a:lstStyle/>
-          <a:p>
-            <a:pPr marL="571500" indent="-571500" algn="just">
-              <a:buFont typeface="Arial" panose="020B0604020202020204" pitchFamily="34" charset="0"/>
-              <a:buChar char="•"/>
-            </a:pPr>
-            <a:r>
-              <a:rPr lang="en-IN" sz="3000" dirty="0" smtClean="0"/>
-              <a:t>Text Here</a:t>
-            </a:r>
-          </a:p>
-        </p:txBody>
-      </p:sp>
       <p:cxnSp>
         <p:nvCxnSpPr>
           <p:cNvPr id="4" name="10 Conector recto"/>
@@ -33760,8 +26946,8 @@
         </p:nvCxnSpPr>
         <p:spPr>
           <a:xfrm flipV="1">
-            <a:off x="1886648" y="2181110"/>
-            <a:ext cx="8685966" cy="42178"/>
+            <a:off x="1886648" y="2170838"/>
+            <a:ext cx="10801201" cy="52451"/>
           </a:xfrm>
           <a:prstGeom prst="line">
             <a:avLst/>
@@ -33787,10 +26973,316 @@
           </a:fontRef>
         </p:style>
       </p:cxnSp>
+      <p:graphicFrame>
+        <p:nvGraphicFramePr>
+          <p:cNvPr id="5" name="Table 4"/>
+          <p:cNvGraphicFramePr>
+            <a:graphicFrameLocks noGrp="1"/>
+          </p:cNvGraphicFramePr>
+          <p:nvPr>
+            <p:extLst>
+              <p:ext uri="{D42A27DB-BD31-4B8C-83A1-F6EECF244321}">
+                <p14:modId xmlns:p14="http://schemas.microsoft.com/office/powerpoint/2010/main" val="368099516"/>
+              </p:ext>
+            </p:extLst>
+          </p:nvPr>
+        </p:nvGraphicFramePr>
+        <p:xfrm>
+          <a:off x="1886647" y="2871975"/>
+          <a:ext cx="20612292" cy="8046720"/>
+        </p:xfrm>
+        <a:graphic>
+          <a:graphicData uri="http://schemas.openxmlformats.org/drawingml/2006/table">
+            <a:tbl>
+              <a:tblPr firstRow="1" bandRow="1">
+                <a:tableStyleId>{5C22544A-7EE6-4342-B048-85BDC9FD1C3A}</a:tableStyleId>
+              </a:tblPr>
+              <a:tblGrid>
+                <a:gridCol w="10306146"/>
+                <a:gridCol w="10306146"/>
+              </a:tblGrid>
+              <a:tr h="370840">
+                <a:tc>
+                  <a:txBody>
+                    <a:bodyPr/>
+                    <a:lstStyle/>
+                    <a:p>
+                      <a:r>
+                        <a:rPr lang="en-US" sz="5400" dirty="0" smtClean="0"/>
+                        <a:t>Abstract Class</a:t>
+                      </a:r>
+                      <a:endParaRPr lang="en-US" sz="5400" dirty="0"/>
+                    </a:p>
+                  </a:txBody>
+                  <a:tcPr/>
+                </a:tc>
+                <a:tc>
+                  <a:txBody>
+                    <a:bodyPr/>
+                    <a:lstStyle/>
+                    <a:p>
+                      <a:r>
+                        <a:rPr lang="en-US" sz="5400" dirty="0" smtClean="0"/>
+                        <a:t>Interface</a:t>
+                      </a:r>
+                      <a:endParaRPr lang="en-US" sz="5400" dirty="0"/>
+                    </a:p>
+                  </a:txBody>
+                  <a:tcPr/>
+                </a:tc>
+              </a:tr>
+              <a:tr h="370840">
+                <a:tc>
+                  <a:txBody>
+                    <a:bodyPr/>
+                    <a:lstStyle/>
+                    <a:p>
+                      <a:r>
+                        <a:rPr lang="en-US" sz="3600" dirty="0" smtClean="0"/>
+                        <a:t>An abstract class can extend only one class or one abstract class at a time.</a:t>
+                      </a:r>
+                      <a:endParaRPr lang="en-US" sz="3600" dirty="0"/>
+                    </a:p>
+                  </a:txBody>
+                  <a:tcPr/>
+                </a:tc>
+                <a:tc>
+                  <a:txBody>
+                    <a:bodyPr/>
+                    <a:lstStyle/>
+                    <a:p>
+                      <a:r>
+                        <a:rPr lang="en-US" sz="3600" dirty="0" smtClean="0"/>
+                        <a:t>An interface can extend any number of interfaces at a time.</a:t>
+                      </a:r>
+                      <a:endParaRPr lang="en-US" sz="3600" dirty="0"/>
+                    </a:p>
+                  </a:txBody>
+                  <a:tcPr/>
+                </a:tc>
+              </a:tr>
+              <a:tr h="370840">
+                <a:tc>
+                  <a:txBody>
+                    <a:bodyPr/>
+                    <a:lstStyle/>
+                    <a:p>
+                      <a:r>
+                        <a:rPr lang="en-US" sz="3600" b="0" i="0" kern="1200" dirty="0" smtClean="0">
+                          <a:solidFill>
+                            <a:schemeClr val="dk1"/>
+                          </a:solidFill>
+                          <a:effectLst/>
+                          <a:latin typeface="+mn-lt"/>
+                          <a:ea typeface="+mn-ea"/>
+                          <a:cs typeface="+mn-cs"/>
+                        </a:rPr>
+                        <a:t>An abstract class can extend another concrete (regular) class or abstract class.</a:t>
+                      </a:r>
+                      <a:endParaRPr lang="en-US" sz="3600" dirty="0"/>
+                    </a:p>
+                  </a:txBody>
+                  <a:tcPr/>
+                </a:tc>
+                <a:tc>
+                  <a:txBody>
+                    <a:bodyPr/>
+                    <a:lstStyle/>
+                    <a:p>
+                      <a:r>
+                        <a:rPr lang="en-US" sz="3600" b="0" i="0" kern="1200" dirty="0" smtClean="0">
+                          <a:solidFill>
+                            <a:schemeClr val="dk1"/>
+                          </a:solidFill>
+                          <a:effectLst/>
+                          <a:latin typeface="+mn-lt"/>
+                          <a:ea typeface="+mn-ea"/>
+                          <a:cs typeface="+mn-cs"/>
+                        </a:rPr>
+                        <a:t>An interface can only extend another interface.</a:t>
+                      </a:r>
+                      <a:endParaRPr lang="en-US" sz="3600" dirty="0"/>
+                    </a:p>
+                  </a:txBody>
+                  <a:tcPr/>
+                </a:tc>
+              </a:tr>
+              <a:tr h="370840">
+                <a:tc>
+                  <a:txBody>
+                    <a:bodyPr/>
+                    <a:lstStyle/>
+                    <a:p>
+                      <a:r>
+                        <a:rPr lang="en-US" sz="3600" b="0" i="0" kern="1200" dirty="0" smtClean="0">
+                          <a:solidFill>
+                            <a:schemeClr val="dk1"/>
+                          </a:solidFill>
+                          <a:effectLst/>
+                          <a:latin typeface="+mn-lt"/>
+                          <a:ea typeface="+mn-ea"/>
+                          <a:cs typeface="+mn-cs"/>
+                        </a:rPr>
+                        <a:t>An abstract class can have both abstract and concrete methods.</a:t>
+                      </a:r>
+                      <a:endParaRPr lang="en-US" sz="3600" dirty="0"/>
+                    </a:p>
+                  </a:txBody>
+                  <a:tcPr/>
+                </a:tc>
+                <a:tc>
+                  <a:txBody>
+                    <a:bodyPr/>
+                    <a:lstStyle/>
+                    <a:p>
+                      <a:r>
+                        <a:rPr lang="en-US" sz="3600" b="0" i="0" kern="1200" dirty="0" smtClean="0">
+                          <a:solidFill>
+                            <a:schemeClr val="dk1"/>
+                          </a:solidFill>
+                          <a:effectLst/>
+                          <a:latin typeface="+mn-lt"/>
+                          <a:ea typeface="+mn-ea"/>
+                          <a:cs typeface="+mn-cs"/>
+                        </a:rPr>
+                        <a:t>An interface can have only abstract methods.</a:t>
+                      </a:r>
+                      <a:endParaRPr lang="en-US" sz="3600" dirty="0"/>
+                    </a:p>
+                  </a:txBody>
+                  <a:tcPr/>
+                </a:tc>
+              </a:tr>
+              <a:tr h="370840">
+                <a:tc>
+                  <a:txBody>
+                    <a:bodyPr/>
+                    <a:lstStyle/>
+                    <a:p>
+                      <a:r>
+                        <a:rPr lang="en-US" sz="3600" dirty="0" smtClean="0"/>
+                        <a:t>In abstract class keyword “abstract” is mandatory to declare a method as an abstract.</a:t>
+                      </a:r>
+                      <a:endParaRPr lang="en-US" sz="3600" dirty="0"/>
+                    </a:p>
+                  </a:txBody>
+                  <a:tcPr/>
+                </a:tc>
+                <a:tc>
+                  <a:txBody>
+                    <a:bodyPr/>
+                    <a:lstStyle/>
+                    <a:p>
+                      <a:r>
+                        <a:rPr lang="en-US" sz="3600" b="0" i="0" kern="1200" dirty="0" smtClean="0">
+                          <a:solidFill>
+                            <a:schemeClr val="dk1"/>
+                          </a:solidFill>
+                          <a:effectLst/>
+                          <a:latin typeface="+mn-lt"/>
+                          <a:ea typeface="+mn-ea"/>
+                          <a:cs typeface="+mn-cs"/>
+                        </a:rPr>
+                        <a:t>In an interface keyword “abstract” is optional to declare a method as an abstract.</a:t>
+                      </a:r>
+                      <a:endParaRPr lang="en-US" sz="3600" dirty="0"/>
+                    </a:p>
+                  </a:txBody>
+                  <a:tcPr/>
+                </a:tc>
+              </a:tr>
+              <a:tr h="370840">
+                <a:tc>
+                  <a:txBody>
+                    <a:bodyPr/>
+                    <a:lstStyle/>
+                    <a:p>
+                      <a:r>
+                        <a:rPr lang="en-US" sz="3600" b="0" i="0" kern="1200" dirty="0" smtClean="0">
+                          <a:solidFill>
+                            <a:schemeClr val="dk1"/>
+                          </a:solidFill>
+                          <a:effectLst/>
+                          <a:latin typeface="+mn-lt"/>
+                          <a:ea typeface="+mn-ea"/>
+                          <a:cs typeface="+mn-cs"/>
+                        </a:rPr>
+                        <a:t>An abstract class can have protected and public abstract methods.</a:t>
+                      </a:r>
+                      <a:endParaRPr lang="en-US" sz="3600" dirty="0"/>
+                    </a:p>
+                  </a:txBody>
+                  <a:tcPr/>
+                </a:tc>
+                <a:tc>
+                  <a:txBody>
+                    <a:bodyPr/>
+                    <a:lstStyle/>
+                    <a:p>
+                      <a:r>
+                        <a:rPr lang="en-US" sz="3600" b="0" i="0" kern="1200" dirty="0" smtClean="0">
+                          <a:solidFill>
+                            <a:schemeClr val="dk1"/>
+                          </a:solidFill>
+                          <a:effectLst/>
+                          <a:latin typeface="+mn-lt"/>
+                          <a:ea typeface="+mn-ea"/>
+                          <a:cs typeface="+mn-cs"/>
+                        </a:rPr>
+                        <a:t>An interface can have only have public abstract methods.</a:t>
+                      </a:r>
+                      <a:endParaRPr lang="en-US" sz="3600" dirty="0"/>
+                    </a:p>
+                  </a:txBody>
+                  <a:tcPr/>
+                </a:tc>
+              </a:tr>
+              <a:tr h="370840">
+                <a:tc>
+                  <a:txBody>
+                    <a:bodyPr/>
+                    <a:lstStyle/>
+                    <a:p>
+                      <a:r>
+                        <a:rPr lang="en-US" sz="3600" dirty="0" smtClean="0"/>
+                        <a:t>An abstract class can have static, final or static final variable with any access specifier.</a:t>
+                      </a:r>
+                      <a:endParaRPr lang="en-US" sz="3600" dirty="0"/>
+                    </a:p>
+                  </a:txBody>
+                  <a:tcPr/>
+                </a:tc>
+                <a:tc>
+                  <a:txBody>
+                    <a:bodyPr/>
+                    <a:lstStyle/>
+                    <a:p>
+                      <a:r>
+                        <a:rPr lang="en-US" sz="3600" b="0" i="0" kern="1200" dirty="0" smtClean="0">
+                          <a:solidFill>
+                            <a:schemeClr val="dk1"/>
+                          </a:solidFill>
+                          <a:effectLst/>
+                          <a:latin typeface="+mn-lt"/>
+                          <a:ea typeface="+mn-ea"/>
+                          <a:cs typeface="+mn-cs"/>
+                        </a:rPr>
+                        <a:t>interface can only have public static final (constant) variable.</a:t>
+                      </a:r>
+                      <a:endParaRPr lang="en-US" sz="3600" dirty="0"/>
+                    </a:p>
+                  </a:txBody>
+                  <a:tcPr/>
+                </a:tc>
+              </a:tr>
+            </a:tbl>
+          </a:graphicData>
+        </a:graphic>
+      </p:graphicFrame>
     </p:spTree>
     <p:extLst>
       <p:ext uri="{BB962C8B-B14F-4D97-AF65-F5344CB8AC3E}">
-        <p14:creationId xmlns:p14="http://schemas.microsoft.com/office/powerpoint/2010/main" val="658282490"/>
+        <p14:creationId xmlns:p14="http://schemas.microsoft.com/office/powerpoint/2010/main" val="184986315"/>
       </p:ext>
     </p:extLst>
   </p:cSld>
@@ -34037,7 +27529,7 @@
         <p:spPr>
           <a:xfrm>
             <a:off x="1886648" y="1053149"/>
-            <a:ext cx="17101901" cy="1802637"/>
+            <a:ext cx="18497056" cy="1802637"/>
           </a:xfrm>
           <a:prstGeom prst="rect">
             <a:avLst/>
@@ -34220,7 +27712,7 @@
                 <a:ea typeface="Open Sans Semibold" panose="020B0706030804020204" pitchFamily="34" charset="0"/>
                 <a:cs typeface="Open Sans Semibold" panose="020B0706030804020204" pitchFamily="34" charset="0"/>
               </a:rPr>
-              <a:t>Abstract classes and interfaces</a:t>
+              <a:t>Composition, Aggregation &amp; Delegation</a:t>
             </a:r>
             <a:endParaRPr lang="en-US" sz="6600" dirty="0">
               <a:solidFill>
@@ -34243,7 +27735,7 @@
         <p:spPr>
           <a:xfrm>
             <a:off x="2201683" y="3573429"/>
-            <a:ext cx="20522281" cy="553998"/>
+            <a:ext cx="20522281" cy="4708981"/>
           </a:xfrm>
           <a:prstGeom prst="rect">
             <a:avLst/>
@@ -34261,8 +27753,74 @@
               <a:buChar char="•"/>
             </a:pPr>
             <a:r>
+              <a:rPr lang="en-IN" sz="3000" dirty="0"/>
+              <a:t>Delegation: When a type delegates some of it’s behaviour, responsibilities to another type, this is known as Delegation. Example the </a:t>
+            </a:r>
+            <a:r>
               <a:rPr lang="en-IN" sz="3000" dirty="0" smtClean="0"/>
-              <a:t>Text Here</a:t>
+              <a:t>Duck type </a:t>
+            </a:r>
+            <a:r>
+              <a:rPr lang="en-IN" sz="3000" dirty="0"/>
+              <a:t>delegates the </a:t>
+            </a:r>
+            <a:r>
+              <a:rPr lang="en-IN" sz="3000" dirty="0" smtClean="0"/>
+              <a:t>behaviour of Quack and Fly to Quack and Fly Types.</a:t>
+            </a:r>
+          </a:p>
+          <a:p>
+            <a:pPr marL="571500" indent="-571500" algn="just">
+              <a:buFont typeface="Arial" panose="020B0604020202020204" pitchFamily="34" charset="0"/>
+              <a:buChar char="•"/>
+            </a:pPr>
+            <a:r>
+              <a:rPr lang="en-IN" sz="3000" dirty="0" smtClean="0"/>
+              <a:t>Composition: You create types by combining types of different behaviour, example a Duck type is composed of behaviour types depending on it’s capabilities </a:t>
+            </a:r>
+            <a:r>
+              <a:rPr lang="mr-IN" sz="3000" dirty="0" smtClean="0"/>
+              <a:t>–</a:t>
+            </a:r>
+            <a:r>
+              <a:rPr lang="en-IN" sz="3000" dirty="0" smtClean="0"/>
+              <a:t> Quack is a behaviour and some Ducks have the ability to fly so you can add a Fly behaviour as well on </a:t>
+            </a:r>
+            <a:r>
+              <a:rPr lang="en-IN" sz="3000" dirty="0" err="1" smtClean="0"/>
+              <a:t>FlyingDuck</a:t>
+            </a:r>
+            <a:r>
+              <a:rPr lang="en-IN" sz="3000" dirty="0" smtClean="0"/>
+              <a:t> type.</a:t>
+            </a:r>
+          </a:p>
+          <a:p>
+            <a:pPr marL="571500" indent="-571500" algn="just">
+              <a:buFont typeface="Arial" panose="020B0604020202020204" pitchFamily="34" charset="0"/>
+              <a:buChar char="•"/>
+            </a:pPr>
+            <a:r>
+              <a:rPr lang="en-IN" sz="3000" dirty="0" smtClean="0"/>
+              <a:t>Aggregation: You create a complex type by aggregating basic types (or less complex types), example the </a:t>
+            </a:r>
+            <a:r>
+              <a:rPr lang="en-US" sz="3000" dirty="0" smtClean="0"/>
+              <a:t>Flock type is an aggregate of Ducks, and even if a Duck is destroyed, the flock is still active</a:t>
+            </a:r>
+            <a:r>
+              <a:rPr lang="en-IN" sz="3000" dirty="0" smtClean="0"/>
+              <a:t>.</a:t>
+            </a:r>
+          </a:p>
+          <a:p>
+            <a:pPr marL="571500" indent="-571500" algn="just">
+              <a:buFont typeface="Arial" panose="020B0604020202020204" pitchFamily="34" charset="0"/>
+              <a:buChar char="•"/>
+            </a:pPr>
+            <a:r>
+              <a:rPr lang="en-IN" sz="3000" dirty="0" smtClean="0"/>
+              <a:t>The advantage of using Object-Oriented Programming is that you can model your real world business objects/entities and define behaviour. Moreover you can use the design patterns invented in real world to solve the problems of your specific domain.</a:t>
             </a:r>
           </a:p>
         </p:txBody>
@@ -34275,8 +27833,8 @@
         </p:nvCxnSpPr>
         <p:spPr>
           <a:xfrm flipV="1">
-            <a:off x="1886648" y="2170838"/>
-            <a:ext cx="10801201" cy="52451"/>
+            <a:off x="1886648" y="2155758"/>
+            <a:ext cx="13906546" cy="67531"/>
           </a:xfrm>
           <a:prstGeom prst="line">
             <a:avLst/>
@@ -34305,7 +27863,7 @@
     </p:spTree>
     <p:extLst>
       <p:ext uri="{BB962C8B-B14F-4D97-AF65-F5344CB8AC3E}">
-        <p14:creationId xmlns:p14="http://schemas.microsoft.com/office/powerpoint/2010/main" val="184986315"/>
+        <p14:creationId xmlns:p14="http://schemas.microsoft.com/office/powerpoint/2010/main" val="2118500865"/>
       </p:ext>
     </p:extLst>
   </p:cSld>
@@ -34735,7 +28293,7 @@
                 <a:ea typeface="Open Sans Semibold" panose="020B0706030804020204" pitchFamily="34" charset="0"/>
                 <a:cs typeface="Open Sans Semibold" panose="020B0706030804020204" pitchFamily="34" charset="0"/>
               </a:rPr>
-              <a:t>Composition, Inheritance &amp; Delegation</a:t>
+              <a:t>SOLID Principles of Object-Oriented Design</a:t>
             </a:r>
             <a:endParaRPr lang="en-US" sz="6600" dirty="0">
               <a:solidFill>
@@ -34749,39 +28307,6 @@
           </a:p>
         </p:txBody>
       </p:sp>
-      <p:sp>
-        <p:nvSpPr>
-          <p:cNvPr id="3" name="TextBox 2"/>
-          <p:cNvSpPr txBox="1"/>
-          <p:nvPr/>
-        </p:nvSpPr>
-        <p:spPr>
-          <a:xfrm>
-            <a:off x="2201683" y="3573429"/>
-            <a:ext cx="20522281" cy="553998"/>
-          </a:xfrm>
-          <a:prstGeom prst="rect">
-            <a:avLst/>
-          </a:prstGeom>
-          <a:noFill/>
-        </p:spPr>
-        <p:txBody>
-          <a:bodyPr wrap="square" rtlCol="0">
-            <a:spAutoFit/>
-          </a:bodyPr>
-          <a:lstStyle/>
-          <a:p>
-            <a:pPr marL="571500" indent="-571500" algn="just">
-              <a:buFont typeface="Arial" panose="020B0604020202020204" pitchFamily="34" charset="0"/>
-              <a:buChar char="•"/>
-            </a:pPr>
-            <a:r>
-              <a:rPr lang="en-IN" sz="3000" dirty="0" smtClean="0"/>
-              <a:t>Text Here</a:t>
-            </a:r>
-          </a:p>
-        </p:txBody>
-      </p:sp>
       <p:cxnSp>
         <p:nvCxnSpPr>
           <p:cNvPr id="4" name="10 Conector recto"/>
@@ -34790,8 +28315,8 @@
         </p:nvCxnSpPr>
         <p:spPr>
           <a:xfrm flipV="1">
-            <a:off x="1886648" y="2157069"/>
-            <a:ext cx="13636516" cy="66219"/>
+            <a:off x="1886648" y="2150296"/>
+            <a:ext cx="15031671" cy="72992"/>
           </a:xfrm>
           <a:prstGeom prst="line">
             <a:avLst/>
@@ -34817,10 +28342,278 @@
           </a:fontRef>
         </p:style>
       </p:cxnSp>
+      <p:graphicFrame>
+        <p:nvGraphicFramePr>
+          <p:cNvPr id="6" name="Table 5"/>
+          <p:cNvGraphicFramePr>
+            <a:graphicFrameLocks noGrp="1"/>
+          </p:cNvGraphicFramePr>
+          <p:nvPr>
+            <p:extLst>
+              <p:ext uri="{D42A27DB-BD31-4B8C-83A1-F6EECF244321}">
+                <p14:modId xmlns:p14="http://schemas.microsoft.com/office/powerpoint/2010/main" val="1974971412"/>
+              </p:ext>
+            </p:extLst>
+          </p:nvPr>
+        </p:nvGraphicFramePr>
+        <p:xfrm>
+          <a:off x="1886647" y="2871975"/>
+          <a:ext cx="20612292" cy="8503920"/>
+        </p:xfrm>
+        <a:graphic>
+          <a:graphicData uri="http://schemas.openxmlformats.org/drawingml/2006/table">
+            <a:tbl>
+              <a:tblPr firstRow="1" bandRow="1">
+                <a:tableStyleId>{5C22544A-7EE6-4342-B048-85BDC9FD1C3A}</a:tableStyleId>
+              </a:tblPr>
+              <a:tblGrid>
+                <a:gridCol w="10306146"/>
+                <a:gridCol w="10306146"/>
+              </a:tblGrid>
+              <a:tr h="370840">
+                <a:tc>
+                  <a:txBody>
+                    <a:bodyPr/>
+                    <a:lstStyle/>
+                    <a:p>
+                      <a:r>
+                        <a:rPr lang="en-US" sz="5400" dirty="0" smtClean="0"/>
+                        <a:t>Principal</a:t>
+                      </a:r>
+                      <a:endParaRPr lang="en-US" sz="5400" dirty="0"/>
+                    </a:p>
+                  </a:txBody>
+                  <a:tcPr/>
+                </a:tc>
+                <a:tc>
+                  <a:txBody>
+                    <a:bodyPr/>
+                    <a:lstStyle/>
+                    <a:p>
+                      <a:r>
+                        <a:rPr lang="en-US" sz="5400" dirty="0" smtClean="0"/>
+                        <a:t>Description</a:t>
+                      </a:r>
+                      <a:endParaRPr lang="en-US" sz="5400" dirty="0"/>
+                    </a:p>
+                  </a:txBody>
+                  <a:tcPr/>
+                </a:tc>
+              </a:tr>
+              <a:tr h="370840">
+                <a:tc>
+                  <a:txBody>
+                    <a:bodyPr/>
+                    <a:lstStyle/>
+                    <a:p>
+                      <a:r>
+                        <a:rPr lang="en-US" sz="3600" dirty="0" smtClean="0"/>
+                        <a:t>Single</a:t>
+                      </a:r>
+                      <a:r>
+                        <a:rPr lang="en-US" sz="3600" baseline="0" dirty="0" smtClean="0"/>
+                        <a:t> Responsibility Principle</a:t>
+                      </a:r>
+                      <a:endParaRPr lang="en-US" sz="3600" dirty="0"/>
+                    </a:p>
+                  </a:txBody>
+                  <a:tcPr/>
+                </a:tc>
+                <a:tc>
+                  <a:txBody>
+                    <a:bodyPr/>
+                    <a:lstStyle/>
+                    <a:p>
+                      <a:r>
+                        <a:rPr lang="en-US" sz="3600" dirty="0" smtClean="0"/>
+                        <a:t>a class should have only a single responsibility (i.e. changes to only one part of the software's specification should be able to affect the specification of the class)</a:t>
+                      </a:r>
+                      <a:endParaRPr lang="en-US" sz="3600" dirty="0"/>
+                    </a:p>
+                  </a:txBody>
+                  <a:tcPr/>
+                </a:tc>
+              </a:tr>
+              <a:tr h="370840">
+                <a:tc>
+                  <a:txBody>
+                    <a:bodyPr/>
+                    <a:lstStyle/>
+                    <a:p>
+                      <a:r>
+                        <a:rPr lang="en-US" sz="3600" b="0" i="0" kern="1200" dirty="0" smtClean="0">
+                          <a:solidFill>
+                            <a:schemeClr val="dk1"/>
+                          </a:solidFill>
+                          <a:effectLst/>
+                          <a:latin typeface="+mn-lt"/>
+                          <a:ea typeface="+mn-ea"/>
+                          <a:cs typeface="+mn-cs"/>
+                        </a:rPr>
+                        <a:t>Open Closed Principle</a:t>
+                      </a:r>
+                      <a:endParaRPr lang="en-US" sz="3600" dirty="0"/>
+                    </a:p>
+                  </a:txBody>
+                  <a:tcPr/>
+                </a:tc>
+                <a:tc>
+                  <a:txBody>
+                    <a:bodyPr/>
+                    <a:lstStyle/>
+                    <a:p>
+                      <a:r>
+                        <a:rPr lang="en-US" sz="3600" dirty="0" smtClean="0"/>
+                        <a:t>software entities … should be open for extension, but closed for modification.</a:t>
+                      </a:r>
+                      <a:endParaRPr lang="en-US" sz="3600" dirty="0"/>
+                    </a:p>
+                  </a:txBody>
+                  <a:tcPr/>
+                </a:tc>
+              </a:tr>
+              <a:tr h="370840">
+                <a:tc>
+                  <a:txBody>
+                    <a:bodyPr/>
+                    <a:lstStyle/>
+                    <a:p>
+                      <a:r>
+                        <a:rPr lang="en-US" sz="3600" b="0" i="0" kern="1200" dirty="0" err="1" smtClean="0">
+                          <a:solidFill>
+                            <a:schemeClr val="dk1"/>
+                          </a:solidFill>
+                          <a:effectLst/>
+                          <a:latin typeface="+mn-lt"/>
+                          <a:ea typeface="+mn-ea"/>
+                          <a:cs typeface="+mn-cs"/>
+                        </a:rPr>
+                        <a:t>Liskov’s</a:t>
+                      </a:r>
+                      <a:r>
+                        <a:rPr lang="en-US" sz="3600" b="0" i="0" kern="1200" dirty="0" smtClean="0">
+                          <a:solidFill>
+                            <a:schemeClr val="dk1"/>
+                          </a:solidFill>
+                          <a:effectLst/>
+                          <a:latin typeface="+mn-lt"/>
+                          <a:ea typeface="+mn-ea"/>
+                          <a:cs typeface="+mn-cs"/>
+                        </a:rPr>
+                        <a:t> Substitution Principle</a:t>
+                      </a:r>
+                      <a:endParaRPr lang="en-US" sz="3600" dirty="0"/>
+                    </a:p>
+                  </a:txBody>
+                  <a:tcPr/>
+                </a:tc>
+                <a:tc>
+                  <a:txBody>
+                    <a:bodyPr/>
+                    <a:lstStyle/>
+                    <a:p>
+                      <a:r>
+                        <a:rPr lang="en-US" sz="3600" b="0" i="0" kern="1200" dirty="0" smtClean="0">
+                          <a:solidFill>
+                            <a:schemeClr val="dk1"/>
+                          </a:solidFill>
+                          <a:effectLst/>
+                          <a:latin typeface="+mn-lt"/>
+                          <a:ea typeface="+mn-ea"/>
+                          <a:cs typeface="+mn-cs"/>
+                        </a:rPr>
+                        <a:t>objects in a program should be replaceable with instances of their subtypes without altering the correctness of that program</a:t>
+                      </a:r>
+                      <a:endParaRPr lang="en-US" sz="3600" dirty="0"/>
+                    </a:p>
+                  </a:txBody>
+                  <a:tcPr/>
+                </a:tc>
+              </a:tr>
+              <a:tr h="370840">
+                <a:tc>
+                  <a:txBody>
+                    <a:bodyPr/>
+                    <a:lstStyle/>
+                    <a:p>
+                      <a:r>
+                        <a:rPr lang="en-US" sz="3600" dirty="0" smtClean="0"/>
+                        <a:t>Interface Segregation Principle</a:t>
+                      </a:r>
+                      <a:endParaRPr lang="en-US" sz="3600" dirty="0"/>
+                    </a:p>
+                  </a:txBody>
+                  <a:tcPr/>
+                </a:tc>
+                <a:tc>
+                  <a:txBody>
+                    <a:bodyPr/>
+                    <a:lstStyle/>
+                    <a:p>
+                      <a:r>
+                        <a:rPr lang="en-US" sz="3600" b="0" i="0" kern="1200" dirty="0" smtClean="0">
+                          <a:solidFill>
+                            <a:schemeClr val="dk1"/>
+                          </a:solidFill>
+                          <a:effectLst/>
+                          <a:latin typeface="+mn-lt"/>
+                          <a:ea typeface="+mn-ea"/>
+                          <a:cs typeface="+mn-cs"/>
+                        </a:rPr>
+                        <a:t>many client-specific interfaces are better than one general-purpose interface.</a:t>
+                      </a:r>
+                      <a:endParaRPr lang="en-US" sz="3600" dirty="0"/>
+                    </a:p>
+                  </a:txBody>
+                  <a:tcPr/>
+                </a:tc>
+              </a:tr>
+              <a:tr h="370840">
+                <a:tc>
+                  <a:txBody>
+                    <a:bodyPr/>
+                    <a:lstStyle/>
+                    <a:p>
+                      <a:r>
+                        <a:rPr lang="en-US" sz="3600" b="0" i="0" kern="1200" dirty="0" smtClean="0">
+                          <a:solidFill>
+                            <a:schemeClr val="dk1"/>
+                          </a:solidFill>
+                          <a:effectLst/>
+                          <a:latin typeface="+mn-lt"/>
+                          <a:ea typeface="+mn-ea"/>
+                          <a:cs typeface="+mn-cs"/>
+                        </a:rPr>
+                        <a:t>Dependency Inversion Principle</a:t>
+                      </a:r>
+                      <a:endParaRPr lang="en-US" sz="3600" dirty="0"/>
+                    </a:p>
+                  </a:txBody>
+                  <a:tcPr/>
+                </a:tc>
+                <a:tc>
+                  <a:txBody>
+                    <a:bodyPr/>
+                    <a:lstStyle/>
+                    <a:p>
+                      <a:r>
+                        <a:rPr lang="en-US" sz="3600" dirty="0" smtClean="0"/>
+                        <a:t>one should “depend upon abstractions, [not] concretions.”</a:t>
+                      </a:r>
+                      <a:endParaRPr lang="en-US" sz="3600" dirty="0"/>
+                    </a:p>
+                  </a:txBody>
+                  <a:tcPr/>
+                </a:tc>
+              </a:tr>
+            </a:tbl>
+          </a:graphicData>
+        </a:graphic>
+      </p:graphicFrame>
     </p:spTree>
     <p:extLst>
       <p:ext uri="{BB962C8B-B14F-4D97-AF65-F5344CB8AC3E}">
-        <p14:creationId xmlns:p14="http://schemas.microsoft.com/office/powerpoint/2010/main" val="2118500865"/>
+        <p14:creationId xmlns:p14="http://schemas.microsoft.com/office/powerpoint/2010/main" val="2112416529"/>
       </p:ext>
     </p:extLst>
   </p:cSld>
@@ -35067,7 +28860,7 @@
         <p:spPr>
           <a:xfrm>
             <a:off x="1886648" y="1053149"/>
-            <a:ext cx="17101901" cy="1802637"/>
+            <a:ext cx="18092011" cy="1802637"/>
           </a:xfrm>
           <a:prstGeom prst="rect">
             <a:avLst/>
@@ -35250,49 +29043,19 @@
                 <a:ea typeface="Open Sans Semibold" panose="020B0706030804020204" pitchFamily="34" charset="0"/>
                 <a:cs typeface="Open Sans Semibold" panose="020B0706030804020204" pitchFamily="34" charset="0"/>
               </a:rPr>
-              <a:t>SOLID Principles of Object-Oriented Design</a:t>
+              <a:t>Examples: Chapter </a:t>
             </a:r>
-            <a:endParaRPr lang="en-US" sz="6600" dirty="0">
-              <a:solidFill>
-                <a:schemeClr val="accent3">
-                  <a:lumMod val="75000"/>
-                </a:schemeClr>
-              </a:solidFill>
-              <a:ea typeface="Open Sans Semibold" panose="020B0706030804020204" pitchFamily="34" charset="0"/>
-              <a:cs typeface="Open Sans Semibold" panose="020B0706030804020204" pitchFamily="34" charset="0"/>
-            </a:endParaRPr>
-          </a:p>
-        </p:txBody>
-      </p:sp>
-      <p:sp>
-        <p:nvSpPr>
-          <p:cNvPr id="3" name="TextBox 2"/>
-          <p:cNvSpPr txBox="1"/>
-          <p:nvPr/>
-        </p:nvSpPr>
-        <p:spPr>
-          <a:xfrm>
-            <a:off x="2201683" y="3573429"/>
-            <a:ext cx="20522281" cy="553998"/>
-          </a:xfrm>
-          <a:prstGeom prst="rect">
-            <a:avLst/>
-          </a:prstGeom>
-          <a:noFill/>
-        </p:spPr>
-        <p:txBody>
-          <a:bodyPr wrap="square" rtlCol="0">
-            <a:spAutoFit/>
-          </a:bodyPr>
-          <a:lstStyle/>
-          <a:p>
-            <a:pPr marL="571500" indent="-571500" algn="just">
-              <a:buFont typeface="Arial" panose="020B0604020202020204" pitchFamily="34" charset="0"/>
-              <a:buChar char="•"/>
-            </a:pPr>
             <a:r>
-              <a:rPr lang="en-IN" sz="3000" dirty="0" smtClean="0"/>
-              <a:t>Text Here</a:t>
+              <a:rPr lang="en-US" sz="6600" dirty="0">
+                <a:solidFill>
+                  <a:schemeClr val="accent3">
+                    <a:lumMod val="75000"/>
+                  </a:schemeClr>
+                </a:solidFill>
+                <a:ea typeface="Open Sans Semibold" panose="020B0706030804020204" pitchFamily="34" charset="0"/>
+                <a:cs typeface="Open Sans Semibold" panose="020B0706030804020204" pitchFamily="34" charset="0"/>
+              </a:rPr>
+              <a:t>5</a:t>
             </a:r>
           </a:p>
         </p:txBody>
@@ -35305,8 +29068,8 @@
         </p:nvCxnSpPr>
         <p:spPr>
           <a:xfrm flipV="1">
-            <a:off x="1886648" y="2150296"/>
-            <a:ext cx="15031671" cy="72992"/>
+            <a:off x="1886648" y="2178274"/>
+            <a:ext cx="7200801" cy="45011"/>
           </a:xfrm>
           <a:prstGeom prst="line">
             <a:avLst/>
@@ -35332,10 +29095,1173 @@
           </a:fontRef>
         </p:style>
       </p:cxnSp>
+      <p:sp>
+        <p:nvSpPr>
+          <p:cNvPr id="23" name="TextBox 22"/>
+          <p:cNvSpPr txBox="1"/>
+          <p:nvPr/>
+        </p:nvSpPr>
+        <p:spPr>
+          <a:xfrm>
+            <a:off x="2201683" y="3573429"/>
+            <a:ext cx="18677075" cy="1200329"/>
+          </a:xfrm>
+          <a:prstGeom prst="rect">
+            <a:avLst/>
+          </a:prstGeom>
+          <a:noFill/>
+        </p:spPr>
+        <p:txBody>
+          <a:bodyPr wrap="square" rtlCol="0">
+            <a:spAutoFit/>
+          </a:bodyPr>
+          <a:lstStyle/>
+          <a:p>
+            <a:pPr marL="571500" indent="-571500">
+              <a:buFont typeface="Arial" panose="020B0604020202020204" pitchFamily="34" charset="0"/>
+              <a:buChar char="•"/>
+            </a:pPr>
+            <a:r>
+              <a:rPr lang="en-US" sz="3600" dirty="0" smtClean="0"/>
+              <a:t>See COREJ1-Chapter5 </a:t>
+            </a:r>
+            <a:r>
+              <a:rPr lang="en-US" sz="3600" dirty="0"/>
+              <a:t>at </a:t>
+            </a:r>
+            <a:r>
+              <a:rPr lang="en-US" sz="3600" dirty="0">
+                <a:hlinkClick r:id="rId3"/>
+              </a:rPr>
+              <a:t>https://</a:t>
+            </a:r>
+            <a:r>
+              <a:rPr lang="en-US" sz="3600" dirty="0" smtClean="0">
+                <a:hlinkClick r:id="rId3"/>
+              </a:rPr>
+              <a:t>github.com/CompleteJavaTraining/JavaEssentials</a:t>
+            </a:r>
+            <a:r>
+              <a:rPr lang="en-US" sz="3600" smtClean="0">
+                <a:hlinkClick r:id="rId3"/>
+              </a:rPr>
+              <a:t>/tree/master/Code/COREJ1-Chapter5</a:t>
+            </a:r>
+            <a:r>
+              <a:rPr lang="en-US" sz="3600" smtClean="0"/>
+              <a:t> </a:t>
+            </a:r>
+            <a:endParaRPr lang="en-US" sz="3600" dirty="0" smtClean="0"/>
+          </a:p>
+        </p:txBody>
+      </p:sp>
+      <p:grpSp>
+        <p:nvGrpSpPr>
+          <p:cNvPr id="24" name="Group 23"/>
+          <p:cNvGrpSpPr/>
+          <p:nvPr/>
+        </p:nvGrpSpPr>
+        <p:grpSpPr>
+          <a:xfrm>
+            <a:off x="8264930" y="5778674"/>
+            <a:ext cx="6550580" cy="5741861"/>
+            <a:chOff x="9222464" y="6003699"/>
+            <a:chExt cx="6550580" cy="5741861"/>
+          </a:xfrm>
+        </p:grpSpPr>
+        <p:sp>
+          <p:nvSpPr>
+            <p:cNvPr id="25" name="Elipse 24"/>
+            <p:cNvSpPr/>
+            <p:nvPr/>
+          </p:nvSpPr>
+          <p:spPr bwMode="auto">
+            <a:xfrm>
+              <a:off x="11496345" y="8282658"/>
+              <a:ext cx="847214" cy="848960"/>
+            </a:xfrm>
+            <a:prstGeom prst="ellipse">
+              <a:avLst/>
+            </a:prstGeom>
+            <a:solidFill>
+              <a:srgbClr val="F44D53"/>
+            </a:solidFill>
+            <a:ln>
+              <a:noFill/>
+            </a:ln>
+            <a:extLst/>
+          </p:spPr>
+          <p:txBody>
+            <a:bodyPr lIns="0" tIns="0" rIns="0" bIns="0" rtlCol="0" anchor="ctr"/>
+            <a:lstStyle/>
+            <a:p>
+              <a:pPr algn="ctr"/>
+              <a:endParaRPr lang="es-ES"/>
+            </a:p>
+          </p:txBody>
+        </p:sp>
+        <p:sp>
+          <p:nvSpPr>
+            <p:cNvPr id="26" name="Anillo 25"/>
+            <p:cNvSpPr/>
+            <p:nvPr/>
+          </p:nvSpPr>
+          <p:spPr bwMode="auto">
+            <a:xfrm>
+              <a:off x="10384375" y="7168397"/>
+              <a:ext cx="3071154" cy="3077482"/>
+            </a:xfrm>
+            <a:prstGeom prst="donut">
+              <a:avLst>
+                <a:gd name="adj" fmla="val 13529"/>
+              </a:avLst>
+            </a:prstGeom>
+            <a:solidFill>
+              <a:srgbClr val="AAB5BD"/>
+            </a:solidFill>
+            <a:ln>
+              <a:noFill/>
+            </a:ln>
+            <a:extLst/>
+          </p:spPr>
+          <p:txBody>
+            <a:bodyPr lIns="0" tIns="0" rIns="0" bIns="0" rtlCol="0" anchor="ctr"/>
+            <a:lstStyle/>
+            <a:p>
+              <a:pPr algn="ctr"/>
+              <a:endParaRPr lang="es-ES"/>
+            </a:p>
+          </p:txBody>
+        </p:sp>
+        <p:sp>
+          <p:nvSpPr>
+            <p:cNvPr id="27" name="Anillo 26"/>
+            <p:cNvSpPr/>
+            <p:nvPr/>
+          </p:nvSpPr>
+          <p:spPr bwMode="auto">
+            <a:xfrm>
+              <a:off x="9222464" y="6003699"/>
+              <a:ext cx="5394976" cy="5406879"/>
+            </a:xfrm>
+            <a:prstGeom prst="donut">
+              <a:avLst>
+                <a:gd name="adj" fmla="val 7951"/>
+              </a:avLst>
+            </a:prstGeom>
+            <a:solidFill>
+              <a:srgbClr val="34495E"/>
+            </a:solidFill>
+            <a:ln>
+              <a:noFill/>
+            </a:ln>
+            <a:extLst/>
+          </p:spPr>
+          <p:txBody>
+            <a:bodyPr lIns="0" tIns="0" rIns="0" bIns="0" rtlCol="0" anchor="ctr"/>
+            <a:lstStyle/>
+            <a:p>
+              <a:pPr algn="ctr"/>
+              <a:endParaRPr lang="es-ES"/>
+            </a:p>
+          </p:txBody>
+        </p:sp>
+        <p:grpSp>
+          <p:nvGrpSpPr>
+            <p:cNvPr id="28" name="6 Grupo"/>
+            <p:cNvGrpSpPr/>
+            <p:nvPr/>
+          </p:nvGrpSpPr>
+          <p:grpSpPr>
+            <a:xfrm>
+              <a:off x="11304165" y="7009649"/>
+              <a:ext cx="4468879" cy="4735911"/>
+              <a:chOff x="11304165" y="7543430"/>
+              <a:chExt cx="4468879" cy="4735911"/>
+            </a:xfrm>
+          </p:grpSpPr>
+          <p:grpSp>
+            <p:nvGrpSpPr>
+              <p:cNvPr id="29" name="Grupo 22"/>
+              <p:cNvGrpSpPr/>
+              <p:nvPr/>
+            </p:nvGrpSpPr>
+            <p:grpSpPr>
+              <a:xfrm rot="19018150">
+                <a:off x="11304165" y="7543430"/>
+                <a:ext cx="4468879" cy="449612"/>
+                <a:chOff x="12782936" y="6138159"/>
+                <a:chExt cx="4925957" cy="495602"/>
+              </a:xfrm>
+            </p:grpSpPr>
+            <p:sp>
+              <p:nvSpPr>
+                <p:cNvPr id="31" name="Rectángulo redondeado 14"/>
+                <p:cNvSpPr/>
+                <p:nvPr/>
+              </p:nvSpPr>
+              <p:spPr bwMode="auto">
+                <a:xfrm rot="16200000">
+                  <a:off x="17119857" y="6044704"/>
+                  <a:ext cx="495582" cy="682491"/>
+                </a:xfrm>
+                <a:prstGeom prst="roundRect">
+                  <a:avLst>
+                    <a:gd name="adj" fmla="val 50000"/>
+                  </a:avLst>
+                </a:prstGeom>
+                <a:solidFill>
+                  <a:srgbClr val="E8685F"/>
+                </a:solidFill>
+                <a:ln>
+                  <a:noFill/>
+                </a:ln>
+                <a:extLst/>
+              </p:spPr>
+              <p:txBody>
+                <a:bodyPr lIns="0" tIns="0" rIns="0" bIns="0" rtlCol="0" anchor="ctr"/>
+                <a:lstStyle/>
+                <a:p>
+                  <a:pPr algn="ctr"/>
+                  <a:endParaRPr lang="es-ES"/>
+                </a:p>
+              </p:txBody>
+            </p:sp>
+            <p:sp>
+              <p:nvSpPr>
+                <p:cNvPr id="32" name="Rectángulo 15"/>
+                <p:cNvSpPr/>
+                <p:nvPr/>
+              </p:nvSpPr>
+              <p:spPr bwMode="auto">
+                <a:xfrm>
+                  <a:off x="13629872" y="6138686"/>
+                  <a:ext cx="3329765" cy="495053"/>
+                </a:xfrm>
+                <a:prstGeom prst="rect">
+                  <a:avLst/>
+                </a:prstGeom>
+                <a:solidFill>
+                  <a:srgbClr val="FEC830"/>
+                </a:solidFill>
+                <a:ln>
+                  <a:noFill/>
+                </a:ln>
+                <a:extLst/>
+              </p:spPr>
+              <p:txBody>
+                <a:bodyPr lIns="0" tIns="0" rIns="0" bIns="0" rtlCol="0" anchor="ctr"/>
+                <a:lstStyle/>
+                <a:p>
+                  <a:pPr algn="ctr"/>
+                  <a:endParaRPr lang="es-ES"/>
+                </a:p>
+              </p:txBody>
+            </p:sp>
+            <p:sp>
+              <p:nvSpPr>
+                <p:cNvPr id="33" name="Rectángulo 16"/>
+                <p:cNvSpPr/>
+                <p:nvPr/>
+              </p:nvSpPr>
+              <p:spPr bwMode="auto">
+                <a:xfrm>
+                  <a:off x="16959638" y="6138687"/>
+                  <a:ext cx="344209" cy="495053"/>
+                </a:xfrm>
+                <a:prstGeom prst="rect">
+                  <a:avLst/>
+                </a:prstGeom>
+                <a:gradFill>
+                  <a:gsLst>
+                    <a:gs pos="0">
+                      <a:schemeClr val="bg1">
+                        <a:lumMod val="50000"/>
+                      </a:schemeClr>
+                    </a:gs>
+                    <a:gs pos="13000">
+                      <a:srgbClr val="5F5F5F"/>
+                    </a:gs>
+                    <a:gs pos="23000">
+                      <a:srgbClr val="FFFFFF"/>
+                    </a:gs>
+                    <a:gs pos="93000">
+                      <a:srgbClr val="777777"/>
+                    </a:gs>
+                    <a:gs pos="100000">
+                      <a:srgbClr val="EAEAEA"/>
+                    </a:gs>
+                  </a:gsLst>
+                  <a:lin ang="5400000" scaled="0"/>
+                </a:gradFill>
+                <a:ln>
+                  <a:noFill/>
+                </a:ln>
+                <a:extLst/>
+              </p:spPr>
+              <p:txBody>
+                <a:bodyPr lIns="0" tIns="0" rIns="0" bIns="0" rtlCol="0" anchor="ctr"/>
+                <a:lstStyle/>
+                <a:p>
+                  <a:pPr algn="ctr"/>
+                  <a:endParaRPr lang="es-ES"/>
+                </a:p>
+              </p:txBody>
+            </p:sp>
+            <p:sp>
+              <p:nvSpPr>
+                <p:cNvPr id="34" name="Triángulo isósceles 17"/>
+                <p:cNvSpPr/>
+                <p:nvPr/>
+              </p:nvSpPr>
+              <p:spPr bwMode="auto">
+                <a:xfrm rot="16200000">
+                  <a:off x="12958614" y="5962492"/>
+                  <a:ext cx="495581" cy="846938"/>
+                </a:xfrm>
+                <a:prstGeom prst="triangle">
+                  <a:avLst>
+                    <a:gd name="adj" fmla="val 50481"/>
+                  </a:avLst>
+                </a:prstGeom>
+                <a:solidFill>
+                  <a:srgbClr val="E6EAEE"/>
+                </a:solidFill>
+                <a:ln>
+                  <a:noFill/>
+                </a:ln>
+                <a:extLst/>
+              </p:spPr>
+              <p:txBody>
+                <a:bodyPr lIns="0" tIns="0" rIns="0" bIns="0" rtlCol="0" anchor="ctr"/>
+                <a:lstStyle/>
+                <a:p>
+                  <a:pPr algn="ctr"/>
+                  <a:endParaRPr lang="es-ES"/>
+                </a:p>
+              </p:txBody>
+            </p:sp>
+            <p:sp>
+              <p:nvSpPr>
+                <p:cNvPr id="35" name="Rectángulo 19"/>
+                <p:cNvSpPr/>
+                <p:nvPr/>
+              </p:nvSpPr>
+              <p:spPr bwMode="auto">
+                <a:xfrm>
+                  <a:off x="13629876" y="6496754"/>
+                  <a:ext cx="3329764" cy="136997"/>
+                </a:xfrm>
+                <a:prstGeom prst="rect">
+                  <a:avLst/>
+                </a:prstGeom>
+                <a:solidFill>
+                  <a:srgbClr val="FFFFFF">
+                    <a:alpha val="50000"/>
+                  </a:srgbClr>
+                </a:solidFill>
+                <a:ln>
+                  <a:noFill/>
+                </a:ln>
+                <a:extLst/>
+              </p:spPr>
+              <p:txBody>
+                <a:bodyPr lIns="0" tIns="0" rIns="0" bIns="0" rtlCol="0" anchor="ctr"/>
+                <a:lstStyle/>
+                <a:p>
+                  <a:pPr algn="ctr"/>
+                  <a:endParaRPr lang="es-ES"/>
+                </a:p>
+              </p:txBody>
+            </p:sp>
+            <p:sp>
+              <p:nvSpPr>
+                <p:cNvPr id="36" name="Forma libre 20"/>
+                <p:cNvSpPr/>
+                <p:nvPr/>
+              </p:nvSpPr>
+              <p:spPr bwMode="auto">
+                <a:xfrm rot="16200000">
+                  <a:off x="12958621" y="5962502"/>
+                  <a:ext cx="495581" cy="846938"/>
+                </a:xfrm>
+                <a:custGeom>
+                  <a:avLst/>
+                  <a:gdLst>
+                    <a:gd name="connsiteX0" fmla="*/ 495582 w 495582"/>
+                    <a:gd name="connsiteY0" fmla="*/ 846940 h 846940"/>
+                    <a:gd name="connsiteX1" fmla="*/ 0 w 495582"/>
+                    <a:gd name="connsiteY1" fmla="*/ 846940 h 846940"/>
+                    <a:gd name="connsiteX2" fmla="*/ 1 w 495582"/>
+                    <a:gd name="connsiteY2" fmla="*/ 846939 h 846940"/>
+                    <a:gd name="connsiteX3" fmla="*/ 409807 w 495582"/>
+                    <a:gd name="connsiteY3" fmla="*/ 846939 h 846940"/>
+                    <a:gd name="connsiteX4" fmla="*/ 216735 w 495582"/>
+                    <a:gd name="connsiteY4" fmla="*/ 113206 h 846940"/>
+                    <a:gd name="connsiteX5" fmla="*/ 250175 w 495582"/>
+                    <a:gd name="connsiteY5" fmla="*/ 0 h 846940"/>
+                  </a:gdLst>
+                  <a:ahLst/>
+                  <a:cxnLst>
+                    <a:cxn ang="0">
+                      <a:pos x="connsiteX0" y="connsiteY0"/>
+                    </a:cxn>
+                    <a:cxn ang="0">
+                      <a:pos x="connsiteX1" y="connsiteY1"/>
+                    </a:cxn>
+                    <a:cxn ang="0">
+                      <a:pos x="connsiteX2" y="connsiteY2"/>
+                    </a:cxn>
+                    <a:cxn ang="0">
+                      <a:pos x="connsiteX3" y="connsiteY3"/>
+                    </a:cxn>
+                    <a:cxn ang="0">
+                      <a:pos x="connsiteX4" y="connsiteY4"/>
+                    </a:cxn>
+                    <a:cxn ang="0">
+                      <a:pos x="connsiteX5" y="connsiteY5"/>
+                    </a:cxn>
+                  </a:cxnLst>
+                  <a:rect l="l" t="t" r="r" b="b"/>
+                  <a:pathLst>
+                    <a:path w="495582" h="846940">
+                      <a:moveTo>
+                        <a:pt x="495582" y="846940"/>
+                      </a:moveTo>
+                      <a:lnTo>
+                        <a:pt x="0" y="846940"/>
+                      </a:lnTo>
+                      <a:lnTo>
+                        <a:pt x="1" y="846939"/>
+                      </a:lnTo>
+                      <a:lnTo>
+                        <a:pt x="409807" y="846939"/>
+                      </a:lnTo>
+                      <a:lnTo>
+                        <a:pt x="216735" y="113206"/>
+                      </a:lnTo>
+                      <a:lnTo>
+                        <a:pt x="250175" y="0"/>
+                      </a:lnTo>
+                      <a:close/>
+                    </a:path>
+                  </a:pathLst>
+                </a:custGeom>
+                <a:solidFill>
+                  <a:srgbClr val="FFFFFF">
+                    <a:alpha val="40000"/>
+                  </a:srgbClr>
+                </a:solidFill>
+                <a:ln>
+                  <a:noFill/>
+                </a:ln>
+                <a:extLst/>
+              </p:spPr>
+              <p:txBody>
+                <a:bodyPr lIns="0" tIns="0" rIns="0" bIns="0" rtlCol="0" anchor="ctr"/>
+                <a:lstStyle/>
+                <a:p>
+                  <a:pPr algn="ctr"/>
+                  <a:endParaRPr lang="es-ES"/>
+                </a:p>
+              </p:txBody>
+            </p:sp>
+            <p:sp>
+              <p:nvSpPr>
+                <p:cNvPr id="37" name="Triángulo isósceles 21"/>
+                <p:cNvSpPr/>
+                <p:nvPr/>
+              </p:nvSpPr>
+              <p:spPr bwMode="auto">
+                <a:xfrm rot="16200000">
+                  <a:off x="12830383" y="6272670"/>
+                  <a:ext cx="130177" cy="225025"/>
+                </a:xfrm>
+                <a:prstGeom prst="triangle">
+                  <a:avLst>
+                    <a:gd name="adj" fmla="val 50481"/>
+                  </a:avLst>
+                </a:prstGeom>
+                <a:solidFill>
+                  <a:srgbClr val="223D53"/>
+                </a:solidFill>
+                <a:ln>
+                  <a:noFill/>
+                </a:ln>
+                <a:extLst/>
+              </p:spPr>
+              <p:txBody>
+                <a:bodyPr lIns="0" tIns="0" rIns="0" bIns="0" rtlCol="0" anchor="ctr"/>
+                <a:lstStyle/>
+                <a:p>
+                  <a:pPr algn="ctr"/>
+                  <a:endParaRPr lang="es-ES"/>
+                </a:p>
+              </p:txBody>
+            </p:sp>
+          </p:grpSp>
+          <p:sp>
+            <p:nvSpPr>
+              <p:cNvPr id="30" name="Forma libre 35"/>
+              <p:cNvSpPr/>
+              <p:nvPr/>
+            </p:nvSpPr>
+            <p:spPr bwMode="auto">
+              <a:xfrm>
+                <a:off x="11893860" y="9279977"/>
+                <a:ext cx="3096986" cy="2999364"/>
+              </a:xfrm>
+              <a:custGeom>
+                <a:avLst/>
+                <a:gdLst>
+                  <a:gd name="connsiteX0" fmla="*/ 668 w 2750200"/>
+                  <a:gd name="connsiteY0" fmla="*/ 0 h 2669567"/>
+                  <a:gd name="connsiteX1" fmla="*/ 672 w 2750200"/>
+                  <a:gd name="connsiteY1" fmla="*/ 0 h 2669567"/>
+                  <a:gd name="connsiteX2" fmla="*/ 780078 w 2750200"/>
+                  <a:gd name="connsiteY2" fmla="*/ 412375 h 2669567"/>
+                  <a:gd name="connsiteX3" fmla="*/ 781370 w 2750200"/>
+                  <a:gd name="connsiteY3" fmla="*/ 411040 h 2669567"/>
+                  <a:gd name="connsiteX4" fmla="*/ 2331202 w 2750200"/>
+                  <a:gd name="connsiteY4" fmla="*/ 1909898 h 2669567"/>
+                  <a:gd name="connsiteX5" fmla="*/ 2331202 w 2750200"/>
+                  <a:gd name="connsiteY5" fmla="*/ 1909897 h 2669567"/>
+                  <a:gd name="connsiteX6" fmla="*/ 2750200 w 2750200"/>
+                  <a:gd name="connsiteY6" fmla="*/ 2315116 h 2669567"/>
+                  <a:gd name="connsiteX7" fmla="*/ 2556040 w 2750200"/>
+                  <a:gd name="connsiteY7" fmla="*/ 2528778 h 2669567"/>
+                  <a:gd name="connsiteX8" fmla="*/ 2401154 w 2750200"/>
+                  <a:gd name="connsiteY8" fmla="*/ 2669567 h 2669567"/>
+                  <a:gd name="connsiteX9" fmla="*/ 1981493 w 2750200"/>
+                  <a:gd name="connsiteY9" fmla="*/ 2263707 h 2669567"/>
+                  <a:gd name="connsiteX10" fmla="*/ 1981492 w 2750200"/>
+                  <a:gd name="connsiteY10" fmla="*/ 2263707 h 2669567"/>
+                  <a:gd name="connsiteX11" fmla="*/ 435556 w 2750200"/>
+                  <a:gd name="connsiteY11" fmla="*/ 768615 h 2669567"/>
+                  <a:gd name="connsiteX12" fmla="*/ 116216 w 2750200"/>
+                  <a:gd name="connsiteY12" fmla="*/ 204215 h 2669567"/>
+                  <a:gd name="connsiteX13" fmla="*/ 116072 w 2750200"/>
+                  <a:gd name="connsiteY13" fmla="*/ 204364 h 2669567"/>
+                  <a:gd name="connsiteX14" fmla="*/ 0 w 2750200"/>
+                  <a:gd name="connsiteY14" fmla="*/ 692 h 2669567"/>
+                  <a:gd name="connsiteX15" fmla="*/ 1518 w 2750200"/>
+                  <a:gd name="connsiteY15" fmla="*/ 1500 h 2669567"/>
+                  <a:gd name="connsiteX0" fmla="*/ 668 w 3039507"/>
+                  <a:gd name="connsiteY0" fmla="*/ 0 h 3299521"/>
+                  <a:gd name="connsiteX1" fmla="*/ 672 w 3039507"/>
+                  <a:gd name="connsiteY1" fmla="*/ 0 h 3299521"/>
+                  <a:gd name="connsiteX2" fmla="*/ 780078 w 3039507"/>
+                  <a:gd name="connsiteY2" fmla="*/ 412375 h 3299521"/>
+                  <a:gd name="connsiteX3" fmla="*/ 781370 w 3039507"/>
+                  <a:gd name="connsiteY3" fmla="*/ 411040 h 3299521"/>
+                  <a:gd name="connsiteX4" fmla="*/ 2331202 w 3039507"/>
+                  <a:gd name="connsiteY4" fmla="*/ 1909898 h 3299521"/>
+                  <a:gd name="connsiteX5" fmla="*/ 2331202 w 3039507"/>
+                  <a:gd name="connsiteY5" fmla="*/ 1909897 h 3299521"/>
+                  <a:gd name="connsiteX6" fmla="*/ 2750200 w 3039507"/>
+                  <a:gd name="connsiteY6" fmla="*/ 2315116 h 3299521"/>
+                  <a:gd name="connsiteX7" fmla="*/ 2556040 w 3039507"/>
+                  <a:gd name="connsiteY7" fmla="*/ 2528778 h 3299521"/>
+                  <a:gd name="connsiteX8" fmla="*/ 3039507 w 3039507"/>
+                  <a:gd name="connsiteY8" fmla="*/ 3299521 h 3299521"/>
+                  <a:gd name="connsiteX9" fmla="*/ 1981493 w 3039507"/>
+                  <a:gd name="connsiteY9" fmla="*/ 2263707 h 3299521"/>
+                  <a:gd name="connsiteX10" fmla="*/ 1981492 w 3039507"/>
+                  <a:gd name="connsiteY10" fmla="*/ 2263707 h 3299521"/>
+                  <a:gd name="connsiteX11" fmla="*/ 435556 w 3039507"/>
+                  <a:gd name="connsiteY11" fmla="*/ 768615 h 3299521"/>
+                  <a:gd name="connsiteX12" fmla="*/ 116216 w 3039507"/>
+                  <a:gd name="connsiteY12" fmla="*/ 204215 h 3299521"/>
+                  <a:gd name="connsiteX13" fmla="*/ 116072 w 3039507"/>
+                  <a:gd name="connsiteY13" fmla="*/ 204364 h 3299521"/>
+                  <a:gd name="connsiteX14" fmla="*/ 0 w 3039507"/>
+                  <a:gd name="connsiteY14" fmla="*/ 692 h 3299521"/>
+                  <a:gd name="connsiteX15" fmla="*/ 1518 w 3039507"/>
+                  <a:gd name="connsiteY15" fmla="*/ 1500 h 3299521"/>
+                  <a:gd name="connsiteX16" fmla="*/ 668 w 3039507"/>
+                  <a:gd name="connsiteY16" fmla="*/ 0 h 3299521"/>
+                  <a:gd name="connsiteX0" fmla="*/ 668 w 3455748"/>
+                  <a:gd name="connsiteY0" fmla="*/ 0 h 3299521"/>
+                  <a:gd name="connsiteX1" fmla="*/ 672 w 3455748"/>
+                  <a:gd name="connsiteY1" fmla="*/ 0 h 3299521"/>
+                  <a:gd name="connsiteX2" fmla="*/ 780078 w 3455748"/>
+                  <a:gd name="connsiteY2" fmla="*/ 412375 h 3299521"/>
+                  <a:gd name="connsiteX3" fmla="*/ 781370 w 3455748"/>
+                  <a:gd name="connsiteY3" fmla="*/ 411040 h 3299521"/>
+                  <a:gd name="connsiteX4" fmla="*/ 2331202 w 3455748"/>
+                  <a:gd name="connsiteY4" fmla="*/ 1909898 h 3299521"/>
+                  <a:gd name="connsiteX5" fmla="*/ 2331202 w 3455748"/>
+                  <a:gd name="connsiteY5" fmla="*/ 1909897 h 3299521"/>
+                  <a:gd name="connsiteX6" fmla="*/ 3455748 w 3455748"/>
+                  <a:gd name="connsiteY6" fmla="*/ 3029064 h 3299521"/>
+                  <a:gd name="connsiteX7" fmla="*/ 2556040 w 3455748"/>
+                  <a:gd name="connsiteY7" fmla="*/ 2528778 h 3299521"/>
+                  <a:gd name="connsiteX8" fmla="*/ 3039507 w 3455748"/>
+                  <a:gd name="connsiteY8" fmla="*/ 3299521 h 3299521"/>
+                  <a:gd name="connsiteX9" fmla="*/ 1981493 w 3455748"/>
+                  <a:gd name="connsiteY9" fmla="*/ 2263707 h 3299521"/>
+                  <a:gd name="connsiteX10" fmla="*/ 1981492 w 3455748"/>
+                  <a:gd name="connsiteY10" fmla="*/ 2263707 h 3299521"/>
+                  <a:gd name="connsiteX11" fmla="*/ 435556 w 3455748"/>
+                  <a:gd name="connsiteY11" fmla="*/ 768615 h 3299521"/>
+                  <a:gd name="connsiteX12" fmla="*/ 116216 w 3455748"/>
+                  <a:gd name="connsiteY12" fmla="*/ 204215 h 3299521"/>
+                  <a:gd name="connsiteX13" fmla="*/ 116072 w 3455748"/>
+                  <a:gd name="connsiteY13" fmla="*/ 204364 h 3299521"/>
+                  <a:gd name="connsiteX14" fmla="*/ 0 w 3455748"/>
+                  <a:gd name="connsiteY14" fmla="*/ 692 h 3299521"/>
+                  <a:gd name="connsiteX15" fmla="*/ 1518 w 3455748"/>
+                  <a:gd name="connsiteY15" fmla="*/ 1500 h 3299521"/>
+                  <a:gd name="connsiteX16" fmla="*/ 668 w 3455748"/>
+                  <a:gd name="connsiteY16" fmla="*/ 0 h 3299521"/>
+                  <a:gd name="connsiteX0" fmla="*/ 668 w 3455748"/>
+                  <a:gd name="connsiteY0" fmla="*/ 0 h 3299521"/>
+                  <a:gd name="connsiteX1" fmla="*/ 672 w 3455748"/>
+                  <a:gd name="connsiteY1" fmla="*/ 0 h 3299521"/>
+                  <a:gd name="connsiteX2" fmla="*/ 780078 w 3455748"/>
+                  <a:gd name="connsiteY2" fmla="*/ 412375 h 3299521"/>
+                  <a:gd name="connsiteX3" fmla="*/ 781370 w 3455748"/>
+                  <a:gd name="connsiteY3" fmla="*/ 411040 h 3299521"/>
+                  <a:gd name="connsiteX4" fmla="*/ 2331202 w 3455748"/>
+                  <a:gd name="connsiteY4" fmla="*/ 1909898 h 3299521"/>
+                  <a:gd name="connsiteX5" fmla="*/ 2331202 w 3455748"/>
+                  <a:gd name="connsiteY5" fmla="*/ 1909897 h 3299521"/>
+                  <a:gd name="connsiteX6" fmla="*/ 3455748 w 3455748"/>
+                  <a:gd name="connsiteY6" fmla="*/ 3029064 h 3299521"/>
+                  <a:gd name="connsiteX7" fmla="*/ 3211192 w 3455748"/>
+                  <a:gd name="connsiteY7" fmla="*/ 3200729 h 3299521"/>
+                  <a:gd name="connsiteX8" fmla="*/ 3039507 w 3455748"/>
+                  <a:gd name="connsiteY8" fmla="*/ 3299521 h 3299521"/>
+                  <a:gd name="connsiteX9" fmla="*/ 1981493 w 3455748"/>
+                  <a:gd name="connsiteY9" fmla="*/ 2263707 h 3299521"/>
+                  <a:gd name="connsiteX10" fmla="*/ 1981492 w 3455748"/>
+                  <a:gd name="connsiteY10" fmla="*/ 2263707 h 3299521"/>
+                  <a:gd name="connsiteX11" fmla="*/ 435556 w 3455748"/>
+                  <a:gd name="connsiteY11" fmla="*/ 768615 h 3299521"/>
+                  <a:gd name="connsiteX12" fmla="*/ 116216 w 3455748"/>
+                  <a:gd name="connsiteY12" fmla="*/ 204215 h 3299521"/>
+                  <a:gd name="connsiteX13" fmla="*/ 116072 w 3455748"/>
+                  <a:gd name="connsiteY13" fmla="*/ 204364 h 3299521"/>
+                  <a:gd name="connsiteX14" fmla="*/ 0 w 3455748"/>
+                  <a:gd name="connsiteY14" fmla="*/ 692 h 3299521"/>
+                  <a:gd name="connsiteX15" fmla="*/ 1518 w 3455748"/>
+                  <a:gd name="connsiteY15" fmla="*/ 1500 h 3299521"/>
+                  <a:gd name="connsiteX16" fmla="*/ 668 w 3455748"/>
+                  <a:gd name="connsiteY16" fmla="*/ 0 h 3299521"/>
+                  <a:gd name="connsiteX0" fmla="*/ 668 w 3455748"/>
+                  <a:gd name="connsiteY0" fmla="*/ 0 h 3299521"/>
+                  <a:gd name="connsiteX1" fmla="*/ 672 w 3455748"/>
+                  <a:gd name="connsiteY1" fmla="*/ 0 h 3299521"/>
+                  <a:gd name="connsiteX2" fmla="*/ 780078 w 3455748"/>
+                  <a:gd name="connsiteY2" fmla="*/ 412375 h 3299521"/>
+                  <a:gd name="connsiteX3" fmla="*/ 781370 w 3455748"/>
+                  <a:gd name="connsiteY3" fmla="*/ 411040 h 3299521"/>
+                  <a:gd name="connsiteX4" fmla="*/ 2331202 w 3455748"/>
+                  <a:gd name="connsiteY4" fmla="*/ 1909898 h 3299521"/>
+                  <a:gd name="connsiteX5" fmla="*/ 2331202 w 3455748"/>
+                  <a:gd name="connsiteY5" fmla="*/ 1909897 h 3299521"/>
+                  <a:gd name="connsiteX6" fmla="*/ 3455748 w 3455748"/>
+                  <a:gd name="connsiteY6" fmla="*/ 3029064 h 3299521"/>
+                  <a:gd name="connsiteX7" fmla="*/ 3039507 w 3455748"/>
+                  <a:gd name="connsiteY7" fmla="*/ 3299521 h 3299521"/>
+                  <a:gd name="connsiteX8" fmla="*/ 1981493 w 3455748"/>
+                  <a:gd name="connsiteY8" fmla="*/ 2263707 h 3299521"/>
+                  <a:gd name="connsiteX9" fmla="*/ 1981492 w 3455748"/>
+                  <a:gd name="connsiteY9" fmla="*/ 2263707 h 3299521"/>
+                  <a:gd name="connsiteX10" fmla="*/ 435556 w 3455748"/>
+                  <a:gd name="connsiteY10" fmla="*/ 768615 h 3299521"/>
+                  <a:gd name="connsiteX11" fmla="*/ 116216 w 3455748"/>
+                  <a:gd name="connsiteY11" fmla="*/ 204215 h 3299521"/>
+                  <a:gd name="connsiteX12" fmla="*/ 116072 w 3455748"/>
+                  <a:gd name="connsiteY12" fmla="*/ 204364 h 3299521"/>
+                  <a:gd name="connsiteX13" fmla="*/ 0 w 3455748"/>
+                  <a:gd name="connsiteY13" fmla="*/ 692 h 3299521"/>
+                  <a:gd name="connsiteX14" fmla="*/ 1518 w 3455748"/>
+                  <a:gd name="connsiteY14" fmla="*/ 1500 h 3299521"/>
+                  <a:gd name="connsiteX15" fmla="*/ 668 w 3455748"/>
+                  <a:gd name="connsiteY15" fmla="*/ 0 h 3299521"/>
+                  <a:gd name="connsiteX0" fmla="*/ 668 w 3413751"/>
+                  <a:gd name="connsiteY0" fmla="*/ 0 h 3299521"/>
+                  <a:gd name="connsiteX1" fmla="*/ 672 w 3413751"/>
+                  <a:gd name="connsiteY1" fmla="*/ 0 h 3299521"/>
+                  <a:gd name="connsiteX2" fmla="*/ 780078 w 3413751"/>
+                  <a:gd name="connsiteY2" fmla="*/ 412375 h 3299521"/>
+                  <a:gd name="connsiteX3" fmla="*/ 781370 w 3413751"/>
+                  <a:gd name="connsiteY3" fmla="*/ 411040 h 3299521"/>
+                  <a:gd name="connsiteX4" fmla="*/ 2331202 w 3413751"/>
+                  <a:gd name="connsiteY4" fmla="*/ 1909898 h 3299521"/>
+                  <a:gd name="connsiteX5" fmla="*/ 2331202 w 3413751"/>
+                  <a:gd name="connsiteY5" fmla="*/ 1909897 h 3299521"/>
+                  <a:gd name="connsiteX6" fmla="*/ 3413751 w 3413751"/>
+                  <a:gd name="connsiteY6" fmla="*/ 2995466 h 3299521"/>
+                  <a:gd name="connsiteX7" fmla="*/ 3039507 w 3413751"/>
+                  <a:gd name="connsiteY7" fmla="*/ 3299521 h 3299521"/>
+                  <a:gd name="connsiteX8" fmla="*/ 1981493 w 3413751"/>
+                  <a:gd name="connsiteY8" fmla="*/ 2263707 h 3299521"/>
+                  <a:gd name="connsiteX9" fmla="*/ 1981492 w 3413751"/>
+                  <a:gd name="connsiteY9" fmla="*/ 2263707 h 3299521"/>
+                  <a:gd name="connsiteX10" fmla="*/ 435556 w 3413751"/>
+                  <a:gd name="connsiteY10" fmla="*/ 768615 h 3299521"/>
+                  <a:gd name="connsiteX11" fmla="*/ 116216 w 3413751"/>
+                  <a:gd name="connsiteY11" fmla="*/ 204215 h 3299521"/>
+                  <a:gd name="connsiteX12" fmla="*/ 116072 w 3413751"/>
+                  <a:gd name="connsiteY12" fmla="*/ 204364 h 3299521"/>
+                  <a:gd name="connsiteX13" fmla="*/ 0 w 3413751"/>
+                  <a:gd name="connsiteY13" fmla="*/ 692 h 3299521"/>
+                  <a:gd name="connsiteX14" fmla="*/ 1518 w 3413751"/>
+                  <a:gd name="connsiteY14" fmla="*/ 1500 h 3299521"/>
+                  <a:gd name="connsiteX15" fmla="*/ 668 w 3413751"/>
+                  <a:gd name="connsiteY15" fmla="*/ 0 h 3299521"/>
+                  <a:gd name="connsiteX0" fmla="*/ 668 w 3413751"/>
+                  <a:gd name="connsiteY0" fmla="*/ 0 h 3299521"/>
+                  <a:gd name="connsiteX1" fmla="*/ 672 w 3413751"/>
+                  <a:gd name="connsiteY1" fmla="*/ 0 h 3299521"/>
+                  <a:gd name="connsiteX2" fmla="*/ 780078 w 3413751"/>
+                  <a:gd name="connsiteY2" fmla="*/ 412375 h 3299521"/>
+                  <a:gd name="connsiteX3" fmla="*/ 781370 w 3413751"/>
+                  <a:gd name="connsiteY3" fmla="*/ 411040 h 3299521"/>
+                  <a:gd name="connsiteX4" fmla="*/ 2331202 w 3413751"/>
+                  <a:gd name="connsiteY4" fmla="*/ 1909898 h 3299521"/>
+                  <a:gd name="connsiteX5" fmla="*/ 2331202 w 3413751"/>
+                  <a:gd name="connsiteY5" fmla="*/ 1909897 h 3299521"/>
+                  <a:gd name="connsiteX6" fmla="*/ 3413751 w 3413751"/>
+                  <a:gd name="connsiteY6" fmla="*/ 2995466 h 3299521"/>
+                  <a:gd name="connsiteX7" fmla="*/ 3218023 w 3413751"/>
+                  <a:gd name="connsiteY7" fmla="*/ 3151077 h 3299521"/>
+                  <a:gd name="connsiteX8" fmla="*/ 3039507 w 3413751"/>
+                  <a:gd name="connsiteY8" fmla="*/ 3299521 h 3299521"/>
+                  <a:gd name="connsiteX9" fmla="*/ 1981493 w 3413751"/>
+                  <a:gd name="connsiteY9" fmla="*/ 2263707 h 3299521"/>
+                  <a:gd name="connsiteX10" fmla="*/ 1981492 w 3413751"/>
+                  <a:gd name="connsiteY10" fmla="*/ 2263707 h 3299521"/>
+                  <a:gd name="connsiteX11" fmla="*/ 435556 w 3413751"/>
+                  <a:gd name="connsiteY11" fmla="*/ 768615 h 3299521"/>
+                  <a:gd name="connsiteX12" fmla="*/ 116216 w 3413751"/>
+                  <a:gd name="connsiteY12" fmla="*/ 204215 h 3299521"/>
+                  <a:gd name="connsiteX13" fmla="*/ 116072 w 3413751"/>
+                  <a:gd name="connsiteY13" fmla="*/ 204364 h 3299521"/>
+                  <a:gd name="connsiteX14" fmla="*/ 0 w 3413751"/>
+                  <a:gd name="connsiteY14" fmla="*/ 692 h 3299521"/>
+                  <a:gd name="connsiteX15" fmla="*/ 1518 w 3413751"/>
+                  <a:gd name="connsiteY15" fmla="*/ 1500 h 3299521"/>
+                  <a:gd name="connsiteX16" fmla="*/ 668 w 3413751"/>
+                  <a:gd name="connsiteY16" fmla="*/ 0 h 3299521"/>
+                  <a:gd name="connsiteX0" fmla="*/ 668 w 3456151"/>
+                  <a:gd name="connsiteY0" fmla="*/ 0 h 3346283"/>
+                  <a:gd name="connsiteX1" fmla="*/ 672 w 3456151"/>
+                  <a:gd name="connsiteY1" fmla="*/ 0 h 3346283"/>
+                  <a:gd name="connsiteX2" fmla="*/ 780078 w 3456151"/>
+                  <a:gd name="connsiteY2" fmla="*/ 412375 h 3346283"/>
+                  <a:gd name="connsiteX3" fmla="*/ 781370 w 3456151"/>
+                  <a:gd name="connsiteY3" fmla="*/ 411040 h 3346283"/>
+                  <a:gd name="connsiteX4" fmla="*/ 2331202 w 3456151"/>
+                  <a:gd name="connsiteY4" fmla="*/ 1909898 h 3346283"/>
+                  <a:gd name="connsiteX5" fmla="*/ 2331202 w 3456151"/>
+                  <a:gd name="connsiteY5" fmla="*/ 1909897 h 3346283"/>
+                  <a:gd name="connsiteX6" fmla="*/ 3413751 w 3456151"/>
+                  <a:gd name="connsiteY6" fmla="*/ 2995466 h 3346283"/>
+                  <a:gd name="connsiteX7" fmla="*/ 3218023 w 3456151"/>
+                  <a:gd name="connsiteY7" fmla="*/ 3151077 h 3346283"/>
+                  <a:gd name="connsiteX8" fmla="*/ 3039507 w 3456151"/>
+                  <a:gd name="connsiteY8" fmla="*/ 3299521 h 3346283"/>
+                  <a:gd name="connsiteX9" fmla="*/ 1981493 w 3456151"/>
+                  <a:gd name="connsiteY9" fmla="*/ 2263707 h 3346283"/>
+                  <a:gd name="connsiteX10" fmla="*/ 1981492 w 3456151"/>
+                  <a:gd name="connsiteY10" fmla="*/ 2263707 h 3346283"/>
+                  <a:gd name="connsiteX11" fmla="*/ 435556 w 3456151"/>
+                  <a:gd name="connsiteY11" fmla="*/ 768615 h 3346283"/>
+                  <a:gd name="connsiteX12" fmla="*/ 116216 w 3456151"/>
+                  <a:gd name="connsiteY12" fmla="*/ 204215 h 3346283"/>
+                  <a:gd name="connsiteX13" fmla="*/ 116072 w 3456151"/>
+                  <a:gd name="connsiteY13" fmla="*/ 204364 h 3346283"/>
+                  <a:gd name="connsiteX14" fmla="*/ 0 w 3456151"/>
+                  <a:gd name="connsiteY14" fmla="*/ 692 h 3346283"/>
+                  <a:gd name="connsiteX15" fmla="*/ 1518 w 3456151"/>
+                  <a:gd name="connsiteY15" fmla="*/ 1500 h 3346283"/>
+                  <a:gd name="connsiteX16" fmla="*/ 668 w 3456151"/>
+                  <a:gd name="connsiteY16" fmla="*/ 0 h 3346283"/>
+                  <a:gd name="connsiteX0" fmla="*/ 668 w 3465784"/>
+                  <a:gd name="connsiteY0" fmla="*/ 0 h 3357167"/>
+                  <a:gd name="connsiteX1" fmla="*/ 672 w 3465784"/>
+                  <a:gd name="connsiteY1" fmla="*/ 0 h 3357167"/>
+                  <a:gd name="connsiteX2" fmla="*/ 780078 w 3465784"/>
+                  <a:gd name="connsiteY2" fmla="*/ 412375 h 3357167"/>
+                  <a:gd name="connsiteX3" fmla="*/ 781370 w 3465784"/>
+                  <a:gd name="connsiteY3" fmla="*/ 411040 h 3357167"/>
+                  <a:gd name="connsiteX4" fmla="*/ 2331202 w 3465784"/>
+                  <a:gd name="connsiteY4" fmla="*/ 1909898 h 3357167"/>
+                  <a:gd name="connsiteX5" fmla="*/ 2331202 w 3465784"/>
+                  <a:gd name="connsiteY5" fmla="*/ 1909897 h 3357167"/>
+                  <a:gd name="connsiteX6" fmla="*/ 3413751 w 3465784"/>
+                  <a:gd name="connsiteY6" fmla="*/ 2995466 h 3357167"/>
+                  <a:gd name="connsiteX7" fmla="*/ 3291518 w 3465784"/>
+                  <a:gd name="connsiteY7" fmla="*/ 3219322 h 3357167"/>
+                  <a:gd name="connsiteX8" fmla="*/ 3039507 w 3465784"/>
+                  <a:gd name="connsiteY8" fmla="*/ 3299521 h 3357167"/>
+                  <a:gd name="connsiteX9" fmla="*/ 1981493 w 3465784"/>
+                  <a:gd name="connsiteY9" fmla="*/ 2263707 h 3357167"/>
+                  <a:gd name="connsiteX10" fmla="*/ 1981492 w 3465784"/>
+                  <a:gd name="connsiteY10" fmla="*/ 2263707 h 3357167"/>
+                  <a:gd name="connsiteX11" fmla="*/ 435556 w 3465784"/>
+                  <a:gd name="connsiteY11" fmla="*/ 768615 h 3357167"/>
+                  <a:gd name="connsiteX12" fmla="*/ 116216 w 3465784"/>
+                  <a:gd name="connsiteY12" fmla="*/ 204215 h 3357167"/>
+                  <a:gd name="connsiteX13" fmla="*/ 116072 w 3465784"/>
+                  <a:gd name="connsiteY13" fmla="*/ 204364 h 3357167"/>
+                  <a:gd name="connsiteX14" fmla="*/ 0 w 3465784"/>
+                  <a:gd name="connsiteY14" fmla="*/ 692 h 3357167"/>
+                  <a:gd name="connsiteX15" fmla="*/ 1518 w 3465784"/>
+                  <a:gd name="connsiteY15" fmla="*/ 1500 h 3357167"/>
+                  <a:gd name="connsiteX16" fmla="*/ 668 w 3465784"/>
+                  <a:gd name="connsiteY16" fmla="*/ 0 h 3357167"/>
+                  <a:gd name="connsiteX0" fmla="*/ 668 w 3468125"/>
+                  <a:gd name="connsiteY0" fmla="*/ 0 h 3356274"/>
+                  <a:gd name="connsiteX1" fmla="*/ 672 w 3468125"/>
+                  <a:gd name="connsiteY1" fmla="*/ 0 h 3356274"/>
+                  <a:gd name="connsiteX2" fmla="*/ 780078 w 3468125"/>
+                  <a:gd name="connsiteY2" fmla="*/ 412375 h 3356274"/>
+                  <a:gd name="connsiteX3" fmla="*/ 781370 w 3468125"/>
+                  <a:gd name="connsiteY3" fmla="*/ 411040 h 3356274"/>
+                  <a:gd name="connsiteX4" fmla="*/ 2331202 w 3468125"/>
+                  <a:gd name="connsiteY4" fmla="*/ 1909898 h 3356274"/>
+                  <a:gd name="connsiteX5" fmla="*/ 2331202 w 3468125"/>
+                  <a:gd name="connsiteY5" fmla="*/ 1909897 h 3356274"/>
+                  <a:gd name="connsiteX6" fmla="*/ 3413751 w 3468125"/>
+                  <a:gd name="connsiteY6" fmla="*/ 2995466 h 3356274"/>
+                  <a:gd name="connsiteX7" fmla="*/ 3291518 w 3468125"/>
+                  <a:gd name="connsiteY7" fmla="*/ 3219322 h 3356274"/>
+                  <a:gd name="connsiteX8" fmla="*/ 3039507 w 3468125"/>
+                  <a:gd name="connsiteY8" fmla="*/ 3299521 h 3356274"/>
+                  <a:gd name="connsiteX9" fmla="*/ 1981493 w 3468125"/>
+                  <a:gd name="connsiteY9" fmla="*/ 2263707 h 3356274"/>
+                  <a:gd name="connsiteX10" fmla="*/ 1981492 w 3468125"/>
+                  <a:gd name="connsiteY10" fmla="*/ 2263707 h 3356274"/>
+                  <a:gd name="connsiteX11" fmla="*/ 435556 w 3468125"/>
+                  <a:gd name="connsiteY11" fmla="*/ 768615 h 3356274"/>
+                  <a:gd name="connsiteX12" fmla="*/ 116216 w 3468125"/>
+                  <a:gd name="connsiteY12" fmla="*/ 204215 h 3356274"/>
+                  <a:gd name="connsiteX13" fmla="*/ 116072 w 3468125"/>
+                  <a:gd name="connsiteY13" fmla="*/ 204364 h 3356274"/>
+                  <a:gd name="connsiteX14" fmla="*/ 0 w 3468125"/>
+                  <a:gd name="connsiteY14" fmla="*/ 692 h 3356274"/>
+                  <a:gd name="connsiteX15" fmla="*/ 1518 w 3468125"/>
+                  <a:gd name="connsiteY15" fmla="*/ 1500 h 3356274"/>
+                  <a:gd name="connsiteX16" fmla="*/ 668 w 3468125"/>
+                  <a:gd name="connsiteY16" fmla="*/ 0 h 3356274"/>
+                  <a:gd name="connsiteX0" fmla="*/ 668 w 3468125"/>
+                  <a:gd name="connsiteY0" fmla="*/ 0 h 3302727"/>
+                  <a:gd name="connsiteX1" fmla="*/ 672 w 3468125"/>
+                  <a:gd name="connsiteY1" fmla="*/ 0 h 3302727"/>
+                  <a:gd name="connsiteX2" fmla="*/ 780078 w 3468125"/>
+                  <a:gd name="connsiteY2" fmla="*/ 412375 h 3302727"/>
+                  <a:gd name="connsiteX3" fmla="*/ 781370 w 3468125"/>
+                  <a:gd name="connsiteY3" fmla="*/ 411040 h 3302727"/>
+                  <a:gd name="connsiteX4" fmla="*/ 2331202 w 3468125"/>
+                  <a:gd name="connsiteY4" fmla="*/ 1909898 h 3302727"/>
+                  <a:gd name="connsiteX5" fmla="*/ 2331202 w 3468125"/>
+                  <a:gd name="connsiteY5" fmla="*/ 1909897 h 3302727"/>
+                  <a:gd name="connsiteX6" fmla="*/ 3413751 w 3468125"/>
+                  <a:gd name="connsiteY6" fmla="*/ 2995466 h 3302727"/>
+                  <a:gd name="connsiteX7" fmla="*/ 3291518 w 3468125"/>
+                  <a:gd name="connsiteY7" fmla="*/ 3219322 h 3302727"/>
+                  <a:gd name="connsiteX8" fmla="*/ 3039507 w 3468125"/>
+                  <a:gd name="connsiteY8" fmla="*/ 3299521 h 3302727"/>
+                  <a:gd name="connsiteX9" fmla="*/ 1981493 w 3468125"/>
+                  <a:gd name="connsiteY9" fmla="*/ 2263707 h 3302727"/>
+                  <a:gd name="connsiteX10" fmla="*/ 1981492 w 3468125"/>
+                  <a:gd name="connsiteY10" fmla="*/ 2263707 h 3302727"/>
+                  <a:gd name="connsiteX11" fmla="*/ 435556 w 3468125"/>
+                  <a:gd name="connsiteY11" fmla="*/ 768615 h 3302727"/>
+                  <a:gd name="connsiteX12" fmla="*/ 116216 w 3468125"/>
+                  <a:gd name="connsiteY12" fmla="*/ 204215 h 3302727"/>
+                  <a:gd name="connsiteX13" fmla="*/ 116072 w 3468125"/>
+                  <a:gd name="connsiteY13" fmla="*/ 204364 h 3302727"/>
+                  <a:gd name="connsiteX14" fmla="*/ 0 w 3468125"/>
+                  <a:gd name="connsiteY14" fmla="*/ 692 h 3302727"/>
+                  <a:gd name="connsiteX15" fmla="*/ 1518 w 3468125"/>
+                  <a:gd name="connsiteY15" fmla="*/ 1500 h 3302727"/>
+                  <a:gd name="connsiteX16" fmla="*/ 668 w 3468125"/>
+                  <a:gd name="connsiteY16" fmla="*/ 0 h 3302727"/>
+                  <a:gd name="connsiteX0" fmla="*/ 668 w 3413751"/>
+                  <a:gd name="connsiteY0" fmla="*/ 0 h 3302727"/>
+                  <a:gd name="connsiteX1" fmla="*/ 672 w 3413751"/>
+                  <a:gd name="connsiteY1" fmla="*/ 0 h 3302727"/>
+                  <a:gd name="connsiteX2" fmla="*/ 780078 w 3413751"/>
+                  <a:gd name="connsiteY2" fmla="*/ 412375 h 3302727"/>
+                  <a:gd name="connsiteX3" fmla="*/ 781370 w 3413751"/>
+                  <a:gd name="connsiteY3" fmla="*/ 411040 h 3302727"/>
+                  <a:gd name="connsiteX4" fmla="*/ 2331202 w 3413751"/>
+                  <a:gd name="connsiteY4" fmla="*/ 1909898 h 3302727"/>
+                  <a:gd name="connsiteX5" fmla="*/ 2331202 w 3413751"/>
+                  <a:gd name="connsiteY5" fmla="*/ 1909897 h 3302727"/>
+                  <a:gd name="connsiteX6" fmla="*/ 3413751 w 3413751"/>
+                  <a:gd name="connsiteY6" fmla="*/ 2995466 h 3302727"/>
+                  <a:gd name="connsiteX7" fmla="*/ 3291518 w 3413751"/>
+                  <a:gd name="connsiteY7" fmla="*/ 3219322 h 3302727"/>
+                  <a:gd name="connsiteX8" fmla="*/ 3039507 w 3413751"/>
+                  <a:gd name="connsiteY8" fmla="*/ 3299521 h 3302727"/>
+                  <a:gd name="connsiteX9" fmla="*/ 1981493 w 3413751"/>
+                  <a:gd name="connsiteY9" fmla="*/ 2263707 h 3302727"/>
+                  <a:gd name="connsiteX10" fmla="*/ 1981492 w 3413751"/>
+                  <a:gd name="connsiteY10" fmla="*/ 2263707 h 3302727"/>
+                  <a:gd name="connsiteX11" fmla="*/ 435556 w 3413751"/>
+                  <a:gd name="connsiteY11" fmla="*/ 768615 h 3302727"/>
+                  <a:gd name="connsiteX12" fmla="*/ 116216 w 3413751"/>
+                  <a:gd name="connsiteY12" fmla="*/ 204215 h 3302727"/>
+                  <a:gd name="connsiteX13" fmla="*/ 116072 w 3413751"/>
+                  <a:gd name="connsiteY13" fmla="*/ 204364 h 3302727"/>
+                  <a:gd name="connsiteX14" fmla="*/ 0 w 3413751"/>
+                  <a:gd name="connsiteY14" fmla="*/ 692 h 3302727"/>
+                  <a:gd name="connsiteX15" fmla="*/ 1518 w 3413751"/>
+                  <a:gd name="connsiteY15" fmla="*/ 1500 h 3302727"/>
+                  <a:gd name="connsiteX16" fmla="*/ 668 w 3413751"/>
+                  <a:gd name="connsiteY16" fmla="*/ 0 h 3302727"/>
+                  <a:gd name="connsiteX0" fmla="*/ 668 w 3413751"/>
+                  <a:gd name="connsiteY0" fmla="*/ 0 h 3302727"/>
+                  <a:gd name="connsiteX1" fmla="*/ 672 w 3413751"/>
+                  <a:gd name="connsiteY1" fmla="*/ 0 h 3302727"/>
+                  <a:gd name="connsiteX2" fmla="*/ 780078 w 3413751"/>
+                  <a:gd name="connsiteY2" fmla="*/ 412375 h 3302727"/>
+                  <a:gd name="connsiteX3" fmla="*/ 781370 w 3413751"/>
+                  <a:gd name="connsiteY3" fmla="*/ 411040 h 3302727"/>
+                  <a:gd name="connsiteX4" fmla="*/ 2331202 w 3413751"/>
+                  <a:gd name="connsiteY4" fmla="*/ 1909898 h 3302727"/>
+                  <a:gd name="connsiteX5" fmla="*/ 2331202 w 3413751"/>
+                  <a:gd name="connsiteY5" fmla="*/ 1909897 h 3302727"/>
+                  <a:gd name="connsiteX6" fmla="*/ 3413751 w 3413751"/>
+                  <a:gd name="connsiteY6" fmla="*/ 2995466 h 3302727"/>
+                  <a:gd name="connsiteX7" fmla="*/ 3291518 w 3413751"/>
+                  <a:gd name="connsiteY7" fmla="*/ 3219322 h 3302727"/>
+                  <a:gd name="connsiteX8" fmla="*/ 3039507 w 3413751"/>
+                  <a:gd name="connsiteY8" fmla="*/ 3299521 h 3302727"/>
+                  <a:gd name="connsiteX9" fmla="*/ 1981493 w 3413751"/>
+                  <a:gd name="connsiteY9" fmla="*/ 2263707 h 3302727"/>
+                  <a:gd name="connsiteX10" fmla="*/ 1981492 w 3413751"/>
+                  <a:gd name="connsiteY10" fmla="*/ 2263707 h 3302727"/>
+                  <a:gd name="connsiteX11" fmla="*/ 435556 w 3413751"/>
+                  <a:gd name="connsiteY11" fmla="*/ 768615 h 3302727"/>
+                  <a:gd name="connsiteX12" fmla="*/ 116216 w 3413751"/>
+                  <a:gd name="connsiteY12" fmla="*/ 204215 h 3302727"/>
+                  <a:gd name="connsiteX13" fmla="*/ 116072 w 3413751"/>
+                  <a:gd name="connsiteY13" fmla="*/ 204364 h 3302727"/>
+                  <a:gd name="connsiteX14" fmla="*/ 0 w 3413751"/>
+                  <a:gd name="connsiteY14" fmla="*/ 692 h 3302727"/>
+                  <a:gd name="connsiteX15" fmla="*/ 1518 w 3413751"/>
+                  <a:gd name="connsiteY15" fmla="*/ 1500 h 3302727"/>
+                  <a:gd name="connsiteX16" fmla="*/ 668 w 3413751"/>
+                  <a:gd name="connsiteY16" fmla="*/ 0 h 3302727"/>
+                  <a:gd name="connsiteX0" fmla="*/ 668 w 3413751"/>
+                  <a:gd name="connsiteY0" fmla="*/ 0 h 3304377"/>
+                  <a:gd name="connsiteX1" fmla="*/ 672 w 3413751"/>
+                  <a:gd name="connsiteY1" fmla="*/ 0 h 3304377"/>
+                  <a:gd name="connsiteX2" fmla="*/ 780078 w 3413751"/>
+                  <a:gd name="connsiteY2" fmla="*/ 412375 h 3304377"/>
+                  <a:gd name="connsiteX3" fmla="*/ 781370 w 3413751"/>
+                  <a:gd name="connsiteY3" fmla="*/ 411040 h 3304377"/>
+                  <a:gd name="connsiteX4" fmla="*/ 2331202 w 3413751"/>
+                  <a:gd name="connsiteY4" fmla="*/ 1909898 h 3304377"/>
+                  <a:gd name="connsiteX5" fmla="*/ 2331202 w 3413751"/>
+                  <a:gd name="connsiteY5" fmla="*/ 1909897 h 3304377"/>
+                  <a:gd name="connsiteX6" fmla="*/ 3413751 w 3413751"/>
+                  <a:gd name="connsiteY6" fmla="*/ 2995466 h 3304377"/>
+                  <a:gd name="connsiteX7" fmla="*/ 3291518 w 3413751"/>
+                  <a:gd name="connsiteY7" fmla="*/ 3219322 h 3304377"/>
+                  <a:gd name="connsiteX8" fmla="*/ 3039507 w 3413751"/>
+                  <a:gd name="connsiteY8" fmla="*/ 3299521 h 3304377"/>
+                  <a:gd name="connsiteX9" fmla="*/ 1981493 w 3413751"/>
+                  <a:gd name="connsiteY9" fmla="*/ 2263707 h 3304377"/>
+                  <a:gd name="connsiteX10" fmla="*/ 1981492 w 3413751"/>
+                  <a:gd name="connsiteY10" fmla="*/ 2263707 h 3304377"/>
+                  <a:gd name="connsiteX11" fmla="*/ 435556 w 3413751"/>
+                  <a:gd name="connsiteY11" fmla="*/ 768615 h 3304377"/>
+                  <a:gd name="connsiteX12" fmla="*/ 116216 w 3413751"/>
+                  <a:gd name="connsiteY12" fmla="*/ 204215 h 3304377"/>
+                  <a:gd name="connsiteX13" fmla="*/ 116072 w 3413751"/>
+                  <a:gd name="connsiteY13" fmla="*/ 204364 h 3304377"/>
+                  <a:gd name="connsiteX14" fmla="*/ 0 w 3413751"/>
+                  <a:gd name="connsiteY14" fmla="*/ 692 h 3304377"/>
+                  <a:gd name="connsiteX15" fmla="*/ 1518 w 3413751"/>
+                  <a:gd name="connsiteY15" fmla="*/ 1500 h 3304377"/>
+                  <a:gd name="connsiteX16" fmla="*/ 668 w 3413751"/>
+                  <a:gd name="connsiteY16" fmla="*/ 0 h 3304377"/>
+                  <a:gd name="connsiteX0" fmla="*/ 668 w 3413751"/>
+                  <a:gd name="connsiteY0" fmla="*/ 0 h 3306145"/>
+                  <a:gd name="connsiteX1" fmla="*/ 672 w 3413751"/>
+                  <a:gd name="connsiteY1" fmla="*/ 0 h 3306145"/>
+                  <a:gd name="connsiteX2" fmla="*/ 780078 w 3413751"/>
+                  <a:gd name="connsiteY2" fmla="*/ 412375 h 3306145"/>
+                  <a:gd name="connsiteX3" fmla="*/ 781370 w 3413751"/>
+                  <a:gd name="connsiteY3" fmla="*/ 411040 h 3306145"/>
+                  <a:gd name="connsiteX4" fmla="*/ 2331202 w 3413751"/>
+                  <a:gd name="connsiteY4" fmla="*/ 1909898 h 3306145"/>
+                  <a:gd name="connsiteX5" fmla="*/ 2331202 w 3413751"/>
+                  <a:gd name="connsiteY5" fmla="*/ 1909897 h 3306145"/>
+                  <a:gd name="connsiteX6" fmla="*/ 3413751 w 3413751"/>
+                  <a:gd name="connsiteY6" fmla="*/ 2995466 h 3306145"/>
+                  <a:gd name="connsiteX7" fmla="*/ 3275770 w 3413751"/>
+                  <a:gd name="connsiteY7" fmla="*/ 3240321 h 3306145"/>
+                  <a:gd name="connsiteX8" fmla="*/ 3039507 w 3413751"/>
+                  <a:gd name="connsiteY8" fmla="*/ 3299521 h 3306145"/>
+                  <a:gd name="connsiteX9" fmla="*/ 1981493 w 3413751"/>
+                  <a:gd name="connsiteY9" fmla="*/ 2263707 h 3306145"/>
+                  <a:gd name="connsiteX10" fmla="*/ 1981492 w 3413751"/>
+                  <a:gd name="connsiteY10" fmla="*/ 2263707 h 3306145"/>
+                  <a:gd name="connsiteX11" fmla="*/ 435556 w 3413751"/>
+                  <a:gd name="connsiteY11" fmla="*/ 768615 h 3306145"/>
+                  <a:gd name="connsiteX12" fmla="*/ 116216 w 3413751"/>
+                  <a:gd name="connsiteY12" fmla="*/ 204215 h 3306145"/>
+                  <a:gd name="connsiteX13" fmla="*/ 116072 w 3413751"/>
+                  <a:gd name="connsiteY13" fmla="*/ 204364 h 3306145"/>
+                  <a:gd name="connsiteX14" fmla="*/ 0 w 3413751"/>
+                  <a:gd name="connsiteY14" fmla="*/ 692 h 3306145"/>
+                  <a:gd name="connsiteX15" fmla="*/ 1518 w 3413751"/>
+                  <a:gd name="connsiteY15" fmla="*/ 1500 h 3306145"/>
+                  <a:gd name="connsiteX16" fmla="*/ 668 w 3413751"/>
+                  <a:gd name="connsiteY16" fmla="*/ 0 h 3306145"/>
+                </a:gdLst>
+                <a:ahLst/>
+                <a:cxnLst>
+                  <a:cxn ang="0">
+                    <a:pos x="connsiteX0" y="connsiteY0"/>
+                  </a:cxn>
+                  <a:cxn ang="0">
+                    <a:pos x="connsiteX1" y="connsiteY1"/>
+                  </a:cxn>
+                  <a:cxn ang="0">
+                    <a:pos x="connsiteX2" y="connsiteY2"/>
+                  </a:cxn>
+                  <a:cxn ang="0">
+                    <a:pos x="connsiteX3" y="connsiteY3"/>
+                  </a:cxn>
+                  <a:cxn ang="0">
+                    <a:pos x="connsiteX4" y="connsiteY4"/>
+                  </a:cxn>
+                  <a:cxn ang="0">
+                    <a:pos x="connsiteX5" y="connsiteY5"/>
+                  </a:cxn>
+                  <a:cxn ang="0">
+                    <a:pos x="connsiteX6" y="connsiteY6"/>
+                  </a:cxn>
+                  <a:cxn ang="0">
+                    <a:pos x="connsiteX7" y="connsiteY7"/>
+                  </a:cxn>
+                  <a:cxn ang="0">
+                    <a:pos x="connsiteX8" y="connsiteY8"/>
+                  </a:cxn>
+                  <a:cxn ang="0">
+                    <a:pos x="connsiteX9" y="connsiteY9"/>
+                  </a:cxn>
+                  <a:cxn ang="0">
+                    <a:pos x="connsiteX10" y="connsiteY10"/>
+                  </a:cxn>
+                  <a:cxn ang="0">
+                    <a:pos x="connsiteX11" y="connsiteY11"/>
+                  </a:cxn>
+                  <a:cxn ang="0">
+                    <a:pos x="connsiteX12" y="connsiteY12"/>
+                  </a:cxn>
+                  <a:cxn ang="0">
+                    <a:pos x="connsiteX13" y="connsiteY13"/>
+                  </a:cxn>
+                  <a:cxn ang="0">
+                    <a:pos x="connsiteX14" y="connsiteY14"/>
+                  </a:cxn>
+                  <a:cxn ang="0">
+                    <a:pos x="connsiteX15" y="connsiteY15"/>
+                  </a:cxn>
+                  <a:cxn ang="0">
+                    <a:pos x="connsiteX16" y="connsiteY16"/>
+                  </a:cxn>
+                </a:cxnLst>
+                <a:rect l="l" t="t" r="r" b="b"/>
+                <a:pathLst>
+                  <a:path w="3413751" h="3306145">
+                    <a:moveTo>
+                      <a:pt x="668" y="0"/>
+                    </a:moveTo>
+                    <a:lnTo>
+                      <a:pt x="672" y="0"/>
+                    </a:lnTo>
+                    <a:lnTo>
+                      <a:pt x="780078" y="412375"/>
+                    </a:lnTo>
+                    <a:lnTo>
+                      <a:pt x="781370" y="411040"/>
+                    </a:lnTo>
+                    <a:lnTo>
+                      <a:pt x="2331202" y="1909898"/>
+                    </a:lnTo>
+                    <a:lnTo>
+                      <a:pt x="2331202" y="1909897"/>
+                    </a:lnTo>
+                    <a:lnTo>
+                      <a:pt x="3413751" y="2995466"/>
+                    </a:lnTo>
+                    <a:cubicBezTo>
+                      <a:pt x="3388318" y="3128834"/>
+                      <a:pt x="3353893" y="3194895"/>
+                      <a:pt x="3275770" y="3240321"/>
+                    </a:cubicBezTo>
+                    <a:cubicBezTo>
+                      <a:pt x="3197647" y="3285747"/>
+                      <a:pt x="3135352" y="3321424"/>
+                      <a:pt x="3039507" y="3299521"/>
+                    </a:cubicBezTo>
+                    <a:lnTo>
+                      <a:pt x="1981493" y="2263707"/>
+                    </a:lnTo>
+                    <a:lnTo>
+                      <a:pt x="1981492" y="2263707"/>
+                    </a:lnTo>
+                    <a:lnTo>
+                      <a:pt x="435556" y="768615"/>
+                    </a:lnTo>
+                    <a:lnTo>
+                      <a:pt x="116216" y="204215"/>
+                    </a:lnTo>
+                    <a:lnTo>
+                      <a:pt x="116072" y="204364"/>
+                    </a:lnTo>
+                    <a:lnTo>
+                      <a:pt x="0" y="692"/>
+                    </a:lnTo>
+                    <a:lnTo>
+                      <a:pt x="1518" y="1500"/>
+                    </a:lnTo>
+                    <a:lnTo>
+                      <a:pt x="668" y="0"/>
+                    </a:lnTo>
+                    <a:close/>
+                  </a:path>
+                </a:pathLst>
+              </a:custGeom>
+              <a:solidFill>
+                <a:schemeClr val="tx1">
+                  <a:lumMod val="75000"/>
+                  <a:lumOff val="25000"/>
+                  <a:alpha val="25000"/>
+                </a:schemeClr>
+              </a:solidFill>
+              <a:ln>
+                <a:noFill/>
+              </a:ln>
+              <a:extLst/>
+            </p:spPr>
+            <p:txBody>
+              <a:bodyPr lIns="0" tIns="0" rIns="0" bIns="0" rtlCol="0" anchor="ctr"/>
+              <a:lstStyle/>
+              <a:p>
+                <a:pPr algn="ctr"/>
+                <a:endParaRPr lang="es-ES"/>
+              </a:p>
+            </p:txBody>
+          </p:sp>
+        </p:grpSp>
+      </p:grpSp>
     </p:spTree>
     <p:extLst>
       <p:ext uri="{BB962C8B-B14F-4D97-AF65-F5344CB8AC3E}">
-        <p14:creationId xmlns:p14="http://schemas.microsoft.com/office/powerpoint/2010/main" val="742275655"/>
+        <p14:creationId xmlns:p14="http://schemas.microsoft.com/office/powerpoint/2010/main" val="1161012277"/>
       </p:ext>
     </p:extLst>
   </p:cSld>
